--- a/PPTs/Quiz/MidtermExam2024.pptx
+++ b/PPTs/Quiz/MidtermExam2024.pptx
@@ -5,7 +5,7 @@
     <p:sldMasterId id="2147483648" r:id="rId1"/>
   </p:sldMasterIdLst>
   <p:notesMasterIdLst>
-    <p:notesMasterId r:id="rId48"/>
+    <p:notesMasterId r:id="rId50"/>
   </p:notesMasterIdLst>
   <p:sldIdLst>
     <p:sldId id="256" r:id="rId2"/>
@@ -31,29 +31,31 @@
     <p:sldId id="268" r:id="rId22"/>
     <p:sldId id="269" r:id="rId23"/>
     <p:sldId id="270" r:id="rId24"/>
-    <p:sldId id="271" r:id="rId25"/>
-    <p:sldId id="272" r:id="rId26"/>
-    <p:sldId id="273" r:id="rId27"/>
-    <p:sldId id="274" r:id="rId28"/>
-    <p:sldId id="427" r:id="rId29"/>
-    <p:sldId id="275" r:id="rId30"/>
-    <p:sldId id="276" r:id="rId31"/>
-    <p:sldId id="278" r:id="rId32"/>
-    <p:sldId id="326" r:id="rId33"/>
+    <p:sldId id="428" r:id="rId25"/>
+    <p:sldId id="271" r:id="rId26"/>
+    <p:sldId id="272" r:id="rId27"/>
+    <p:sldId id="273" r:id="rId28"/>
+    <p:sldId id="274" r:id="rId29"/>
+    <p:sldId id="427" r:id="rId30"/>
+    <p:sldId id="275" r:id="rId31"/>
+    <p:sldId id="276" r:id="rId32"/>
+    <p:sldId id="278" r:id="rId33"/>
     <p:sldId id="279" r:id="rId34"/>
     <p:sldId id="280" r:id="rId35"/>
-    <p:sldId id="281" r:id="rId36"/>
-    <p:sldId id="327" r:id="rId37"/>
-    <p:sldId id="410" r:id="rId38"/>
-    <p:sldId id="412" r:id="rId39"/>
-    <p:sldId id="413" r:id="rId40"/>
-    <p:sldId id="328" r:id="rId41"/>
-    <p:sldId id="411" r:id="rId42"/>
-    <p:sldId id="414" r:id="rId43"/>
-    <p:sldId id="415" r:id="rId44"/>
-    <p:sldId id="416" r:id="rId45"/>
-    <p:sldId id="417" r:id="rId46"/>
-    <p:sldId id="418" r:id="rId47"/>
+    <p:sldId id="326" r:id="rId36"/>
+    <p:sldId id="429" r:id="rId37"/>
+    <p:sldId id="281" r:id="rId38"/>
+    <p:sldId id="327" r:id="rId39"/>
+    <p:sldId id="410" r:id="rId40"/>
+    <p:sldId id="412" r:id="rId41"/>
+    <p:sldId id="413" r:id="rId42"/>
+    <p:sldId id="328" r:id="rId43"/>
+    <p:sldId id="411" r:id="rId44"/>
+    <p:sldId id="414" r:id="rId45"/>
+    <p:sldId id="415" r:id="rId46"/>
+    <p:sldId id="416" r:id="rId47"/>
+    <p:sldId id="417" r:id="rId48"/>
+    <p:sldId id="418" r:id="rId49"/>
   </p:sldIdLst>
   <p:sldSz cx="9144000" cy="6858000" type="screen4x3"/>
   <p:notesSz cx="6858000" cy="9144000"/>
@@ -169,6 +171,58 @@
     </p:ext>
   </p:extLst>
 </p:presentation>
+</file>
+
+<file path=ppt/ink/ink1.xml><?xml version="1.0" encoding="utf-8"?>
+<inkml:ink xmlns:inkml="http://www.w3.org/2003/InkML">
+  <inkml:definitions>
+    <inkml:context xml:id="ctx0">
+      <inkml:inkSource xml:id="inkSrc0">
+        <inkml:traceFormat>
+          <inkml:channel name="X" type="integer" min="-2.14748E9" max="2.14748E9" units="cm"/>
+          <inkml:channel name="Y" type="integer" min="-2.14748E9" max="2.14748E9" units="cm"/>
+        </inkml:traceFormat>
+        <inkml:channelProperties>
+          <inkml:channelProperty channel="X" name="resolution" value="1000" units="1/cm"/>
+          <inkml:channelProperty channel="Y" name="resolution" value="1000" units="1/cm"/>
+        </inkml:channelProperties>
+      </inkml:inkSource>
+      <inkml:timestamp xml:id="ts0" timeString="2024-10-23T14:23:36.517"/>
+    </inkml:context>
+    <inkml:brush xml:id="br0">
+      <inkml:brushProperty name="width" value="0.05" units="cm"/>
+      <inkml:brushProperty name="height" value="0.05" units="cm"/>
+      <inkml:brushProperty name="ignorePressure" value="1"/>
+    </inkml:brush>
+  </inkml:definitions>
+  <inkml:trace contextRef="#ctx0" brushRef="#br0">1 1,'7'0,"11"7,1 4</inkml:trace>
+</inkml:ink>
+</file>
+
+<file path=ppt/ink/ink2.xml><?xml version="1.0" encoding="utf-8"?>
+<inkml:ink xmlns:inkml="http://www.w3.org/2003/InkML">
+  <inkml:definitions>
+    <inkml:context xml:id="ctx0">
+      <inkml:inkSource xml:id="inkSrc0">
+        <inkml:traceFormat>
+          <inkml:channel name="X" type="integer" min="-2.14748E9" max="2.14748E9" units="cm"/>
+          <inkml:channel name="Y" type="integer" min="-2.14748E9" max="2.14748E9" units="cm"/>
+        </inkml:traceFormat>
+        <inkml:channelProperties>
+          <inkml:channelProperty channel="X" name="resolution" value="1000" units="1/cm"/>
+          <inkml:channelProperty channel="Y" name="resolution" value="1000" units="1/cm"/>
+        </inkml:channelProperties>
+      </inkml:inkSource>
+      <inkml:timestamp xml:id="ts0" timeString="2024-10-23T14:58:45.836"/>
+    </inkml:context>
+    <inkml:brush xml:id="br0">
+      <inkml:brushProperty name="width" value="0.05" units="cm"/>
+      <inkml:brushProperty name="height" value="0.05" units="cm"/>
+      <inkml:brushProperty name="ignorePressure" value="1"/>
+    </inkml:brush>
+  </inkml:definitions>
+  <inkml:trace contextRef="#ctx0" brushRef="#br0">0 0,'0'0</inkml:trace>
+</inkml:ink>
 </file>
 
 <file path=ppt/notesMasters/notesMaster1.xml><?xml version="1.0" encoding="utf-8"?>
@@ -734,163 +788,65 @@
           <a:bodyPr/>
           <a:lstStyle/>
           <a:p>
-            <a:r>
-              <a:rPr lang="en-GB" dirty="0"/>
-              <a:t>To determine the resultant hash table after inserting the keys 12, 18, 13, 2, 3, 23, 5, and 15 into an initially empty hash table of length 10 using open addressing with linear probing and the hash function $$ h(k) = k \mod 10 $$, we can follow these steps:</a:t>
-            </a:r>
-          </a:p>
-          <a:p>
-            <a:endParaRPr lang="en-GB" dirty="0"/>
-          </a:p>
-          <a:p>
-            <a:r>
-              <a:rPr lang="en-GB" dirty="0"/>
-              <a:t>1. **Hash Function Calculation**:</a:t>
-            </a:r>
-          </a:p>
-          <a:p>
-            <a:r>
-              <a:rPr lang="en-GB" dirty="0"/>
-              <a:t>   - For key 12: $$ 12 \mod 10 = 2 $$</a:t>
-            </a:r>
-          </a:p>
-          <a:p>
-            <a:r>
-              <a:rPr lang="en-GB" dirty="0"/>
-              <a:t>   - For key 18: $$ 18 \mod 10 = 8 $$</a:t>
-            </a:r>
-          </a:p>
-          <a:p>
-            <a:r>
-              <a:rPr lang="en-GB" dirty="0"/>
-              <a:t>   - For key 13: $$ 13 \mod 10 = 3 $$</a:t>
-            </a:r>
-          </a:p>
-          <a:p>
-            <a:r>
-              <a:rPr lang="en-GB" dirty="0"/>
-              <a:t>   - For key 2: $$ 2 \mod 10 = 2 $$</a:t>
-            </a:r>
-          </a:p>
-          <a:p>
-            <a:r>
-              <a:rPr lang="en-GB" dirty="0"/>
-              <a:t>   - For key 3: $$ 3 \mod 10 = 3 $$</a:t>
-            </a:r>
-          </a:p>
-          <a:p>
-            <a:r>
-              <a:rPr lang="en-GB" dirty="0"/>
-              <a:t>   - For key 23: $$ 23 \mod 10 = 3 $$</a:t>
-            </a:r>
-          </a:p>
-          <a:p>
-            <a:r>
-              <a:rPr lang="en-GB" dirty="0"/>
-              <a:t>   - For key 5: $$ 5 \mod 10 = 5 $$</a:t>
-            </a:r>
-          </a:p>
-          <a:p>
-            <a:r>
-              <a:rPr lang="en-GB" dirty="0"/>
-              <a:t>   - For key 15: $$ 15 \mod 10 = 5 $$</a:t>
-            </a:r>
-          </a:p>
-          <a:p>
-            <a:endParaRPr lang="en-GB" dirty="0"/>
-          </a:p>
-          <a:p>
-            <a:r>
-              <a:rPr lang="en-GB" dirty="0"/>
-              <a:t>2. **Insert Keys Using Linear Probing**:</a:t>
-            </a:r>
-          </a:p>
-          <a:p>
-            <a:r>
-              <a:rPr lang="en-GB" dirty="0"/>
-              <a:t>   - Insert `12` at index `2`.</a:t>
-            </a:r>
-          </a:p>
-          <a:p>
-            <a:r>
-              <a:rPr lang="en-GB" dirty="0"/>
-              <a:t>   - Insert `18` at index `8`.</a:t>
-            </a:r>
-          </a:p>
-          <a:p>
-            <a:r>
-              <a:rPr lang="en-GB" dirty="0"/>
-              <a:t>   - Insert `13` at index `3`.</a:t>
-            </a:r>
-          </a:p>
-          <a:p>
-            <a:r>
-              <a:rPr lang="en-GB" dirty="0"/>
-              <a:t>   - Attempt to insert `2` at index `2`, but it's occupied. Use linear probing to find the next available slot. It goes to index `4`.</a:t>
-            </a:r>
-          </a:p>
-          <a:p>
-            <a:r>
-              <a:rPr lang="en-GB" dirty="0"/>
-              <a:t>   - Attempt to insert `3` at index `3`, but it's occupied. Use linear probing to find the next available slot. It goes to index `5`.</a:t>
-            </a:r>
-          </a:p>
-          <a:p>
-            <a:r>
-              <a:rPr lang="en-GB" dirty="0"/>
-              <a:t>   - Attempt to insert `23` at index `3`, but it's occupied. Use linear probing to find the next available slot. It goes to index `6`.</a:t>
-            </a:r>
-          </a:p>
-          <a:p>
-            <a:r>
-              <a:rPr lang="en-GB" dirty="0"/>
-              <a:t>   - Insert `5` at index `5`, but it's occupied. Use linear probing to find the next available slot. It goes to index `7`.</a:t>
-            </a:r>
-          </a:p>
-          <a:p>
-            <a:r>
-              <a:rPr lang="en-GB" dirty="0"/>
-              <a:t>   - Attempt to insert `15` at index `5`, but it's occupied. Use linear probing to find the next available slot. It goes to index `9`.</a:t>
-            </a:r>
-          </a:p>
-          <a:p>
-            <a:endParaRPr lang="en-GB" dirty="0"/>
-          </a:p>
-          <a:p>
-            <a:r>
-              <a:rPr lang="en-GB" dirty="0"/>
-              <a:t>The final hash table is:</a:t>
-            </a:r>
-          </a:p>
-          <a:p>
-            <a:endParaRPr lang="en-GB" dirty="0"/>
-          </a:p>
-          <a:p>
-            <a:r>
-              <a:rPr lang="en-GB" dirty="0"/>
-              <a:t>```</a:t>
-            </a:r>
-          </a:p>
-          <a:p>
-            <a:r>
-              <a:rPr lang="en-GB" dirty="0"/>
-              <a:t>[None, None, 12, 13, 2, 3, 23, 5, 18, 15]</a:t>
-            </a:r>
-          </a:p>
-          <a:p>
-            <a:r>
-              <a:rPr lang="en-GB" dirty="0"/>
-              <a:t>```</a:t>
-            </a:r>
-          </a:p>
-          <a:p>
-            <a:endParaRPr lang="en-GB" dirty="0"/>
-          </a:p>
-          <a:p>
-            <a:r>
-              <a:rPr lang="en-GB" dirty="0"/>
-              <a:t>This table reflects the use of linear probing to resolve collisions by finding the next available slot in sequence.</a:t>
-            </a:r>
+            <a:pPr algn="l"/>
+            <a:r>
+              <a:rPr lang="en-GB" b="0" i="0" dirty="0">
+                <a:effectLst/>
+                <a:latin typeface="__fkGroteskNeue_598ab8"/>
+              </a:rPr>
+              <a:t>Since there are no collisions with these initial indices, each element is placed directly into its calculated </a:t>
+            </a:r>
+            <a:r>
+              <a:rPr lang="en-GB" b="0" i="0" dirty="0" err="1">
+                <a:effectLst/>
+                <a:latin typeface="__fkGroteskNeue_598ab8"/>
+              </a:rPr>
+              <a:t>position.Thus</a:t>
+            </a:r>
+            <a:r>
+              <a:rPr lang="en-GB" b="0" i="0" dirty="0">
+                <a:effectLst/>
+                <a:latin typeface="__fkGroteskNeue_598ab8"/>
+              </a:rPr>
+              <a:t>, the final contents of the hash table </a:t>
+            </a:r>
+            <a:r>
+              <a:rPr lang="en-GB" b="0" i="0" dirty="0" err="1">
+                <a:effectLst/>
+                <a:latin typeface="__fkGroteskNeue_598ab8"/>
+              </a:rPr>
+              <a:t>are:</a:t>
+            </a:r>
+            <a:r>
+              <a:rPr lang="en-GB" b="0" i="0" dirty="0" err="1">
+                <a:effectLst/>
+                <a:latin typeface="var(--font-berkeley-mono)"/>
+              </a:rPr>
+              <a:t>text</a:t>
+            </a:r>
+            <a:endParaRPr lang="en-GB" b="0" i="0" dirty="0">
+              <a:effectLst/>
+              <a:latin typeface="var(--font-berkeley-mono)"/>
+            </a:endParaRPr>
+          </a:p>
+          <a:p>
+            <a:pPr algn="l"/>
+            <a:r>
+              <a:rPr lang="en-GB" b="0" i="0" dirty="0">
+                <a:solidFill>
+                  <a:srgbClr val="4D4D4C"/>
+                </a:solidFill>
+                <a:effectLst/>
+                <a:latin typeface="inherit"/>
+              </a:rPr>
+              <a:t>[3, 10, 1, 8, '__', '__', '__']</a:t>
+            </a:r>
+            <a:endParaRPr lang="en-GB" b="0" i="0" dirty="0">
+              <a:effectLst/>
+              <a:latin typeface="var(--font-berkeley-mono)"/>
+            </a:endParaRPr>
+          </a:p>
+          <a:p>
             <a:endParaRPr lang="en-SE" dirty="0"/>
           </a:p>
         </p:txBody>
@@ -912,7 +868,7 @@
           <a:p>
             <a:fld id="{13F62E29-99FC-EB40-923F-D38E4FE7BE7E}" type="slidenum">
               <a:rPr lang="en-US" smtClean="0"/>
-              <a:t>33</a:t>
+              <a:t>32</a:t>
             </a:fld>
             <a:endParaRPr lang="en-US"/>
           </a:p>
@@ -921,7 +877,7 @@
     </p:spTree>
     <p:extLst>
       <p:ext uri="{BB962C8B-B14F-4D97-AF65-F5344CB8AC3E}">
-        <p14:creationId xmlns:p14="http://schemas.microsoft.com/office/powerpoint/2010/main" val="1239886489"/>
+        <p14:creationId xmlns:p14="http://schemas.microsoft.com/office/powerpoint/2010/main" val="3446136522"/>
       </p:ext>
     </p:extLst>
   </p:cSld>
@@ -976,230 +932,162 @@
           <a:lstStyle/>
           <a:p>
             <a:r>
-              <a:rPr lang="en-GB" dirty="0">
-                <a:effectLst/>
-                <a:latin typeface="var(--font-fk-grotesk-neue)"/>
-              </a:rPr>
-              <a:t>A full binary tree with height </a:t>
-            </a:r>
-            <a:r>
-              <a:rPr lang="en-GB" dirty="0" err="1">
-                <a:effectLst/>
-                <a:latin typeface="KaTeX_Main"/>
-              </a:rPr>
-              <a:t>h</a:t>
-            </a:r>
-            <a:r>
-              <a:rPr lang="en-GB" i="1" dirty="0" err="1">
-                <a:effectLst/>
-                <a:latin typeface="KaTeX_Math"/>
-              </a:rPr>
-              <a:t>h</a:t>
-            </a:r>
-            <a:r>
-              <a:rPr lang="en-GB" dirty="0">
-                <a:effectLst/>
-                <a:latin typeface="var(--font-fk-grotesk-neue)"/>
-              </a:rPr>
-              <a:t> has a total number of nodes given by the formula:</a:t>
-            </a:r>
-            <a:r>
-              <a:rPr lang="en-GB" dirty="0">
-                <a:effectLst/>
-                <a:latin typeface="KaTeX_Main"/>
-              </a:rPr>
-              <a:t>2h+1−12</a:t>
-            </a:r>
-            <a:r>
-              <a:rPr lang="en-GB" i="1" dirty="0">
-                <a:effectLst/>
-                <a:latin typeface="KaTeX_Math"/>
-              </a:rPr>
-              <a:t>h</a:t>
-            </a:r>
-            <a:r>
-              <a:rPr lang="en-GB" dirty="0">
-                <a:effectLst/>
-                <a:latin typeface="KaTeX_Main"/>
-              </a:rPr>
-              <a:t>+1−1</a:t>
-            </a:r>
-            <a:endParaRPr lang="en-GB" dirty="0">
-              <a:effectLst/>
-              <a:latin typeface="var(--font-fk-grotesk-neue)"/>
-            </a:endParaRPr>
-          </a:p>
-          <a:p>
-            <a:r>
-              <a:rPr lang="en-GB" dirty="0">
-                <a:effectLst/>
-                <a:latin typeface="var(--font-fk-grotesk-neue)"/>
-              </a:rPr>
-              <a:t>This formula arises because, in a full binary tree, each level is completely filled. The number of nodes at each level </a:t>
-            </a:r>
-            <a:r>
-              <a:rPr lang="en-GB" dirty="0" err="1">
-                <a:effectLst/>
-                <a:latin typeface="KaTeX_Main"/>
-              </a:rPr>
-              <a:t>l</a:t>
-            </a:r>
-            <a:r>
-              <a:rPr lang="en-GB" i="1" dirty="0" err="1">
-                <a:effectLst/>
-                <a:latin typeface="KaTeX_Math"/>
-              </a:rPr>
-              <a:t>l</a:t>
-            </a:r>
-            <a:r>
-              <a:rPr lang="en-GB" dirty="0">
-                <a:effectLst/>
-                <a:latin typeface="var(--font-fk-grotesk-neue)"/>
-              </a:rPr>
-              <a:t> is </a:t>
-            </a:r>
-            <a:r>
-              <a:rPr lang="en-GB" dirty="0">
-                <a:effectLst/>
-                <a:latin typeface="KaTeX_Main"/>
-              </a:rPr>
-              <a:t>2l2</a:t>
-            </a:r>
-            <a:r>
-              <a:rPr lang="en-GB" i="1" dirty="0">
-                <a:effectLst/>
-                <a:latin typeface="KaTeX_Math"/>
-              </a:rPr>
-              <a:t>l</a:t>
-            </a:r>
-            <a:r>
-              <a:rPr lang="en-GB" dirty="0">
-                <a:effectLst/>
-                <a:latin typeface="var(--font-fk-grotesk-neue)"/>
-              </a:rPr>
-              <a:t>. Therefore, the total number of nodes is the sum of nodes at all levels from 0 to </a:t>
-            </a:r>
-            <a:r>
-              <a:rPr lang="en-GB" dirty="0" err="1">
-                <a:effectLst/>
-                <a:latin typeface="KaTeX_Main"/>
-              </a:rPr>
-              <a:t>h</a:t>
-            </a:r>
-            <a:r>
-              <a:rPr lang="en-GB" i="1" dirty="0" err="1">
-                <a:effectLst/>
-                <a:latin typeface="KaTeX_Math"/>
-              </a:rPr>
-              <a:t>h</a:t>
-            </a:r>
-            <a:r>
-              <a:rPr lang="en-GB" dirty="0">
-                <a:effectLst/>
-                <a:latin typeface="var(--font-fk-grotesk-neue)"/>
-              </a:rPr>
-              <a:t>, which is a geometric series:</a:t>
-            </a:r>
-            <a:r>
-              <a:rPr lang="en-GB" dirty="0">
-                <a:effectLst/>
-                <a:latin typeface="KaTeX_Main"/>
-              </a:rPr>
-              <a:t>1+2+4+…+2h=2h+1−11+2+4+…+2</a:t>
-            </a:r>
-            <a:r>
-              <a:rPr lang="en-GB" i="1" dirty="0">
-                <a:effectLst/>
-                <a:latin typeface="KaTeX_Math"/>
-              </a:rPr>
-              <a:t>h</a:t>
-            </a:r>
-            <a:r>
-              <a:rPr lang="en-GB" dirty="0">
-                <a:effectLst/>
-                <a:latin typeface="KaTeX_Main"/>
-              </a:rPr>
-              <a:t>=2</a:t>
-            </a:r>
-            <a:r>
-              <a:rPr lang="en-GB" i="1" dirty="0">
-                <a:effectLst/>
-                <a:latin typeface="KaTeX_Math"/>
-              </a:rPr>
-              <a:t>h</a:t>
-            </a:r>
-            <a:r>
-              <a:rPr lang="en-GB" dirty="0">
-                <a:effectLst/>
-                <a:latin typeface="KaTeX_Main"/>
-              </a:rPr>
-              <a:t>+1−1</a:t>
-            </a:r>
-            <a:endParaRPr lang="en-GB" dirty="0">
-              <a:effectLst/>
-              <a:latin typeface="var(--font-fk-grotesk-neue)"/>
-            </a:endParaRPr>
-          </a:p>
-          <a:p>
-            <a:pPr algn="ctr"/>
-            <a:r>
-              <a:rPr lang="en-GB" dirty="0">
-                <a:effectLst/>
-                <a:latin typeface="var(--font-fk-grotesk-neue)"/>
-              </a:rPr>
-              <a:t>This means that for a full binary tree, the total number of nodes grows exponentially with the height of the tree</a:t>
-            </a:r>
-            <a:r>
-              <a:rPr lang="en-GB" b="0" u="none" strike="noStrike" dirty="0">
-                <a:effectLst/>
-                <a:latin typeface="var(--font-berkeley-mono)"/>
-                <a:hlinkClick r:id="rId3"/>
-              </a:rPr>
-              <a:t>1</a:t>
-            </a:r>
-          </a:p>
-          <a:p>
-            <a:pPr algn="ctr"/>
-            <a:r>
-              <a:rPr lang="en-GB" b="0" u="none" strike="noStrike" dirty="0">
-                <a:effectLst/>
-                <a:latin typeface="var(--font-berkeley-mono)"/>
-                <a:hlinkClick r:id="rId4"/>
-              </a:rPr>
-              <a:t>3</a:t>
-            </a:r>
-          </a:p>
-          <a:p>
-            <a:r>
-              <a:rPr lang="en-GB" dirty="0">
-                <a:effectLst/>
-                <a:latin typeface="var(--font-fk-grotesk-neue)"/>
-              </a:rPr>
-              <a:t>.</a:t>
-            </a:r>
-          </a:p>
-          <a:p>
-            <a:r>
-              <a:rPr lang="en-GB" dirty="0">
-                <a:effectLst/>
-              </a:rPr>
-              <a:t>Share</a:t>
-            </a:r>
-          </a:p>
-          <a:p>
-            <a:r>
-              <a:rPr lang="en-GB" dirty="0">
-                <a:effectLst/>
-              </a:rPr>
-              <a:t>Rewrite</a:t>
-            </a:r>
-          </a:p>
-          <a:p>
-            <a:br>
-              <a:rPr lang="en-GB" dirty="0">
-                <a:effectLst/>
-              </a:rPr>
-            </a:br>
+              <a:rPr lang="en-GB" dirty="0"/>
+              <a:t>To determine the resultant hash table after inserting the keys 12, 18, 13, 2, 3, 23, 5, and 15 into an initially empty hash table of length 10 using open addressing with linear probing and the hash function $$ h(k) = k \mod 10 $$, we can follow these steps:</a:t>
+            </a:r>
+          </a:p>
+          <a:p>
+            <a:endParaRPr lang="en-GB" dirty="0"/>
+          </a:p>
+          <a:p>
+            <a:r>
+              <a:rPr lang="en-GB" dirty="0"/>
+              <a:t>1. **Hash Function Calculation**:</a:t>
+            </a:r>
+          </a:p>
+          <a:p>
+            <a:r>
+              <a:rPr lang="en-GB" dirty="0"/>
+              <a:t>   - For key 12: $$ 12 \mod 10 = 2 $$</a:t>
+            </a:r>
+          </a:p>
+          <a:p>
+            <a:r>
+              <a:rPr lang="en-GB" dirty="0"/>
+              <a:t>   - For key 18: $$ 18 \mod 10 = 8 $$</a:t>
+            </a:r>
+          </a:p>
+          <a:p>
+            <a:r>
+              <a:rPr lang="en-GB" dirty="0"/>
+              <a:t>   - For key 13: $$ 13 \mod 10 = 3 $$</a:t>
+            </a:r>
+          </a:p>
+          <a:p>
+            <a:r>
+              <a:rPr lang="en-GB" dirty="0"/>
+              <a:t>   - For key 2: $$ 2 \mod 10 = 2 $$</a:t>
+            </a:r>
+          </a:p>
+          <a:p>
+            <a:r>
+              <a:rPr lang="en-GB" dirty="0"/>
+              <a:t>   - For key 3: $$ 3 \mod 10 = 3 $$</a:t>
+            </a:r>
+          </a:p>
+          <a:p>
+            <a:r>
+              <a:rPr lang="en-GB" dirty="0"/>
+              <a:t>   - For key 23: $$ 23 \mod 10 = 3 $$</a:t>
+            </a:r>
+          </a:p>
+          <a:p>
+            <a:r>
+              <a:rPr lang="en-GB" dirty="0"/>
+              <a:t>   - For key 5: $$ 5 \mod 10 = 5 $$</a:t>
+            </a:r>
+          </a:p>
+          <a:p>
+            <a:r>
+              <a:rPr lang="en-GB" dirty="0"/>
+              <a:t>   - For key 15: $$ 15 \mod 10 = 5 $$</a:t>
+            </a:r>
+          </a:p>
+          <a:p>
+            <a:endParaRPr lang="en-GB" dirty="0"/>
+          </a:p>
+          <a:p>
+            <a:r>
+              <a:rPr lang="en-GB" dirty="0"/>
+              <a:t>2. **Insert Keys Using Linear Probing**:</a:t>
+            </a:r>
+          </a:p>
+          <a:p>
+            <a:r>
+              <a:rPr lang="en-GB" dirty="0"/>
+              <a:t>   - Insert `12` at index `2`.</a:t>
+            </a:r>
+          </a:p>
+          <a:p>
+            <a:r>
+              <a:rPr lang="en-GB" dirty="0"/>
+              <a:t>   - Insert `18` at index `8`.</a:t>
+            </a:r>
+          </a:p>
+          <a:p>
+            <a:r>
+              <a:rPr lang="en-GB" dirty="0"/>
+              <a:t>   - Insert `13` at index `3`.</a:t>
+            </a:r>
+          </a:p>
+          <a:p>
+            <a:r>
+              <a:rPr lang="en-GB" dirty="0"/>
+              <a:t>   - Attempt to insert `2` at index `2`, but it's occupied. Use linear probing to find the next available slot. It goes to index `4`.</a:t>
+            </a:r>
+          </a:p>
+          <a:p>
+            <a:r>
+              <a:rPr lang="en-GB" dirty="0"/>
+              <a:t>   - Attempt to insert `3` at index `3`, but it's occupied. Use linear probing to find the next available slot. It goes to index `5`.</a:t>
+            </a:r>
+          </a:p>
+          <a:p>
+            <a:r>
+              <a:rPr lang="en-GB" dirty="0"/>
+              <a:t>   - Attempt to insert `23` at index `3`, but it's occupied. Use linear probing to find the next available slot. It goes to index `6`.</a:t>
+            </a:r>
+          </a:p>
+          <a:p>
+            <a:r>
+              <a:rPr lang="en-GB" dirty="0"/>
+              <a:t>   - Insert `5` at index `5`, but it's occupied. Use linear probing to find the next available slot. It goes to index `7`.</a:t>
+            </a:r>
+          </a:p>
+          <a:p>
+            <a:r>
+              <a:rPr lang="en-GB" dirty="0"/>
+              <a:t>   - Attempt to insert `15` at index `5`, but it's occupied. Use linear probing to find the next available slot. It goes to index `9`.</a:t>
+            </a:r>
+          </a:p>
+          <a:p>
+            <a:endParaRPr lang="en-GB" dirty="0"/>
+          </a:p>
+          <a:p>
+            <a:r>
+              <a:rPr lang="en-GB" dirty="0"/>
+              <a:t>The final hash table is:</a:t>
+            </a:r>
+          </a:p>
+          <a:p>
+            <a:endParaRPr lang="en-GB" dirty="0"/>
+          </a:p>
+          <a:p>
+            <a:r>
+              <a:rPr lang="en-GB" dirty="0"/>
+              <a:t>```</a:t>
+            </a:r>
+          </a:p>
+          <a:p>
+            <a:r>
+              <a:rPr lang="en-GB" dirty="0"/>
+              <a:t>[None, None, 12, 13, 2, 3, 23, 5, 18, 15]</a:t>
+            </a:r>
+          </a:p>
+          <a:p>
+            <a:r>
+              <a:rPr lang="en-GB" dirty="0"/>
+              <a:t>```</a:t>
+            </a:r>
+          </a:p>
+          <a:p>
+            <a:endParaRPr lang="en-GB" dirty="0"/>
+          </a:p>
+          <a:p>
+            <a:r>
+              <a:rPr lang="en-GB" dirty="0"/>
+              <a:t>This table reflects the use of linear probing to resolve collisions by finding the next available slot in sequence.</a:t>
+            </a:r>
             <a:endParaRPr lang="en-SE" dirty="0"/>
           </a:p>
         </p:txBody>
@@ -1221,7 +1109,400 @@
           <a:p>
             <a:fld id="{13F62E29-99FC-EB40-923F-D38E4FE7BE7E}" type="slidenum">
               <a:rPr lang="en-US" smtClean="0"/>
-              <a:t>38</a:t>
+              <a:t>33</a:t>
+            </a:fld>
+            <a:endParaRPr lang="en-US"/>
+          </a:p>
+        </p:txBody>
+      </p:sp>
+    </p:spTree>
+    <p:extLst>
+      <p:ext uri="{BB962C8B-B14F-4D97-AF65-F5344CB8AC3E}">
+        <p14:creationId xmlns:p14="http://schemas.microsoft.com/office/powerpoint/2010/main" val="1239886489"/>
+      </p:ext>
+    </p:extLst>
+  </p:cSld>
+  <p:clrMapOvr>
+    <a:masterClrMapping/>
+  </p:clrMapOvr>
+</p:notes>
+</file>
+
+<file path=ppt/notesSlides/notesSlide12.xml><?xml version="1.0" encoding="utf-8"?>
+<p:notes xmlns:a="http://schemas.openxmlformats.org/drawingml/2006/main" xmlns:r="http://schemas.openxmlformats.org/officeDocument/2006/relationships" xmlns:p="http://schemas.openxmlformats.org/presentationml/2006/main">
+  <p:cSld>
+    <p:spTree>
+      <p:nvGrpSpPr>
+        <p:cNvPr id="1" name=""/>
+        <p:cNvGrpSpPr/>
+        <p:nvPr/>
+      </p:nvGrpSpPr>
+      <p:grpSpPr>
+        <a:xfrm>
+          <a:off x="0" y="0"/>
+          <a:ext cx="0" cy="0"/>
+          <a:chOff x="0" y="0"/>
+          <a:chExt cx="0" cy="0"/>
+        </a:xfrm>
+      </p:grpSpPr>
+      <p:sp>
+        <p:nvSpPr>
+          <p:cNvPr id="2" name="Slide Image Placeholder 1"/>
+          <p:cNvSpPr>
+            <a:spLocks noGrp="1" noRot="1" noChangeAspect="1"/>
+          </p:cNvSpPr>
+          <p:nvPr>
+            <p:ph type="sldImg"/>
+          </p:nvPr>
+        </p:nvSpPr>
+        <p:spPr/>
+      </p:sp>
+      <p:sp>
+        <p:nvSpPr>
+          <p:cNvPr id="3" name="Notes Placeholder 2"/>
+          <p:cNvSpPr>
+            <a:spLocks noGrp="1"/>
+          </p:cNvSpPr>
+          <p:nvPr>
+            <p:ph type="body" idx="1"/>
+          </p:nvPr>
+        </p:nvSpPr>
+        <p:spPr/>
+        <p:txBody>
+          <a:bodyPr/>
+          <a:lstStyle/>
+          <a:p>
+            <a:endParaRPr lang="en-US" dirty="0"/>
+          </a:p>
+        </p:txBody>
+      </p:sp>
+      <p:sp>
+        <p:nvSpPr>
+          <p:cNvPr id="4" name="Slide Number Placeholder 3"/>
+          <p:cNvSpPr>
+            <a:spLocks noGrp="1"/>
+          </p:cNvSpPr>
+          <p:nvPr>
+            <p:ph type="sldNum" sz="quarter" idx="5"/>
+          </p:nvPr>
+        </p:nvSpPr>
+        <p:spPr/>
+        <p:txBody>
+          <a:bodyPr/>
+          <a:lstStyle/>
+          <a:p>
+            <a:fld id="{13F62E29-99FC-EB40-923F-D38E4FE7BE7E}" type="slidenum">
+              <a:rPr lang="en-US" smtClean="0"/>
+              <a:t>35</a:t>
+            </a:fld>
+            <a:endParaRPr lang="en-US"/>
+          </a:p>
+        </p:txBody>
+      </p:sp>
+    </p:spTree>
+    <p:extLst>
+      <p:ext uri="{BB962C8B-B14F-4D97-AF65-F5344CB8AC3E}">
+        <p14:creationId xmlns:p14="http://schemas.microsoft.com/office/powerpoint/2010/main" val="2225452182"/>
+      </p:ext>
+    </p:extLst>
+  </p:cSld>
+  <p:clrMapOvr>
+    <a:masterClrMapping/>
+  </p:clrMapOvr>
+</p:notes>
+</file>
+
+<file path=ppt/notesSlides/notesSlide13.xml><?xml version="1.0" encoding="utf-8"?>
+<p:notes xmlns:a="http://schemas.openxmlformats.org/drawingml/2006/main" xmlns:r="http://schemas.openxmlformats.org/officeDocument/2006/relationships" xmlns:p="http://schemas.openxmlformats.org/presentationml/2006/main">
+  <p:cSld>
+    <p:spTree>
+      <p:nvGrpSpPr>
+        <p:cNvPr id="1" name=""/>
+        <p:cNvGrpSpPr/>
+        <p:nvPr/>
+      </p:nvGrpSpPr>
+      <p:grpSpPr>
+        <a:xfrm>
+          <a:off x="0" y="0"/>
+          <a:ext cx="0" cy="0"/>
+          <a:chOff x="0" y="0"/>
+          <a:chExt cx="0" cy="0"/>
+        </a:xfrm>
+      </p:grpSpPr>
+      <p:sp>
+        <p:nvSpPr>
+          <p:cNvPr id="2" name="Slide Image Placeholder 1"/>
+          <p:cNvSpPr>
+            <a:spLocks noGrp="1" noRot="1" noChangeAspect="1"/>
+          </p:cNvSpPr>
+          <p:nvPr>
+            <p:ph type="sldImg"/>
+          </p:nvPr>
+        </p:nvSpPr>
+        <p:spPr/>
+      </p:sp>
+      <p:sp>
+        <p:nvSpPr>
+          <p:cNvPr id="3" name="Notes Placeholder 2"/>
+          <p:cNvSpPr>
+            <a:spLocks noGrp="1"/>
+          </p:cNvSpPr>
+          <p:nvPr>
+            <p:ph type="body" idx="1"/>
+          </p:nvPr>
+        </p:nvSpPr>
+        <p:spPr/>
+        <p:txBody>
+          <a:bodyPr/>
+          <a:lstStyle/>
+          <a:p>
+            <a:r>
+              <a:rPr lang="en-GB" dirty="0">
+                <a:effectLst/>
+                <a:latin typeface="var(--font-fk-grotesk-neue)"/>
+              </a:rPr>
+              <a:t>A full binary tree with height </a:t>
+            </a:r>
+            <a:r>
+              <a:rPr lang="en-GB" dirty="0" err="1">
+                <a:effectLst/>
+                <a:latin typeface="KaTeX_Main"/>
+              </a:rPr>
+              <a:t>h</a:t>
+            </a:r>
+            <a:r>
+              <a:rPr lang="en-GB" i="1" dirty="0" err="1">
+                <a:effectLst/>
+                <a:latin typeface="KaTeX_Math"/>
+              </a:rPr>
+              <a:t>h</a:t>
+            </a:r>
+            <a:r>
+              <a:rPr lang="en-GB" dirty="0">
+                <a:effectLst/>
+                <a:latin typeface="var(--font-fk-grotesk-neue)"/>
+              </a:rPr>
+              <a:t> has a total number of nodes given by the formula:</a:t>
+            </a:r>
+            <a:r>
+              <a:rPr lang="en-GB" dirty="0">
+                <a:effectLst/>
+                <a:latin typeface="KaTeX_Main"/>
+              </a:rPr>
+              <a:t>2h+1−12</a:t>
+            </a:r>
+            <a:r>
+              <a:rPr lang="en-GB" i="1" dirty="0">
+                <a:effectLst/>
+                <a:latin typeface="KaTeX_Math"/>
+              </a:rPr>
+              <a:t>h</a:t>
+            </a:r>
+            <a:r>
+              <a:rPr lang="en-GB" dirty="0">
+                <a:effectLst/>
+                <a:latin typeface="KaTeX_Main"/>
+              </a:rPr>
+              <a:t>+1−1</a:t>
+            </a:r>
+            <a:endParaRPr lang="en-GB" dirty="0">
+              <a:effectLst/>
+              <a:latin typeface="var(--font-fk-grotesk-neue)"/>
+            </a:endParaRPr>
+          </a:p>
+          <a:p>
+            <a:r>
+              <a:rPr lang="en-GB" dirty="0">
+                <a:effectLst/>
+                <a:latin typeface="var(--font-fk-grotesk-neue)"/>
+              </a:rPr>
+              <a:t>This formula arises because, in a full binary tree, each level is completely filled. The number of nodes at each level </a:t>
+            </a:r>
+            <a:r>
+              <a:rPr lang="en-GB" dirty="0" err="1">
+                <a:effectLst/>
+                <a:latin typeface="KaTeX_Main"/>
+              </a:rPr>
+              <a:t>l</a:t>
+            </a:r>
+            <a:r>
+              <a:rPr lang="en-GB" i="1" dirty="0" err="1">
+                <a:effectLst/>
+                <a:latin typeface="KaTeX_Math"/>
+              </a:rPr>
+              <a:t>l</a:t>
+            </a:r>
+            <a:r>
+              <a:rPr lang="en-GB" dirty="0">
+                <a:effectLst/>
+                <a:latin typeface="var(--font-fk-grotesk-neue)"/>
+              </a:rPr>
+              <a:t> is </a:t>
+            </a:r>
+            <a:r>
+              <a:rPr lang="en-GB" dirty="0">
+                <a:effectLst/>
+                <a:latin typeface="KaTeX_Main"/>
+              </a:rPr>
+              <a:t>2l2</a:t>
+            </a:r>
+            <a:r>
+              <a:rPr lang="en-GB" i="1" dirty="0">
+                <a:effectLst/>
+                <a:latin typeface="KaTeX_Math"/>
+              </a:rPr>
+              <a:t>l</a:t>
+            </a:r>
+            <a:r>
+              <a:rPr lang="en-GB" dirty="0">
+                <a:effectLst/>
+                <a:latin typeface="var(--font-fk-grotesk-neue)"/>
+              </a:rPr>
+              <a:t>. Therefore, the total number of nodes is the sum of nodes at all levels from 0 to </a:t>
+            </a:r>
+            <a:r>
+              <a:rPr lang="en-GB" dirty="0" err="1">
+                <a:effectLst/>
+                <a:latin typeface="KaTeX_Main"/>
+              </a:rPr>
+              <a:t>h</a:t>
+            </a:r>
+            <a:r>
+              <a:rPr lang="en-GB" i="1" dirty="0" err="1">
+                <a:effectLst/>
+                <a:latin typeface="KaTeX_Math"/>
+              </a:rPr>
+              <a:t>h</a:t>
+            </a:r>
+            <a:r>
+              <a:rPr lang="en-GB" dirty="0">
+                <a:effectLst/>
+                <a:latin typeface="var(--font-fk-grotesk-neue)"/>
+              </a:rPr>
+              <a:t>, which is a geometric series:</a:t>
+            </a:r>
+            <a:r>
+              <a:rPr lang="en-GB" dirty="0">
+                <a:effectLst/>
+                <a:latin typeface="KaTeX_Main"/>
+              </a:rPr>
+              <a:t>1+2+4+…+2h=2h+1−11+2+4+…+2</a:t>
+            </a:r>
+            <a:r>
+              <a:rPr lang="en-GB" i="1" dirty="0">
+                <a:effectLst/>
+                <a:latin typeface="KaTeX_Math"/>
+              </a:rPr>
+              <a:t>h</a:t>
+            </a:r>
+            <a:r>
+              <a:rPr lang="en-GB" dirty="0">
+                <a:effectLst/>
+                <a:latin typeface="KaTeX_Main"/>
+              </a:rPr>
+              <a:t>=2</a:t>
+            </a:r>
+            <a:r>
+              <a:rPr lang="en-GB" i="1" dirty="0">
+                <a:effectLst/>
+                <a:latin typeface="KaTeX_Math"/>
+              </a:rPr>
+              <a:t>h</a:t>
+            </a:r>
+            <a:r>
+              <a:rPr lang="en-GB" dirty="0">
+                <a:effectLst/>
+                <a:latin typeface="KaTeX_Main"/>
+              </a:rPr>
+              <a:t>+1−1</a:t>
+            </a:r>
+            <a:endParaRPr lang="en-GB" dirty="0">
+              <a:effectLst/>
+              <a:latin typeface="var(--font-fk-grotesk-neue)"/>
+            </a:endParaRPr>
+          </a:p>
+          <a:p>
+            <a:pPr algn="ctr"/>
+            <a:r>
+              <a:rPr lang="en-GB" dirty="0">
+                <a:effectLst/>
+                <a:latin typeface="var(--font-fk-grotesk-neue)"/>
+              </a:rPr>
+              <a:t>This means that for a full binary tree, the total number of nodes grows exponentially with the height of the tree</a:t>
+            </a:r>
+            <a:r>
+              <a:rPr lang="en-GB" b="0" u="none" strike="noStrike" dirty="0">
+                <a:effectLst/>
+                <a:latin typeface="var(--font-berkeley-mono)"/>
+                <a:hlinkClick r:id="rId3"/>
+              </a:rPr>
+              <a:t>1</a:t>
+            </a:r>
+          </a:p>
+          <a:p>
+            <a:pPr algn="ctr"/>
+            <a:r>
+              <a:rPr lang="en-GB" b="0" u="none" strike="noStrike" dirty="0">
+                <a:effectLst/>
+                <a:latin typeface="var(--font-berkeley-mono)"/>
+                <a:hlinkClick r:id="rId4"/>
+              </a:rPr>
+              <a:t>3</a:t>
+            </a:r>
+          </a:p>
+          <a:p>
+            <a:r>
+              <a:rPr lang="en-GB" dirty="0">
+                <a:effectLst/>
+                <a:latin typeface="var(--font-fk-grotesk-neue)"/>
+              </a:rPr>
+              <a:t>.</a:t>
+            </a:r>
+          </a:p>
+          <a:p>
+            <a:r>
+              <a:rPr lang="en-GB" dirty="0">
+                <a:effectLst/>
+              </a:rPr>
+              <a:t>Share</a:t>
+            </a:r>
+          </a:p>
+          <a:p>
+            <a:r>
+              <a:rPr lang="en-GB" dirty="0">
+                <a:effectLst/>
+              </a:rPr>
+              <a:t>Rewrite</a:t>
+            </a:r>
+          </a:p>
+          <a:p>
+            <a:br>
+              <a:rPr lang="en-GB" dirty="0">
+                <a:effectLst/>
+              </a:rPr>
+            </a:br>
+            <a:endParaRPr lang="en-SE" dirty="0"/>
+          </a:p>
+        </p:txBody>
+      </p:sp>
+      <p:sp>
+        <p:nvSpPr>
+          <p:cNvPr id="4" name="Slide Number Placeholder 3"/>
+          <p:cNvSpPr>
+            <a:spLocks noGrp="1"/>
+          </p:cNvSpPr>
+          <p:nvPr>
+            <p:ph type="sldNum" sz="quarter" idx="5"/>
+          </p:nvPr>
+        </p:nvSpPr>
+        <p:spPr/>
+        <p:txBody>
+          <a:bodyPr/>
+          <a:lstStyle/>
+          <a:p>
+            <a:fld id="{13F62E29-99FC-EB40-923F-D38E4FE7BE7E}" type="slidenum">
+              <a:rPr lang="en-US" smtClean="0"/>
+              <a:t>40</a:t>
             </a:fld>
             <a:endParaRPr lang="en-US"/>
           </a:p>
@@ -1815,84 +2096,78 @@
           <a:lstStyle/>
           <a:p>
             <a:pPr algn="l">
-              <a:buFont typeface="Arial" panose="020B0604020202020204" pitchFamily="34" charset="0"/>
-              <a:buChar char="•"/>
+              <a:buFont typeface="+mj-lt"/>
+              <a:buAutoNum type="arabicPeriod"/>
             </a:pPr>
             <a:r>
               <a:rPr lang="en-GB" b="0" i="0" dirty="0">
                 <a:effectLst/>
                 <a:latin typeface="__fkGroteskNeue_598ab8"/>
               </a:rPr>
-              <a:t>The function f5 is a recursive function with the following </a:t>
+              <a:t>Outer Loop (</a:t>
             </a:r>
             <a:r>
               <a:rPr lang="en-GB" b="0" i="0" dirty="0" err="1">
                 <a:effectLst/>
                 <a:latin typeface="__fkGroteskNeue_598ab8"/>
               </a:rPr>
-              <a:t>structure:Base</a:t>
+              <a:t>i</a:t>
             </a:r>
             <a:r>
               <a:rPr lang="en-GB" b="0" i="0" dirty="0">
                 <a:effectLst/>
                 <a:latin typeface="__fkGroteskNeue_598ab8"/>
               </a:rPr>
-              <a:t> Case: If n &lt; 10, the function prints a message and returns n + 3. This operation takes constant time, </a:t>
+              <a:t> loop): Runs from 0 to </a:t>
             </a:r>
             <a:r>
               <a:rPr lang="en-GB" b="0" i="0" dirty="0">
                 <a:effectLst/>
                 <a:latin typeface="KaTeX_Main"/>
               </a:rPr>
-              <a:t>O(1)</a:t>
+              <a:t>n−1</a:t>
             </a:r>
             <a:r>
               <a:rPr lang="en-GB" b="0" i="1" dirty="0">
                 <a:effectLst/>
                 <a:latin typeface="KaTeX_Math"/>
               </a:rPr>
-              <a:t>O</a:t>
+              <a:t>n</a:t>
             </a:r>
             <a:r>
               <a:rPr lang="en-GB" b="0" i="0" dirty="0">
                 <a:effectLst/>
                 <a:latin typeface="KaTeX_Main"/>
               </a:rPr>
-              <a:t>(1)</a:t>
+              <a:t>−1</a:t>
             </a:r>
             <a:r>
               <a:rPr lang="en-GB" b="0" i="0" dirty="0">
                 <a:effectLst/>
                 <a:latin typeface="__fkGroteskNeue_598ab8"/>
               </a:rPr>
-              <a:t>.</a:t>
-            </a:r>
-          </a:p>
-          <a:p>
-            <a:pPr algn="l">
-              <a:buFont typeface="Arial" panose="020B0604020202020204" pitchFamily="34" charset="0"/>
-              <a:buChar char="•"/>
-            </a:pPr>
+              <a:t>, so it executes </a:t>
+            </a:r>
+            <a:r>
+              <a:rPr lang="en-GB" b="0" i="0" dirty="0" err="1">
+                <a:effectLst/>
+                <a:latin typeface="KaTeX_Main"/>
+              </a:rPr>
+              <a:t>n</a:t>
+            </a:r>
+            <a:r>
+              <a:rPr lang="en-GB" b="0" i="1" dirty="0" err="1">
+                <a:effectLst/>
+                <a:latin typeface="KaTeX_Math"/>
+              </a:rPr>
+              <a:t>n</a:t>
+            </a:r>
             <a:r>
               <a:rPr lang="en-GB" b="0" i="0" dirty="0">
                 <a:effectLst/>
                 <a:latin typeface="__fkGroteskNeue_598ab8"/>
               </a:rPr>
-              <a:t>Recursive Case: If n \</a:t>
-            </a:r>
-            <a:r>
-              <a:rPr lang="en-GB" b="0" i="0" dirty="0" err="1">
-                <a:effectLst/>
-                <a:latin typeface="__fkGroteskNeue_598ab8"/>
-              </a:rPr>
-              <a:t>geq</a:t>
-            </a:r>
-            <a:r>
-              <a:rPr lang="en-GB" b="0" i="0" dirty="0">
-                <a:effectLst/>
-                <a:latin typeface="__fkGroteskNeue_598ab8"/>
-              </a:rPr>
-              <a:t> 10, the function calls itself with n - 1 and adds 1 to the result of this recursive call.</a:t>
+              <a:t> times.</a:t>
             </a:r>
           </a:p>
           <a:p>
@@ -1905,35 +2180,49 @@
                 <a:effectLst/>
                 <a:latin typeface="__fkGroteskNeue_598ab8"/>
               </a:rPr>
-              <a:t>To determine the worst-case running time in big-Oh notation, we need to </a:t>
+              <a:t>Inner Loop (j loop): Starts at </a:t>
             </a:r>
             <a:r>
               <a:rPr lang="en-GB" b="0" i="0" dirty="0" err="1">
                 <a:effectLst/>
                 <a:latin typeface="__fkGroteskNeue_598ab8"/>
               </a:rPr>
-              <a:t>analyze</a:t>
+              <a:t>i</a:t>
             </a:r>
             <a:r>
               <a:rPr lang="en-GB" b="0" i="0" dirty="0">
                 <a:effectLst/>
                 <a:latin typeface="__fkGroteskNeue_598ab8"/>
               </a:rPr>
-              <a:t> the recursive </a:t>
+              <a:t> and runs while j \</a:t>
             </a:r>
             <a:r>
               <a:rPr lang="en-GB" b="0" i="0" dirty="0" err="1">
                 <a:effectLst/>
                 <a:latin typeface="__fkGroteskNeue_598ab8"/>
               </a:rPr>
-              <a:t>calls:Recursion</a:t>
+              <a:t>geq</a:t>
             </a:r>
             <a:r>
               <a:rPr lang="en-GB" b="0" i="0" dirty="0">
                 <a:effectLst/>
                 <a:latin typeface="__fkGroteskNeue_598ab8"/>
               </a:rPr>
-              <a:t> Depth: The recursion continues until n is less than 10. Therefore, if you start with a value of n, the function will make recursive calls until it reaches 9. This means there are n - 9 recursive calls.</a:t>
+              <a:t> 5.If </a:t>
+            </a:r>
+            <a:r>
+              <a:rPr lang="en-GB" b="0" i="0" dirty="0" err="1">
+                <a:effectLst/>
+                <a:latin typeface="__fkGroteskNeue_598ab8"/>
+              </a:rPr>
+              <a:t>i</a:t>
+            </a:r>
+            <a:r>
+              <a:rPr lang="en-GB" b="0" i="0" dirty="0">
+                <a:effectLst/>
+                <a:latin typeface="__fkGroteskNeue_598ab8"/>
+              </a:rPr>
+              <a:t> &lt; 5, the inner loop does not execute.</a:t>
             </a:r>
           </a:p>
           <a:p>
@@ -1946,99 +2235,50 @@
                 <a:effectLst/>
                 <a:latin typeface="__fkGroteskNeue_598ab8"/>
               </a:rPr>
-              <a:t>Time Complexity: Each recursive call involves a constant amount of work (the addition operation and function call overhead), which is </a:t>
-            </a:r>
-            <a:r>
-              <a:rPr lang="en-GB" b="0" i="0" dirty="0">
-                <a:effectLst/>
-                <a:latin typeface="KaTeX_Main"/>
-              </a:rPr>
-              <a:t>O(1)</a:t>
-            </a:r>
-            <a:r>
-              <a:rPr lang="en-GB" b="0" i="1" dirty="0">
-                <a:effectLst/>
-                <a:latin typeface="KaTeX_Math"/>
-              </a:rPr>
-              <a:t>O</a:t>
-            </a:r>
-            <a:r>
-              <a:rPr lang="en-GB" b="0" i="0" dirty="0">
-                <a:effectLst/>
-                <a:latin typeface="KaTeX_Main"/>
-              </a:rPr>
-              <a:t>(1)</a:t>
-            </a:r>
-            <a:r>
-              <a:rPr lang="en-GB" b="0" i="0" dirty="0">
+              <a:t>If </a:t>
+            </a:r>
+            <a:r>
+              <a:rPr lang="en-GB" b="0" i="0" dirty="0" err="1">
                 <a:effectLst/>
                 <a:latin typeface="__fkGroteskNeue_598ab8"/>
               </a:rPr>
-              <a:t>. Therefore, the total time complexity is determined by the number of recursive calls, which is n - 9.</a:t>
-            </a:r>
-          </a:p>
-          <a:p>
-            <a:pPr algn="l"/>
+              <a:t>i</a:t>
+            </a:r>
             <a:r>
               <a:rPr lang="en-GB" b="0" i="0" dirty="0">
                 <a:effectLst/>
                 <a:latin typeface="__fkGroteskNeue_598ab8"/>
               </a:rPr>
-              <a:t>Thus, the worst-case running time of this function in big-Oh notation </a:t>
+              <a:t> \</a:t>
             </a:r>
             <a:r>
               <a:rPr lang="en-GB" b="0" i="0" dirty="0" err="1">
                 <a:effectLst/>
                 <a:latin typeface="__fkGroteskNeue_598ab8"/>
               </a:rPr>
-              <a:t>is:</a:t>
+              <a:t>geq</a:t>
+            </a:r>
+            <a:r>
+              <a:rPr lang="en-GB" b="0" i="0" dirty="0">
+                <a:effectLst/>
+                <a:latin typeface="__fkGroteskNeue_598ab8"/>
+              </a:rPr>
+              <a:t> 5, the inner loop runs </a:t>
             </a:r>
             <a:r>
               <a:rPr lang="en-GB" b="0" i="0" dirty="0" err="1">
                 <a:effectLst/>
-                <a:latin typeface="KaTeX_Main"/>
-              </a:rPr>
-              <a:t>O</a:t>
-            </a:r>
-            <a:r>
-              <a:rPr lang="en-GB" b="0" i="0" dirty="0">
-                <a:effectLst/>
-                <a:latin typeface="KaTeX_Main"/>
-              </a:rPr>
-              <a:t>(n)</a:t>
-            </a:r>
-            <a:r>
-              <a:rPr lang="en-GB" b="0" i="1" dirty="0">
-                <a:effectLst/>
-                <a:latin typeface="KaTeX_Math"/>
-              </a:rPr>
-              <a:t>O</a:t>
-            </a:r>
-            <a:r>
-              <a:rPr lang="en-GB" b="0" i="0" dirty="0">
-                <a:effectLst/>
-                <a:latin typeface="KaTeX_Main"/>
-              </a:rPr>
-              <a:t>(</a:t>
-            </a:r>
-            <a:r>
-              <a:rPr lang="en-GB" b="0" i="1" dirty="0">
-                <a:effectLst/>
-                <a:latin typeface="KaTeX_Math"/>
-              </a:rPr>
-              <a:t>n</a:t>
-            </a:r>
-            <a:r>
-              <a:rPr lang="en-GB" b="0" i="0" dirty="0">
-                <a:effectLst/>
-                <a:latin typeface="KaTeX_Main"/>
-              </a:rPr>
-              <a:t>)</a:t>
-            </a:r>
-            <a:endParaRPr lang="en-GB" b="0" i="0" dirty="0">
-              <a:effectLst/>
-              <a:latin typeface="__fkGroteskNeue_598ab8"/>
-            </a:endParaRPr>
+                <a:latin typeface="__fkGroteskNeue_598ab8"/>
+              </a:rPr>
+              <a:t>i</a:t>
+            </a:r>
+            <a:r>
+              <a:rPr lang="en-GB" b="0" i="0" dirty="0">
+                <a:effectLst/>
+                <a:latin typeface="__fkGroteskNeue_598ab8"/>
+              </a:rPr>
+              <a:t> - 4 times.</a:t>
+            </a:r>
           </a:p>
           <a:p>
             <a:endParaRPr lang="en-SE" dirty="0"/>
@@ -2071,7 +2311,7 @@
     </p:spTree>
     <p:extLst>
       <p:ext uri="{BB962C8B-B14F-4D97-AF65-F5344CB8AC3E}">
-        <p14:creationId xmlns:p14="http://schemas.microsoft.com/office/powerpoint/2010/main" val="978788352"/>
+        <p14:creationId xmlns:p14="http://schemas.microsoft.com/office/powerpoint/2010/main" val="528653529"/>
       </p:ext>
     </p:extLst>
   </p:cSld>
@@ -2126,57 +2366,84 @@
           <a:lstStyle/>
           <a:p>
             <a:pPr algn="l">
-              <a:buFont typeface="+mj-lt"/>
-              <a:buAutoNum type="arabicPeriod"/>
+              <a:buFont typeface="Arial" panose="020B0604020202020204" pitchFamily="34" charset="0"/>
+              <a:buChar char="•"/>
             </a:pPr>
             <a:r>
               <a:rPr lang="en-GB" b="0" i="0" dirty="0">
                 <a:effectLst/>
                 <a:latin typeface="__fkGroteskNeue_598ab8"/>
               </a:rPr>
-              <a:t>The function f4 has a while loop that continues as long as j &gt; 2, where j is initially set to n. Within each iteration of the loop, j is divided by 2 using integer division. This pattern of repeatedly halving j is characteristic of logarithmic </a:t>
+              <a:t>The function f5 is a recursive function with the following </a:t>
             </a:r>
             <a:r>
               <a:rPr lang="en-GB" b="0" i="0" dirty="0" err="1">
                 <a:effectLst/>
                 <a:latin typeface="__fkGroteskNeue_598ab8"/>
               </a:rPr>
-              <a:t>behavior</a:t>
+              <a:t>structure:Base</a:t>
             </a:r>
             <a:r>
               <a:rPr lang="en-GB" b="0" i="0" dirty="0">
                 <a:effectLst/>
                 <a:latin typeface="__fkGroteskNeue_598ab8"/>
               </a:rPr>
-              <a:t>. Here's </a:t>
+              <a:t> Case: If n &lt; 10, the function prints a message and returns n + 3. This operation takes constant time, </a:t>
+            </a:r>
+            <a:r>
+              <a:rPr lang="en-GB" b="0" i="0" dirty="0">
+                <a:effectLst/>
+                <a:latin typeface="KaTeX_Main"/>
+              </a:rPr>
+              <a:t>O(1)</a:t>
+            </a:r>
+            <a:r>
+              <a:rPr lang="en-GB" b="0" i="1" dirty="0">
+                <a:effectLst/>
+                <a:latin typeface="KaTeX_Math"/>
+              </a:rPr>
+              <a:t>O</a:t>
+            </a:r>
+            <a:r>
+              <a:rPr lang="en-GB" b="0" i="0" dirty="0">
+                <a:effectLst/>
+                <a:latin typeface="KaTeX_Main"/>
+              </a:rPr>
+              <a:t>(1)</a:t>
+            </a:r>
+            <a:r>
+              <a:rPr lang="en-GB" b="0" i="0" dirty="0">
+                <a:effectLst/>
+                <a:latin typeface="__fkGroteskNeue_598ab8"/>
+              </a:rPr>
+              <a:t>.</a:t>
+            </a:r>
+          </a:p>
+          <a:p>
+            <a:pPr algn="l">
+              <a:buFont typeface="Arial" panose="020B0604020202020204" pitchFamily="34" charset="0"/>
+              <a:buChar char="•"/>
+            </a:pPr>
+            <a:r>
+              <a:rPr lang="en-GB" b="0" i="0" dirty="0">
+                <a:effectLst/>
+                <a:latin typeface="__fkGroteskNeue_598ab8"/>
+              </a:rPr>
+              <a:t>Recursive Case: If n \</a:t>
             </a:r>
             <a:r>
               <a:rPr lang="en-GB" b="0" i="0" dirty="0" err="1">
                 <a:effectLst/>
                 <a:latin typeface="__fkGroteskNeue_598ab8"/>
               </a:rPr>
-              <a:t>why:Loop</a:t>
+              <a:t>geq</a:t>
             </a:r>
             <a:r>
               <a:rPr lang="en-GB" b="0" i="0" dirty="0">
                 <a:effectLst/>
                 <a:latin typeface="__fkGroteskNeue_598ab8"/>
               </a:rPr>
-              <a:t> </a:t>
-            </a:r>
-            <a:r>
-              <a:rPr lang="en-GB" b="0" i="0" dirty="0" err="1">
-                <a:effectLst/>
-                <a:latin typeface="__fkGroteskNeue_598ab8"/>
-              </a:rPr>
-              <a:t>Behavior</a:t>
-            </a:r>
-            <a:r>
-              <a:rPr lang="en-GB" b="0" i="0" dirty="0">
-                <a:effectLst/>
-                <a:latin typeface="__fkGroteskNeue_598ab8"/>
-              </a:rPr>
-              <a:t>: The loop halves the value of j in each iteration. This means that the number of times the loop runs is proportional to how many times you can divide n by 2 before it becomes less than or equal to 2.</a:t>
+              <a:t> 10, the function calls itself with n - 1 and adds 1 to the result of this recursive call.</a:t>
             </a:r>
           </a:p>
           <a:p>
@@ -2189,35 +2456,76 @@
                 <a:effectLst/>
                 <a:latin typeface="__fkGroteskNeue_598ab8"/>
               </a:rPr>
-              <a:t>Logarithmic Complexity: The number of times you can divide a number by 2 before it becomes less than or equal to a constant (in this case, 2) is approximately the logarithm base 2 of that number. Thus, the number of iterations of the loop is roughly </a:t>
+              <a:t>To determine the worst-case running time in big-Oh notation, we need to </a:t>
+            </a:r>
+            <a:r>
+              <a:rPr lang="en-GB" b="0" i="0" dirty="0" err="1">
+                <a:effectLst/>
+                <a:latin typeface="__fkGroteskNeue_598ab8"/>
+              </a:rPr>
+              <a:t>analyze</a:t>
+            </a:r>
+            <a:r>
+              <a:rPr lang="en-GB" b="0" i="0" dirty="0">
+                <a:effectLst/>
+                <a:latin typeface="__fkGroteskNeue_598ab8"/>
+              </a:rPr>
+              <a:t> the recursive </a:t>
+            </a:r>
+            <a:r>
+              <a:rPr lang="en-GB" b="0" i="0" dirty="0" err="1">
+                <a:effectLst/>
+                <a:latin typeface="__fkGroteskNeue_598ab8"/>
+              </a:rPr>
+              <a:t>calls:Recursion</a:t>
+            </a:r>
+            <a:r>
+              <a:rPr lang="en-GB" b="0" i="0" dirty="0">
+                <a:effectLst/>
+                <a:latin typeface="__fkGroteskNeue_598ab8"/>
+              </a:rPr>
+              <a:t> Depth: The recursion continues until n is less than 10. Therefore, if you start with a value of n, the function will make recursive calls until it reaches 9. This means there are n - 9 recursive calls.</a:t>
+            </a:r>
+          </a:p>
+          <a:p>
+            <a:pPr algn="l">
+              <a:buFont typeface="+mj-lt"/>
+              <a:buAutoNum type="arabicPeriod"/>
+            </a:pPr>
+            <a:r>
+              <a:rPr lang="en-GB" b="0" i="0" dirty="0">
+                <a:effectLst/>
+                <a:latin typeface="__fkGroteskNeue_598ab8"/>
+              </a:rPr>
+              <a:t>Time Complexity: Each recursive call involves a constant amount of work (the addition operation and function call overhead), which is </a:t>
             </a:r>
             <a:r>
               <a:rPr lang="en-GB" b="0" i="0" dirty="0">
                 <a:effectLst/>
                 <a:latin typeface="KaTeX_Main"/>
               </a:rPr>
-              <a:t>log⁡2(n)log2​(</a:t>
+              <a:t>O(1)</a:t>
             </a:r>
             <a:r>
               <a:rPr lang="en-GB" b="0" i="1" dirty="0">
                 <a:effectLst/>
                 <a:latin typeface="KaTeX_Math"/>
               </a:rPr>
-              <a:t>n</a:t>
+              <a:t>O</a:t>
             </a:r>
             <a:r>
               <a:rPr lang="en-GB" b="0" i="0" dirty="0">
                 <a:effectLst/>
                 <a:latin typeface="KaTeX_Main"/>
               </a:rPr>
-              <a:t>)</a:t>
+              <a:t>(1)</a:t>
             </a:r>
             <a:r>
               <a:rPr lang="en-GB" b="0" i="0" dirty="0">
                 <a:effectLst/>
                 <a:latin typeface="__fkGroteskNeue_598ab8"/>
               </a:rPr>
-              <a:t>.</a:t>
+              <a:t>. Therefore, the total time complexity is determined by the number of recursive calls, which is n - 9.</a:t>
             </a:r>
           </a:p>
           <a:p>
@@ -2227,7 +2535,7 @@
                 <a:effectLst/>
                 <a:latin typeface="__fkGroteskNeue_598ab8"/>
               </a:rPr>
-              <a:t>Therefore, the worst-case running time of the function f4 in big-Oh notation, in terms of the variable n, </a:t>
+              <a:t>Thus, the worst-case running time of this function in big-Oh notation </a:t>
             </a:r>
             <a:r>
               <a:rPr lang="en-GB" b="0" i="0" dirty="0" err="1">
@@ -2248,45 +2556,24 @@
                 <a:effectLst/>
                 <a:latin typeface="KaTeX_Main"/>
               </a:rPr>
+              <a:t>(n)</a:t>
+            </a:r>
+            <a:r>
+              <a:rPr lang="en-GB" b="0" i="1" dirty="0">
+                <a:effectLst/>
+                <a:latin typeface="KaTeX_Math"/>
+              </a:rPr>
+              <a:t>O</a:t>
+            </a:r>
+            <a:r>
+              <a:rPr lang="en-GB" b="0" i="0" dirty="0">
+                <a:effectLst/>
+                <a:latin typeface="KaTeX_Main"/>
+              </a:rPr>
               <a:t>(</a:t>
             </a:r>
             <a:r>
-              <a:rPr lang="en-GB" b="0" i="0" dirty="0" err="1">
-                <a:effectLst/>
-                <a:latin typeface="KaTeX_Main"/>
-              </a:rPr>
-              <a:t>log⁡n</a:t>
-            </a:r>
-            <a:r>
-              <a:rPr lang="en-GB" b="0" i="0" dirty="0">
-                <a:effectLst/>
-                <a:latin typeface="KaTeX_Main"/>
-              </a:rPr>
-              <a:t>)</a:t>
-            </a:r>
-            <a:r>
               <a:rPr lang="en-GB" b="0" i="1" dirty="0">
-                <a:effectLst/>
-                <a:latin typeface="KaTeX_Math"/>
-              </a:rPr>
-              <a:t>O</a:t>
-            </a:r>
-            <a:r>
-              <a:rPr lang="en-GB" b="0" i="0" dirty="0">
-                <a:effectLst/>
-                <a:latin typeface="KaTeX_Main"/>
-              </a:rPr>
-              <a:t>(</a:t>
-            </a:r>
-            <a:r>
-              <a:rPr lang="en-GB" b="0" i="0" dirty="0" err="1">
-                <a:effectLst/>
-                <a:latin typeface="KaTeX_Main"/>
-              </a:rPr>
-              <a:t>log</a:t>
-            </a:r>
-            <a:r>
-              <a:rPr lang="en-GB" b="0" i="1" dirty="0" err="1">
                 <a:effectLst/>
                 <a:latin typeface="KaTeX_Math"/>
               </a:rPr>
@@ -2335,7 +2622,7 @@
     </p:spTree>
     <p:extLst>
       <p:ext uri="{BB962C8B-B14F-4D97-AF65-F5344CB8AC3E}">
-        <p14:creationId xmlns:p14="http://schemas.microsoft.com/office/powerpoint/2010/main" val="568438670"/>
+        <p14:creationId xmlns:p14="http://schemas.microsoft.com/office/powerpoint/2010/main" val="978788352"/>
       </p:ext>
     </p:extLst>
   </p:cSld>
@@ -2394,17 +2681,38 @@
               <a:buAutoNum type="arabicPeriod"/>
             </a:pPr>
             <a:r>
+              <a:rPr lang="en-GB" b="0" i="0" dirty="0">
+                <a:effectLst/>
+                <a:latin typeface="__fkGroteskNeue_598ab8"/>
+              </a:rPr>
+              <a:t>The function f4 has a while loop that continues as long as j &gt; 2, where j is initially set to n. Within each iteration of the loop, j is divided by 2 using integer division. This pattern of repeatedly halving j is characteristic of logarithmic </a:t>
+            </a:r>
+            <a:r>
               <a:rPr lang="en-GB" b="0" i="0" dirty="0" err="1">
                 <a:effectLst/>
                 <a:latin typeface="__fkGroteskNeue_598ab8"/>
               </a:rPr>
-              <a:t>ase</a:t>
+              <a:t>behavior</a:t>
             </a:r>
             <a:r>
               <a:rPr lang="en-GB" b="0" i="0" dirty="0">
                 <a:effectLst/>
                 <a:latin typeface="__fkGroteskNeue_598ab8"/>
               </a:rPr>
+              <a:t>. Here's </a:t>
+            </a:r>
+            <a:r>
+              <a:rPr lang="en-GB" b="0" i="0" dirty="0" err="1">
+                <a:effectLst/>
+                <a:latin typeface="__fkGroteskNeue_598ab8"/>
+              </a:rPr>
+              <a:t>why:Loop</a:t>
+            </a:r>
+            <a:r>
+              <a:rPr lang="en-GB" b="0" i="0" dirty="0">
+                <a:effectLst/>
+                <a:latin typeface="__fkGroteskNeue_598ab8"/>
+              </a:rPr>
               <a:t> </a:t>
             </a:r>
             <a:r>
@@ -2412,42 +2720,14 @@
                 <a:effectLst/>
                 <a:latin typeface="__fkGroteskNeue_598ab8"/>
               </a:rPr>
-              <a:t>Cases:If</a:t>
+              <a:t>Behavior</a:t>
             </a:r>
             <a:r>
               <a:rPr lang="en-GB" b="0" i="0" dirty="0">
                 <a:effectLst/>
                 <a:latin typeface="__fkGroteskNeue_598ab8"/>
               </a:rPr>
-              <a:t> m &lt; 2, the function returns m. This is a constant-time operation, </a:t>
-            </a:r>
-            <a:r>
-              <a:rPr lang="en-GB" b="0" i="0" dirty="0">
-                <a:effectLst/>
-                <a:latin typeface="KaTeX_Main"/>
-              </a:rPr>
-              <a:t>O(1)</a:t>
-            </a:r>
-            <a:r>
-              <a:rPr lang="en-GB" b="0" i="1" dirty="0">
-                <a:effectLst/>
-                <a:latin typeface="KaTeX_Math"/>
-              </a:rPr>
-              <a:t>O</a:t>
-            </a:r>
-            <a:r>
-              <a:rPr lang="en-GB" b="0" i="0" dirty="0">
-                <a:effectLst/>
-                <a:latin typeface="KaTeX_Main"/>
-              </a:rPr>
-              <a:t>(1)</a:t>
-            </a:r>
-            <a:r>
-              <a:rPr lang="en-GB" b="0" i="0" dirty="0">
-                <a:effectLst/>
-                <a:latin typeface="__fkGroteskNeue_598ab8"/>
-              </a:rPr>
-              <a:t>.</a:t>
+              <a:t>: The loop halves the value of j in each iteration. This means that the number of times the loop runs is proportional to how many times you can divide n by 2 before it becomes less than or equal to 2.</a:t>
             </a:r>
           </a:p>
           <a:p>
@@ -2460,20 +2740,58 @@
                 <a:effectLst/>
                 <a:latin typeface="__fkGroteskNeue_598ab8"/>
               </a:rPr>
-              <a:t>If n &lt; 1, the function returns n. This is also a constant-time operation, </a:t>
+              <a:t>Logarithmic Complexity: The number of times you can divide a number by 2 before it becomes less than or equal to a constant (in this case, 2) is approximately the logarithm base 2 of that number. Thus, the number of iterations of the loop is roughly </a:t>
             </a:r>
             <a:r>
               <a:rPr lang="en-GB" b="0" i="0" dirty="0">
                 <a:effectLst/>
                 <a:latin typeface="KaTeX_Main"/>
               </a:rPr>
-              <a:t>O(1)</a:t>
+              <a:t>log⁡2(n)log2​(</a:t>
             </a:r>
             <a:r>
               <a:rPr lang="en-GB" b="0" i="1" dirty="0">
                 <a:effectLst/>
                 <a:latin typeface="KaTeX_Math"/>
               </a:rPr>
+              <a:t>n</a:t>
+            </a:r>
+            <a:r>
+              <a:rPr lang="en-GB" b="0" i="0" dirty="0">
+                <a:effectLst/>
+                <a:latin typeface="KaTeX_Main"/>
+              </a:rPr>
+              <a:t>)</a:t>
+            </a:r>
+            <a:r>
+              <a:rPr lang="en-GB" b="0" i="0" dirty="0">
+                <a:effectLst/>
+                <a:latin typeface="__fkGroteskNeue_598ab8"/>
+              </a:rPr>
+              <a:t>.</a:t>
+            </a:r>
+          </a:p>
+          <a:p>
+            <a:pPr algn="l"/>
+            <a:r>
+              <a:rPr lang="en-GB" b="0" i="0" dirty="0">
+                <a:effectLst/>
+                <a:latin typeface="__fkGroteskNeue_598ab8"/>
+              </a:rPr>
+              <a:t>Therefore, the worst-case running time of the function f4 in big-Oh notation, in terms of the variable n, </a:t>
+            </a:r>
+            <a:r>
+              <a:rPr lang="en-GB" b="0" i="0" dirty="0" err="1">
+                <a:effectLst/>
+                <a:latin typeface="__fkGroteskNeue_598ab8"/>
+              </a:rPr>
+              <a:t>is:</a:t>
+            </a:r>
+            <a:r>
+              <a:rPr lang="en-GB" b="0" i="0" dirty="0" err="1">
+                <a:effectLst/>
+                <a:latin typeface="KaTeX_Main"/>
+              </a:rPr>
               <a:t>O</a:t>
             </a:r>
             <a:r>
@@ -2481,309 +2799,45 @@
                 <a:effectLst/>
                 <a:latin typeface="KaTeX_Main"/>
               </a:rPr>
-              <a:t>(1)</a:t>
-            </a:r>
-            <a:r>
-              <a:rPr lang="en-GB" b="0" i="0" dirty="0">
-                <a:effectLst/>
-                <a:latin typeface="__fkGroteskNeue_598ab8"/>
-              </a:rPr>
-              <a:t>.</a:t>
-            </a:r>
-          </a:p>
-          <a:p>
-            <a:pPr algn="l">
-              <a:buFont typeface="+mj-lt"/>
-              <a:buAutoNum type="arabicPeriod"/>
-            </a:pPr>
-            <a:r>
-              <a:rPr lang="en-GB" b="0" i="0" dirty="0">
-                <a:effectLst/>
-                <a:latin typeface="__fkGroteskNeue_598ab8"/>
-              </a:rPr>
-              <a:t>Recursive </a:t>
+              <a:t>(</a:t>
             </a:r>
             <a:r>
               <a:rPr lang="en-GB" b="0" i="0" dirty="0" err="1">
                 <a:effectLst/>
-                <a:latin typeface="__fkGroteskNeue_598ab8"/>
-              </a:rPr>
-              <a:t>Cases:If</a:t>
-            </a:r>
-            <a:r>
-              <a:rPr lang="en-GB" b="0" i="0" dirty="0">
-                <a:effectLst/>
-                <a:latin typeface="__fkGroteskNeue_598ab8"/>
-              </a:rPr>
-              <a:t> n &lt; 10, the function calls itself with silly(n/m, m). This means that in each recursive call, n is divided by m.</a:t>
-            </a:r>
-          </a:p>
-          <a:p>
-            <a:pPr algn="l">
-              <a:buFont typeface="+mj-lt"/>
-              <a:buAutoNum type="arabicPeriod"/>
-            </a:pPr>
-            <a:r>
-              <a:rPr lang="en-GB" b="0" i="0" dirty="0">
-                <a:effectLst/>
-                <a:latin typeface="__fkGroteskNeue_598ab8"/>
-              </a:rPr>
-              <a:t>If n \</a:t>
+                <a:latin typeface="KaTeX_Main"/>
+              </a:rPr>
+              <a:t>log⁡n</a:t>
+            </a:r>
+            <a:r>
+              <a:rPr lang="en-GB" b="0" i="0" dirty="0">
+                <a:effectLst/>
+                <a:latin typeface="KaTeX_Main"/>
+              </a:rPr>
+              <a:t>)</a:t>
+            </a:r>
+            <a:r>
+              <a:rPr lang="en-GB" b="0" i="1" dirty="0">
+                <a:effectLst/>
+                <a:latin typeface="KaTeX_Math"/>
+              </a:rPr>
+              <a:t>O</a:t>
+            </a:r>
+            <a:r>
+              <a:rPr lang="en-GB" b="0" i="0" dirty="0">
+                <a:effectLst/>
+                <a:latin typeface="KaTeX_Main"/>
+              </a:rPr>
+              <a:t>(</a:t>
             </a:r>
             <a:r>
               <a:rPr lang="en-GB" b="0" i="0" dirty="0" err="1">
                 <a:effectLst/>
-                <a:latin typeface="__fkGroteskNeue_598ab8"/>
-              </a:rPr>
-              <a:t>geq</a:t>
-            </a:r>
-            <a:r>
-              <a:rPr lang="en-GB" b="0" i="0" dirty="0">
-                <a:effectLst/>
-                <a:latin typeface="__fkGroteskNeue_598ab8"/>
-              </a:rPr>
-              <a:t> 10, the function calls itself with silly(n - 1, m). This means that in each recursive call, n is decremented by 1.</a:t>
-            </a:r>
-          </a:p>
-          <a:p>
-            <a:pPr algn="l"/>
-            <a:r>
-              <a:rPr lang="en-GB" b="0" i="0" dirty="0">
-                <a:effectLst/>
-                <a:latin typeface="var(--font-fk-grotesk)"/>
-              </a:rPr>
-              <a:t>Analysis of Recursive Calls</a:t>
-            </a:r>
-          </a:p>
-          <a:p>
-            <a:pPr algn="l">
-              <a:buFont typeface="Arial" panose="020B0604020202020204" pitchFamily="34" charset="0"/>
-              <a:buChar char="•"/>
-            </a:pPr>
-            <a:r>
-              <a:rPr lang="en-GB" b="0" i="0" dirty="0">
-                <a:effectLst/>
-                <a:latin typeface="__fkGroteskNeue_598ab8"/>
-              </a:rPr>
-              <a:t>Case when n &lt; 10: The recursion depth depends on how many times you can divide n by m until n becomes less than 10. This is logarithmic with respect to n in base m, leading to a complexity of </a:t>
-            </a:r>
-            <a:r>
-              <a:rPr lang="en-GB" b="0" i="0" dirty="0">
-                <a:effectLst/>
                 <a:latin typeface="KaTeX_Main"/>
               </a:rPr>
-              <a:t>O(</a:t>
-            </a:r>
-            <a:r>
-              <a:rPr lang="en-GB" b="0" i="0" dirty="0" err="1">
-                <a:effectLst/>
-                <a:latin typeface="KaTeX_Main"/>
-              </a:rPr>
-              <a:t>log⁡mn</a:t>
-            </a:r>
-            <a:r>
-              <a:rPr lang="en-GB" b="0" i="0" dirty="0">
-                <a:effectLst/>
-                <a:latin typeface="KaTeX_Main"/>
-              </a:rPr>
-              <a:t>)</a:t>
-            </a:r>
-            <a:r>
-              <a:rPr lang="en-GB" b="0" i="1" dirty="0">
-                <a:effectLst/>
-                <a:latin typeface="KaTeX_Math"/>
-              </a:rPr>
-              <a:t>O</a:t>
-            </a:r>
-            <a:r>
-              <a:rPr lang="en-GB" b="0" i="0" dirty="0">
-                <a:effectLst/>
-                <a:latin typeface="KaTeX_Main"/>
-              </a:rPr>
-              <a:t>(</a:t>
-            </a:r>
-            <a:r>
-              <a:rPr lang="en-GB" b="0" i="0" dirty="0" err="1">
-                <a:effectLst/>
-                <a:latin typeface="KaTeX_Main"/>
-              </a:rPr>
               <a:t>log</a:t>
             </a:r>
             <a:r>
               <a:rPr lang="en-GB" b="0" i="1" dirty="0" err="1">
-                <a:effectLst/>
-                <a:latin typeface="KaTeX_Math"/>
-              </a:rPr>
-              <a:t>m</a:t>
-            </a:r>
-            <a:r>
-              <a:rPr lang="en-GB" b="0" i="0" dirty="0">
-                <a:effectLst/>
-                <a:latin typeface="KaTeX_Main"/>
-              </a:rPr>
-              <a:t>​</a:t>
-            </a:r>
-            <a:r>
-              <a:rPr lang="en-GB" b="0" i="1" dirty="0">
-                <a:effectLst/>
-                <a:latin typeface="KaTeX_Math"/>
-              </a:rPr>
-              <a:t>n</a:t>
-            </a:r>
-            <a:r>
-              <a:rPr lang="en-GB" b="0" i="0" dirty="0">
-                <a:effectLst/>
-                <a:latin typeface="KaTeX_Main"/>
-              </a:rPr>
-              <a:t>)</a:t>
-            </a:r>
-            <a:r>
-              <a:rPr lang="en-GB" b="0" i="0" dirty="0">
-                <a:effectLst/>
-                <a:latin typeface="__fkGroteskNeue_598ab8"/>
-              </a:rPr>
-              <a:t>.</a:t>
-            </a:r>
-          </a:p>
-          <a:p>
-            <a:pPr algn="l">
-              <a:buFont typeface="Arial" panose="020B0604020202020204" pitchFamily="34" charset="0"/>
-              <a:buChar char="•"/>
-            </a:pPr>
-            <a:r>
-              <a:rPr lang="en-GB" b="0" i="0" dirty="0">
-                <a:effectLst/>
-                <a:latin typeface="__fkGroteskNeue_598ab8"/>
-              </a:rPr>
-              <a:t>Case when n \</a:t>
-            </a:r>
-            <a:r>
-              <a:rPr lang="en-GB" b="0" i="0" dirty="0" err="1">
-                <a:effectLst/>
-                <a:latin typeface="__fkGroteskNeue_598ab8"/>
-              </a:rPr>
-              <a:t>geq</a:t>
-            </a:r>
-            <a:r>
-              <a:rPr lang="en-GB" b="0" i="0" dirty="0">
-                <a:effectLst/>
-                <a:latin typeface="__fkGroteskNeue_598ab8"/>
-              </a:rPr>
-              <a:t> 10: The recursion depth depends on decrementing n by 1 until it becomes less than 10. This results in a linear number of recursive calls proportional to the initial value of n, leading to a complexity of </a:t>
-            </a:r>
-            <a:r>
-              <a:rPr lang="en-GB" b="0" i="0" dirty="0">
-                <a:effectLst/>
-                <a:latin typeface="KaTeX_Main"/>
-              </a:rPr>
-              <a:t>O(n)</a:t>
-            </a:r>
-            <a:r>
-              <a:rPr lang="en-GB" b="0" i="1" dirty="0">
-                <a:effectLst/>
-                <a:latin typeface="KaTeX_Math"/>
-              </a:rPr>
-              <a:t>O</a:t>
-            </a:r>
-            <a:r>
-              <a:rPr lang="en-GB" b="0" i="0" dirty="0">
-                <a:effectLst/>
-                <a:latin typeface="KaTeX_Main"/>
-              </a:rPr>
-              <a:t>(</a:t>
-            </a:r>
-            <a:r>
-              <a:rPr lang="en-GB" b="0" i="1" dirty="0">
-                <a:effectLst/>
-                <a:latin typeface="KaTeX_Math"/>
-              </a:rPr>
-              <a:t>n</a:t>
-            </a:r>
-            <a:r>
-              <a:rPr lang="en-GB" b="0" i="0" dirty="0">
-                <a:effectLst/>
-                <a:latin typeface="KaTeX_Main"/>
-              </a:rPr>
-              <a:t>)</a:t>
-            </a:r>
-            <a:r>
-              <a:rPr lang="en-GB" b="0" i="0" dirty="0">
-                <a:effectLst/>
-                <a:latin typeface="__fkGroteskNeue_598ab8"/>
-              </a:rPr>
-              <a:t>.</a:t>
-            </a:r>
-          </a:p>
-          <a:p>
-            <a:pPr algn="l"/>
-            <a:r>
-              <a:rPr lang="en-GB" b="0" i="0" dirty="0">
-                <a:effectLst/>
-                <a:latin typeface="var(--font-fk-grotesk)"/>
-              </a:rPr>
-              <a:t>Worst-Case Complexity</a:t>
-            </a:r>
-          </a:p>
-          <a:p>
-            <a:pPr algn="l"/>
-            <a:r>
-              <a:rPr lang="en-GB" b="0" i="0" dirty="0">
-                <a:effectLst/>
-                <a:latin typeface="__fkGroteskNeue_598ab8"/>
-              </a:rPr>
-              <a:t>The worst-case scenario occurs when the function repeatedly decrements n from a large value (when n \</a:t>
-            </a:r>
-            <a:r>
-              <a:rPr lang="en-GB" b="0" i="0" dirty="0" err="1">
-                <a:effectLst/>
-                <a:latin typeface="__fkGroteskNeue_598ab8"/>
-              </a:rPr>
-              <a:t>geq</a:t>
-            </a:r>
-            <a:r>
-              <a:rPr lang="en-GB" b="0" i="0" dirty="0">
-                <a:effectLst/>
-                <a:latin typeface="__fkGroteskNeue_598ab8"/>
-              </a:rPr>
-              <a:t> 10). In this case, the time complexity is dominated by the linear decrement </a:t>
-            </a:r>
-            <a:r>
-              <a:rPr lang="en-GB" b="0" i="0" dirty="0" err="1">
-                <a:effectLst/>
-                <a:latin typeface="__fkGroteskNeue_598ab8"/>
-              </a:rPr>
-              <a:t>operation:</a:t>
-            </a:r>
-            <a:r>
-              <a:rPr lang="en-GB" b="0" i="0" dirty="0" err="1">
-                <a:effectLst/>
-                <a:latin typeface="KaTeX_Main"/>
-              </a:rPr>
-              <a:t>O</a:t>
-            </a:r>
-            <a:r>
-              <a:rPr lang="en-GB" b="0" i="0" dirty="0">
-                <a:effectLst/>
-                <a:latin typeface="KaTeX_Main"/>
-              </a:rPr>
-              <a:t>(n)</a:t>
-            </a:r>
-            <a:r>
-              <a:rPr lang="en-GB" b="0" i="1" dirty="0">
-                <a:effectLst/>
-                <a:latin typeface="KaTeX_Math"/>
-              </a:rPr>
-              <a:t>O</a:t>
-            </a:r>
-            <a:r>
-              <a:rPr lang="en-GB" b="0" i="0" dirty="0">
-                <a:effectLst/>
-                <a:latin typeface="KaTeX_Main"/>
-              </a:rPr>
-              <a:t>(</a:t>
-            </a:r>
-            <a:r>
-              <a:rPr lang="en-GB" b="0" i="1" dirty="0">
                 <a:effectLst/>
                 <a:latin typeface="KaTeX_Math"/>
               </a:rPr>
@@ -2832,7 +2886,7 @@
     </p:spTree>
     <p:extLst>
       <p:ext uri="{BB962C8B-B14F-4D97-AF65-F5344CB8AC3E}">
-        <p14:creationId xmlns:p14="http://schemas.microsoft.com/office/powerpoint/2010/main" val="774366021"/>
+        <p14:creationId xmlns:p14="http://schemas.microsoft.com/office/powerpoint/2010/main" val="568438670"/>
       </p:ext>
     </p:extLst>
   </p:cSld>
@@ -2886,29 +2940,417 @@
           <a:bodyPr/>
           <a:lstStyle/>
           <a:p>
-            <a:r>
-              <a:rPr lang="en-GB" dirty="0"/>
-              <a:t>Citations:</a:t>
-            </a:r>
-          </a:p>
-          <a:p>
-            <a:r>
-              <a:rPr lang="en-GB" dirty="0"/>
-              <a:t>[1] https://programming.guide/hash-tables-open-vs-closed-addressing.html</a:t>
-            </a:r>
-          </a:p>
-          <a:p>
-            <a:r>
-              <a:rPr lang="en-GB" dirty="0"/>
-              <a:t>[2] https://stackoverflow.com/questions/2556142/chained-hash-tables-vs-open-addressed-hash-tables/42810972</a:t>
-            </a:r>
-          </a:p>
-          <a:p>
-            <a:r>
-              <a:rPr lang="en-GB" dirty="0"/>
-              <a:t>[3] https://www.geeksforgeeks.org/separate-chaining-collision-handling-technique-in-hashing/</a:t>
-            </a:r>
-            <a:endParaRPr lang="en-SE" dirty="0"/>
+            <a:pPr algn="l">
+              <a:buFont typeface="+mj-lt"/>
+              <a:buAutoNum type="arabicPeriod"/>
+            </a:pPr>
+            <a:r>
+              <a:rPr lang="en-GB" b="0" i="0" dirty="0" err="1">
+                <a:effectLst/>
+                <a:latin typeface="__fkGroteskNeue_598ab8"/>
+              </a:rPr>
+              <a:t>ase</a:t>
+            </a:r>
+            <a:r>
+              <a:rPr lang="en-GB" b="0" i="0" dirty="0">
+                <a:effectLst/>
+                <a:latin typeface="__fkGroteskNeue_598ab8"/>
+              </a:rPr>
+              <a:t> </a:t>
+            </a:r>
+            <a:r>
+              <a:rPr lang="en-GB" b="0" i="0" dirty="0" err="1">
+                <a:effectLst/>
+                <a:latin typeface="__fkGroteskNeue_598ab8"/>
+              </a:rPr>
+              <a:t>Cases:If</a:t>
+            </a:r>
+            <a:r>
+              <a:rPr lang="en-GB" b="0" i="0" dirty="0">
+                <a:effectLst/>
+                <a:latin typeface="__fkGroteskNeue_598ab8"/>
+              </a:rPr>
+              <a:t> m &lt; 2, the function returns m. This is a constant-time operation, </a:t>
+            </a:r>
+            <a:r>
+              <a:rPr lang="en-GB" b="0" i="0" dirty="0">
+                <a:effectLst/>
+                <a:latin typeface="KaTeX_Main"/>
+              </a:rPr>
+              <a:t>O(1)</a:t>
+            </a:r>
+            <a:r>
+              <a:rPr lang="en-GB" b="0" i="1" dirty="0">
+                <a:effectLst/>
+                <a:latin typeface="KaTeX_Math"/>
+              </a:rPr>
+              <a:t>O</a:t>
+            </a:r>
+            <a:r>
+              <a:rPr lang="en-GB" b="0" i="0" dirty="0">
+                <a:effectLst/>
+                <a:latin typeface="KaTeX_Main"/>
+              </a:rPr>
+              <a:t>(1)</a:t>
+            </a:r>
+            <a:r>
+              <a:rPr lang="en-GB" b="0" i="0" dirty="0">
+                <a:effectLst/>
+                <a:latin typeface="__fkGroteskNeue_598ab8"/>
+              </a:rPr>
+              <a:t>.</a:t>
+            </a:r>
+          </a:p>
+          <a:p>
+            <a:pPr algn="l">
+              <a:buFont typeface="+mj-lt"/>
+              <a:buAutoNum type="arabicPeriod"/>
+            </a:pPr>
+            <a:r>
+              <a:rPr lang="en-GB" b="0" i="0" dirty="0">
+                <a:effectLst/>
+                <a:latin typeface="__fkGroteskNeue_598ab8"/>
+              </a:rPr>
+              <a:t>If n &lt; 1, the function returns n. This is also a constant-time operation, </a:t>
+            </a:r>
+            <a:r>
+              <a:rPr lang="en-GB" b="0" i="0" dirty="0">
+                <a:effectLst/>
+                <a:latin typeface="KaTeX_Main"/>
+              </a:rPr>
+              <a:t>O(1)</a:t>
+            </a:r>
+            <a:r>
+              <a:rPr lang="en-GB" b="0" i="1" dirty="0">
+                <a:effectLst/>
+                <a:latin typeface="KaTeX_Math"/>
+              </a:rPr>
+              <a:t>O</a:t>
+            </a:r>
+            <a:r>
+              <a:rPr lang="en-GB" b="0" i="0" dirty="0">
+                <a:effectLst/>
+                <a:latin typeface="KaTeX_Main"/>
+              </a:rPr>
+              <a:t>(1)</a:t>
+            </a:r>
+            <a:r>
+              <a:rPr lang="en-GB" b="0" i="0" dirty="0">
+                <a:effectLst/>
+                <a:latin typeface="__fkGroteskNeue_598ab8"/>
+              </a:rPr>
+              <a:t>.</a:t>
+            </a:r>
+          </a:p>
+          <a:p>
+            <a:pPr algn="l">
+              <a:buFont typeface="+mj-lt"/>
+              <a:buAutoNum type="arabicPeriod"/>
+            </a:pPr>
+            <a:r>
+              <a:rPr lang="en-GB" b="0" i="0" dirty="0">
+                <a:effectLst/>
+                <a:latin typeface="__fkGroteskNeue_598ab8"/>
+              </a:rPr>
+              <a:t>Recursive </a:t>
+            </a:r>
+            <a:r>
+              <a:rPr lang="en-GB" b="0" i="0" dirty="0" err="1">
+                <a:effectLst/>
+                <a:latin typeface="__fkGroteskNeue_598ab8"/>
+              </a:rPr>
+              <a:t>Cases:If</a:t>
+            </a:r>
+            <a:r>
+              <a:rPr lang="en-GB" b="0" i="0" dirty="0">
+                <a:effectLst/>
+                <a:latin typeface="__fkGroteskNeue_598ab8"/>
+              </a:rPr>
+              <a:t> n &lt; 10, the function calls itself with silly(n/m, m). This means that in each recursive call, n is divided by m.</a:t>
+            </a:r>
+          </a:p>
+          <a:p>
+            <a:pPr algn="l">
+              <a:buFont typeface="+mj-lt"/>
+              <a:buAutoNum type="arabicPeriod"/>
+            </a:pPr>
+            <a:r>
+              <a:rPr lang="en-GB" b="0" i="0" dirty="0">
+                <a:effectLst/>
+                <a:latin typeface="__fkGroteskNeue_598ab8"/>
+              </a:rPr>
+              <a:t>If n \</a:t>
+            </a:r>
+            <a:r>
+              <a:rPr lang="en-GB" b="0" i="0" dirty="0" err="1">
+                <a:effectLst/>
+                <a:latin typeface="__fkGroteskNeue_598ab8"/>
+              </a:rPr>
+              <a:t>geq</a:t>
+            </a:r>
+            <a:r>
+              <a:rPr lang="en-GB" b="0" i="0" dirty="0">
+                <a:effectLst/>
+                <a:latin typeface="__fkGroteskNeue_598ab8"/>
+              </a:rPr>
+              <a:t> 10, the function calls itself with silly(n - 1, m). This means that in each recursive call, n is decremented by 1.</a:t>
+            </a:r>
+          </a:p>
+          <a:p>
+            <a:pPr algn="l"/>
+            <a:r>
+              <a:rPr lang="en-GB" b="0" i="0" dirty="0">
+                <a:effectLst/>
+                <a:latin typeface="var(--font-fk-grotesk)"/>
+              </a:rPr>
+              <a:t>Analysis of Recursive Calls</a:t>
+            </a:r>
+          </a:p>
+          <a:p>
+            <a:pPr algn="l">
+              <a:buFont typeface="Arial" panose="020B0604020202020204" pitchFamily="34" charset="0"/>
+              <a:buChar char="•"/>
+            </a:pPr>
+            <a:r>
+              <a:rPr lang="en-GB" b="0" i="0" dirty="0">
+                <a:effectLst/>
+                <a:latin typeface="__fkGroteskNeue_598ab8"/>
+              </a:rPr>
+              <a:t>Case when n &lt; 10: The recursion depth depends on how many times you can divide n by m until n becomes less than 10. This is logarithmic with respect to n in base m, leading to a complexity of </a:t>
+            </a:r>
+            <a:r>
+              <a:rPr lang="en-GB" b="0" i="0" dirty="0">
+                <a:effectLst/>
+                <a:latin typeface="KaTeX_Main"/>
+              </a:rPr>
+              <a:t>O(</a:t>
+            </a:r>
+            <a:r>
+              <a:rPr lang="en-GB" b="0" i="0" dirty="0" err="1">
+                <a:effectLst/>
+                <a:latin typeface="KaTeX_Main"/>
+              </a:rPr>
+              <a:t>log⁡mn</a:t>
+            </a:r>
+            <a:r>
+              <a:rPr lang="en-GB" b="0" i="0" dirty="0">
+                <a:effectLst/>
+                <a:latin typeface="KaTeX_Main"/>
+              </a:rPr>
+              <a:t>)</a:t>
+            </a:r>
+            <a:r>
+              <a:rPr lang="en-GB" b="0" i="1" dirty="0">
+                <a:effectLst/>
+                <a:latin typeface="KaTeX_Math"/>
+              </a:rPr>
+              <a:t>O</a:t>
+            </a:r>
+            <a:r>
+              <a:rPr lang="en-GB" b="0" i="0" dirty="0">
+                <a:effectLst/>
+                <a:latin typeface="KaTeX_Main"/>
+              </a:rPr>
+              <a:t>(</a:t>
+            </a:r>
+            <a:r>
+              <a:rPr lang="en-GB" b="0" i="0" dirty="0" err="1">
+                <a:effectLst/>
+                <a:latin typeface="KaTeX_Main"/>
+              </a:rPr>
+              <a:t>log</a:t>
+            </a:r>
+            <a:r>
+              <a:rPr lang="en-GB" b="0" i="1" dirty="0" err="1">
+                <a:effectLst/>
+                <a:latin typeface="KaTeX_Math"/>
+              </a:rPr>
+              <a:t>m</a:t>
+            </a:r>
+            <a:r>
+              <a:rPr lang="en-GB" b="0" i="0" dirty="0">
+                <a:effectLst/>
+                <a:latin typeface="KaTeX_Main"/>
+              </a:rPr>
+              <a:t>​</a:t>
+            </a:r>
+            <a:r>
+              <a:rPr lang="en-GB" b="0" i="1" dirty="0">
+                <a:effectLst/>
+                <a:latin typeface="KaTeX_Math"/>
+              </a:rPr>
+              <a:t>n</a:t>
+            </a:r>
+            <a:r>
+              <a:rPr lang="en-GB" b="0" i="0" dirty="0">
+                <a:effectLst/>
+                <a:latin typeface="KaTeX_Main"/>
+              </a:rPr>
+              <a:t>)</a:t>
+            </a:r>
+            <a:r>
+              <a:rPr lang="en-GB" b="0" i="0" dirty="0">
+                <a:effectLst/>
+                <a:latin typeface="__fkGroteskNeue_598ab8"/>
+              </a:rPr>
+              <a:t>.</a:t>
+            </a:r>
+          </a:p>
+          <a:p>
+            <a:pPr algn="l">
+              <a:buFont typeface="Arial" panose="020B0604020202020204" pitchFamily="34" charset="0"/>
+              <a:buChar char="•"/>
+            </a:pPr>
+            <a:r>
+              <a:rPr lang="en-GB" b="0" i="0" dirty="0">
+                <a:effectLst/>
+                <a:latin typeface="__fkGroteskNeue_598ab8"/>
+              </a:rPr>
+              <a:t>Case when n \</a:t>
+            </a:r>
+            <a:r>
+              <a:rPr lang="en-GB" b="0" i="0" dirty="0" err="1">
+                <a:effectLst/>
+                <a:latin typeface="__fkGroteskNeue_598ab8"/>
+              </a:rPr>
+              <a:t>geq</a:t>
+            </a:r>
+            <a:r>
+              <a:rPr lang="en-GB" b="0" i="0" dirty="0">
+                <a:effectLst/>
+                <a:latin typeface="__fkGroteskNeue_598ab8"/>
+              </a:rPr>
+              <a:t> 10: The recursion depth depends on decrementing n by 1 until it becomes less than 10. This results in a linear number of recursive calls proportional to the initial value of n, leading to a complexity of </a:t>
+            </a:r>
+            <a:r>
+              <a:rPr lang="en-GB" b="0" i="0" dirty="0">
+                <a:effectLst/>
+                <a:latin typeface="KaTeX_Main"/>
+              </a:rPr>
+              <a:t>O(n)</a:t>
+            </a:r>
+            <a:r>
+              <a:rPr lang="en-GB" b="0" i="1" dirty="0">
+                <a:effectLst/>
+                <a:latin typeface="KaTeX_Math"/>
+              </a:rPr>
+              <a:t>O</a:t>
+            </a:r>
+            <a:r>
+              <a:rPr lang="en-GB" b="0" i="0" dirty="0">
+                <a:effectLst/>
+                <a:latin typeface="KaTeX_Main"/>
+              </a:rPr>
+              <a:t>(</a:t>
+            </a:r>
+            <a:r>
+              <a:rPr lang="en-GB" b="0" i="1" dirty="0">
+                <a:effectLst/>
+                <a:latin typeface="KaTeX_Math"/>
+              </a:rPr>
+              <a:t>n</a:t>
+            </a:r>
+            <a:r>
+              <a:rPr lang="en-GB" b="0" i="0" dirty="0">
+                <a:effectLst/>
+                <a:latin typeface="KaTeX_Main"/>
+              </a:rPr>
+              <a:t>)</a:t>
+            </a:r>
+            <a:r>
+              <a:rPr lang="en-GB" b="0" i="0" dirty="0">
+                <a:effectLst/>
+                <a:latin typeface="__fkGroteskNeue_598ab8"/>
+              </a:rPr>
+              <a:t>.</a:t>
+            </a:r>
+          </a:p>
+          <a:p>
+            <a:pPr algn="l"/>
+            <a:r>
+              <a:rPr lang="en-GB" b="0" i="0" dirty="0">
+                <a:effectLst/>
+                <a:latin typeface="var(--font-fk-grotesk)"/>
+              </a:rPr>
+              <a:t>Worst-Case Complexity</a:t>
+            </a:r>
+          </a:p>
+          <a:p>
+            <a:pPr algn="l"/>
+            <a:r>
+              <a:rPr lang="en-GB" b="0" i="0" dirty="0">
+                <a:effectLst/>
+                <a:latin typeface="__fkGroteskNeue_598ab8"/>
+              </a:rPr>
+              <a:t>The worst-case scenario occurs when the function repeatedly decrements n from a large value (when n \</a:t>
+            </a:r>
+            <a:r>
+              <a:rPr lang="en-GB" b="0" i="0" dirty="0" err="1">
+                <a:effectLst/>
+                <a:latin typeface="__fkGroteskNeue_598ab8"/>
+              </a:rPr>
+              <a:t>geq</a:t>
+            </a:r>
+            <a:r>
+              <a:rPr lang="en-GB" b="0" i="0" dirty="0">
+                <a:effectLst/>
+                <a:latin typeface="__fkGroteskNeue_598ab8"/>
+              </a:rPr>
+              <a:t> 10). In this case, the time complexity is dominated by the linear decrement </a:t>
+            </a:r>
+            <a:r>
+              <a:rPr lang="en-GB" b="0" i="0" dirty="0" err="1">
+                <a:effectLst/>
+                <a:latin typeface="__fkGroteskNeue_598ab8"/>
+              </a:rPr>
+              <a:t>operation:</a:t>
+            </a:r>
+            <a:r>
+              <a:rPr lang="en-GB" b="0" i="0" dirty="0" err="1">
+                <a:effectLst/>
+                <a:latin typeface="KaTeX_Main"/>
+              </a:rPr>
+              <a:t>O</a:t>
+            </a:r>
+            <a:r>
+              <a:rPr lang="en-GB" b="0" i="0" dirty="0">
+                <a:effectLst/>
+                <a:latin typeface="KaTeX_Main"/>
+              </a:rPr>
+              <a:t>(n)</a:t>
+            </a:r>
+            <a:r>
+              <a:rPr lang="en-GB" b="0" i="1" dirty="0">
+                <a:effectLst/>
+                <a:latin typeface="KaTeX_Math"/>
+              </a:rPr>
+              <a:t>O</a:t>
+            </a:r>
+            <a:r>
+              <a:rPr lang="en-GB" b="0" i="0" dirty="0">
+                <a:effectLst/>
+                <a:latin typeface="KaTeX_Main"/>
+              </a:rPr>
+              <a:t>(</a:t>
+            </a:r>
+            <a:r>
+              <a:rPr lang="en-GB" b="0" i="1" dirty="0">
+                <a:effectLst/>
+                <a:latin typeface="KaTeX_Math"/>
+              </a:rPr>
+              <a:t>n</a:t>
+            </a:r>
+            <a:r>
+              <a:rPr lang="en-GB" b="0" i="0" dirty="0">
+                <a:effectLst/>
+                <a:latin typeface="KaTeX_Main"/>
+              </a:rPr>
+              <a:t>)</a:t>
+            </a:r>
+            <a:endParaRPr lang="en-GB" b="0" i="0" dirty="0">
+              <a:effectLst/>
+              <a:latin typeface="__fkGroteskNeue_598ab8"/>
+            </a:endParaRPr>
           </a:p>
           <a:p>
             <a:endParaRPr lang="en-SE" dirty="0"/>
@@ -2932,7 +3374,7 @@
           <a:p>
             <a:fld id="{13F62E29-99FC-EB40-923F-D38E4FE7BE7E}" type="slidenum">
               <a:rPr lang="en-US" smtClean="0"/>
-              <a:t>29</a:t>
+              <a:t>27</a:t>
             </a:fld>
             <a:endParaRPr lang="en-US"/>
           </a:p>
@@ -2941,7 +3383,7 @@
     </p:spTree>
     <p:extLst>
       <p:ext uri="{BB962C8B-B14F-4D97-AF65-F5344CB8AC3E}">
-        <p14:creationId xmlns:p14="http://schemas.microsoft.com/office/powerpoint/2010/main" val="3518520802"/>
+        <p14:creationId xmlns:p14="http://schemas.microsoft.com/office/powerpoint/2010/main" val="774366021"/>
       </p:ext>
     </p:extLst>
   </p:cSld>
@@ -2995,118 +3437,31 @@
           <a:bodyPr/>
           <a:lstStyle/>
           <a:p>
-            <a:pPr algn="l"/>
-            <a:r>
-              <a:rPr lang="en-GB" b="0" i="0" dirty="0">
-                <a:effectLst/>
-                <a:latin typeface="__fkGroteskNeue_598ab8"/>
-              </a:rPr>
-              <a:t>The load factor </a:t>
-            </a:r>
-            <a:r>
-              <a:rPr lang="en-GB" b="0" i="0" dirty="0">
-                <a:effectLst/>
-                <a:latin typeface="KaTeX_Main"/>
-              </a:rPr>
-              <a:t>α</a:t>
-            </a:r>
-            <a:r>
-              <a:rPr lang="en-GB" b="0" i="1" dirty="0">
-                <a:effectLst/>
-                <a:latin typeface="KaTeX_Math"/>
-              </a:rPr>
-              <a:t>α</a:t>
-            </a:r>
-            <a:r>
-              <a:rPr lang="en-GB" b="0" i="0" dirty="0">
-                <a:effectLst/>
-                <a:latin typeface="__fkGroteskNeue_598ab8"/>
-              </a:rPr>
-              <a:t> for a hash table is calculated as the ratio of the number of elements stored in the table to the number of slots available in the table. Given a hash table with 25 slots that stores 2000 elements, the load factor is calculated as follows:</a:t>
-            </a:r>
-            <a:r>
-              <a:rPr lang="en-GB" b="0" i="0" dirty="0">
-                <a:effectLst/>
-                <a:latin typeface="KaTeX_Main"/>
-              </a:rPr>
-              <a:t>α=Number of </a:t>
-            </a:r>
-            <a:r>
-              <a:rPr lang="en-GB" b="0" i="0" dirty="0" err="1">
-                <a:effectLst/>
-                <a:latin typeface="KaTeX_Main"/>
-              </a:rPr>
-              <a:t>ElementsNumber</a:t>
-            </a:r>
-            <a:r>
-              <a:rPr lang="en-GB" b="0" i="0" dirty="0">
-                <a:effectLst/>
-                <a:latin typeface="KaTeX_Main"/>
-              </a:rPr>
-              <a:t> of Slots=200025=80</a:t>
-            </a:r>
-            <a:r>
-              <a:rPr lang="en-GB" b="0" i="1" dirty="0">
-                <a:effectLst/>
-                <a:latin typeface="KaTeX_Math"/>
-              </a:rPr>
-              <a:t>α</a:t>
-            </a:r>
-            <a:r>
-              <a:rPr lang="en-GB" b="0" i="0" dirty="0">
-                <a:effectLst/>
-                <a:latin typeface="KaTeX_Main"/>
-              </a:rPr>
-              <a:t>=Number of </a:t>
-            </a:r>
-            <a:r>
-              <a:rPr lang="en-GB" b="0" i="0" dirty="0" err="1">
-                <a:effectLst/>
-                <a:latin typeface="KaTeX_Main"/>
-              </a:rPr>
-              <a:t>SlotsNumber</a:t>
-            </a:r>
-            <a:r>
-              <a:rPr lang="en-GB" b="0" i="0" dirty="0">
-                <a:effectLst/>
-                <a:latin typeface="KaTeX_Main"/>
-              </a:rPr>
-              <a:t> of Elements​=252000​=80</a:t>
-            </a:r>
-            <a:endParaRPr lang="en-GB" b="0" i="0" dirty="0">
-              <a:effectLst/>
-              <a:latin typeface="__fkGroteskNeue_598ab8"/>
-            </a:endParaRPr>
-          </a:p>
-          <a:p>
-            <a:r>
-              <a:rPr lang="en-GB" b="0" i="0" dirty="0">
-                <a:effectLst/>
-                <a:latin typeface="__fkGroteskNeue_598ab8"/>
-              </a:rPr>
-              <a:t>Thus, the load factor </a:t>
-            </a:r>
-            <a:r>
-              <a:rPr lang="en-GB" b="0" i="0" dirty="0">
-                <a:effectLst/>
-                <a:latin typeface="KaTeX_Main"/>
-              </a:rPr>
-              <a:t>α</a:t>
-            </a:r>
-            <a:r>
-              <a:rPr lang="en-GB" b="0" i="1" dirty="0">
-                <a:effectLst/>
-                <a:latin typeface="KaTeX_Math"/>
-              </a:rPr>
-              <a:t>α</a:t>
-            </a:r>
-            <a:r>
-              <a:rPr lang="en-GB" b="0" i="0" dirty="0">
-                <a:effectLst/>
-                <a:latin typeface="__fkGroteskNeue_598ab8"/>
-              </a:rPr>
-              <a:t> for this hash table is 80.0. This indicates that, on average, each slot in the hash table contains 80 elements.</a:t>
-            </a:r>
+            <a:r>
+              <a:rPr lang="en-GB" dirty="0"/>
+              <a:t>Citations:</a:t>
+            </a:r>
+          </a:p>
+          <a:p>
+            <a:r>
+              <a:rPr lang="en-GB" dirty="0"/>
+              <a:t>[1] https://programming.guide/hash-tables-open-vs-closed-addressing.html</a:t>
+            </a:r>
+          </a:p>
+          <a:p>
+            <a:r>
+              <a:rPr lang="en-GB" dirty="0"/>
+              <a:t>[2] https://stackoverflow.com/questions/2556142/chained-hash-tables-vs-open-addressed-hash-tables/42810972</a:t>
+            </a:r>
+          </a:p>
+          <a:p>
+            <a:r>
+              <a:rPr lang="en-GB" dirty="0"/>
+              <a:t>[3] https://www.geeksforgeeks.org/separate-chaining-collision-handling-technique-in-hashing/</a:t>
+            </a:r>
+            <a:endParaRPr lang="en-SE" dirty="0"/>
+          </a:p>
+          <a:p>
             <a:endParaRPr lang="en-SE" dirty="0"/>
           </a:p>
         </p:txBody>
@@ -3137,7 +3492,7 @@
     </p:spTree>
     <p:extLst>
       <p:ext uri="{BB962C8B-B14F-4D97-AF65-F5344CB8AC3E}">
-        <p14:creationId xmlns:p14="http://schemas.microsoft.com/office/powerpoint/2010/main" val="3581007845"/>
+        <p14:creationId xmlns:p14="http://schemas.microsoft.com/office/powerpoint/2010/main" val="3518520802"/>
       </p:ext>
     </p:extLst>
   </p:cSld>
@@ -3197,59 +3552,112 @@
                 <a:effectLst/>
                 <a:latin typeface="__fkGroteskNeue_598ab8"/>
               </a:rPr>
-              <a:t>Since there are no collisions with these initial indices, each element is placed directly into its calculated </a:t>
+              <a:t>The load factor </a:t>
+            </a:r>
+            <a:r>
+              <a:rPr lang="en-GB" b="0" i="0" dirty="0">
+                <a:effectLst/>
+                <a:latin typeface="KaTeX_Main"/>
+              </a:rPr>
+              <a:t>α</a:t>
+            </a:r>
+            <a:r>
+              <a:rPr lang="en-GB" b="0" i="1" dirty="0">
+                <a:effectLst/>
+                <a:latin typeface="KaTeX_Math"/>
+              </a:rPr>
+              <a:t>α</a:t>
+            </a:r>
+            <a:r>
+              <a:rPr lang="en-GB" b="0" i="0" dirty="0">
+                <a:effectLst/>
+                <a:latin typeface="__fkGroteskNeue_598ab8"/>
+              </a:rPr>
+              <a:t> for a hash table is calculated as the ratio of the number of elements stored in the table to the number of slots available in the table. Given a hash table with 25 slots that stores 2000 elements, the load factor is calculated as follows:</a:t>
+            </a:r>
+            <a:r>
+              <a:rPr lang="en-GB" b="0" i="0" dirty="0">
+                <a:effectLst/>
+                <a:latin typeface="KaTeX_Main"/>
+              </a:rPr>
+              <a:t>α=Number of </a:t>
             </a:r>
             <a:r>
               <a:rPr lang="en-GB" b="0" i="0" dirty="0" err="1">
                 <a:effectLst/>
-                <a:latin typeface="__fkGroteskNeue_598ab8"/>
-              </a:rPr>
-              <a:t>position.Thus</a:t>
-            </a:r>
-            <a:r>
-              <a:rPr lang="en-GB" b="0" i="0" dirty="0">
-                <a:effectLst/>
-                <a:latin typeface="__fkGroteskNeue_598ab8"/>
-              </a:rPr>
-              <a:t>, the final contents of the hash table </a:t>
+                <a:latin typeface="KaTeX_Main"/>
+              </a:rPr>
+              <a:t>ElementsNumber</a:t>
+            </a:r>
+            <a:r>
+              <a:rPr lang="en-GB" b="0" i="0" dirty="0">
+                <a:effectLst/>
+                <a:latin typeface="KaTeX_Main"/>
+              </a:rPr>
+              <a:t> of Slots=200025=80</a:t>
+            </a:r>
+            <a:r>
+              <a:rPr lang="en-GB" b="0" i="1" dirty="0">
+                <a:effectLst/>
+                <a:latin typeface="KaTeX_Math"/>
+              </a:rPr>
+              <a:t>α</a:t>
+            </a:r>
+            <a:r>
+              <a:rPr lang="en-GB" b="0" i="0" dirty="0">
+                <a:effectLst/>
+                <a:latin typeface="KaTeX_Main"/>
+              </a:rPr>
+              <a:t>=Number of </a:t>
             </a:r>
             <a:r>
               <a:rPr lang="en-GB" b="0" i="0" dirty="0" err="1">
                 <a:effectLst/>
-                <a:latin typeface="__fkGroteskNeue_598ab8"/>
-              </a:rPr>
-              <a:t>are:</a:t>
-            </a:r>
-            <a:r>
-              <a:rPr lang="en-GB" b="0" i="0" dirty="0" err="1">
-                <a:effectLst/>
-                <a:latin typeface="var(--font-berkeley-mono)"/>
-              </a:rPr>
-              <a:t>text</a:t>
+                <a:latin typeface="KaTeX_Main"/>
+              </a:rPr>
+              <a:t>SlotsNumber</a:t>
+            </a:r>
+            <a:r>
+              <a:rPr lang="en-GB" b="0" i="0" dirty="0">
+                <a:effectLst/>
+                <a:latin typeface="KaTeX_Main"/>
+              </a:rPr>
+              <a:t> of Elements​=252000​=80</a:t>
             </a:r>
             <a:endParaRPr lang="en-GB" b="0" i="0" dirty="0">
               <a:effectLst/>
-              <a:latin typeface="var(--font-berkeley-mono)"/>
+              <a:latin typeface="__fkGroteskNeue_598ab8"/>
             </a:endParaRPr>
           </a:p>
           <a:p>
-            <a:pPr algn="l"/>
-            <a:r>
-              <a:rPr lang="en-GB" b="0" i="0" dirty="0">
-                <a:solidFill>
-                  <a:srgbClr val="4D4D4C"/>
-                </a:solidFill>
-                <a:effectLst/>
-                <a:latin typeface="inherit"/>
-              </a:rPr>
-              <a:t>[3, 10, 1, 8, '__', '__', '__']</a:t>
-            </a:r>
-            <a:endParaRPr lang="en-GB" b="0" i="0" dirty="0">
-              <a:effectLst/>
-              <a:latin typeface="var(--font-berkeley-mono)"/>
-            </a:endParaRPr>
-          </a:p>
-          <a:p>
+            <a:r>
+              <a:rPr lang="en-GB" b="0" i="0" dirty="0">
+                <a:effectLst/>
+                <a:latin typeface="__fkGroteskNeue_598ab8"/>
+              </a:rPr>
+              <a:t>Thus, the load factor </a:t>
+            </a:r>
+            <a:r>
+              <a:rPr lang="en-GB" b="0" i="0" dirty="0">
+                <a:effectLst/>
+                <a:latin typeface="KaTeX_Main"/>
+              </a:rPr>
+              <a:t>α</a:t>
+            </a:r>
+            <a:r>
+              <a:rPr lang="en-GB" b="0" i="1" dirty="0">
+                <a:effectLst/>
+                <a:latin typeface="KaTeX_Math"/>
+              </a:rPr>
+              <a:t>α</a:t>
+            </a:r>
+            <a:r>
+              <a:rPr lang="en-GB" b="0" i="0" dirty="0">
+                <a:effectLst/>
+                <a:latin typeface="__fkGroteskNeue_598ab8"/>
+              </a:rPr>
+              <a:t> for this hash table is 80.0. This indicates that, on average, each slot in the hash table contains 80 elements.</a:t>
+            </a:r>
             <a:endParaRPr lang="en-SE" dirty="0"/>
           </a:p>
         </p:txBody>
@@ -3280,7 +3688,7 @@
     </p:spTree>
     <p:extLst>
       <p:ext uri="{BB962C8B-B14F-4D97-AF65-F5344CB8AC3E}">
-        <p14:creationId xmlns:p14="http://schemas.microsoft.com/office/powerpoint/2010/main" val="3446136522"/>
+        <p14:creationId xmlns:p14="http://schemas.microsoft.com/office/powerpoint/2010/main" val="3581007845"/>
       </p:ext>
     </p:extLst>
   </p:cSld>
@@ -6730,7 +7138,7 @@
           <a:p>
             <a:r>
               <a:rPr lang="en-GB" dirty="0"/>
-              <a:t>It will match strings like "revolution", "revolutionary", and "revolutionaries" because the asterisk (*) quantifier allows for zero or more occurrences of the specified character range [a-z]124.</a:t>
+              <a:t>It will match strings like "revolution", "revolutionary", and "revolutionaries" because the asterisk (*) quantifier allows for zero or more occurrences of the specified character range [a-z].</a:t>
             </a:r>
           </a:p>
           <a:p>
@@ -7391,8 +7799,8 @@
         </p:nvSpPr>
         <p:spPr>
           <a:xfrm>
-            <a:off x="457200" y="1600200"/>
-            <a:ext cx="8229600" cy="5116286"/>
+            <a:off x="569495" y="1413627"/>
+            <a:ext cx="8229600" cy="5426242"/>
           </a:xfrm>
         </p:spPr>
         <p:txBody>
@@ -7469,13 +7877,25 @@
             <a:pPr lvl="1"/>
             <a:r>
               <a:rPr lang="en-GB" dirty="0"/>
-              <a:t>\d: Matches any single digit from 0 to 9, representing the units place of minutes.</a:t>
+              <a:t>\d: Matches any single digit from 0 to 9, representing the units place of minutes. Equivalent to [0-9].</a:t>
             </a:r>
           </a:p>
           <a:p>
             <a:r>
               <a:rPr lang="en-GB" dirty="0"/>
               <a:t>This regex pattern effectively captures valid hour and minute combinations in a 24-hour time format, such as "3:15", "12:45", and "23:59". However, it allows for single-digit hours without a leading zero (e.g., "3:15" instead of "03:15"). If you want to ensure that hours are always two digits, you might need a slightly different pattern.</a:t>
+            </a:r>
+          </a:p>
+          <a:p>
+            <a:r>
+              <a:rPr lang="en-GB" dirty="0"/>
+              <a:t>Note: [20-23] matches 203, 213, 223, different from 2[0-3]</a:t>
+            </a:r>
+          </a:p>
+          <a:p>
+            <a:r>
+              <a:rPr lang="en-GB" dirty="0"/>
+              <a:t>2[0-3] is equivalent to 20|21|22|23</a:t>
             </a:r>
             <a:endParaRPr lang="en-SE" dirty="0"/>
           </a:p>
@@ -7660,7 +8080,7 @@
             <a:pPr lvl="2"/>
             <a:r>
               <a:rPr lang="en-GB" dirty="0"/>
-              <a:t>Does not match hours 11,12,13…</a:t>
+              <a:t>Does not match hours 10, 11,12,13…</a:t>
             </a:r>
           </a:p>
           <a:p>
@@ -8350,7 +8770,7 @@
             <a:pPr lvl="1"/>
             <a:r>
               <a:rPr lang="en-GB" dirty="0"/>
-              <a:t>The pattern [0-255] matches any single character that is either '0', '2', '5', or '1'. This does not correctly represent the range of numbers from 0 to 255.</a:t>
+              <a:t>The pattern [0-255] matches any single character that is either '0', '2', '5', or ‘1’, it is equivalent to [01255]. This does not correctly represent the range of numbers from 0 to 255.</a:t>
             </a:r>
             <a:endParaRPr lang="en-SE" dirty="0"/>
           </a:p>
@@ -8666,6 +9086,57 @@
           </a:p>
         </p:txBody>
       </p:sp>
+      <mc:AlternateContent xmlns:mc="http://schemas.openxmlformats.org/markup-compatibility/2006">
+        <mc:Choice xmlns:p14="http://schemas.microsoft.com/office/powerpoint/2010/main" Requires="p14">
+          <p:contentPart p14:bwMode="auto" r:id="rId2">
+            <p14:nvContentPartPr>
+              <p14:cNvPr id="4" name="Ink 3">
+                <a:extLst>
+                  <a:ext uri="{FF2B5EF4-FFF2-40B4-BE49-F238E27FC236}">
+                    <a16:creationId xmlns:a16="http://schemas.microsoft.com/office/drawing/2014/main" id="{900913F6-09CC-49BA-A614-380A8C13F5FF}"/>
+                  </a:ext>
+                </a:extLst>
+              </p14:cNvPr>
+              <p14:cNvContentPartPr/>
+              <p14:nvPr/>
+            </p14:nvContentPartPr>
+            <p14:xfrm>
+              <a:off x="13908088" y="5229095"/>
+              <a:ext cx="16560" cy="6840"/>
+            </p14:xfrm>
+          </p:contentPart>
+        </mc:Choice>
+        <mc:Fallback>
+          <p:pic>
+            <p:nvPicPr>
+              <p:cNvPr id="4" name="Ink 3">
+                <a:extLst>
+                  <a:ext uri="{FF2B5EF4-FFF2-40B4-BE49-F238E27FC236}">
+                    <a16:creationId xmlns:a16="http://schemas.microsoft.com/office/drawing/2014/main" id="{900913F6-09CC-49BA-A614-380A8C13F5FF}"/>
+                  </a:ext>
+                </a:extLst>
+              </p:cNvPr>
+              <p:cNvPicPr/>
+              <p:nvPr/>
+            </p:nvPicPr>
+            <p:blipFill>
+              <a:blip r:embed="rId3"/>
+              <a:stretch>
+                <a:fillRect/>
+              </a:stretch>
+            </p:blipFill>
+            <p:spPr>
+              <a:xfrm>
+                <a:off x="13899448" y="5220455"/>
+                <a:ext cx="34200" cy="24480"/>
+              </a:xfrm>
+              <a:prstGeom prst="rect">
+                <a:avLst/>
+              </a:prstGeom>
+            </p:spPr>
+          </p:pic>
+        </mc:Fallback>
+      </mc:AlternateContent>
     </p:spTree>
     <p:extLst>
       <p:ext uri="{BB962C8B-B14F-4D97-AF65-F5344CB8AC3E}">
@@ -8744,7 +9215,7 @@
         <p:spPr/>
         <p:txBody>
           <a:bodyPr>
-            <a:normAutofit fontScale="62500" lnSpcReduction="20000"/>
+            <a:normAutofit fontScale="70000" lnSpcReduction="20000"/>
           </a:bodyPr>
           <a:lstStyle/>
           <a:p>
@@ -8761,7 +9232,7 @@
             </a:r>
           </a:p>
           <a:p>
-            <a:pPr algn="l"/>
+            <a:pPr lvl="1"/>
             <a:r>
               <a:rPr lang="en-GB" b="0" i="0" dirty="0">
                 <a:solidFill>
@@ -9855,6 +10326,707 @@
           <p:cNvPr id="2" name="Title 1">
             <a:extLst>
               <a:ext uri="{FF2B5EF4-FFF2-40B4-BE49-F238E27FC236}">
+                <a16:creationId xmlns:a16="http://schemas.microsoft.com/office/drawing/2014/main" id="{03C810E4-B0CA-BDD6-65A6-7548AA6B746F}"/>
+              </a:ext>
+            </a:extLst>
+          </p:cNvPr>
+          <p:cNvSpPr>
+            <a:spLocks noGrp="1"/>
+          </p:cNvSpPr>
+          <p:nvPr>
+            <p:ph type="title"/>
+          </p:nvPr>
+        </p:nvSpPr>
+        <p:spPr>
+          <a:xfrm>
+            <a:off x="457200" y="141939"/>
+            <a:ext cx="8229600" cy="1143000"/>
+          </a:xfrm>
+        </p:spPr>
+        <p:txBody>
+          <a:bodyPr/>
+          <a:lstStyle/>
+          <a:p>
+            <a:r>
+              <a:rPr lang="en-GB" dirty="0"/>
+              <a:t>Question 26 Variations</a:t>
+            </a:r>
+            <a:endParaRPr lang="en-SE" dirty="0"/>
+          </a:p>
+        </p:txBody>
+      </p:sp>
+      <p:sp>
+        <p:nvSpPr>
+          <p:cNvPr id="3" name="Content Placeholder 2">
+            <a:extLst>
+              <a:ext uri="{FF2B5EF4-FFF2-40B4-BE49-F238E27FC236}">
+                <a16:creationId xmlns:a16="http://schemas.microsoft.com/office/drawing/2014/main" id="{61C251DD-B7FA-74E0-5272-D0236B9EA78C}"/>
+              </a:ext>
+            </a:extLst>
+          </p:cNvPr>
+          <p:cNvSpPr>
+            <a:spLocks noGrp="1"/>
+          </p:cNvSpPr>
+          <p:nvPr>
+            <p:ph idx="1"/>
+          </p:nvPr>
+        </p:nvSpPr>
+        <p:spPr>
+          <a:xfrm>
+            <a:off x="196646" y="1262815"/>
+            <a:ext cx="8738807" cy="5595185"/>
+          </a:xfrm>
+        </p:spPr>
+        <p:txBody>
+          <a:bodyPr>
+            <a:normAutofit fontScale="85000" lnSpcReduction="20000"/>
+          </a:bodyPr>
+          <a:lstStyle/>
+          <a:p>
+            <a:pPr algn="l"/>
+            <a:r>
+              <a:rPr lang="en-GB" b="0" i="0" dirty="0">
+                <a:solidFill>
+                  <a:srgbClr val="2D3B45"/>
+                </a:solidFill>
+                <a:effectLst/>
+                <a:latin typeface="Lato Extended"/>
+              </a:rPr>
+              <a:t>Describe the worst case running time of the following code in “big-Oh” notation in terms of the variable n.</a:t>
+            </a:r>
+          </a:p>
+          <a:p>
+            <a:pPr algn="l"/>
+            <a:r>
+              <a:rPr lang="en-GB" b="0" i="0" dirty="0">
+                <a:solidFill>
+                  <a:srgbClr val="2D3B45"/>
+                </a:solidFill>
+                <a:effectLst/>
+                <a:latin typeface="Lato Extended"/>
+              </a:rPr>
+              <a:t>int f3(int n) {</a:t>
+            </a:r>
+            <a:br>
+              <a:rPr lang="en-GB" b="0" i="0" dirty="0">
+                <a:solidFill>
+                  <a:srgbClr val="2D3B45"/>
+                </a:solidFill>
+                <a:effectLst/>
+                <a:latin typeface="Lato Extended"/>
+              </a:rPr>
+            </a:br>
+            <a:r>
+              <a:rPr lang="en-GB" b="0" i="0" dirty="0">
+                <a:solidFill>
+                  <a:srgbClr val="2D3B45"/>
+                </a:solidFill>
+                <a:effectLst/>
+                <a:latin typeface="Lato Extended"/>
+              </a:rPr>
+              <a:t>int sum = 73;</a:t>
+            </a:r>
+            <a:br>
+              <a:rPr lang="en-GB" b="0" i="0" dirty="0">
+                <a:solidFill>
+                  <a:srgbClr val="2D3B45"/>
+                </a:solidFill>
+                <a:effectLst/>
+                <a:latin typeface="Lato Extended"/>
+              </a:rPr>
+            </a:br>
+            <a:r>
+              <a:rPr lang="en-GB" b="0" i="0" dirty="0">
+                <a:solidFill>
+                  <a:srgbClr val="2D3B45"/>
+                </a:solidFill>
+                <a:effectLst/>
+                <a:latin typeface="Lato Extended"/>
+              </a:rPr>
+              <a:t>for(int </a:t>
+            </a:r>
+            <a:r>
+              <a:rPr lang="en-GB" b="0" i="0" dirty="0" err="1">
+                <a:solidFill>
+                  <a:srgbClr val="2D3B45"/>
+                </a:solidFill>
+                <a:effectLst/>
+                <a:latin typeface="Lato Extended"/>
+              </a:rPr>
+              <a:t>i</a:t>
+            </a:r>
+            <a:r>
+              <a:rPr lang="en-GB" b="0" i="0" dirty="0">
+                <a:solidFill>
+                  <a:srgbClr val="2D3B45"/>
+                </a:solidFill>
+                <a:effectLst/>
+                <a:latin typeface="Lato Extended"/>
+              </a:rPr>
+              <a:t>=0; </a:t>
+            </a:r>
+            <a:r>
+              <a:rPr lang="en-GB" b="0" i="0" dirty="0" err="1">
+                <a:solidFill>
+                  <a:srgbClr val="2D3B45"/>
+                </a:solidFill>
+                <a:effectLst/>
+                <a:latin typeface="Lato Extended"/>
+              </a:rPr>
+              <a:t>i</a:t>
+            </a:r>
+            <a:r>
+              <a:rPr lang="en-GB" b="0" i="0" dirty="0">
+                <a:solidFill>
+                  <a:srgbClr val="2D3B45"/>
+                </a:solidFill>
+                <a:effectLst/>
+                <a:latin typeface="Lato Extended"/>
+              </a:rPr>
+              <a:t> &lt; n; </a:t>
+            </a:r>
+            <a:r>
+              <a:rPr lang="en-GB" b="0" i="0" dirty="0" err="1">
+                <a:solidFill>
+                  <a:srgbClr val="2D3B45"/>
+                </a:solidFill>
+                <a:effectLst/>
+                <a:latin typeface="Lato Extended"/>
+              </a:rPr>
+              <a:t>i</a:t>
+            </a:r>
+            <a:r>
+              <a:rPr lang="en-GB" b="0" i="0" dirty="0">
+                <a:solidFill>
+                  <a:srgbClr val="2D3B45"/>
+                </a:solidFill>
+                <a:effectLst/>
+                <a:latin typeface="Lato Extended"/>
+              </a:rPr>
+              <a:t>++) {</a:t>
+            </a:r>
+            <a:br>
+              <a:rPr lang="en-GB" b="0" i="0" dirty="0">
+                <a:solidFill>
+                  <a:srgbClr val="2D3B45"/>
+                </a:solidFill>
+                <a:effectLst/>
+                <a:latin typeface="Lato Extended"/>
+              </a:rPr>
+            </a:br>
+            <a:r>
+              <a:rPr lang="en-GB" b="0" i="0" dirty="0">
+                <a:solidFill>
+                  <a:srgbClr val="2D3B45"/>
+                </a:solidFill>
+                <a:effectLst/>
+                <a:latin typeface="Lato Extended"/>
+              </a:rPr>
+              <a:t>for(int j=</a:t>
+            </a:r>
+            <a:r>
+              <a:rPr lang="en-GB" b="0" i="0" dirty="0" err="1">
+                <a:solidFill>
+                  <a:srgbClr val="2D3B45"/>
+                </a:solidFill>
+                <a:effectLst/>
+                <a:latin typeface="Lato Extended"/>
+              </a:rPr>
+              <a:t>i</a:t>
+            </a:r>
+            <a:r>
+              <a:rPr lang="en-GB" b="0" i="0" dirty="0">
+                <a:solidFill>
+                  <a:srgbClr val="2D3B45"/>
+                </a:solidFill>
+                <a:effectLst/>
+                <a:latin typeface="Lato Extended"/>
+              </a:rPr>
+              <a:t>; j &gt;= 5; j--) {</a:t>
+            </a:r>
+          </a:p>
+          <a:p>
+            <a:pPr algn="l"/>
+            <a:r>
+              <a:rPr lang="en-GB" b="0" i="0" dirty="0">
+                <a:solidFill>
+                  <a:srgbClr val="2D3B45"/>
+                </a:solidFill>
+                <a:effectLst/>
+                <a:latin typeface="Lato Extended"/>
+              </a:rPr>
+              <a:t>//Alternative 1: for(int j=</a:t>
+            </a:r>
+            <a:r>
+              <a:rPr lang="en-GB" b="0" i="0" dirty="0" err="1">
+                <a:solidFill>
+                  <a:srgbClr val="2D3B45"/>
+                </a:solidFill>
+                <a:effectLst/>
+                <a:latin typeface="Lato Extended"/>
+              </a:rPr>
+              <a:t>i</a:t>
+            </a:r>
+            <a:r>
+              <a:rPr lang="en-GB" b="0" i="0" dirty="0">
+                <a:solidFill>
+                  <a:srgbClr val="2D3B45"/>
+                </a:solidFill>
+                <a:effectLst/>
+                <a:latin typeface="Lato Extended"/>
+              </a:rPr>
+              <a:t>; j &gt;= 0; j--) {</a:t>
+            </a:r>
+          </a:p>
+          <a:p>
+            <a:r>
+              <a:rPr lang="en-GB" b="0" i="0" dirty="0">
+                <a:solidFill>
+                  <a:srgbClr val="2D3B45"/>
+                </a:solidFill>
+                <a:effectLst/>
+                <a:latin typeface="Lato Extended"/>
+              </a:rPr>
+              <a:t>//Alternative 2: for(int j=0; j &lt;= </a:t>
+            </a:r>
+            <a:r>
+              <a:rPr lang="en-GB" b="0" i="0" dirty="0" err="1">
+                <a:solidFill>
+                  <a:srgbClr val="2D3B45"/>
+                </a:solidFill>
+                <a:effectLst/>
+                <a:latin typeface="Lato Extended"/>
+              </a:rPr>
+              <a:t>i</a:t>
+            </a:r>
+            <a:r>
+              <a:rPr lang="en-GB" b="0" i="0" dirty="0">
+                <a:solidFill>
+                  <a:srgbClr val="2D3B45"/>
+                </a:solidFill>
+                <a:effectLst/>
+                <a:latin typeface="Lato Extended"/>
+              </a:rPr>
+              <a:t>; </a:t>
+            </a:r>
+            <a:r>
+              <a:rPr lang="en-GB" b="0" i="0" dirty="0" err="1">
+                <a:solidFill>
+                  <a:srgbClr val="2D3B45"/>
+                </a:solidFill>
+                <a:effectLst/>
+                <a:latin typeface="Lato Extended"/>
+              </a:rPr>
+              <a:t>j++</a:t>
+            </a:r>
+            <a:r>
+              <a:rPr lang="en-GB" b="0" i="0" dirty="0">
+                <a:solidFill>
+                  <a:srgbClr val="2D3B45"/>
+                </a:solidFill>
+                <a:effectLst/>
+                <a:latin typeface="Lato Extended"/>
+              </a:rPr>
+              <a:t>) {</a:t>
+            </a:r>
+          </a:p>
+          <a:p>
+            <a:r>
+              <a:rPr lang="en-GB" b="0" i="0" dirty="0">
+                <a:solidFill>
+                  <a:srgbClr val="2D3B45"/>
+                </a:solidFill>
+                <a:effectLst/>
+                <a:latin typeface="Lato Extended"/>
+              </a:rPr>
+              <a:t>//Alternative 3: for(int j=0; j &lt; 2i; </a:t>
+            </a:r>
+            <a:r>
+              <a:rPr lang="en-GB" b="0" i="0" dirty="0" err="1">
+                <a:solidFill>
+                  <a:srgbClr val="2D3B45"/>
+                </a:solidFill>
+                <a:effectLst/>
+                <a:latin typeface="Lato Extended"/>
+              </a:rPr>
+              <a:t>j++</a:t>
+            </a:r>
+            <a:r>
+              <a:rPr lang="en-GB" b="0" i="0" dirty="0">
+                <a:solidFill>
+                  <a:srgbClr val="2D3B45"/>
+                </a:solidFill>
+                <a:effectLst/>
+                <a:latin typeface="Lato Extended"/>
+              </a:rPr>
+              <a:t>) {</a:t>
+            </a:r>
+          </a:p>
+          <a:p>
+            <a:r>
+              <a:rPr lang="en-GB" b="0" i="0" dirty="0">
+                <a:solidFill>
+                  <a:srgbClr val="2D3B45"/>
+                </a:solidFill>
+                <a:effectLst/>
+                <a:latin typeface="Lato Extended"/>
+              </a:rPr>
+              <a:t>//Alternative 4: for(int j=0; j &lt; i</a:t>
+            </a:r>
+            <a:r>
+              <a:rPr lang="en-GB" b="0" i="0" baseline="30000" dirty="0">
+                <a:solidFill>
+                  <a:srgbClr val="2D3B45"/>
+                </a:solidFill>
+                <a:effectLst/>
+                <a:latin typeface="Lato Extended"/>
+              </a:rPr>
+              <a:t>2</a:t>
+            </a:r>
+            <a:r>
+              <a:rPr lang="en-GB" b="0" i="0" dirty="0">
+                <a:solidFill>
+                  <a:srgbClr val="2D3B45"/>
+                </a:solidFill>
+                <a:effectLst/>
+                <a:latin typeface="Lato Extended"/>
+              </a:rPr>
+              <a:t>; </a:t>
+            </a:r>
+            <a:r>
+              <a:rPr lang="en-GB" b="0" i="0" dirty="0" err="1">
+                <a:solidFill>
+                  <a:srgbClr val="2D3B45"/>
+                </a:solidFill>
+                <a:effectLst/>
+                <a:latin typeface="Lato Extended"/>
+              </a:rPr>
+              <a:t>j++</a:t>
+            </a:r>
+            <a:r>
+              <a:rPr lang="en-GB" b="0" i="0" dirty="0">
+                <a:solidFill>
+                  <a:srgbClr val="2D3B45"/>
+                </a:solidFill>
+                <a:effectLst/>
+                <a:latin typeface="Lato Extended"/>
+              </a:rPr>
+              <a:t>) {</a:t>
+            </a:r>
+          </a:p>
+          <a:p>
+            <a:r>
+              <a:rPr lang="en-GB" b="0" i="0" dirty="0">
+                <a:solidFill>
+                  <a:srgbClr val="2D3B45"/>
+                </a:solidFill>
+                <a:effectLst/>
+                <a:latin typeface="Lato Extended"/>
+              </a:rPr>
+              <a:t>//Alternative 5: for(int j=0; j &lt; n</a:t>
+            </a:r>
+            <a:r>
+              <a:rPr lang="en-GB" b="0" i="0" baseline="30000" dirty="0">
+                <a:solidFill>
+                  <a:srgbClr val="2D3B45"/>
+                </a:solidFill>
+                <a:effectLst/>
+                <a:latin typeface="Lato Extended"/>
+              </a:rPr>
+              <a:t>2</a:t>
+            </a:r>
+            <a:r>
+              <a:rPr lang="en-GB" b="0" i="0" dirty="0">
+                <a:solidFill>
+                  <a:srgbClr val="2D3B45"/>
+                </a:solidFill>
+                <a:effectLst/>
+                <a:latin typeface="Lato Extended"/>
+              </a:rPr>
+              <a:t>; </a:t>
+            </a:r>
+            <a:r>
+              <a:rPr lang="en-GB" b="0" i="0" dirty="0" err="1">
+                <a:solidFill>
+                  <a:srgbClr val="2D3B45"/>
+                </a:solidFill>
+                <a:effectLst/>
+                <a:latin typeface="Lato Extended"/>
+              </a:rPr>
+              <a:t>j++</a:t>
+            </a:r>
+            <a:r>
+              <a:rPr lang="en-GB" b="0" i="0" dirty="0">
+                <a:solidFill>
+                  <a:srgbClr val="2D3B45"/>
+                </a:solidFill>
+                <a:effectLst/>
+                <a:latin typeface="Lato Extended"/>
+              </a:rPr>
+              <a:t>) {</a:t>
+            </a:r>
+          </a:p>
+          <a:p>
+            <a:r>
+              <a:rPr lang="en-GB" b="0" i="0" dirty="0">
+                <a:solidFill>
+                  <a:srgbClr val="2D3B45"/>
+                </a:solidFill>
+                <a:effectLst/>
+                <a:latin typeface="Lato Extended"/>
+              </a:rPr>
+              <a:t>//Alternative 6: for(int j=0; j &lt; 1000000; </a:t>
+            </a:r>
+            <a:r>
+              <a:rPr lang="en-GB" b="0" i="0" dirty="0" err="1">
+                <a:solidFill>
+                  <a:srgbClr val="2D3B45"/>
+                </a:solidFill>
+                <a:effectLst/>
+                <a:latin typeface="Lato Extended"/>
+              </a:rPr>
+              <a:t>j++</a:t>
+            </a:r>
+            <a:r>
+              <a:rPr lang="en-GB" b="0" i="0" dirty="0">
+                <a:solidFill>
+                  <a:srgbClr val="2D3B45"/>
+                </a:solidFill>
+                <a:effectLst/>
+                <a:latin typeface="Lato Extended"/>
+              </a:rPr>
+              <a:t>) {</a:t>
+            </a:r>
+          </a:p>
+          <a:p>
+            <a:pPr algn="l"/>
+            <a:r>
+              <a:rPr lang="en-GB" b="0" i="0" dirty="0">
+                <a:solidFill>
+                  <a:srgbClr val="2D3B45"/>
+                </a:solidFill>
+                <a:effectLst/>
+                <a:latin typeface="Lato Extended"/>
+              </a:rPr>
+              <a:t>sum--;</a:t>
+            </a:r>
+            <a:br>
+              <a:rPr lang="en-GB" b="0" i="0" dirty="0">
+                <a:solidFill>
+                  <a:srgbClr val="2D3B45"/>
+                </a:solidFill>
+                <a:effectLst/>
+                <a:latin typeface="Lato Extended"/>
+              </a:rPr>
+            </a:br>
+            <a:r>
+              <a:rPr lang="en-GB" b="0" i="0" dirty="0">
+                <a:solidFill>
+                  <a:srgbClr val="2D3B45"/>
+                </a:solidFill>
+                <a:effectLst/>
+                <a:latin typeface="Lato Extended"/>
+              </a:rPr>
+              <a:t>}}</a:t>
+            </a:r>
+            <a:br>
+              <a:rPr lang="en-GB" b="0" i="0" dirty="0">
+                <a:solidFill>
+                  <a:srgbClr val="2D3B45"/>
+                </a:solidFill>
+                <a:effectLst/>
+                <a:latin typeface="Lato Extended"/>
+              </a:rPr>
+            </a:br>
+            <a:r>
+              <a:rPr lang="en-GB" b="0" i="0" dirty="0">
+                <a:solidFill>
+                  <a:srgbClr val="2D3B45"/>
+                </a:solidFill>
+                <a:effectLst/>
+                <a:latin typeface="Lato Extended"/>
+              </a:rPr>
+              <a:t>return sum;</a:t>
+            </a:r>
+            <a:br>
+              <a:rPr lang="en-GB" b="0" i="0" dirty="0">
+                <a:solidFill>
+                  <a:srgbClr val="2D3B45"/>
+                </a:solidFill>
+                <a:effectLst/>
+                <a:latin typeface="Lato Extended"/>
+              </a:rPr>
+            </a:br>
+            <a:r>
+              <a:rPr lang="en-GB" b="0" i="0" dirty="0">
+                <a:solidFill>
+                  <a:srgbClr val="2D3B45"/>
+                </a:solidFill>
+                <a:effectLst/>
+                <a:latin typeface="Lato Extended"/>
+              </a:rPr>
+              <a:t>}</a:t>
+            </a:r>
+          </a:p>
+          <a:p>
+            <a:r>
+              <a:rPr lang="en-GB" b="0" i="0" dirty="0">
+                <a:solidFill>
+                  <a:srgbClr val="2D3B45"/>
+                </a:solidFill>
+                <a:effectLst/>
+                <a:latin typeface="Lato Extended"/>
+              </a:rPr>
+              <a:t>ANS: </a:t>
+            </a:r>
+            <a:r>
+              <a:rPr lang="en-GB" b="0" i="0" dirty="0">
+                <a:effectLst/>
+                <a:latin typeface="KaTeX_Main"/>
+              </a:rPr>
+              <a:t>O(</a:t>
+            </a:r>
+            <a:r>
+              <a:rPr lang="en-GB" b="0" i="1" dirty="0">
+                <a:effectLst/>
+                <a:latin typeface="KaTeX_Math"/>
+              </a:rPr>
+              <a:t>n</a:t>
+            </a:r>
+            <a:r>
+              <a:rPr lang="en-GB" b="0" i="0" baseline="30000" dirty="0">
+                <a:effectLst/>
+                <a:latin typeface="KaTeX_Main"/>
+              </a:rPr>
+              <a:t>2</a:t>
+            </a:r>
+            <a:r>
+              <a:rPr lang="en-GB" b="0" i="0" dirty="0">
+                <a:effectLst/>
+                <a:latin typeface="KaTeX_Main"/>
+              </a:rPr>
+              <a:t>) for </a:t>
+            </a:r>
+            <a:r>
+              <a:rPr lang="en-GB" b="0" i="0" dirty="0">
+                <a:solidFill>
+                  <a:srgbClr val="2D3B45"/>
+                </a:solidFill>
+                <a:effectLst/>
+                <a:latin typeface="Lato Extended"/>
+              </a:rPr>
+              <a:t>Alternatives 1-3. </a:t>
+            </a:r>
+            <a:r>
+              <a:rPr lang="en-GB" b="0" i="0" dirty="0">
+                <a:effectLst/>
+                <a:latin typeface="KaTeX_Main"/>
+              </a:rPr>
+              <a:t>O(</a:t>
+            </a:r>
+            <a:r>
+              <a:rPr lang="en-GB" b="0" i="1" dirty="0">
+                <a:effectLst/>
+                <a:latin typeface="KaTeX_Math"/>
+              </a:rPr>
+              <a:t>n</a:t>
+            </a:r>
+            <a:r>
+              <a:rPr lang="en-GB" b="0" i="0" baseline="30000" dirty="0">
+                <a:effectLst/>
+                <a:latin typeface="KaTeX_Main"/>
+              </a:rPr>
+              <a:t>3</a:t>
+            </a:r>
+            <a:r>
+              <a:rPr lang="en-GB" b="0" i="0" dirty="0">
+                <a:effectLst/>
+                <a:latin typeface="KaTeX_Main"/>
+              </a:rPr>
+              <a:t>) for </a:t>
+            </a:r>
+            <a:r>
+              <a:rPr lang="en-GB" b="0" i="0" dirty="0">
+                <a:solidFill>
+                  <a:srgbClr val="2D3B45"/>
+                </a:solidFill>
+                <a:effectLst/>
+                <a:latin typeface="Lato Extended"/>
+              </a:rPr>
+              <a:t>Alternatives 4-5.</a:t>
+            </a:r>
+          </a:p>
+          <a:p>
+            <a:r>
+              <a:rPr lang="en-GB" b="0" i="0" dirty="0">
+                <a:effectLst/>
+                <a:latin typeface="KaTeX_Main"/>
+              </a:rPr>
+              <a:t>O(</a:t>
+            </a:r>
+            <a:r>
+              <a:rPr lang="en-GB" b="0" i="1" dirty="0">
+                <a:effectLst/>
+                <a:latin typeface="KaTeX_Math"/>
+              </a:rPr>
+              <a:t>n</a:t>
+            </a:r>
+            <a:r>
+              <a:rPr lang="en-GB" b="0" i="0" dirty="0">
+                <a:effectLst/>
+                <a:latin typeface="KaTeX_Main"/>
+              </a:rPr>
+              <a:t>) for </a:t>
+            </a:r>
+            <a:r>
+              <a:rPr lang="en-GB" b="0" i="0" dirty="0">
+                <a:solidFill>
+                  <a:srgbClr val="2D3B45"/>
+                </a:solidFill>
+                <a:effectLst/>
+                <a:latin typeface="Lato Extended"/>
+              </a:rPr>
+              <a:t>Alternative 6, since total iterations is 1000000*n, and we drop all constants in big-O analysis.</a:t>
+            </a:r>
+            <a:endParaRPr lang="en-SE" dirty="0"/>
+          </a:p>
+        </p:txBody>
+      </p:sp>
+    </p:spTree>
+    <p:extLst>
+      <p:ext uri="{BB962C8B-B14F-4D97-AF65-F5344CB8AC3E}">
+        <p14:creationId xmlns:p14="http://schemas.microsoft.com/office/powerpoint/2010/main" val="3839368821"/>
+      </p:ext>
+    </p:extLst>
+  </p:cSld>
+  <p:clrMapOvr>
+    <a:masterClrMapping/>
+  </p:clrMapOvr>
+</p:sld>
+</file>
+
+<file path=ppt/slides/slide25.xml><?xml version="1.0" encoding="utf-8"?>
+<p:sld xmlns:a="http://schemas.openxmlformats.org/drawingml/2006/main" xmlns:r="http://schemas.openxmlformats.org/officeDocument/2006/relationships" xmlns:p="http://schemas.openxmlformats.org/presentationml/2006/main">
+  <p:cSld>
+    <p:spTree>
+      <p:nvGrpSpPr>
+        <p:cNvPr id="1" name=""/>
+        <p:cNvGrpSpPr/>
+        <p:nvPr/>
+      </p:nvGrpSpPr>
+      <p:grpSpPr>
+        <a:xfrm>
+          <a:off x="0" y="0"/>
+          <a:ext cx="0" cy="0"/>
+          <a:chOff x="0" y="0"/>
+          <a:chExt cx="0" cy="0"/>
+        </a:xfrm>
+      </p:grpSpPr>
+      <p:sp>
+        <p:nvSpPr>
+          <p:cNvPr id="2" name="Title 1">
+            <a:extLst>
+              <a:ext uri="{FF2B5EF4-FFF2-40B4-BE49-F238E27FC236}">
                 <a16:creationId xmlns:a16="http://schemas.microsoft.com/office/drawing/2014/main" id="{7A7A081B-53C9-011A-D126-80AF66C78F24}"/>
               </a:ext>
             </a:extLst>
@@ -9920,7 +11092,7 @@
             </a:r>
           </a:p>
           <a:p>
-            <a:pPr algn="l"/>
+            <a:pPr lvl="1"/>
             <a:r>
               <a:rPr lang="en-GB" b="0" i="0" dirty="0">
                 <a:solidFill>
@@ -10053,26 +11225,7 @@
                 <a:effectLst/>
                 <a:latin typeface="Lato Extended"/>
               </a:rPr>
-              <a:t>}</a:t>
-            </a:r>
-            <a:br>
-              <a:rPr lang="en-GB" b="0" i="0" dirty="0">
-                <a:solidFill>
-                  <a:srgbClr val="2D3B45"/>
-                </a:solidFill>
-                <a:effectLst/>
-                <a:latin typeface="Lato Extended"/>
-              </a:rPr>
-            </a:br>
-            <a:r>
-              <a:rPr lang="en-GB" b="0" i="0" dirty="0">
-                <a:solidFill>
-                  <a:srgbClr val="2D3B45"/>
-                </a:solidFill>
-                <a:effectLst/>
-                <a:latin typeface="Lato Extended"/>
-              </a:rPr>
-              <a:t>} </a:t>
+              <a:t>}} </a:t>
             </a:r>
           </a:p>
           <a:p>
@@ -10147,20 +11300,6 @@
               <a:t>O(1)</a:t>
             </a:r>
             <a:r>
-              <a:rPr lang="en-GB" b="0" i="1" dirty="0">
-                <a:effectLst/>
-                <a:latin typeface="KaTeX_Math"/>
-              </a:rPr>
-              <a:t>O</a:t>
-            </a:r>
-            <a:r>
-              <a:rPr lang="en-GB" b="0" i="0" dirty="0">
-                <a:effectLst/>
-                <a:latin typeface="KaTeX_Main"/>
-              </a:rPr>
-              <a:t>(1)</a:t>
-            </a:r>
-            <a:r>
               <a:rPr lang="en-GB" b="0" i="0" dirty="0">
                 <a:effectLst/>
                 <a:latin typeface="__fkGroteskNeue_598ab8"/>
@@ -10178,21 +11317,7 @@
                 <a:effectLst/>
                 <a:latin typeface="__fkGroteskNeue_598ab8"/>
               </a:rPr>
-              <a:t>Recursive Case: If n \</a:t>
-            </a:r>
-            <a:r>
-              <a:rPr lang="en-GB" b="0" i="0" dirty="0" err="1">
-                <a:effectLst/>
-                <a:latin typeface="__fkGroteskNeue_598ab8"/>
-              </a:rPr>
-              <a:t>geq</a:t>
-            </a:r>
-            <a:r>
-              <a:rPr lang="en-GB" b="0" i="0" dirty="0">
-                <a:effectLst/>
-                <a:latin typeface="__fkGroteskNeue_598ab8"/>
-              </a:rPr>
-              <a:t> 10, the function calls itself with n - 1 and adds 1 to the result of this recursive call.</a:t>
+              <a:t>Recursive Case: If n &gt;= 10, the function calls itself with n - 1 and adds 1 to the result of this recursive call.</a:t>
             </a:r>
           </a:p>
           <a:p>
@@ -10252,20 +11377,6 @@
                 <a:latin typeface="KaTeX_Main"/>
               </a:rPr>
               <a:t>O(1)</a:t>
-            </a:r>
-            <a:r>
-              <a:rPr lang="en-GB" b="0" i="1" dirty="0">
-                <a:effectLst/>
-                <a:latin typeface="KaTeX_Math"/>
-              </a:rPr>
-              <a:t>O</a:t>
-            </a:r>
-            <a:r>
-              <a:rPr lang="en-GB" b="0" i="0" dirty="0">
-                <a:effectLst/>
-                <a:latin typeface="KaTeX_Main"/>
-              </a:rPr>
-              <a:t>(1)</a:t>
             </a:r>
             <a:r>
               <a:rPr lang="en-GB" b="0" i="0" dirty="0">
@@ -10308,7 +11419,7 @@
 </p:sld>
 </file>
 
-<file path=ppt/slides/slide25.xml><?xml version="1.0" encoding="utf-8"?>
+<file path=ppt/slides/slide26.xml><?xml version="1.0" encoding="utf-8"?>
 <p:sld xmlns:a="http://schemas.openxmlformats.org/drawingml/2006/main" xmlns:r="http://schemas.openxmlformats.org/officeDocument/2006/relationships" xmlns:p="http://schemas.openxmlformats.org/presentationml/2006/main">
   <p:cSld>
     <p:spTree>
@@ -10373,7 +11484,7 @@
         <p:spPr/>
         <p:txBody>
           <a:bodyPr>
-            <a:normAutofit fontScale="62500" lnSpcReduction="20000"/>
+            <a:normAutofit fontScale="70000" lnSpcReduction="20000"/>
           </a:bodyPr>
           <a:lstStyle/>
           <a:p>
@@ -10390,7 +11501,7 @@
             </a:r>
           </a:p>
           <a:p>
-            <a:pPr algn="l"/>
+            <a:pPr lvl="1"/>
             <a:r>
               <a:rPr lang="en-GB" b="0" i="0" dirty="0">
                 <a:solidFill>
@@ -10564,7 +11675,7 @@
                 <a:effectLst/>
                 <a:latin typeface="__fkGroteskNeue_598ab8"/>
               </a:rPr>
-              <a:t>	The function f4 has a while loop that continues as long as j &gt; 2, where j is initially set to n. Within 	each iteration of the loop, j is divided by 2 using integer division. This pattern of repeatedly 	halving j is characteristic of logarithmic </a:t>
+              <a:t>	The function f4 has a while loop that continues as long as j &gt; 2, where j is initially set to n. Within each iteration of the loop, j is divided by 2 using integer division. This pattern of repeatedly halving j is characteristic of logarithmic </a:t>
             </a:r>
             <a:r>
               <a:rPr lang="en-GB" b="0" i="0" dirty="0" err="1">
@@ -10697,12 +11808,6 @@
               <a:effectLst/>
               <a:latin typeface="__fkGroteskNeue_598ab8"/>
             </a:endParaRPr>
-          </a:p>
-          <a:p>
-            <a:endParaRPr lang="en-SE" dirty="0"/>
-          </a:p>
-          <a:p>
-            <a:endParaRPr lang="en-SE" dirty="0"/>
           </a:p>
         </p:txBody>
       </p:sp>
@@ -10719,7 +11824,7 @@
 </p:sld>
 </file>
 
-<file path=ppt/slides/slide26.xml><?xml version="1.0" encoding="utf-8"?>
+<file path=ppt/slides/slide27.xml><?xml version="1.0" encoding="utf-8"?>
 <p:sld xmlns:a="http://schemas.openxmlformats.org/drawingml/2006/main" xmlns:r="http://schemas.openxmlformats.org/officeDocument/2006/relationships" xmlns:p="http://schemas.openxmlformats.org/presentationml/2006/main">
   <p:cSld>
     <p:spTree>
@@ -11023,20 +12128,6 @@
               <a:t>O(1)</a:t>
             </a:r>
             <a:r>
-              <a:rPr lang="en-GB" b="0" i="1" dirty="0">
-                <a:effectLst/>
-                <a:latin typeface="KaTeX_Math"/>
-              </a:rPr>
-              <a:t>O</a:t>
-            </a:r>
-            <a:r>
-              <a:rPr lang="en-GB" b="0" i="0" dirty="0">
-                <a:effectLst/>
-                <a:latin typeface="KaTeX_Main"/>
-              </a:rPr>
-              <a:t>(1)</a:t>
-            </a:r>
-            <a:r>
               <a:rPr lang="en-GB" b="0" i="0" dirty="0">
                 <a:effectLst/>
                 <a:latin typeface="__fkGroteskNeue_598ab8"/>
@@ -11062,20 +12153,6 @@
                 <a:latin typeface="KaTeX_Main"/>
               </a:rPr>
               <a:t>O(1)</a:t>
-            </a:r>
-            <a:r>
-              <a:rPr lang="en-GB" b="0" i="1" dirty="0">
-                <a:effectLst/>
-                <a:latin typeface="KaTeX_Math"/>
-              </a:rPr>
-              <a:t>O</a:t>
-            </a:r>
-            <a:r>
-              <a:rPr lang="en-GB" b="0" i="0" dirty="0">
-                <a:effectLst/>
-                <a:latin typeface="KaTeX_Main"/>
-              </a:rPr>
-              <a:t>(1)</a:t>
             </a:r>
             <a:r>
               <a:rPr lang="en-GB" b="0" i="0" dirty="0">
@@ -11386,6 +12463,1290 @@
           </a:p>
           <a:p>
             <a:endParaRPr lang="en-SE" dirty="0"/>
+          </a:p>
+        </p:txBody>
+      </p:sp>
+      <p:sp>
+        <p:nvSpPr>
+          <p:cNvPr id="12" name="SMARTInkShape-10">
+            <a:extLst>
+              <a:ext uri="{FF2B5EF4-FFF2-40B4-BE49-F238E27FC236}">
+                <a16:creationId xmlns:a16="http://schemas.microsoft.com/office/drawing/2014/main" id="{D2D11766-00F0-4C1A-82AA-D5785EF89894}"/>
+              </a:ext>
+            </a:extLst>
+          </p:cNvPr>
+          <p:cNvSpPr/>
+          <p:nvPr>
+            <p:custDataLst>
+              <p:tags r:id="rId1"/>
+            </p:custDataLst>
+          </p:nvPr>
+        </p:nvSpPr>
+        <p:spPr>
+          <a:xfrm>
+            <a:off x="4589859" y="5089922"/>
+            <a:ext cx="3830660" cy="80368"/>
+          </a:xfrm>
+          <a:custGeom>
+            <a:avLst/>
+            <a:gdLst/>
+            <a:ahLst/>
+            <a:cxnLst/>
+            <a:rect l="0" t="0" r="0" b="0"/>
+            <a:pathLst>
+              <a:path w="3830660" h="80368">
+                <a:moveTo>
+                  <a:pt x="35719" y="26789"/>
+                </a:moveTo>
+                <a:lnTo>
+                  <a:pt x="35719" y="26789"/>
+                </a:lnTo>
+                <a:lnTo>
+                  <a:pt x="19210" y="26789"/>
+                </a:lnTo>
+                <a:lnTo>
+                  <a:pt x="18759" y="25797"/>
+                </a:lnTo>
+                <a:lnTo>
+                  <a:pt x="17979" y="19101"/>
+                </a:lnTo>
+                <a:lnTo>
+                  <a:pt x="15266" y="18410"/>
+                </a:lnTo>
+                <a:lnTo>
+                  <a:pt x="369" y="17859"/>
+                </a:lnTo>
+                <a:lnTo>
+                  <a:pt x="0" y="8930"/>
+                </a:lnTo>
+                <a:lnTo>
+                  <a:pt x="22489" y="8930"/>
+                </a:lnTo>
+                <a:lnTo>
+                  <a:pt x="23923" y="7936"/>
+                </a:lnTo>
+                <a:lnTo>
+                  <a:pt x="24878" y="6284"/>
+                </a:lnTo>
+                <a:lnTo>
+                  <a:pt x="26412" y="1241"/>
+                </a:lnTo>
+                <a:lnTo>
+                  <a:pt x="29267" y="551"/>
+                </a:lnTo>
+                <a:lnTo>
+                  <a:pt x="56959" y="0"/>
+                </a:lnTo>
+                <a:lnTo>
+                  <a:pt x="58808" y="992"/>
+                </a:lnTo>
+                <a:lnTo>
+                  <a:pt x="60041" y="2645"/>
+                </a:lnTo>
+                <a:lnTo>
+                  <a:pt x="60863" y="4740"/>
+                </a:lnTo>
+                <a:lnTo>
+                  <a:pt x="62404" y="6136"/>
+                </a:lnTo>
+                <a:lnTo>
+                  <a:pt x="66761" y="7688"/>
+                </a:lnTo>
+                <a:lnTo>
+                  <a:pt x="110135" y="8926"/>
+                </a:lnTo>
+                <a:lnTo>
+                  <a:pt x="154780" y="8930"/>
+                </a:lnTo>
+                <a:lnTo>
+                  <a:pt x="191742" y="8930"/>
+                </a:lnTo>
+                <a:lnTo>
+                  <a:pt x="197005" y="11576"/>
+                </a:lnTo>
+                <a:lnTo>
+                  <a:pt x="202652" y="15067"/>
+                </a:lnTo>
+                <a:lnTo>
+                  <a:pt x="212401" y="17031"/>
+                </a:lnTo>
+                <a:lnTo>
+                  <a:pt x="250570" y="18779"/>
+                </a:lnTo>
+                <a:lnTo>
+                  <a:pt x="289505" y="25955"/>
+                </a:lnTo>
+                <a:lnTo>
+                  <a:pt x="330893" y="26679"/>
+                </a:lnTo>
+                <a:lnTo>
+                  <a:pt x="371591" y="26778"/>
+                </a:lnTo>
+                <a:lnTo>
+                  <a:pt x="411487" y="26788"/>
+                </a:lnTo>
+                <a:lnTo>
+                  <a:pt x="454968" y="26789"/>
+                </a:lnTo>
+                <a:lnTo>
+                  <a:pt x="467232" y="26789"/>
+                </a:lnTo>
+                <a:lnTo>
+                  <a:pt x="473235" y="24143"/>
+                </a:lnTo>
+                <a:lnTo>
+                  <a:pt x="479209" y="20652"/>
+                </a:lnTo>
+                <a:lnTo>
+                  <a:pt x="491130" y="18410"/>
+                </a:lnTo>
+                <a:lnTo>
+                  <a:pt x="529139" y="13151"/>
+                </a:lnTo>
+                <a:lnTo>
+                  <a:pt x="569158" y="9762"/>
+                </a:lnTo>
+                <a:lnTo>
+                  <a:pt x="606757" y="9094"/>
+                </a:lnTo>
+                <a:lnTo>
+                  <a:pt x="642846" y="8962"/>
+                </a:lnTo>
+                <a:lnTo>
+                  <a:pt x="684776" y="8937"/>
+                </a:lnTo>
+                <a:lnTo>
+                  <a:pt x="722749" y="8930"/>
+                </a:lnTo>
+                <a:lnTo>
+                  <a:pt x="749930" y="11576"/>
+                </a:lnTo>
+                <a:lnTo>
+                  <a:pt x="790521" y="16617"/>
+                </a:lnTo>
+                <a:lnTo>
+                  <a:pt x="830619" y="17614"/>
+                </a:lnTo>
+                <a:lnTo>
+                  <a:pt x="873082" y="17811"/>
+                </a:lnTo>
+                <a:lnTo>
+                  <a:pt x="915168" y="17850"/>
+                </a:lnTo>
+                <a:lnTo>
+                  <a:pt x="959380" y="17858"/>
+                </a:lnTo>
+                <a:lnTo>
+                  <a:pt x="1003873" y="17859"/>
+                </a:lnTo>
+                <a:lnTo>
+                  <a:pt x="1044742" y="17859"/>
+                </a:lnTo>
+                <a:lnTo>
+                  <a:pt x="1087357" y="17859"/>
+                </a:lnTo>
+                <a:lnTo>
+                  <a:pt x="1124733" y="17859"/>
+                </a:lnTo>
+                <a:lnTo>
+                  <a:pt x="1160778" y="17859"/>
+                </a:lnTo>
+                <a:lnTo>
+                  <a:pt x="1196562" y="17859"/>
+                </a:lnTo>
+                <a:lnTo>
+                  <a:pt x="1240232" y="17859"/>
+                </a:lnTo>
+                <a:lnTo>
+                  <a:pt x="1278186" y="17859"/>
+                </a:lnTo>
+                <a:lnTo>
+                  <a:pt x="1314689" y="20504"/>
+                </a:lnTo>
+                <a:lnTo>
+                  <a:pt x="1351442" y="32098"/>
+                </a:lnTo>
+                <a:lnTo>
+                  <a:pt x="1393435" y="39982"/>
+                </a:lnTo>
+                <a:lnTo>
+                  <a:pt x="1437548" y="44594"/>
+                </a:lnTo>
+                <a:lnTo>
+                  <a:pt x="1476924" y="44648"/>
+                </a:lnTo>
+                <a:lnTo>
+                  <a:pt x="1518511" y="47293"/>
+                </a:lnTo>
+                <a:lnTo>
+                  <a:pt x="1562756" y="52750"/>
+                </a:lnTo>
+                <a:lnTo>
+                  <a:pt x="1607352" y="53468"/>
+                </a:lnTo>
+                <a:lnTo>
+                  <a:pt x="1649349" y="53563"/>
+                </a:lnTo>
+                <a:lnTo>
+                  <a:pt x="1686268" y="54570"/>
+                </a:lnTo>
+                <a:lnTo>
+                  <a:pt x="1724416" y="61266"/>
+                </a:lnTo>
+                <a:lnTo>
+                  <a:pt x="1764666" y="62398"/>
+                </a:lnTo>
+                <a:lnTo>
+                  <a:pt x="1800101" y="62493"/>
+                </a:lnTo>
+                <a:lnTo>
+                  <a:pt x="1843526" y="62506"/>
+                </a:lnTo>
+                <a:lnTo>
+                  <a:pt x="1884185" y="56370"/>
+                </a:lnTo>
+                <a:lnTo>
+                  <a:pt x="1926759" y="54129"/>
+                </a:lnTo>
+                <a:lnTo>
+                  <a:pt x="1964126" y="53688"/>
+                </a:lnTo>
+                <a:lnTo>
+                  <a:pt x="2005314" y="47462"/>
+                </a:lnTo>
+                <a:lnTo>
+                  <a:pt x="2045761" y="45019"/>
+                </a:lnTo>
+                <a:lnTo>
+                  <a:pt x="2082593" y="42051"/>
+                </a:lnTo>
+                <a:lnTo>
+                  <a:pt x="2125526" y="36552"/>
+                </a:lnTo>
+                <a:lnTo>
+                  <a:pt x="2169948" y="35828"/>
+                </a:lnTo>
+                <a:lnTo>
+                  <a:pt x="2214568" y="28666"/>
+                </a:lnTo>
+                <a:lnTo>
+                  <a:pt x="2257226" y="27036"/>
+                </a:lnTo>
+                <a:lnTo>
+                  <a:pt x="2301861" y="26793"/>
+                </a:lnTo>
+                <a:lnTo>
+                  <a:pt x="2338564" y="25797"/>
+                </a:lnTo>
+                <a:lnTo>
+                  <a:pt x="2381079" y="19101"/>
+                </a:lnTo>
+                <a:lnTo>
+                  <a:pt x="2421393" y="18022"/>
+                </a:lnTo>
+                <a:lnTo>
+                  <a:pt x="2447163" y="20552"/>
+                </a:lnTo>
+                <a:lnTo>
+                  <a:pt x="2490637" y="26241"/>
+                </a:lnTo>
+                <a:lnTo>
+                  <a:pt x="2511667" y="29272"/>
+                </a:lnTo>
+                <a:lnTo>
+                  <a:pt x="2548898" y="35152"/>
+                </a:lnTo>
+                <a:lnTo>
+                  <a:pt x="2590128" y="35644"/>
+                </a:lnTo>
+                <a:lnTo>
+                  <a:pt x="2634326" y="35709"/>
+                </a:lnTo>
+                <a:lnTo>
+                  <a:pt x="2677118" y="35717"/>
+                </a:lnTo>
+                <a:lnTo>
+                  <a:pt x="2712001" y="35717"/>
+                </a:lnTo>
+                <a:lnTo>
+                  <a:pt x="2749456" y="35719"/>
+                </a:lnTo>
+                <a:lnTo>
+                  <a:pt x="2780707" y="35719"/>
+                </a:lnTo>
+                <a:lnTo>
+                  <a:pt x="2811794" y="35719"/>
+                </a:lnTo>
+                <a:lnTo>
+                  <a:pt x="2854542" y="35719"/>
+                </a:lnTo>
+                <a:lnTo>
+                  <a:pt x="2895060" y="35719"/>
+                </a:lnTo>
+                <a:lnTo>
+                  <a:pt x="2933688" y="35719"/>
+                </a:lnTo>
+                <a:lnTo>
+                  <a:pt x="2977501" y="40458"/>
+                </a:lnTo>
+                <a:lnTo>
+                  <a:pt x="3017244" y="44814"/>
+                </a:lnTo>
+                <a:lnTo>
+                  <a:pt x="3059452" y="52678"/>
+                </a:lnTo>
+                <a:lnTo>
+                  <a:pt x="3104066" y="53459"/>
+                </a:lnTo>
+                <a:lnTo>
+                  <a:pt x="3146432" y="60630"/>
+                </a:lnTo>
+                <a:lnTo>
+                  <a:pt x="3181912" y="62137"/>
+                </a:lnTo>
+                <a:lnTo>
+                  <a:pt x="3222435" y="63427"/>
+                </a:lnTo>
+                <a:lnTo>
+                  <a:pt x="3264817" y="70602"/>
+                </a:lnTo>
+                <a:lnTo>
+                  <a:pt x="3309446" y="71327"/>
+                </a:lnTo>
+                <a:lnTo>
+                  <a:pt x="3333689" y="72408"/>
+                </a:lnTo>
+                <a:lnTo>
+                  <a:pt x="3350679" y="78501"/>
+                </a:lnTo>
+                <a:lnTo>
+                  <a:pt x="3391949" y="80335"/>
+                </a:lnTo>
+                <a:lnTo>
+                  <a:pt x="3431778" y="80362"/>
+                </a:lnTo>
+                <a:lnTo>
+                  <a:pt x="3470254" y="80367"/>
+                </a:lnTo>
+                <a:lnTo>
+                  <a:pt x="3508697" y="80367"/>
+                </a:lnTo>
+                <a:lnTo>
+                  <a:pt x="3545946" y="80367"/>
+                </a:lnTo>
+                <a:lnTo>
+                  <a:pt x="3585201" y="77721"/>
+                </a:lnTo>
+                <a:lnTo>
+                  <a:pt x="3617391" y="72679"/>
+                </a:lnTo>
+                <a:lnTo>
+                  <a:pt x="3653405" y="71681"/>
+                </a:lnTo>
+                <a:lnTo>
+                  <a:pt x="3695062" y="71485"/>
+                </a:lnTo>
+                <a:lnTo>
+                  <a:pt x="3736988" y="71447"/>
+                </a:lnTo>
+                <a:lnTo>
+                  <a:pt x="3781504" y="71439"/>
+                </a:lnTo>
+                <a:lnTo>
+                  <a:pt x="3824061" y="71437"/>
+                </a:lnTo>
+                <a:lnTo>
+                  <a:pt x="3830659" y="71437"/>
+                </a:lnTo>
+                <a:lnTo>
+                  <a:pt x="3812976" y="71437"/>
+                </a:lnTo>
+              </a:path>
+            </a:pathLst>
+          </a:custGeom>
+          <a:ln w="19050">
+            <a:solidFill>
+              <a:srgbClr val="FF0000"/>
+            </a:solidFill>
+          </a:ln>
+          <a:effectLst/>
+          <a:extLst>
+            <a:ext uri="{AF507438-7753-43E0-B8FC-AC1667EBCBE1}">
+              <a14:hiddenEffects xmlns:a14="http://schemas.microsoft.com/office/drawing/2010/main">
+                <a:effectLst>
+                  <a:outerShdw blurRad="40000" dist="20000" dir="5400000" rotWithShape="0">
+                    <a:srgbClr val="000000">
+                      <a:alpha val="38000"/>
+                    </a:srgbClr>
+                  </a:outerShdw>
+                </a:effectLst>
+              </a14:hiddenEffects>
+            </a:ext>
+          </a:extLst>
+        </p:spPr>
+        <p:style>
+          <a:lnRef idx="2">
+            <a:schemeClr val="accent1"/>
+          </a:lnRef>
+          <a:fillRef idx="0">
+            <a:schemeClr val="accent1"/>
+          </a:fillRef>
+          <a:effectRef idx="1">
+            <a:schemeClr val="accent1"/>
+          </a:effectRef>
+          <a:fontRef idx="minor">
+            <a:schemeClr val="tx1"/>
+          </a:fontRef>
+        </p:style>
+        <p:txBody>
+          <a:bodyPr rtlCol="0" anchor="ctr"/>
+          <a:lstStyle/>
+          <a:p>
+            <a:pPr algn="ctr"/>
+            <a:endParaRPr lang="en-US"/>
+          </a:p>
+        </p:txBody>
+      </p:sp>
+      <p:sp>
+        <p:nvSpPr>
+          <p:cNvPr id="13" name="SMARTInkShape-11">
+            <a:extLst>
+              <a:ext uri="{FF2B5EF4-FFF2-40B4-BE49-F238E27FC236}">
+                <a16:creationId xmlns:a16="http://schemas.microsoft.com/office/drawing/2014/main" id="{DD4190C1-8AEA-401E-8837-1743100C00C0}"/>
+              </a:ext>
+            </a:extLst>
+          </p:cNvPr>
+          <p:cNvSpPr/>
+          <p:nvPr>
+            <p:custDataLst>
+              <p:tags r:id="rId2"/>
+            </p:custDataLst>
+          </p:nvPr>
+        </p:nvSpPr>
+        <p:spPr>
+          <a:xfrm>
+            <a:off x="3839765" y="5232797"/>
+            <a:ext cx="8931" cy="8931"/>
+          </a:xfrm>
+          <a:custGeom>
+            <a:avLst/>
+            <a:gdLst/>
+            <a:ahLst/>
+            <a:cxnLst/>
+            <a:rect l="0" t="0" r="0" b="0"/>
+            <a:pathLst>
+              <a:path w="8931" h="8931">
+                <a:moveTo>
+                  <a:pt x="8930" y="8930"/>
+                </a:moveTo>
+                <a:lnTo>
+                  <a:pt x="8930" y="8930"/>
+                </a:lnTo>
+                <a:lnTo>
+                  <a:pt x="3" y="8930"/>
+                </a:lnTo>
+                <a:lnTo>
+                  <a:pt x="0" y="0"/>
+                </a:lnTo>
+              </a:path>
+            </a:pathLst>
+          </a:custGeom>
+          <a:ln w="19050">
+            <a:solidFill>
+              <a:srgbClr val="FF0000"/>
+            </a:solidFill>
+          </a:ln>
+          <a:effectLst/>
+          <a:extLst>
+            <a:ext uri="{AF507438-7753-43E0-B8FC-AC1667EBCBE1}">
+              <a14:hiddenEffects xmlns:a14="http://schemas.microsoft.com/office/drawing/2010/main">
+                <a:effectLst>
+                  <a:outerShdw blurRad="40000" dist="20000" dir="5400000" rotWithShape="0">
+                    <a:srgbClr val="000000">
+                      <a:alpha val="38000"/>
+                    </a:srgbClr>
+                  </a:outerShdw>
+                </a:effectLst>
+              </a14:hiddenEffects>
+            </a:ext>
+          </a:extLst>
+        </p:spPr>
+        <p:style>
+          <a:lnRef idx="2">
+            <a:schemeClr val="accent1"/>
+          </a:lnRef>
+          <a:fillRef idx="0">
+            <a:schemeClr val="accent1"/>
+          </a:fillRef>
+          <a:effectRef idx="1">
+            <a:schemeClr val="accent1"/>
+          </a:effectRef>
+          <a:fontRef idx="minor">
+            <a:schemeClr val="tx1"/>
+          </a:fontRef>
+        </p:style>
+        <p:txBody>
+          <a:bodyPr rtlCol="0" anchor="ctr"/>
+          <a:lstStyle/>
+          <a:p>
+            <a:pPr algn="ctr"/>
+            <a:endParaRPr lang="en-US"/>
+          </a:p>
+        </p:txBody>
+      </p:sp>
+      <p:sp>
+        <p:nvSpPr>
+          <p:cNvPr id="14" name="SMARTInkShape-12">
+            <a:extLst>
+              <a:ext uri="{FF2B5EF4-FFF2-40B4-BE49-F238E27FC236}">
+                <a16:creationId xmlns:a16="http://schemas.microsoft.com/office/drawing/2014/main" id="{B3E73BB1-4BF3-4A40-8C38-03CB18DFBF8E}"/>
+              </a:ext>
+            </a:extLst>
+          </p:cNvPr>
+          <p:cNvSpPr/>
+          <p:nvPr>
+            <p:custDataLst>
+              <p:tags r:id="rId3"/>
+            </p:custDataLst>
+          </p:nvPr>
+        </p:nvSpPr>
+        <p:spPr>
+          <a:xfrm>
+            <a:off x="3841039" y="5241759"/>
+            <a:ext cx="3856352" cy="116055"/>
+          </a:xfrm>
+          <a:custGeom>
+            <a:avLst/>
+            <a:gdLst/>
+            <a:ahLst/>
+            <a:cxnLst/>
+            <a:rect l="0" t="0" r="0" b="0"/>
+            <a:pathLst>
+              <a:path w="3856352" h="116055">
+                <a:moveTo>
+                  <a:pt x="16586" y="17827"/>
+                </a:moveTo>
+                <a:lnTo>
+                  <a:pt x="16586" y="17827"/>
+                </a:lnTo>
+                <a:lnTo>
+                  <a:pt x="16586" y="13087"/>
+                </a:lnTo>
+                <a:lnTo>
+                  <a:pt x="15594" y="11690"/>
+                </a:lnTo>
+                <a:lnTo>
+                  <a:pt x="13940" y="10759"/>
+                </a:lnTo>
+                <a:lnTo>
+                  <a:pt x="8024" y="9007"/>
+                </a:lnTo>
+                <a:lnTo>
+                  <a:pt x="0" y="8907"/>
+                </a:lnTo>
+                <a:lnTo>
+                  <a:pt x="3845" y="8899"/>
+                </a:lnTo>
+                <a:lnTo>
+                  <a:pt x="5115" y="7907"/>
+                </a:lnTo>
+                <a:lnTo>
+                  <a:pt x="7321" y="1209"/>
+                </a:lnTo>
+                <a:lnTo>
+                  <a:pt x="10153" y="518"/>
+                </a:lnTo>
+                <a:lnTo>
+                  <a:pt x="28638" y="0"/>
+                </a:lnTo>
+                <a:lnTo>
+                  <a:pt x="34510" y="2627"/>
+                </a:lnTo>
+                <a:lnTo>
+                  <a:pt x="40427" y="6111"/>
+                </a:lnTo>
+                <a:lnTo>
+                  <a:pt x="51783" y="8788"/>
+                </a:lnTo>
+                <a:lnTo>
+                  <a:pt x="84155" y="9889"/>
+                </a:lnTo>
+                <a:lnTo>
+                  <a:pt x="126510" y="19920"/>
+                </a:lnTo>
+                <a:lnTo>
+                  <a:pt x="160781" y="26156"/>
+                </a:lnTo>
+                <a:lnTo>
+                  <a:pt x="197942" y="29350"/>
+                </a:lnTo>
+                <a:lnTo>
+                  <a:pt x="234865" y="35130"/>
+                </a:lnTo>
+                <a:lnTo>
+                  <a:pt x="274085" y="35613"/>
+                </a:lnTo>
+                <a:lnTo>
+                  <a:pt x="290217" y="36657"/>
+                </a:lnTo>
+                <a:lnTo>
+                  <a:pt x="327277" y="43787"/>
+                </a:lnTo>
+                <a:lnTo>
+                  <a:pt x="364184" y="44452"/>
+                </a:lnTo>
+                <a:lnTo>
+                  <a:pt x="400432" y="44583"/>
+                </a:lnTo>
+                <a:lnTo>
+                  <a:pt x="436255" y="44609"/>
+                </a:lnTo>
+                <a:lnTo>
+                  <a:pt x="471994" y="44615"/>
+                </a:lnTo>
+                <a:lnTo>
+                  <a:pt x="507717" y="44616"/>
+                </a:lnTo>
+                <a:lnTo>
+                  <a:pt x="543437" y="43624"/>
+                </a:lnTo>
+                <a:lnTo>
+                  <a:pt x="583346" y="36928"/>
+                </a:lnTo>
+                <a:lnTo>
+                  <a:pt x="627003" y="35849"/>
+                </a:lnTo>
+                <a:lnTo>
+                  <a:pt x="667320" y="35718"/>
+                </a:lnTo>
+                <a:lnTo>
+                  <a:pt x="703948" y="36685"/>
+                </a:lnTo>
+                <a:lnTo>
+                  <a:pt x="745456" y="43789"/>
+                </a:lnTo>
+                <a:lnTo>
+                  <a:pt x="790013" y="44506"/>
+                </a:lnTo>
+                <a:lnTo>
+                  <a:pt x="832658" y="44594"/>
+                </a:lnTo>
+                <a:lnTo>
+                  <a:pt x="875126" y="44616"/>
+                </a:lnTo>
+                <a:lnTo>
+                  <a:pt x="903558" y="44616"/>
+                </a:lnTo>
+                <a:lnTo>
+                  <a:pt x="947788" y="36514"/>
+                </a:lnTo>
+                <a:lnTo>
+                  <a:pt x="985714" y="35849"/>
+                </a:lnTo>
+                <a:lnTo>
+                  <a:pt x="1009180" y="33088"/>
+                </a:lnTo>
+                <a:lnTo>
+                  <a:pt x="1053256" y="28007"/>
+                </a:lnTo>
+                <a:lnTo>
+                  <a:pt x="1090488" y="27127"/>
+                </a:lnTo>
+                <a:lnTo>
+                  <a:pt x="1133791" y="26805"/>
+                </a:lnTo>
+                <a:lnTo>
+                  <a:pt x="1173451" y="26766"/>
+                </a:lnTo>
+                <a:lnTo>
+                  <a:pt x="1213367" y="26758"/>
+                </a:lnTo>
+                <a:lnTo>
+                  <a:pt x="1253149" y="26757"/>
+                </a:lnTo>
+                <a:lnTo>
+                  <a:pt x="1276937" y="29402"/>
+                </a:lnTo>
+                <a:lnTo>
+                  <a:pt x="1319494" y="34858"/>
+                </a:lnTo>
+                <a:lnTo>
+                  <a:pt x="1357303" y="35577"/>
+                </a:lnTo>
+                <a:lnTo>
+                  <a:pt x="1400854" y="42739"/>
+                </a:lnTo>
+                <a:lnTo>
+                  <a:pt x="1445358" y="44368"/>
+                </a:lnTo>
+                <a:lnTo>
+                  <a:pt x="1489986" y="49324"/>
+                </a:lnTo>
+                <a:lnTo>
+                  <a:pt x="1531987" y="52989"/>
+                </a:lnTo>
+                <a:lnTo>
+                  <a:pt x="1554354" y="56026"/>
+                </a:lnTo>
+                <a:lnTo>
+                  <a:pt x="1594744" y="61908"/>
+                </a:lnTo>
+                <a:lnTo>
+                  <a:pt x="1632385" y="62363"/>
+                </a:lnTo>
+                <a:lnTo>
+                  <a:pt x="1671020" y="62466"/>
+                </a:lnTo>
+                <a:lnTo>
+                  <a:pt x="1713548" y="62474"/>
+                </a:lnTo>
+                <a:lnTo>
+                  <a:pt x="1753749" y="67215"/>
+                </a:lnTo>
+                <a:lnTo>
+                  <a:pt x="1793771" y="70577"/>
+                </a:lnTo>
+                <a:lnTo>
+                  <a:pt x="1836343" y="71295"/>
+                </a:lnTo>
+                <a:lnTo>
+                  <a:pt x="1848705" y="71373"/>
+                </a:lnTo>
+                <a:lnTo>
+                  <a:pt x="1855459" y="68745"/>
+                </a:lnTo>
+                <a:lnTo>
+                  <a:pt x="1861768" y="65261"/>
+                </a:lnTo>
+                <a:lnTo>
+                  <a:pt x="1871892" y="63301"/>
+                </a:lnTo>
+                <a:lnTo>
+                  <a:pt x="1912546" y="62485"/>
+                </a:lnTo>
+                <a:lnTo>
+                  <a:pt x="1952416" y="62475"/>
+                </a:lnTo>
+                <a:lnTo>
+                  <a:pt x="1996798" y="62475"/>
+                </a:lnTo>
+                <a:lnTo>
+                  <a:pt x="2031956" y="62475"/>
+                </a:lnTo>
+                <a:lnTo>
+                  <a:pt x="2074099" y="59829"/>
+                </a:lnTo>
+                <a:lnTo>
+                  <a:pt x="2116342" y="54787"/>
+                </a:lnTo>
+                <a:lnTo>
+                  <a:pt x="2153255" y="53913"/>
+                </a:lnTo>
+                <a:lnTo>
+                  <a:pt x="2189328" y="48915"/>
+                </a:lnTo>
+                <a:lnTo>
+                  <a:pt x="2225151" y="45889"/>
+                </a:lnTo>
+                <a:lnTo>
+                  <a:pt x="2260537" y="43875"/>
+                </a:lnTo>
+                <a:lnTo>
+                  <a:pt x="2301042" y="37597"/>
+                </a:lnTo>
+                <a:lnTo>
+                  <a:pt x="2328917" y="38897"/>
+                </a:lnTo>
+                <a:lnTo>
+                  <a:pt x="2367827" y="43863"/>
+                </a:lnTo>
+                <a:lnTo>
+                  <a:pt x="2405361" y="44517"/>
+                </a:lnTo>
+                <a:lnTo>
+                  <a:pt x="2443413" y="44602"/>
+                </a:lnTo>
+                <a:lnTo>
+                  <a:pt x="2456457" y="45602"/>
+                </a:lnTo>
+                <a:lnTo>
+                  <a:pt x="2498985" y="52993"/>
+                </a:lnTo>
+                <a:lnTo>
+                  <a:pt x="2510921" y="54292"/>
+                </a:lnTo>
+                <a:lnTo>
+                  <a:pt x="2546662" y="61626"/>
+                </a:lnTo>
+                <a:lnTo>
+                  <a:pt x="2576246" y="63393"/>
+                </a:lnTo>
+                <a:lnTo>
+                  <a:pt x="2602287" y="70571"/>
+                </a:lnTo>
+                <a:lnTo>
+                  <a:pt x="2644889" y="71402"/>
+                </a:lnTo>
+                <a:lnTo>
+                  <a:pt x="2667307" y="71405"/>
+                </a:lnTo>
+                <a:lnTo>
+                  <a:pt x="2667772" y="72397"/>
+                </a:lnTo>
+                <a:lnTo>
+                  <a:pt x="2668289" y="76145"/>
+                </a:lnTo>
+                <a:lnTo>
+                  <a:pt x="2669419" y="77541"/>
+                </a:lnTo>
+                <a:lnTo>
+                  <a:pt x="2673321" y="79093"/>
+                </a:lnTo>
+                <a:lnTo>
+                  <a:pt x="2715853" y="80320"/>
+                </a:lnTo>
+                <a:lnTo>
+                  <a:pt x="2752122" y="80335"/>
+                </a:lnTo>
+                <a:lnTo>
+                  <a:pt x="2754082" y="81327"/>
+                </a:lnTo>
+                <a:lnTo>
+                  <a:pt x="2755388" y="82980"/>
+                </a:lnTo>
+                <a:lnTo>
+                  <a:pt x="2756258" y="85074"/>
+                </a:lnTo>
+                <a:lnTo>
+                  <a:pt x="2758823" y="86471"/>
+                </a:lnTo>
+                <a:lnTo>
+                  <a:pt x="2784402" y="89100"/>
+                </a:lnTo>
+                <a:lnTo>
+                  <a:pt x="2817681" y="90250"/>
+                </a:lnTo>
+                <a:lnTo>
+                  <a:pt x="2844732" y="96952"/>
+                </a:lnTo>
+                <a:lnTo>
+                  <a:pt x="2881208" y="100677"/>
+                </a:lnTo>
+                <a:lnTo>
+                  <a:pt x="2901730" y="105850"/>
+                </a:lnTo>
+                <a:lnTo>
+                  <a:pt x="2933658" y="108040"/>
+                </a:lnTo>
+                <a:lnTo>
+                  <a:pt x="2960803" y="114802"/>
+                </a:lnTo>
+                <a:lnTo>
+                  <a:pt x="2973643" y="115683"/>
+                </a:lnTo>
+                <a:lnTo>
+                  <a:pt x="3014702" y="107362"/>
+                </a:lnTo>
+                <a:lnTo>
+                  <a:pt x="3058558" y="107125"/>
+                </a:lnTo>
+                <a:lnTo>
+                  <a:pt x="3074754" y="107124"/>
+                </a:lnTo>
+                <a:lnTo>
+                  <a:pt x="3076325" y="108116"/>
+                </a:lnTo>
+                <a:lnTo>
+                  <a:pt x="3077373" y="109769"/>
+                </a:lnTo>
+                <a:lnTo>
+                  <a:pt x="3079054" y="114812"/>
+                </a:lnTo>
+                <a:lnTo>
+                  <a:pt x="3081930" y="115503"/>
+                </a:lnTo>
+                <a:lnTo>
+                  <a:pt x="3126144" y="116054"/>
+                </a:lnTo>
+                <a:lnTo>
+                  <a:pt x="3168850" y="116054"/>
+                </a:lnTo>
+                <a:lnTo>
+                  <a:pt x="3176333" y="116054"/>
+                </a:lnTo>
+                <a:lnTo>
+                  <a:pt x="3184555" y="109916"/>
+                </a:lnTo>
+                <a:lnTo>
+                  <a:pt x="3192847" y="107952"/>
+                </a:lnTo>
+                <a:lnTo>
+                  <a:pt x="3198651" y="107491"/>
+                </a:lnTo>
+                <a:lnTo>
+                  <a:pt x="3204537" y="104641"/>
+                </a:lnTo>
+                <a:lnTo>
+                  <a:pt x="3211660" y="99467"/>
+                </a:lnTo>
+                <a:lnTo>
+                  <a:pt x="3256085" y="98208"/>
+                </a:lnTo>
+                <a:lnTo>
+                  <a:pt x="3300061" y="98194"/>
+                </a:lnTo>
+                <a:lnTo>
+                  <a:pt x="3344709" y="98194"/>
+                </a:lnTo>
+                <a:lnTo>
+                  <a:pt x="3386056" y="98194"/>
+                </a:lnTo>
+                <a:lnTo>
+                  <a:pt x="3392009" y="95548"/>
+                </a:lnTo>
+                <a:lnTo>
+                  <a:pt x="3397961" y="92057"/>
+                </a:lnTo>
+                <a:lnTo>
+                  <a:pt x="3409866" y="89815"/>
+                </a:lnTo>
+                <a:lnTo>
+                  <a:pt x="3430702" y="89297"/>
+                </a:lnTo>
+                <a:lnTo>
+                  <a:pt x="3436656" y="86632"/>
+                </a:lnTo>
+                <a:lnTo>
+                  <a:pt x="3442609" y="83134"/>
+                </a:lnTo>
+                <a:lnTo>
+                  <a:pt x="3454515" y="80887"/>
+                </a:lnTo>
+                <a:lnTo>
+                  <a:pt x="3475351" y="80367"/>
+                </a:lnTo>
+                <a:lnTo>
+                  <a:pt x="3481304" y="82995"/>
+                </a:lnTo>
+                <a:lnTo>
+                  <a:pt x="3484281" y="85084"/>
+                </a:lnTo>
+                <a:lnTo>
+                  <a:pt x="3497951" y="88026"/>
+                </a:lnTo>
+                <a:lnTo>
+                  <a:pt x="3541901" y="89249"/>
+                </a:lnTo>
+                <a:lnTo>
+                  <a:pt x="3565572" y="90255"/>
+                </a:lnTo>
+                <a:lnTo>
+                  <a:pt x="3599276" y="96952"/>
+                </a:lnTo>
+                <a:lnTo>
+                  <a:pt x="3639640" y="90962"/>
+                </a:lnTo>
+                <a:lnTo>
+                  <a:pt x="3677625" y="90480"/>
+                </a:lnTo>
+                <a:lnTo>
+                  <a:pt x="3722224" y="97655"/>
+                </a:lnTo>
+                <a:lnTo>
+                  <a:pt x="3765645" y="98194"/>
+                </a:lnTo>
+                <a:lnTo>
+                  <a:pt x="3806177" y="98194"/>
+                </a:lnTo>
+                <a:lnTo>
+                  <a:pt x="3856351" y="98194"/>
+                </a:lnTo>
+              </a:path>
+            </a:pathLst>
+          </a:custGeom>
+          <a:ln w="19050">
+            <a:solidFill>
+              <a:srgbClr val="FF0000"/>
+            </a:solidFill>
+          </a:ln>
+          <a:effectLst/>
+          <a:extLst>
+            <a:ext uri="{AF507438-7753-43E0-B8FC-AC1667EBCBE1}">
+              <a14:hiddenEffects xmlns:a14="http://schemas.microsoft.com/office/drawing/2010/main">
+                <a:effectLst>
+                  <a:outerShdw blurRad="40000" dist="20000" dir="5400000" rotWithShape="0">
+                    <a:srgbClr val="000000">
+                      <a:alpha val="38000"/>
+                    </a:srgbClr>
+                  </a:outerShdw>
+                </a:effectLst>
+              </a14:hiddenEffects>
+            </a:ext>
+          </a:extLst>
+        </p:spPr>
+        <p:style>
+          <a:lnRef idx="2">
+            <a:schemeClr val="accent1"/>
+          </a:lnRef>
+          <a:fillRef idx="0">
+            <a:schemeClr val="accent1"/>
+          </a:fillRef>
+          <a:effectRef idx="1">
+            <a:schemeClr val="accent1"/>
+          </a:effectRef>
+          <a:fontRef idx="minor">
+            <a:schemeClr val="tx1"/>
+          </a:fontRef>
+        </p:style>
+        <p:txBody>
+          <a:bodyPr rtlCol="0" anchor="ctr"/>
+          <a:lstStyle/>
+          <a:p>
+            <a:pPr algn="ctr"/>
+            <a:endParaRPr lang="en-US"/>
+          </a:p>
+        </p:txBody>
+      </p:sp>
+      <p:sp>
+        <p:nvSpPr>
+          <p:cNvPr id="15" name="SMARTInkShape-13">
+            <a:extLst>
+              <a:ext uri="{FF2B5EF4-FFF2-40B4-BE49-F238E27FC236}">
+                <a16:creationId xmlns:a16="http://schemas.microsoft.com/office/drawing/2014/main" id="{46AC2B4B-33BE-4624-AD80-EA4EFC3AD452}"/>
+              </a:ext>
+            </a:extLst>
+          </p:cNvPr>
+          <p:cNvSpPr/>
+          <p:nvPr>
+            <p:custDataLst>
+              <p:tags r:id="rId4"/>
+            </p:custDataLst>
+          </p:nvPr>
+        </p:nvSpPr>
+        <p:spPr>
+          <a:xfrm>
+            <a:off x="1241227" y="6161484"/>
+            <a:ext cx="1187649" cy="115686"/>
+          </a:xfrm>
+          <a:custGeom>
+            <a:avLst/>
+            <a:gdLst/>
+            <a:ahLst/>
+            <a:cxnLst/>
+            <a:rect l="0" t="0" r="0" b="0"/>
+            <a:pathLst>
+              <a:path w="1187649" h="115686">
+                <a:moveTo>
+                  <a:pt x="0" y="0"/>
+                </a:moveTo>
+                <a:lnTo>
+                  <a:pt x="0" y="0"/>
+                </a:lnTo>
+                <a:lnTo>
+                  <a:pt x="4740" y="0"/>
+                </a:lnTo>
+                <a:lnTo>
+                  <a:pt x="9713" y="2646"/>
+                </a:lnTo>
+                <a:lnTo>
+                  <a:pt x="16250" y="7688"/>
+                </a:lnTo>
+                <a:lnTo>
+                  <a:pt x="25406" y="8820"/>
+                </a:lnTo>
+                <a:lnTo>
+                  <a:pt x="33644" y="15046"/>
+                </a:lnTo>
+                <a:lnTo>
+                  <a:pt x="43003" y="17489"/>
+                </a:lnTo>
+                <a:lnTo>
+                  <a:pt x="51452" y="23923"/>
+                </a:lnTo>
+                <a:lnTo>
+                  <a:pt x="60856" y="26412"/>
+                </a:lnTo>
+                <a:lnTo>
+                  <a:pt x="74791" y="26756"/>
+                </a:lnTo>
+                <a:lnTo>
+                  <a:pt x="76650" y="27759"/>
+                </a:lnTo>
+                <a:lnTo>
+                  <a:pt x="77888" y="29421"/>
+                </a:lnTo>
+                <a:lnTo>
+                  <a:pt x="78714" y="31520"/>
+                </a:lnTo>
+                <a:lnTo>
+                  <a:pt x="80257" y="32919"/>
+                </a:lnTo>
+                <a:lnTo>
+                  <a:pt x="87910" y="35351"/>
+                </a:lnTo>
+                <a:lnTo>
+                  <a:pt x="96863" y="35687"/>
+                </a:lnTo>
+                <a:lnTo>
+                  <a:pt x="97317" y="36690"/>
+                </a:lnTo>
+                <a:lnTo>
+                  <a:pt x="98106" y="43404"/>
+                </a:lnTo>
+                <a:lnTo>
+                  <a:pt x="100819" y="44096"/>
+                </a:lnTo>
+                <a:lnTo>
+                  <a:pt x="119552" y="44647"/>
+                </a:lnTo>
+                <a:lnTo>
+                  <a:pt x="125233" y="47292"/>
+                </a:lnTo>
+                <a:lnTo>
+                  <a:pt x="128137" y="49388"/>
+                </a:lnTo>
+                <a:lnTo>
+                  <a:pt x="168087" y="61158"/>
+                </a:lnTo>
+                <a:lnTo>
+                  <a:pt x="208441" y="70531"/>
+                </a:lnTo>
+                <a:lnTo>
+                  <a:pt x="243093" y="72350"/>
+                </a:lnTo>
+                <a:lnTo>
+                  <a:pt x="260824" y="78490"/>
+                </a:lnTo>
+                <a:lnTo>
+                  <a:pt x="277372" y="82457"/>
+                </a:lnTo>
+                <a:lnTo>
+                  <a:pt x="294843" y="87270"/>
+                </a:lnTo>
+                <a:lnTo>
+                  <a:pt x="312587" y="91342"/>
+                </a:lnTo>
+                <a:lnTo>
+                  <a:pt x="330412" y="96188"/>
+                </a:lnTo>
+                <a:lnTo>
+                  <a:pt x="359050" y="100693"/>
+                </a:lnTo>
+                <a:lnTo>
+                  <a:pt x="375598" y="105241"/>
+                </a:lnTo>
+                <a:lnTo>
+                  <a:pt x="393070" y="109234"/>
+                </a:lnTo>
+                <a:lnTo>
+                  <a:pt x="412010" y="114733"/>
+                </a:lnTo>
+                <a:lnTo>
+                  <a:pt x="426899" y="115685"/>
+                </a:lnTo>
+                <a:lnTo>
+                  <a:pt x="467393" y="107961"/>
+                </a:lnTo>
+                <a:lnTo>
+                  <a:pt x="508996" y="107203"/>
+                </a:lnTo>
+                <a:lnTo>
+                  <a:pt x="550663" y="107159"/>
+                </a:lnTo>
+                <a:lnTo>
+                  <a:pt x="589911" y="107155"/>
+                </a:lnTo>
+                <a:lnTo>
+                  <a:pt x="631922" y="107155"/>
+                </a:lnTo>
+                <a:lnTo>
+                  <a:pt x="675919" y="107155"/>
+                </a:lnTo>
+                <a:lnTo>
+                  <a:pt x="702567" y="106163"/>
+                </a:lnTo>
+                <a:lnTo>
+                  <a:pt x="729662" y="99468"/>
+                </a:lnTo>
+                <a:lnTo>
+                  <a:pt x="752158" y="97481"/>
+                </a:lnTo>
+                <a:lnTo>
+                  <a:pt x="769830" y="91206"/>
+                </a:lnTo>
+                <a:lnTo>
+                  <a:pt x="809734" y="89409"/>
+                </a:lnTo>
+                <a:lnTo>
+                  <a:pt x="854336" y="89298"/>
+                </a:lnTo>
+                <a:lnTo>
+                  <a:pt x="893419" y="89297"/>
+                </a:lnTo>
+                <a:lnTo>
+                  <a:pt x="921904" y="86651"/>
+                </a:lnTo>
+                <a:lnTo>
+                  <a:pt x="965680" y="81195"/>
+                </a:lnTo>
+                <a:lnTo>
+                  <a:pt x="1007248" y="77884"/>
+                </a:lnTo>
+                <a:lnTo>
+                  <a:pt x="1044416" y="67970"/>
+                </a:lnTo>
+                <a:lnTo>
+                  <a:pt x="1080421" y="62595"/>
+                </a:lnTo>
+                <a:lnTo>
+                  <a:pt x="1120391" y="54963"/>
+                </a:lnTo>
+                <a:lnTo>
+                  <a:pt x="1187648" y="44648"/>
+                </a:lnTo>
+              </a:path>
+            </a:pathLst>
+          </a:custGeom>
+          <a:ln w="19050">
+            <a:solidFill>
+              <a:srgbClr val="FF0000"/>
+            </a:solidFill>
+          </a:ln>
+          <a:effectLst/>
+          <a:extLst>
+            <a:ext uri="{AF507438-7753-43E0-B8FC-AC1667EBCBE1}">
+              <a14:hiddenEffects xmlns:a14="http://schemas.microsoft.com/office/drawing/2010/main">
+                <a:effectLst>
+                  <a:outerShdw blurRad="40000" dist="20000" dir="5400000" rotWithShape="0">
+                    <a:srgbClr val="000000">
+                      <a:alpha val="38000"/>
+                    </a:srgbClr>
+                  </a:outerShdw>
+                </a:effectLst>
+              </a14:hiddenEffects>
+            </a:ext>
+          </a:extLst>
+        </p:spPr>
+        <p:style>
+          <a:lnRef idx="2">
+            <a:schemeClr val="accent1"/>
+          </a:lnRef>
+          <a:fillRef idx="0">
+            <a:schemeClr val="accent1"/>
+          </a:fillRef>
+          <a:effectRef idx="1">
+            <a:schemeClr val="accent1"/>
+          </a:effectRef>
+          <a:fontRef idx="minor">
+            <a:schemeClr val="tx1"/>
+          </a:fontRef>
+        </p:style>
+        <p:txBody>
+          <a:bodyPr rtlCol="0" anchor="ctr"/>
+          <a:lstStyle/>
+          <a:p>
+            <a:pPr algn="ctr"/>
+            <a:endParaRPr lang="en-US"/>
           </a:p>
         </p:txBody>
       </p:sp>
@@ -11402,7 +13763,7 @@
 </p:sld>
 </file>
 
-<file path=ppt/slides/slide27.xml><?xml version="1.0" encoding="utf-8"?>
+<file path=ppt/slides/slide28.xml><?xml version="1.0" encoding="utf-8"?>
 <p:sld xmlns:a="http://schemas.openxmlformats.org/drawingml/2006/main" xmlns:r="http://schemas.openxmlformats.org/officeDocument/2006/relationships" xmlns:p="http://schemas.openxmlformats.org/presentationml/2006/main">
   <p:cSld>
     <p:spTree>
@@ -11519,7 +13880,7 @@
 </p:sld>
 </file>
 
-<file path=ppt/slides/slide28.xml><?xml version="1.0" encoding="utf-8"?>
+<file path=ppt/slides/slide29.xml><?xml version="1.0" encoding="utf-8"?>
 <p:sld xmlns:a="http://schemas.openxmlformats.org/drawingml/2006/main" xmlns:r="http://schemas.openxmlformats.org/officeDocument/2006/relationships" xmlns:p="http://schemas.openxmlformats.org/presentationml/2006/main">
   <p:cSld>
     <p:spTree>
@@ -11672,157 +14033,6 @@
     <p:extLst>
       <p:ext uri="{BB962C8B-B14F-4D97-AF65-F5344CB8AC3E}">
         <p14:creationId xmlns:p14="http://schemas.microsoft.com/office/powerpoint/2010/main" val="2226131061"/>
-      </p:ext>
-    </p:extLst>
-  </p:cSld>
-  <p:clrMapOvr>
-    <a:masterClrMapping/>
-  </p:clrMapOvr>
-</p:sld>
-</file>
-
-<file path=ppt/slides/slide29.xml><?xml version="1.0" encoding="utf-8"?>
-<p:sld xmlns:a="http://schemas.openxmlformats.org/drawingml/2006/main" xmlns:r="http://schemas.openxmlformats.org/officeDocument/2006/relationships" xmlns:p="http://schemas.openxmlformats.org/presentationml/2006/main">
-  <p:cSld>
-    <p:spTree>
-      <p:nvGrpSpPr>
-        <p:cNvPr id="1" name=""/>
-        <p:cNvGrpSpPr/>
-        <p:nvPr/>
-      </p:nvGrpSpPr>
-      <p:grpSpPr>
-        <a:xfrm>
-          <a:off x="0" y="0"/>
-          <a:ext cx="0" cy="0"/>
-          <a:chOff x="0" y="0"/>
-          <a:chExt cx="0" cy="0"/>
-        </a:xfrm>
-      </p:grpSpPr>
-      <p:sp>
-        <p:nvSpPr>
-          <p:cNvPr id="2" name="Title 1">
-            <a:extLst>
-              <a:ext uri="{FF2B5EF4-FFF2-40B4-BE49-F238E27FC236}">
-                <a16:creationId xmlns:a16="http://schemas.microsoft.com/office/drawing/2014/main" id="{0CB4C476-3D0C-F072-79D9-59A3F2624291}"/>
-              </a:ext>
-            </a:extLst>
-          </p:cNvPr>
-          <p:cNvSpPr>
-            <a:spLocks noGrp="1"/>
-          </p:cNvSpPr>
-          <p:nvPr>
-            <p:ph type="title"/>
-          </p:nvPr>
-        </p:nvSpPr>
-        <p:spPr/>
-        <p:txBody>
-          <a:bodyPr/>
-          <a:lstStyle/>
-          <a:p>
-            <a:r>
-              <a:rPr lang="en-GB" dirty="0"/>
-              <a:t>Question 33</a:t>
-            </a:r>
-            <a:endParaRPr lang="en-SE" dirty="0"/>
-          </a:p>
-        </p:txBody>
-      </p:sp>
-      <p:sp>
-        <p:nvSpPr>
-          <p:cNvPr id="3" name="Content Placeholder 2">
-            <a:extLst>
-              <a:ext uri="{FF2B5EF4-FFF2-40B4-BE49-F238E27FC236}">
-                <a16:creationId xmlns:a16="http://schemas.microsoft.com/office/drawing/2014/main" id="{67BE1CC9-A305-C27E-0E42-5EA01413D859}"/>
-              </a:ext>
-            </a:extLst>
-          </p:cNvPr>
-          <p:cNvSpPr>
-            <a:spLocks noGrp="1"/>
-          </p:cNvSpPr>
-          <p:nvPr>
-            <p:ph idx="1"/>
-          </p:nvPr>
-        </p:nvSpPr>
-        <p:spPr>
-          <a:xfrm>
-            <a:off x="457200" y="1720645"/>
-            <a:ext cx="8229600" cy="5112776"/>
-          </a:xfrm>
-        </p:spPr>
-        <p:txBody>
-          <a:bodyPr>
-            <a:normAutofit fontScale="62500" lnSpcReduction="20000"/>
-          </a:bodyPr>
-          <a:lstStyle/>
-          <a:p>
-            <a:r>
-              <a:rPr lang="en-GB" dirty="0"/>
-              <a:t>An advantage of Closed Addressing: Separate Chaining over the open addressing scheme is</a:t>
-            </a:r>
-          </a:p>
-          <a:p>
-            <a:r>
-              <a:rPr lang="en-GB" dirty="0"/>
-              <a:t>Worst case complexity of search operations is less</a:t>
-            </a:r>
-          </a:p>
-          <a:p>
-            <a:r>
-              <a:rPr lang="en-GB" dirty="0"/>
-              <a:t>Space used is less</a:t>
-            </a:r>
-          </a:p>
-          <a:p>
-            <a:r>
-              <a:rPr lang="en-GB" dirty="0"/>
-              <a:t>Correct: Deletion is simpler and easier</a:t>
-            </a:r>
-          </a:p>
-          <a:p>
-            <a:r>
-              <a:rPr lang="en-GB" dirty="0"/>
-              <a:t>None of the above</a:t>
-            </a:r>
-          </a:p>
-          <a:p>
-            <a:endParaRPr lang="en-GB" dirty="0"/>
-          </a:p>
-          <a:p>
-            <a:r>
-              <a:rPr lang="en-GB" dirty="0"/>
-              <a:t>An advantage of Closed Addressing using Separate Chaining over the Open Addressing scheme is that **deletion is simpler and easier**. Here is why:</a:t>
-            </a:r>
-          </a:p>
-          <a:p>
-            <a:r>
-              <a:rPr lang="en-GB" dirty="0"/>
-              <a:t>1. **Simpler Deletion**: In separate chaining, each bucket in the hash table contains a linked list (or another data structure like a dynamic array or binary search tree) to handle collisions. This makes deletion straightforward because you can directly remove an element from the list without needing to manage special markers or rehash other elements, as is often required in open addressing.</a:t>
-            </a:r>
-          </a:p>
-          <a:p>
-            <a:r>
-              <a:rPr lang="en-GB" dirty="0"/>
-              <a:t>The other options mentioned are not advantages of separate chaining over open addressing:</a:t>
-            </a:r>
-          </a:p>
-          <a:p>
-            <a:r>
-              <a:rPr lang="en-GB" dirty="0"/>
-              <a:t>- **Worst Case Complexity of Search Operations**: The worst-case complexity for search operations in separate chaining can be O(n) if all elements hash to the same bucket, forming a long chain[2]. In contrast, open addressing has a worst-case complexity that can also degrade significantly with high load factors, but it doesn't inherently provide better worst-case performance than separate chaining.</a:t>
-            </a:r>
-          </a:p>
-          <a:p>
-            <a:r>
-              <a:rPr lang="en-GB" dirty="0"/>
-              <a:t>- **Space Used is Less**: Separate chaining typically uses more space than open addressing because it requires additional storage for pointers or links in the linked lists or other structures used to store multiple items per bucket. Open addressing stores all entries directly in the hash table array, which can be more space-efficient.</a:t>
-            </a:r>
-          </a:p>
-        </p:txBody>
-      </p:sp>
-    </p:spTree>
-    <p:extLst>
-      <p:ext uri="{BB962C8B-B14F-4D97-AF65-F5344CB8AC3E}">
-        <p14:creationId xmlns:p14="http://schemas.microsoft.com/office/powerpoint/2010/main" val="1149439482"/>
       </p:ext>
     </p:extLst>
   </p:cSld>
@@ -12103,6 +14313,158 @@
           <p:cNvPr id="2" name="Title 1">
             <a:extLst>
               <a:ext uri="{FF2B5EF4-FFF2-40B4-BE49-F238E27FC236}">
+                <a16:creationId xmlns:a16="http://schemas.microsoft.com/office/drawing/2014/main" id="{0CB4C476-3D0C-F072-79D9-59A3F2624291}"/>
+              </a:ext>
+            </a:extLst>
+          </p:cNvPr>
+          <p:cNvSpPr>
+            <a:spLocks noGrp="1"/>
+          </p:cNvSpPr>
+          <p:nvPr>
+            <p:ph type="title"/>
+          </p:nvPr>
+        </p:nvSpPr>
+        <p:spPr/>
+        <p:txBody>
+          <a:bodyPr/>
+          <a:lstStyle/>
+          <a:p>
+            <a:r>
+              <a:rPr lang="en-GB" dirty="0"/>
+              <a:t>Question 33</a:t>
+            </a:r>
+            <a:endParaRPr lang="en-SE" dirty="0"/>
+          </a:p>
+        </p:txBody>
+      </p:sp>
+      <p:sp>
+        <p:nvSpPr>
+          <p:cNvPr id="3" name="Content Placeholder 2">
+            <a:extLst>
+              <a:ext uri="{FF2B5EF4-FFF2-40B4-BE49-F238E27FC236}">
+                <a16:creationId xmlns:a16="http://schemas.microsoft.com/office/drawing/2014/main" id="{67BE1CC9-A305-C27E-0E42-5EA01413D859}"/>
+              </a:ext>
+            </a:extLst>
+          </p:cNvPr>
+          <p:cNvSpPr>
+            <a:spLocks noGrp="1"/>
+          </p:cNvSpPr>
+          <p:nvPr>
+            <p:ph idx="1"/>
+          </p:nvPr>
+        </p:nvSpPr>
+        <p:spPr>
+          <a:xfrm>
+            <a:off x="457200" y="1720645"/>
+            <a:ext cx="8229600" cy="5112776"/>
+          </a:xfrm>
+        </p:spPr>
+        <p:txBody>
+          <a:bodyPr>
+            <a:normAutofit fontScale="62500" lnSpcReduction="20000"/>
+          </a:bodyPr>
+          <a:lstStyle/>
+          <a:p>
+            <a:r>
+              <a:rPr lang="en-GB" dirty="0"/>
+              <a:t>An advantage of Closed Addressing: Separate Chaining over the open addressing scheme is</a:t>
+            </a:r>
+          </a:p>
+          <a:p>
+            <a:pPr lvl="1"/>
+            <a:r>
+              <a:rPr lang="en-GB" dirty="0"/>
+              <a:t>Worst case complexity of search operations is less</a:t>
+            </a:r>
+          </a:p>
+          <a:p>
+            <a:pPr lvl="1"/>
+            <a:r>
+              <a:rPr lang="en-GB" dirty="0"/>
+              <a:t>Space used is less</a:t>
+            </a:r>
+          </a:p>
+          <a:p>
+            <a:pPr lvl="1"/>
+            <a:r>
+              <a:rPr lang="en-GB" dirty="0"/>
+              <a:t>Correct: Deletion is simpler and easier</a:t>
+            </a:r>
+          </a:p>
+          <a:p>
+            <a:pPr lvl="1"/>
+            <a:r>
+              <a:rPr lang="en-GB" dirty="0"/>
+              <a:t>None of the above</a:t>
+            </a:r>
+          </a:p>
+          <a:p>
+            <a:r>
+              <a:rPr lang="en-GB" dirty="0"/>
+              <a:t>An advantage of Closed Addressing using Separate Chaining over the Open Addressing scheme is that **deletion is simpler and easier**. Here is why:</a:t>
+            </a:r>
+          </a:p>
+          <a:p>
+            <a:r>
+              <a:rPr lang="en-GB" dirty="0"/>
+              <a:t>1. **Simpler Deletion**: In separate chaining, each bucket in the hash table contains a linked list (or another data structure like a dynamic array or binary search tree) to handle collisions. This makes deletion straightforward because you can directly remove an element from the list without needing to manage special markers or rehash other elements, as is often required in open addressing.</a:t>
+            </a:r>
+          </a:p>
+          <a:p>
+            <a:r>
+              <a:rPr lang="en-GB" dirty="0"/>
+              <a:t>The other options mentioned are not advantages of separate chaining over open addressing:</a:t>
+            </a:r>
+          </a:p>
+          <a:p>
+            <a:r>
+              <a:rPr lang="en-GB" dirty="0"/>
+              <a:t>- **Worst Case Complexity of Search Operations**: The worst-case complexity for search operations in separate chaining can be O(n) if all elements hash to the same bucket, forming a long chain[2]. In contrast, open addressing has a worst-case complexity that can also degrade significantly with high load factors, but it doesn't inherently provide better worst-case performance than separate chaining.</a:t>
+            </a:r>
+          </a:p>
+          <a:p>
+            <a:r>
+              <a:rPr lang="en-GB" dirty="0"/>
+              <a:t>- **Space Used is Less**: Separate chaining typically uses more space than open addressing because it requires additional storage for pointers or links in the linked lists or other structures used to store multiple items per bucket. Open addressing stores all entries directly in the hash table array, which can be more space-efficient.</a:t>
+            </a:r>
+          </a:p>
+        </p:txBody>
+      </p:sp>
+    </p:spTree>
+    <p:extLst>
+      <p:ext uri="{BB962C8B-B14F-4D97-AF65-F5344CB8AC3E}">
+        <p14:creationId xmlns:p14="http://schemas.microsoft.com/office/powerpoint/2010/main" val="1149439482"/>
+      </p:ext>
+    </p:extLst>
+  </p:cSld>
+  <p:clrMapOvr>
+    <a:masterClrMapping/>
+  </p:clrMapOvr>
+</p:sld>
+</file>
+
+<file path=ppt/slides/slide31.xml><?xml version="1.0" encoding="utf-8"?>
+<p:sld xmlns:a="http://schemas.openxmlformats.org/drawingml/2006/main" xmlns:r="http://schemas.openxmlformats.org/officeDocument/2006/relationships" xmlns:p="http://schemas.openxmlformats.org/presentationml/2006/main">
+  <p:cSld>
+    <p:spTree>
+      <p:nvGrpSpPr>
+        <p:cNvPr id="1" name=""/>
+        <p:cNvGrpSpPr/>
+        <p:nvPr/>
+      </p:nvGrpSpPr>
+      <p:grpSpPr>
+        <a:xfrm>
+          <a:off x="0" y="0"/>
+          <a:ext cx="0" cy="0"/>
+          <a:chOff x="0" y="0"/>
+          <a:chExt cx="0" cy="0"/>
+        </a:xfrm>
+      </p:grpSpPr>
+      <p:sp>
+        <p:nvSpPr>
+          <p:cNvPr id="2" name="Title 1">
+            <a:extLst>
+              <a:ext uri="{FF2B5EF4-FFF2-40B4-BE49-F238E27FC236}">
                 <a16:creationId xmlns:a16="http://schemas.microsoft.com/office/drawing/2014/main" id="{20CB447C-DC21-A08D-C476-D9CE2B3E8E13}"/>
               </a:ext>
             </a:extLst>
@@ -12223,7 +14585,7 @@
         </p:nvSpPr>
         <p:spPr>
           <a:xfrm>
-            <a:off x="2275565" y="5928886"/>
+            <a:off x="2275565" y="5559554"/>
             <a:ext cx="1443024" cy="369332"/>
           </a:xfrm>
           <a:prstGeom prst="rect">
@@ -12311,7 +14673,7 @@
         </p:nvSpPr>
         <p:spPr>
           <a:xfrm>
-            <a:off x="3671934" y="5756831"/>
+            <a:off x="3671934" y="5387499"/>
             <a:ext cx="2848793" cy="369332"/>
           </a:xfrm>
           <a:prstGeom prst="rect">
@@ -12439,7 +14801,7 @@
         </p:nvSpPr>
         <p:spPr>
           <a:xfrm>
-            <a:off x="4106243" y="6126109"/>
+            <a:off x="4106243" y="5756777"/>
             <a:ext cx="1704313" cy="369332"/>
           </a:xfrm>
           <a:prstGeom prst="rect">
@@ -12549,7 +14911,7 @@
         </p:nvCxnSpPr>
         <p:spPr>
           <a:xfrm flipH="1" flipV="1">
-            <a:off x="3691499" y="6126108"/>
+            <a:off x="3691499" y="5756776"/>
             <a:ext cx="2701877" cy="1"/>
           </a:xfrm>
           <a:prstGeom prst="line">
@@ -12586,203 +14948,10 @@
   <p:clrMapOvr>
     <a:masterClrMapping/>
   </p:clrMapOvr>
-  <p:timing>
-    <p:tnLst>
-      <p:par>
-        <p:cTn id="1" dur="indefinite" restart="never" nodeType="tmRoot">
-          <p:childTnLst>
-            <p:seq concurrent="1" nextAc="seek">
-              <p:cTn id="2" dur="indefinite" nodeType="mainSeq">
-                <p:childTnLst>
-                  <p:par>
-                    <p:cTn id="3" fill="hold">
-                      <p:stCondLst>
-                        <p:cond delay="indefinite"/>
-                      </p:stCondLst>
-                      <p:childTnLst>
-                        <p:par>
-                          <p:cTn id="4" fill="hold">
-                            <p:stCondLst>
-                              <p:cond delay="0"/>
-                            </p:stCondLst>
-                            <p:childTnLst>
-                              <p:par>
-                                <p:cTn id="5" presetID="9" presetClass="entr" presetSubtype="0" fill="hold" grpId="0" nodeType="clickEffect">
-                                  <p:stCondLst>
-                                    <p:cond delay="0"/>
-                                  </p:stCondLst>
-                                  <p:childTnLst>
-                                    <p:set>
-                                      <p:cBhvr>
-                                        <p:cTn id="6" dur="1" fill="hold">
-                                          <p:stCondLst>
-                                            <p:cond delay="0"/>
-                                          </p:stCondLst>
-                                        </p:cTn>
-                                        <p:tgtEl>
-                                          <p:spTgt spid="4"/>
-                                        </p:tgtEl>
-                                        <p:attrNameLst>
-                                          <p:attrName>style.visibility</p:attrName>
-                                        </p:attrNameLst>
-                                      </p:cBhvr>
-                                      <p:to>
-                                        <p:strVal val="visible"/>
-                                      </p:to>
-                                    </p:set>
-                                    <p:animEffect transition="in" filter="dissolve">
-                                      <p:cBhvr>
-                                        <p:cTn id="7" dur="500"/>
-                                        <p:tgtEl>
-                                          <p:spTgt spid="4"/>
-                                        </p:tgtEl>
-                                      </p:cBhvr>
-                                    </p:animEffect>
-                                  </p:childTnLst>
-                                </p:cTn>
-                              </p:par>
-                              <p:par>
-                                <p:cTn id="8" presetID="9" presetClass="entr" presetSubtype="0" fill="hold" grpId="0" nodeType="withEffect">
-                                  <p:stCondLst>
-                                    <p:cond delay="0"/>
-                                  </p:stCondLst>
-                                  <p:childTnLst>
-                                    <p:set>
-                                      <p:cBhvr>
-                                        <p:cTn id="9" dur="1" fill="hold">
-                                          <p:stCondLst>
-                                            <p:cond delay="0"/>
-                                          </p:stCondLst>
-                                        </p:cTn>
-                                        <p:tgtEl>
-                                          <p:spTgt spid="5"/>
-                                        </p:tgtEl>
-                                        <p:attrNameLst>
-                                          <p:attrName>style.visibility</p:attrName>
-                                        </p:attrNameLst>
-                                      </p:cBhvr>
-                                      <p:to>
-                                        <p:strVal val="visible"/>
-                                      </p:to>
-                                    </p:set>
-                                    <p:animEffect transition="in" filter="dissolve">
-                                      <p:cBhvr>
-                                        <p:cTn id="10" dur="500"/>
-                                        <p:tgtEl>
-                                          <p:spTgt spid="5"/>
-                                        </p:tgtEl>
-                                      </p:cBhvr>
-                                    </p:animEffect>
-                                  </p:childTnLst>
-                                </p:cTn>
-                              </p:par>
-                              <p:par>
-                                <p:cTn id="11" presetID="9" presetClass="entr" presetSubtype="0" fill="hold" grpId="0" nodeType="withEffect">
-                                  <p:stCondLst>
-                                    <p:cond delay="0"/>
-                                  </p:stCondLst>
-                                  <p:childTnLst>
-                                    <p:set>
-                                      <p:cBhvr>
-                                        <p:cTn id="12" dur="1" fill="hold">
-                                          <p:stCondLst>
-                                            <p:cond delay="0"/>
-                                          </p:stCondLst>
-                                        </p:cTn>
-                                        <p:tgtEl>
-                                          <p:spTgt spid="6"/>
-                                        </p:tgtEl>
-                                        <p:attrNameLst>
-                                          <p:attrName>style.visibility</p:attrName>
-                                        </p:attrNameLst>
-                                      </p:cBhvr>
-                                      <p:to>
-                                        <p:strVal val="visible"/>
-                                      </p:to>
-                                    </p:set>
-                                    <p:animEffect transition="in" filter="dissolve">
-                                      <p:cBhvr>
-                                        <p:cTn id="13" dur="500"/>
-                                        <p:tgtEl>
-                                          <p:spTgt spid="6"/>
-                                        </p:tgtEl>
-                                      </p:cBhvr>
-                                    </p:animEffect>
-                                  </p:childTnLst>
-                                </p:cTn>
-                              </p:par>
-                              <p:par>
-                                <p:cTn id="14" presetID="9" presetClass="entr" presetSubtype="0" fill="hold" nodeType="withEffect">
-                                  <p:stCondLst>
-                                    <p:cond delay="0"/>
-                                  </p:stCondLst>
-                                  <p:childTnLst>
-                                    <p:set>
-                                      <p:cBhvr>
-                                        <p:cTn id="15" dur="1" fill="hold">
-                                          <p:stCondLst>
-                                            <p:cond delay="0"/>
-                                          </p:stCondLst>
-                                        </p:cTn>
-                                        <p:tgtEl>
-                                          <p:spTgt spid="7"/>
-                                        </p:tgtEl>
-                                        <p:attrNameLst>
-                                          <p:attrName>style.visibility</p:attrName>
-                                        </p:attrNameLst>
-                                      </p:cBhvr>
-                                      <p:to>
-                                        <p:strVal val="visible"/>
-                                      </p:to>
-                                    </p:set>
-                                    <p:animEffect transition="in" filter="dissolve">
-                                      <p:cBhvr>
-                                        <p:cTn id="16" dur="500"/>
-                                        <p:tgtEl>
-                                          <p:spTgt spid="7"/>
-                                        </p:tgtEl>
-                                      </p:cBhvr>
-                                    </p:animEffect>
-                                  </p:childTnLst>
-                                </p:cTn>
-                              </p:par>
-                            </p:childTnLst>
-                          </p:cTn>
-                        </p:par>
-                      </p:childTnLst>
-                    </p:cTn>
-                  </p:par>
-                </p:childTnLst>
-              </p:cTn>
-              <p:prevCondLst>
-                <p:cond evt="onPrev" delay="0">
-                  <p:tgtEl>
-                    <p:sldTgt/>
-                  </p:tgtEl>
-                </p:cond>
-              </p:prevCondLst>
-              <p:nextCondLst>
-                <p:cond evt="onNext" delay="0">
-                  <p:tgtEl>
-                    <p:sldTgt/>
-                  </p:tgtEl>
-                </p:cond>
-              </p:nextCondLst>
-            </p:seq>
-          </p:childTnLst>
-        </p:cTn>
-      </p:par>
-    </p:tnLst>
-    <p:bldLst>
-      <p:bldP spid="4" grpId="0"/>
-      <p:bldP spid="5" grpId="0"/>
-      <p:bldP spid="6" grpId="0"/>
-    </p:bldLst>
-  </p:timing>
 </p:sld>
 </file>
 
-<file path=ppt/slides/slide31.xml><?xml version="1.0" encoding="utf-8"?>
+<file path=ppt/slides/slide32.xml><?xml version="1.0" encoding="utf-8"?>
 <p:sld xmlns:a="http://schemas.openxmlformats.org/drawingml/2006/main" xmlns:r="http://schemas.openxmlformats.org/officeDocument/2006/relationships" xmlns:p="http://schemas.openxmlformats.org/presentationml/2006/main">
   <p:cSld>
     <p:spTree>
@@ -13148,7 +15317,300 @@
 </p:sld>
 </file>
 
-<file path=ppt/slides/slide32.xml><?xml version="1.0" encoding="utf-8"?>
+<file path=ppt/slides/slide33.xml><?xml version="1.0" encoding="utf-8"?>
+<p:sld xmlns:a="http://schemas.openxmlformats.org/drawingml/2006/main" xmlns:r="http://schemas.openxmlformats.org/officeDocument/2006/relationships" xmlns:p="http://schemas.openxmlformats.org/presentationml/2006/main">
+  <p:cSld>
+    <p:spTree>
+      <p:nvGrpSpPr>
+        <p:cNvPr id="1" name=""/>
+        <p:cNvGrpSpPr/>
+        <p:nvPr/>
+      </p:nvGrpSpPr>
+      <p:grpSpPr>
+        <a:xfrm>
+          <a:off x="0" y="0"/>
+          <a:ext cx="0" cy="0"/>
+          <a:chOff x="0" y="0"/>
+          <a:chExt cx="0" cy="0"/>
+        </a:xfrm>
+      </p:grpSpPr>
+      <p:sp>
+        <p:nvSpPr>
+          <p:cNvPr id="2" name="Title 1">
+            <a:extLst>
+              <a:ext uri="{FF2B5EF4-FFF2-40B4-BE49-F238E27FC236}">
+                <a16:creationId xmlns:a16="http://schemas.microsoft.com/office/drawing/2014/main" id="{C290F69D-0FE8-4DE7-335F-C35D2FA37D1D}"/>
+              </a:ext>
+            </a:extLst>
+          </p:cNvPr>
+          <p:cNvSpPr>
+            <a:spLocks noGrp="1"/>
+          </p:cNvSpPr>
+          <p:nvPr>
+            <p:ph type="title"/>
+          </p:nvPr>
+        </p:nvSpPr>
+        <p:spPr/>
+        <p:txBody>
+          <a:bodyPr/>
+          <a:lstStyle/>
+          <a:p>
+            <a:r>
+              <a:rPr lang="en-GB" dirty="0"/>
+              <a:t>Question 36</a:t>
+            </a:r>
+            <a:endParaRPr lang="en-SE" dirty="0"/>
+          </a:p>
+        </p:txBody>
+      </p:sp>
+      <p:sp>
+        <p:nvSpPr>
+          <p:cNvPr id="3" name="Content Placeholder 2">
+            <a:extLst>
+              <a:ext uri="{FF2B5EF4-FFF2-40B4-BE49-F238E27FC236}">
+                <a16:creationId xmlns:a16="http://schemas.microsoft.com/office/drawing/2014/main" id="{86987AB5-687F-8B43-4FF5-23BE1E094D7E}"/>
+              </a:ext>
+            </a:extLst>
+          </p:cNvPr>
+          <p:cNvSpPr>
+            <a:spLocks noGrp="1"/>
+          </p:cNvSpPr>
+          <p:nvPr>
+            <p:ph idx="1"/>
+          </p:nvPr>
+        </p:nvSpPr>
+        <p:spPr>
+          <a:xfrm>
+            <a:off x="457200" y="1417638"/>
+            <a:ext cx="7591663" cy="4525963"/>
+          </a:xfrm>
+        </p:spPr>
+        <p:txBody>
+          <a:bodyPr/>
+          <a:lstStyle/>
+          <a:p>
+            <a:r>
+              <a:rPr lang="en-GB" b="0" i="0" dirty="0">
+                <a:solidFill>
+                  <a:srgbClr val="2D3B45"/>
+                </a:solidFill>
+                <a:effectLst/>
+                <a:latin typeface="Lato Extended"/>
+              </a:rPr>
+              <a:t>Hashing: The keys 12, 18, 13, 2, 3, 23, 5 and 15 are inserted into an initially empty hash table of length 10 using open addressing with hash function h(k) = k mod 10 and linear probing. What is the resultant hash table?</a:t>
+            </a:r>
+          </a:p>
+          <a:p>
+            <a:r>
+              <a:rPr lang="en-GB" dirty="0">
+                <a:solidFill>
+                  <a:srgbClr val="2D3B45"/>
+                </a:solidFill>
+                <a:latin typeface="Lato Extended"/>
+              </a:rPr>
+              <a:t>ANS: See notes for details</a:t>
+            </a:r>
+            <a:endParaRPr lang="en-SE" dirty="0"/>
+          </a:p>
+        </p:txBody>
+      </p:sp>
+      <p:pic>
+        <p:nvPicPr>
+          <p:cNvPr id="7" name="Picture 6">
+            <a:extLst>
+              <a:ext uri="{FF2B5EF4-FFF2-40B4-BE49-F238E27FC236}">
+                <a16:creationId xmlns:a16="http://schemas.microsoft.com/office/drawing/2014/main" id="{745888BF-FD52-2FAD-3E4D-BCC4B0B7919C}"/>
+              </a:ext>
+            </a:extLst>
+          </p:cNvPr>
+          <p:cNvPicPr>
+            <a:picLocks noChangeAspect="1"/>
+          </p:cNvPicPr>
+          <p:nvPr/>
+        </p:nvPicPr>
+        <p:blipFill>
+          <a:blip r:embed="rId3"/>
+          <a:stretch>
+            <a:fillRect/>
+          </a:stretch>
+        </p:blipFill>
+        <p:spPr>
+          <a:xfrm>
+            <a:off x="5053511" y="3015243"/>
+            <a:ext cx="1592218" cy="3842757"/>
+          </a:xfrm>
+          <a:prstGeom prst="rect">
+            <a:avLst/>
+          </a:prstGeom>
+        </p:spPr>
+      </p:pic>
+    </p:spTree>
+    <p:extLst>
+      <p:ext uri="{BB962C8B-B14F-4D97-AF65-F5344CB8AC3E}">
+        <p14:creationId xmlns:p14="http://schemas.microsoft.com/office/powerpoint/2010/main" val="1213428407"/>
+      </p:ext>
+    </p:extLst>
+  </p:cSld>
+  <p:clrMapOvr>
+    <a:masterClrMapping/>
+  </p:clrMapOvr>
+</p:sld>
+</file>
+
+<file path=ppt/slides/slide34.xml><?xml version="1.0" encoding="utf-8"?>
+<p:sld xmlns:a="http://schemas.openxmlformats.org/drawingml/2006/main" xmlns:r="http://schemas.openxmlformats.org/officeDocument/2006/relationships" xmlns:p="http://schemas.openxmlformats.org/presentationml/2006/main">
+  <p:cSld>
+    <p:spTree>
+      <p:nvGrpSpPr>
+        <p:cNvPr id="1" name=""/>
+        <p:cNvGrpSpPr/>
+        <p:nvPr/>
+      </p:nvGrpSpPr>
+      <p:grpSpPr>
+        <a:xfrm>
+          <a:off x="0" y="0"/>
+          <a:ext cx="0" cy="0"/>
+          <a:chOff x="0" y="0"/>
+          <a:chExt cx="0" cy="0"/>
+        </a:xfrm>
+      </p:grpSpPr>
+      <p:sp>
+        <p:nvSpPr>
+          <p:cNvPr id="2" name="Title 1">
+            <a:extLst>
+              <a:ext uri="{FF2B5EF4-FFF2-40B4-BE49-F238E27FC236}">
+                <a16:creationId xmlns:a16="http://schemas.microsoft.com/office/drawing/2014/main" id="{18E90732-7976-19CE-E900-7084003828D5}"/>
+              </a:ext>
+            </a:extLst>
+          </p:cNvPr>
+          <p:cNvSpPr>
+            <a:spLocks noGrp="1"/>
+          </p:cNvSpPr>
+          <p:nvPr>
+            <p:ph type="title"/>
+          </p:nvPr>
+        </p:nvSpPr>
+        <p:spPr/>
+        <p:txBody>
+          <a:bodyPr/>
+          <a:lstStyle/>
+          <a:p>
+            <a:r>
+              <a:rPr lang="en-GB" dirty="0"/>
+              <a:t>Question 37</a:t>
+            </a:r>
+            <a:endParaRPr lang="en-SE" dirty="0"/>
+          </a:p>
+        </p:txBody>
+      </p:sp>
+      <p:sp>
+        <p:nvSpPr>
+          <p:cNvPr id="3" name="Content Placeholder 2">
+            <a:extLst>
+              <a:ext uri="{FF2B5EF4-FFF2-40B4-BE49-F238E27FC236}">
+                <a16:creationId xmlns:a16="http://schemas.microsoft.com/office/drawing/2014/main" id="{821C68B6-1505-A786-2206-547C44325DA5}"/>
+              </a:ext>
+            </a:extLst>
+          </p:cNvPr>
+          <p:cNvSpPr>
+            <a:spLocks noGrp="1"/>
+          </p:cNvSpPr>
+          <p:nvPr>
+            <p:ph idx="1"/>
+          </p:nvPr>
+        </p:nvSpPr>
+        <p:spPr>
+          <a:xfrm>
+            <a:off x="457200" y="1600200"/>
+            <a:ext cx="6694714" cy="4525963"/>
+          </a:xfrm>
+        </p:spPr>
+        <p:txBody>
+          <a:bodyPr/>
+          <a:lstStyle/>
+          <a:p>
+            <a:r>
+              <a:rPr lang="en-GB" dirty="0"/>
+              <a:t>Hashing: A hash table of length 10 uses open addressing with hash function h(k)=k mod 10, and linear probing. After inserting 6 values into an empty hash table, the table is as shown below. </a:t>
+            </a:r>
+          </a:p>
+          <a:p>
+            <a:r>
+              <a:rPr lang="en-GB" dirty="0"/>
+              <a:t>Which one of the following choices gives a possible order in which the key values could have been inserted in the table?</a:t>
+            </a:r>
+          </a:p>
+          <a:p>
+            <a:r>
+              <a:rPr lang="en-GB" dirty="0"/>
+              <a:t>ANS: 46, 34, 42, 23, 52, 33</a:t>
+            </a:r>
+          </a:p>
+          <a:p>
+            <a:r>
+              <a:rPr lang="en-GB" dirty="0"/>
+              <a:t>46, 34, 42, 23: no collision</a:t>
+            </a:r>
+          </a:p>
+          <a:p>
+            <a:r>
+              <a:rPr lang="en-GB" dirty="0"/>
+              <a:t>52: collision, placed in 5</a:t>
+            </a:r>
+          </a:p>
+          <a:p>
+            <a:r>
+              <a:rPr lang="en-GB" dirty="0"/>
+              <a:t>33: collision, placed in 7</a:t>
+            </a:r>
+            <a:endParaRPr lang="en-SE" dirty="0"/>
+          </a:p>
+        </p:txBody>
+      </p:sp>
+      <p:pic>
+        <p:nvPicPr>
+          <p:cNvPr id="7" name="Picture 6">
+            <a:extLst>
+              <a:ext uri="{FF2B5EF4-FFF2-40B4-BE49-F238E27FC236}">
+                <a16:creationId xmlns:a16="http://schemas.microsoft.com/office/drawing/2014/main" id="{73502D89-DB75-E8D5-4997-57DA923B371F}"/>
+              </a:ext>
+            </a:extLst>
+          </p:cNvPr>
+          <p:cNvPicPr>
+            <a:picLocks noChangeAspect="1"/>
+          </p:cNvPicPr>
+          <p:nvPr/>
+        </p:nvPicPr>
+        <p:blipFill>
+          <a:blip r:embed="rId2"/>
+          <a:stretch>
+            <a:fillRect/>
+          </a:stretch>
+        </p:blipFill>
+        <p:spPr>
+          <a:xfrm>
+            <a:off x="6874329" y="1600199"/>
+            <a:ext cx="2269671" cy="3905945"/>
+          </a:xfrm>
+          <a:prstGeom prst="rect">
+            <a:avLst/>
+          </a:prstGeom>
+        </p:spPr>
+      </p:pic>
+    </p:spTree>
+    <p:extLst>
+      <p:ext uri="{BB962C8B-B14F-4D97-AF65-F5344CB8AC3E}">
+        <p14:creationId xmlns:p14="http://schemas.microsoft.com/office/powerpoint/2010/main" val="3050566866"/>
+      </p:ext>
+    </p:extLst>
+  </p:cSld>
+  <p:clrMapOvr>
+    <a:masterClrMapping/>
+  </p:clrMapOvr>
+</p:sld>
+</file>
+
+<file path=ppt/slides/slide35.xml><?xml version="1.0" encoding="utf-8"?>
 <p:sld xmlns:a="http://schemas.openxmlformats.org/drawingml/2006/main" xmlns:r="http://schemas.openxmlformats.org/officeDocument/2006/relationships" xmlns:p="http://schemas.openxmlformats.org/presentationml/2006/main">
   <p:cSld>
     <p:spTree>
@@ -13235,7 +15697,7 @@
           <p:nvPr/>
         </p:nvGraphicFramePr>
         <p:xfrm>
-          <a:off x="333710" y="5414794"/>
+          <a:off x="333710" y="3678145"/>
           <a:ext cx="5304470" cy="882709"/>
         </p:xfrm>
         <a:graphic>
@@ -13663,7 +16125,7 @@
         </p:nvSpPr>
         <p:spPr>
           <a:xfrm>
-            <a:off x="2822736" y="5531790"/>
+            <a:off x="2822736" y="3795141"/>
             <a:ext cx="412292" cy="338554"/>
           </a:xfrm>
           <a:prstGeom prst="rect">
@@ -13998,7 +16460,7 @@
         </p:nvSpPr>
         <p:spPr>
           <a:xfrm>
-            <a:off x="673610" y="6306111"/>
+            <a:off x="673610" y="4569462"/>
             <a:ext cx="119711" cy="259045"/>
           </a:xfrm>
           <a:prstGeom prst="rect">
@@ -14055,7 +16517,7 @@
         </p:nvSpPr>
         <p:spPr>
           <a:xfrm>
-            <a:off x="1436890" y="6306111"/>
+            <a:off x="1436890" y="4569462"/>
             <a:ext cx="119711" cy="259045"/>
           </a:xfrm>
           <a:prstGeom prst="rect">
@@ -14112,7 +16574,7 @@
         </p:nvSpPr>
         <p:spPr>
           <a:xfrm>
-            <a:off x="2200170" y="6306111"/>
+            <a:off x="2200170" y="4569462"/>
             <a:ext cx="119711" cy="259045"/>
           </a:xfrm>
           <a:prstGeom prst="rect">
@@ -14169,7 +16631,7 @@
         </p:nvSpPr>
         <p:spPr>
           <a:xfrm>
-            <a:off x="2963450" y="6306111"/>
+            <a:off x="2963450" y="4569462"/>
             <a:ext cx="119711" cy="259045"/>
           </a:xfrm>
           <a:prstGeom prst="rect">
@@ -14226,7 +16688,7 @@
         </p:nvSpPr>
         <p:spPr>
           <a:xfrm>
-            <a:off x="3726730" y="6306111"/>
+            <a:off x="3726730" y="4569462"/>
             <a:ext cx="119711" cy="259045"/>
           </a:xfrm>
           <a:prstGeom prst="rect">
@@ -14283,7 +16745,7 @@
         </p:nvSpPr>
         <p:spPr>
           <a:xfrm>
-            <a:off x="4490010" y="6306111"/>
+            <a:off x="4490010" y="4569462"/>
             <a:ext cx="119711" cy="259045"/>
           </a:xfrm>
           <a:prstGeom prst="rect">
@@ -14340,7 +16802,7 @@
         </p:nvSpPr>
         <p:spPr>
           <a:xfrm>
-            <a:off x="5253290" y="6306111"/>
+            <a:off x="5253290" y="4569462"/>
             <a:ext cx="119711" cy="259045"/>
           </a:xfrm>
           <a:prstGeom prst="rect">
@@ -14398,7 +16860,7 @@
           <p:nvPr/>
         </p:nvGraphicFramePr>
         <p:xfrm>
-          <a:off x="334036" y="3956229"/>
+          <a:off x="334036" y="2219580"/>
           <a:ext cx="5353633" cy="875640"/>
         </p:xfrm>
         <a:graphic>
@@ -14826,7 +17288,7 @@
         </p:nvSpPr>
         <p:spPr>
           <a:xfrm>
-            <a:off x="1258720" y="4249155"/>
+            <a:off x="1258720" y="2512506"/>
             <a:ext cx="470000" cy="338554"/>
           </a:xfrm>
           <a:prstGeom prst="rect">
@@ -14878,7 +17340,7 @@
         </p:nvSpPr>
         <p:spPr>
           <a:xfrm>
-            <a:off x="2022669" y="4249155"/>
+            <a:off x="2022669" y="2512506"/>
             <a:ext cx="470000" cy="338554"/>
           </a:xfrm>
           <a:prstGeom prst="rect">
@@ -14930,7 +17392,7 @@
         </p:nvSpPr>
         <p:spPr>
           <a:xfrm>
-            <a:off x="2786618" y="4249155"/>
+            <a:off x="2786618" y="2512506"/>
             <a:ext cx="470000" cy="338554"/>
           </a:xfrm>
           <a:prstGeom prst="rect">
@@ -14982,7 +17444,7 @@
         </p:nvSpPr>
         <p:spPr>
           <a:xfrm>
-            <a:off x="3550567" y="4249155"/>
+            <a:off x="3550567" y="2512506"/>
             <a:ext cx="470000" cy="338554"/>
           </a:xfrm>
           <a:prstGeom prst="rect">
@@ -15034,7 +17496,7 @@
         </p:nvSpPr>
         <p:spPr>
           <a:xfrm>
-            <a:off x="4314516" y="4249155"/>
+            <a:off x="4314516" y="2512506"/>
             <a:ext cx="470000" cy="338554"/>
           </a:xfrm>
           <a:prstGeom prst="rect">
@@ -15086,7 +17548,7 @@
         </p:nvSpPr>
         <p:spPr>
           <a:xfrm>
-            <a:off x="494771" y="4249155"/>
+            <a:off x="494771" y="2512506"/>
             <a:ext cx="470000" cy="338554"/>
           </a:xfrm>
           <a:prstGeom prst="rect">
@@ -15138,7 +17600,7 @@
         </p:nvSpPr>
         <p:spPr>
           <a:xfrm>
-            <a:off x="5078465" y="4249155"/>
+            <a:off x="5078465" y="2512506"/>
             <a:ext cx="470000" cy="338554"/>
           </a:xfrm>
           <a:prstGeom prst="rect">
@@ -15190,7 +17652,7 @@
         </p:nvSpPr>
         <p:spPr>
           <a:xfrm>
-            <a:off x="669917" y="4843292"/>
+            <a:off x="669917" y="3106643"/>
             <a:ext cx="119711" cy="259045"/>
           </a:xfrm>
           <a:prstGeom prst="rect">
@@ -15247,7 +17709,7 @@
         </p:nvSpPr>
         <p:spPr>
           <a:xfrm>
-            <a:off x="1436706" y="4843292"/>
+            <a:off x="1436706" y="3106643"/>
             <a:ext cx="119711" cy="259045"/>
           </a:xfrm>
           <a:prstGeom prst="rect">
@@ -15304,7 +17766,7 @@
         </p:nvSpPr>
         <p:spPr>
           <a:xfrm>
-            <a:off x="2203495" y="4843292"/>
+            <a:off x="2203495" y="3106643"/>
             <a:ext cx="119711" cy="259045"/>
           </a:xfrm>
           <a:prstGeom prst="rect">
@@ -15361,7 +17823,7 @@
         </p:nvSpPr>
         <p:spPr>
           <a:xfrm>
-            <a:off x="2970284" y="4843292"/>
+            <a:off x="2970284" y="3106643"/>
             <a:ext cx="119711" cy="259045"/>
           </a:xfrm>
           <a:prstGeom prst="rect">
@@ -15418,7 +17880,7 @@
         </p:nvSpPr>
         <p:spPr>
           <a:xfrm>
-            <a:off x="3737073" y="4843292"/>
+            <a:off x="3737073" y="3106643"/>
             <a:ext cx="119711" cy="259045"/>
           </a:xfrm>
           <a:prstGeom prst="rect">
@@ -15475,7 +17937,7 @@
         </p:nvSpPr>
         <p:spPr>
           <a:xfrm>
-            <a:off x="4503862" y="4843292"/>
+            <a:off x="4503862" y="3106643"/>
             <a:ext cx="119711" cy="259045"/>
           </a:xfrm>
           <a:prstGeom prst="rect">
@@ -15532,7 +17994,7 @@
         </p:nvSpPr>
         <p:spPr>
           <a:xfrm>
-            <a:off x="5270649" y="4843292"/>
+            <a:off x="5270649" y="3106643"/>
             <a:ext cx="119711" cy="259045"/>
           </a:xfrm>
           <a:prstGeom prst="rect">
@@ -15589,7 +18051,7 @@
         </p:nvSpPr>
         <p:spPr>
           <a:xfrm>
-            <a:off x="3058252" y="5193618"/>
+            <a:off x="3058252" y="3456969"/>
             <a:ext cx="775624" cy="221144"/>
           </a:xfrm>
           <a:prstGeom prst="curvedDownArrow">
@@ -15637,7 +18099,7 @@
         </p:nvSpPr>
         <p:spPr>
           <a:xfrm>
-            <a:off x="2883607" y="5870344"/>
+            <a:off x="2883607" y="4133695"/>
             <a:ext cx="284052" cy="307777"/>
           </a:xfrm>
           <a:prstGeom prst="rect">
@@ -15693,7 +18155,7 @@
         </p:nvSpPr>
         <p:spPr>
           <a:xfrm>
-            <a:off x="3299802" y="5860259"/>
+            <a:off x="3299802" y="4123610"/>
             <a:ext cx="875561" cy="338554"/>
           </a:xfrm>
           <a:prstGeom prst="rect">
@@ -15749,7 +18211,7 @@
         </p:nvSpPr>
         <p:spPr>
           <a:xfrm>
-            <a:off x="3519339" y="5851651"/>
+            <a:off x="3519339" y="4115002"/>
             <a:ext cx="470000" cy="338554"/>
           </a:xfrm>
           <a:prstGeom prst="rect">
@@ -15802,7 +18264,7 @@
           <p:nvPr/>
         </p:nvGraphicFramePr>
         <p:xfrm>
-          <a:off x="334036" y="2545807"/>
+          <a:off x="298283" y="5343478"/>
           <a:ext cx="5334347" cy="885672"/>
         </p:xfrm>
         <a:graphic>
@@ -16230,7 +18692,7 @@
         </p:nvSpPr>
         <p:spPr>
           <a:xfrm>
-            <a:off x="2822736" y="2654364"/>
+            <a:off x="2786983" y="5452035"/>
             <a:ext cx="412292" cy="338554"/>
           </a:xfrm>
           <a:prstGeom prst="rect">
@@ -16276,7 +18738,7 @@
         </p:nvSpPr>
         <p:spPr>
           <a:xfrm>
-            <a:off x="652558" y="3437156"/>
+            <a:off x="616805" y="6234827"/>
             <a:ext cx="119711" cy="259045"/>
           </a:xfrm>
           <a:prstGeom prst="rect">
@@ -16333,7 +18795,7 @@
         </p:nvSpPr>
         <p:spPr>
           <a:xfrm>
-            <a:off x="1419347" y="3437156"/>
+            <a:off x="1383594" y="6234827"/>
             <a:ext cx="119711" cy="259045"/>
           </a:xfrm>
           <a:prstGeom prst="rect">
@@ -16390,7 +18852,7 @@
         </p:nvSpPr>
         <p:spPr>
           <a:xfrm>
-            <a:off x="2186136" y="3437156"/>
+            <a:off x="2150383" y="6234827"/>
             <a:ext cx="119711" cy="259045"/>
           </a:xfrm>
           <a:prstGeom prst="rect">
@@ -16447,7 +18909,7 @@
         </p:nvSpPr>
         <p:spPr>
           <a:xfrm>
-            <a:off x="2952925" y="3437156"/>
+            <a:off x="2917172" y="6234827"/>
             <a:ext cx="119711" cy="259045"/>
           </a:xfrm>
           <a:prstGeom prst="rect">
@@ -16504,7 +18966,7 @@
         </p:nvSpPr>
         <p:spPr>
           <a:xfrm>
-            <a:off x="3719714" y="3437156"/>
+            <a:off x="3683961" y="6234827"/>
             <a:ext cx="119711" cy="259045"/>
           </a:xfrm>
           <a:prstGeom prst="rect">
@@ -16561,7 +19023,7 @@
         </p:nvSpPr>
         <p:spPr>
           <a:xfrm>
-            <a:off x="4486503" y="3437156"/>
+            <a:off x="4450750" y="6234827"/>
             <a:ext cx="119711" cy="259045"/>
           </a:xfrm>
           <a:prstGeom prst="rect">
@@ -16618,7 +19080,7 @@
         </p:nvSpPr>
         <p:spPr>
           <a:xfrm>
-            <a:off x="5253290" y="3437156"/>
+            <a:off x="5217537" y="6234827"/>
             <a:ext cx="119711" cy="259045"/>
           </a:xfrm>
           <a:prstGeom prst="rect">
@@ -16675,7 +19137,7 @@
         </p:nvSpPr>
         <p:spPr>
           <a:xfrm>
-            <a:off x="2688799" y="2250410"/>
+            <a:off x="2653046" y="5048081"/>
             <a:ext cx="2442994" cy="295397"/>
           </a:xfrm>
           <a:prstGeom prst="curvedDownArrow">
@@ -16723,7 +19185,7 @@
         </p:nvSpPr>
         <p:spPr>
           <a:xfrm>
-            <a:off x="2876961" y="2978409"/>
+            <a:off x="2841208" y="5776080"/>
             <a:ext cx="284052" cy="338554"/>
           </a:xfrm>
           <a:prstGeom prst="rect">
@@ -16779,7 +19241,7 @@
         </p:nvSpPr>
         <p:spPr>
           <a:xfrm>
-            <a:off x="4845986" y="2599558"/>
+            <a:off x="4810233" y="5397229"/>
             <a:ext cx="875561" cy="830997"/>
           </a:xfrm>
           <a:prstGeom prst="rect">
@@ -16873,7 +19335,7 @@
         </p:nvSpPr>
         <p:spPr>
           <a:xfrm>
-            <a:off x="5072348" y="2974525"/>
+            <a:off x="5036595" y="5772196"/>
             <a:ext cx="470000" cy="338554"/>
           </a:xfrm>
           <a:prstGeom prst="rect">
@@ -16925,7 +19387,7 @@
         </p:nvSpPr>
         <p:spPr>
           <a:xfrm>
-            <a:off x="3605099" y="2654364"/>
+            <a:off x="3569346" y="5452035"/>
             <a:ext cx="298480" cy="338554"/>
           </a:xfrm>
           <a:prstGeom prst="rect">
@@ -16971,7 +19433,7 @@
         </p:nvSpPr>
         <p:spPr>
           <a:xfrm>
-            <a:off x="4321575" y="2654364"/>
+            <a:off x="4285822" y="5452035"/>
             <a:ext cx="412292" cy="338554"/>
           </a:xfrm>
           <a:prstGeom prst="rect">
@@ -17017,7 +19479,7 @@
         </p:nvSpPr>
         <p:spPr>
           <a:xfrm>
-            <a:off x="3745438" y="2241902"/>
+            <a:off x="3709685" y="5039573"/>
             <a:ext cx="1518768" cy="295397"/>
           </a:xfrm>
           <a:prstGeom prst="curvedDownArrow">
@@ -17065,7 +19527,7 @@
         </p:nvSpPr>
         <p:spPr>
           <a:xfrm>
-            <a:off x="4613618" y="2241902"/>
+            <a:off x="4577865" y="5039573"/>
             <a:ext cx="759383" cy="295397"/>
           </a:xfrm>
           <a:prstGeom prst="curvedDownArrow">
@@ -17113,7 +19575,7 @@
         </p:nvSpPr>
         <p:spPr>
           <a:xfrm>
-            <a:off x="4406221" y="2974156"/>
+            <a:off x="4370468" y="5771827"/>
             <a:ext cx="284052" cy="338554"/>
           </a:xfrm>
           <a:prstGeom prst="rect">
@@ -17169,7 +19631,7 @@
         </p:nvSpPr>
         <p:spPr>
           <a:xfrm>
-            <a:off x="3646771" y="2974156"/>
+            <a:off x="3611018" y="5771827"/>
             <a:ext cx="284052" cy="338554"/>
           </a:xfrm>
           <a:prstGeom prst="rect">
@@ -17276,7 +19738,7 @@
         </p:nvSpPr>
         <p:spPr>
           <a:xfrm>
-            <a:off x="1258637" y="2976408"/>
+            <a:off x="1222884" y="5774079"/>
             <a:ext cx="470000" cy="338554"/>
           </a:xfrm>
           <a:prstGeom prst="rect">
@@ -17332,7 +19794,7 @@
         </p:nvSpPr>
         <p:spPr>
           <a:xfrm>
-            <a:off x="2022586" y="2976408"/>
+            <a:off x="1986833" y="5774079"/>
             <a:ext cx="470000" cy="338554"/>
           </a:xfrm>
           <a:prstGeom prst="rect">
@@ -17388,7 +19850,7 @@
         </p:nvSpPr>
         <p:spPr>
           <a:xfrm>
-            <a:off x="2786535" y="2976408"/>
+            <a:off x="2750782" y="5774079"/>
             <a:ext cx="470000" cy="338554"/>
           </a:xfrm>
           <a:prstGeom prst="rect">
@@ -17444,7 +19906,7 @@
         </p:nvSpPr>
         <p:spPr>
           <a:xfrm>
-            <a:off x="3550484" y="2976408"/>
+            <a:off x="3514731" y="5774079"/>
             <a:ext cx="470000" cy="338554"/>
           </a:xfrm>
           <a:prstGeom prst="rect">
@@ -17500,7 +19962,7 @@
         </p:nvSpPr>
         <p:spPr>
           <a:xfrm>
-            <a:off x="4314433" y="2976408"/>
+            <a:off x="4278680" y="5774079"/>
             <a:ext cx="470000" cy="338554"/>
           </a:xfrm>
           <a:prstGeom prst="rect">
@@ -17556,7 +20018,7 @@
         </p:nvSpPr>
         <p:spPr>
           <a:xfrm>
-            <a:off x="494688" y="2976408"/>
+            <a:off x="458935" y="5774079"/>
             <a:ext cx="470000" cy="338554"/>
           </a:xfrm>
           <a:prstGeom prst="rect">
@@ -17612,7 +20074,7 @@
         </p:nvSpPr>
         <p:spPr>
           <a:xfrm>
-            <a:off x="5078382" y="2976408"/>
+            <a:off x="5042629" y="5774079"/>
             <a:ext cx="470000" cy="338554"/>
           </a:xfrm>
           <a:prstGeom prst="rect">
@@ -17668,7 +20130,7 @@
         </p:nvSpPr>
         <p:spPr>
           <a:xfrm>
-            <a:off x="1258637" y="5851651"/>
+            <a:off x="1258637" y="4115002"/>
             <a:ext cx="470000" cy="338554"/>
           </a:xfrm>
           <a:prstGeom prst="rect">
@@ -17724,7 +20186,7 @@
         </p:nvSpPr>
         <p:spPr>
           <a:xfrm>
-            <a:off x="2022586" y="5851651"/>
+            <a:off x="2022586" y="4115002"/>
             <a:ext cx="470000" cy="338554"/>
           </a:xfrm>
           <a:prstGeom prst="rect">
@@ -17780,7 +20242,7 @@
         </p:nvSpPr>
         <p:spPr>
           <a:xfrm>
-            <a:off x="2786535" y="5851651"/>
+            <a:off x="2786535" y="4115002"/>
             <a:ext cx="470000" cy="338554"/>
           </a:xfrm>
           <a:prstGeom prst="rect">
@@ -17836,7 +20298,7 @@
         </p:nvSpPr>
         <p:spPr>
           <a:xfrm>
-            <a:off x="3550484" y="5851651"/>
+            <a:off x="3550484" y="4115002"/>
             <a:ext cx="470000" cy="338554"/>
           </a:xfrm>
           <a:prstGeom prst="rect">
@@ -17892,7 +20354,7 @@
         </p:nvSpPr>
         <p:spPr>
           <a:xfrm>
-            <a:off x="4314433" y="5851651"/>
+            <a:off x="4314433" y="4115002"/>
             <a:ext cx="470000" cy="338554"/>
           </a:xfrm>
           <a:prstGeom prst="rect">
@@ -17948,7 +20410,7 @@
         </p:nvSpPr>
         <p:spPr>
           <a:xfrm>
-            <a:off x="494688" y="5851651"/>
+            <a:off x="494688" y="4115002"/>
             <a:ext cx="470000" cy="338554"/>
           </a:xfrm>
           <a:prstGeom prst="rect">
@@ -18004,7 +20466,7 @@
         </p:nvSpPr>
         <p:spPr>
           <a:xfrm>
-            <a:off x="5078382" y="5851651"/>
+            <a:off x="5078382" y="4115002"/>
             <a:ext cx="470000" cy="338554"/>
           </a:xfrm>
           <a:prstGeom prst="rect">
@@ -18060,7 +20522,7 @@
         </p:nvSpPr>
         <p:spPr>
           <a:xfrm>
-            <a:off x="4836133" y="2517276"/>
+            <a:off x="4800380" y="5314947"/>
             <a:ext cx="901361" cy="919879"/>
           </a:xfrm>
           <a:prstGeom prst="rect">
@@ -18111,7 +20573,7 @@
         </p:nvSpPr>
         <p:spPr>
           <a:xfrm>
-            <a:off x="2607988" y="2519058"/>
+            <a:off x="2572235" y="5316729"/>
             <a:ext cx="2212198" cy="919879"/>
           </a:xfrm>
           <a:prstGeom prst="rect">
@@ -18343,10 +20805,40 @@
           </a:p>
         </p:txBody>
       </p:sp>
+      <p:sp>
+        <p:nvSpPr>
+          <p:cNvPr id="4" name="Content Placeholder 2">
+            <a:extLst>
+              <a:ext uri="{FF2B5EF4-FFF2-40B4-BE49-F238E27FC236}">
+                <a16:creationId xmlns:a16="http://schemas.microsoft.com/office/drawing/2014/main" id="{17824AAF-DA3E-9677-3E6F-2FC58FD04CCD}"/>
+              </a:ext>
+            </a:extLst>
+          </p:cNvPr>
+          <p:cNvSpPr>
+            <a:spLocks noGrp="1"/>
+          </p:cNvSpPr>
+          <p:nvPr>
+            <p:ph idx="1"/>
+          </p:nvPr>
+        </p:nvSpPr>
+        <p:spPr>
+          <a:xfrm>
+            <a:off x="5930690" y="3827289"/>
+            <a:ext cx="3110050" cy="2693614"/>
+          </a:xfrm>
+        </p:spPr>
+        <p:txBody>
+          <a:bodyPr/>
+          <a:lstStyle/>
+          <a:p>
+            <a:endParaRPr lang="en-SE" dirty="0"/>
+          </a:p>
+        </p:txBody>
+      </p:sp>
     </p:spTree>
     <p:extLst>
       <p:ext uri="{BB962C8B-B14F-4D97-AF65-F5344CB8AC3E}">
-        <p14:creationId xmlns:p14="http://schemas.microsoft.com/office/powerpoint/2010/main" val="99656284"/>
+        <p14:creationId xmlns:p14="http://schemas.microsoft.com/office/powerpoint/2010/main" val="664490864"/>
       </p:ext>
     </p:extLst>
   </p:cSld>
@@ -21982,7 +24474,7 @@
 </p:sld>
 </file>
 
-<file path=ppt/slides/slide33.xml><?xml version="1.0" encoding="utf-8"?>
+<file path=ppt/slides/slide36.xml><?xml version="1.0" encoding="utf-8"?>
 <p:sld xmlns:a="http://schemas.openxmlformats.org/drawingml/2006/main" xmlns:r="http://schemas.openxmlformats.org/officeDocument/2006/relationships" xmlns:p="http://schemas.openxmlformats.org/presentationml/2006/main">
   <p:cSld>
     <p:spTree>
@@ -22004,7 +24496,7 @@
           <p:cNvPr id="2" name="Title 1">
             <a:extLst>
               <a:ext uri="{FF2B5EF4-FFF2-40B4-BE49-F238E27FC236}">
-                <a16:creationId xmlns:a16="http://schemas.microsoft.com/office/drawing/2014/main" id="{C290F69D-0FE8-4DE7-335F-C35D2FA37D1D}"/>
+                <a16:creationId xmlns:a16="http://schemas.microsoft.com/office/drawing/2014/main" id="{18C2DD7E-4207-46BD-613C-65C6BBFCA2D9}"/>
               </a:ext>
             </a:extLst>
           </p:cNvPr>
@@ -22017,12 +24509,38 @@
         </p:nvSpPr>
         <p:spPr/>
         <p:txBody>
-          <a:bodyPr/>
+          <a:bodyPr>
+            <a:normAutofit fontScale="90000"/>
+          </a:bodyPr>
           <a:lstStyle/>
           <a:p>
             <a:r>
-              <a:rPr lang="en-GB" dirty="0"/>
-              <a:t>Question 36</a:t>
+              <a:rPr lang="en-US" altLang="zh-CN" dirty="0"/>
+              <a:t>Linear</a:t>
+            </a:r>
+            <a:r>
+              <a:rPr lang="zh-CN" altLang="en-US" dirty="0"/>
+              <a:t> </a:t>
+            </a:r>
+            <a:r>
+              <a:rPr lang="en-US" altLang="zh-CN" dirty="0"/>
+              <a:t>Probing:</a:t>
+            </a:r>
+            <a:r>
+              <a:rPr lang="zh-CN" altLang="en-US" dirty="0"/>
+              <a:t> </a:t>
+            </a:r>
+            <a:r>
+              <a:rPr lang="en-US" altLang="zh-CN" dirty="0"/>
+              <a:t>Primary</a:t>
+            </a:r>
+            <a:r>
+              <a:rPr lang="zh-CN" altLang="en-US" dirty="0"/>
+              <a:t> </a:t>
+            </a:r>
+            <a:r>
+              <a:rPr lang="en-US" altLang="zh-CN" dirty="0"/>
+              <a:t>Clustering Explanations</a:t>
             </a:r>
             <a:endParaRPr lang="en-SE" dirty="0"/>
           </a:p>
@@ -22033,7 +24551,7 @@
           <p:cNvPr id="3" name="Content Placeholder 2">
             <a:extLst>
               <a:ext uri="{FF2B5EF4-FFF2-40B4-BE49-F238E27FC236}">
-                <a16:creationId xmlns:a16="http://schemas.microsoft.com/office/drawing/2014/main" id="{86987AB5-687F-8B43-4FF5-23BE1E094D7E}"/>
+                <a16:creationId xmlns:a16="http://schemas.microsoft.com/office/drawing/2014/main" id="{63FA2C44-E3A8-5FDE-2919-8EDE109518A3}"/>
               </a:ext>
             </a:extLst>
           </p:cNvPr>
@@ -22046,45 +24564,72 @@
         </p:nvSpPr>
         <p:spPr>
           <a:xfrm>
-            <a:off x="457200" y="1417638"/>
-            <a:ext cx="7591663" cy="4525963"/>
+            <a:off x="294967" y="1600200"/>
+            <a:ext cx="4340803" cy="4824046"/>
           </a:xfrm>
         </p:spPr>
         <p:txBody>
-          <a:bodyPr/>
+          <a:bodyPr>
+            <a:normAutofit/>
+          </a:bodyPr>
           <a:lstStyle/>
           <a:p>
             <a:r>
-              <a:rPr lang="en-GB" b="0" i="0" dirty="0">
-                <a:solidFill>
-                  <a:srgbClr val="2D3B45"/>
-                </a:solidFill>
-                <a:effectLst/>
-                <a:latin typeface="Lato Extended"/>
-              </a:rPr>
-              <a:t>Hashing: The keys 12, 18, 13, 2, 3, 23, 5 and 15 are inserted into an initially empty hash table of length 10 using open addressing with hash function h(k) = k mod 10 and linear probing. What is the resultant hash table?</a:t>
-            </a:r>
-          </a:p>
-          <a:p>
-            <a:r>
-              <a:rPr lang="en-GB" dirty="0">
-                <a:solidFill>
-                  <a:srgbClr val="2D3B45"/>
-                </a:solidFill>
-                <a:latin typeface="Lato Extended"/>
-              </a:rPr>
-              <a:t>ANS: See notes for details</a:t>
+              <a:rPr lang="en-GB" dirty="0"/>
+              <a:t>Case 1: Probability of placing into position 4 = prob(hashing into 3) + prob(hashing into 4) = 1/7+1/7 = 2/7</a:t>
+            </a:r>
+          </a:p>
+          <a:p>
+            <a:endParaRPr lang="en-SE" dirty="0"/>
+          </a:p>
+          <a:p>
+            <a:endParaRPr lang="en-GB" dirty="0"/>
+          </a:p>
+          <a:p>
+            <a:r>
+              <a:rPr lang="en-GB" dirty="0"/>
+              <a:t>Case 2: Probability of placing into position 6 = prob(hashing into 3) + prob(hashing into 4) + prob(hashing into 5) + prob(hashing into 6) = 1/7+1/7+1/7+1/7=4/7</a:t>
             </a:r>
             <a:endParaRPr lang="en-SE" dirty="0"/>
           </a:p>
         </p:txBody>
       </p:sp>
+      <p:pic>
+        <p:nvPicPr>
+          <p:cNvPr id="5" name="Picture 4">
+            <a:extLst>
+              <a:ext uri="{FF2B5EF4-FFF2-40B4-BE49-F238E27FC236}">
+                <a16:creationId xmlns:a16="http://schemas.microsoft.com/office/drawing/2014/main" id="{AA3DDD6B-BA58-3AA0-F437-CC7F916FC0FC}"/>
+              </a:ext>
+            </a:extLst>
+          </p:cNvPr>
+          <p:cNvPicPr>
+            <a:picLocks noChangeAspect="1"/>
+          </p:cNvPicPr>
+          <p:nvPr/>
+        </p:nvPicPr>
+        <p:blipFill>
+          <a:blip r:embed="rId2"/>
+          <a:stretch>
+            <a:fillRect/>
+          </a:stretch>
+        </p:blipFill>
+        <p:spPr>
+          <a:xfrm>
+            <a:off x="4670463" y="4280205"/>
+            <a:ext cx="4178570" cy="1955190"/>
+          </a:xfrm>
+          <a:prstGeom prst="rect">
+            <a:avLst/>
+          </a:prstGeom>
+        </p:spPr>
+      </p:pic>
       <p:pic>
         <p:nvPicPr>
           <p:cNvPr id="7" name="Picture 6">
             <a:extLst>
               <a:ext uri="{FF2B5EF4-FFF2-40B4-BE49-F238E27FC236}">
-                <a16:creationId xmlns:a16="http://schemas.microsoft.com/office/drawing/2014/main" id="{745888BF-FD52-2FAD-3E4D-BCC4B0B7919C}"/>
+                <a16:creationId xmlns:a16="http://schemas.microsoft.com/office/drawing/2014/main" id="{BA9D174A-0B96-9FF7-059F-2E322E498087}"/>
               </a:ext>
             </a:extLst>
           </p:cNvPr>
@@ -22101,18 +24646,141 @@
         </p:blipFill>
         <p:spPr>
           <a:xfrm>
-            <a:off x="5053511" y="3015243"/>
-            <a:ext cx="1592218" cy="3842757"/>
+            <a:off x="5709536" y="1358671"/>
+            <a:ext cx="2257740" cy="2057687"/>
           </a:xfrm>
           <a:prstGeom prst="rect">
             <a:avLst/>
           </a:prstGeom>
         </p:spPr>
       </p:pic>
+      <p:sp>
+        <p:nvSpPr>
+          <p:cNvPr id="9" name="TextBox 8">
+            <a:extLst>
+              <a:ext uri="{FF2B5EF4-FFF2-40B4-BE49-F238E27FC236}">
+                <a16:creationId xmlns:a16="http://schemas.microsoft.com/office/drawing/2014/main" id="{917D77C5-C4F8-A284-795E-58C8FFB0C307}"/>
+              </a:ext>
+            </a:extLst>
+          </p:cNvPr>
+          <p:cNvSpPr txBox="1"/>
+          <p:nvPr/>
+        </p:nvSpPr>
+        <p:spPr>
+          <a:xfrm>
+            <a:off x="6381136" y="3416358"/>
+            <a:ext cx="1170038" cy="461665"/>
+          </a:xfrm>
+          <a:prstGeom prst="rect">
+            <a:avLst/>
+          </a:prstGeom>
+          <a:noFill/>
+        </p:spPr>
+        <p:txBody>
+          <a:bodyPr wrap="square">
+            <a:spAutoFit/>
+          </a:bodyPr>
+          <a:lstStyle/>
+          <a:p>
+            <a:r>
+              <a:rPr lang="en-GB" sz="2400" dirty="0"/>
+              <a:t>Case 1</a:t>
+            </a:r>
+            <a:endParaRPr lang="en-SE" sz="2400" dirty="0"/>
+          </a:p>
+        </p:txBody>
+      </p:sp>
+      <p:sp>
+        <p:nvSpPr>
+          <p:cNvPr id="10" name="TextBox 9">
+            <a:extLst>
+              <a:ext uri="{FF2B5EF4-FFF2-40B4-BE49-F238E27FC236}">
+                <a16:creationId xmlns:a16="http://schemas.microsoft.com/office/drawing/2014/main" id="{72E12567-9B7D-0B4F-6CCA-34066D1B1786}"/>
+              </a:ext>
+            </a:extLst>
+          </p:cNvPr>
+          <p:cNvSpPr txBox="1"/>
+          <p:nvPr/>
+        </p:nvSpPr>
+        <p:spPr>
+          <a:xfrm>
+            <a:off x="6381136" y="6175912"/>
+            <a:ext cx="1170038" cy="461665"/>
+          </a:xfrm>
+          <a:prstGeom prst="rect">
+            <a:avLst/>
+          </a:prstGeom>
+          <a:noFill/>
+        </p:spPr>
+        <p:txBody>
+          <a:bodyPr wrap="square">
+            <a:spAutoFit/>
+          </a:bodyPr>
+          <a:lstStyle/>
+          <a:p>
+            <a:r>
+              <a:rPr lang="en-GB" sz="2400" dirty="0"/>
+              <a:t>Case 2</a:t>
+            </a:r>
+            <a:endParaRPr lang="en-SE" sz="2400" dirty="0"/>
+          </a:p>
+        </p:txBody>
+      </p:sp>
+      <mc:AlternateContent xmlns:mc="http://schemas.openxmlformats.org/markup-compatibility/2006">
+        <mc:Choice xmlns:p14="http://schemas.microsoft.com/office/powerpoint/2010/main" Requires="p14">
+          <p:contentPart p14:bwMode="auto" r:id="rId4">
+            <p14:nvContentPartPr>
+              <p14:cNvPr id="4" name="Ink 3">
+                <a:extLst>
+                  <a:ext uri="{FF2B5EF4-FFF2-40B4-BE49-F238E27FC236}">
+                    <a16:creationId xmlns:a16="http://schemas.microsoft.com/office/drawing/2014/main" id="{6BEC0019-32F2-49E5-BA17-5C8EA7A8C17A}"/>
+                  </a:ext>
+                </a:extLst>
+              </p14:cNvPr>
+              <p14:cNvContentPartPr/>
+              <p14:nvPr/>
+            </p14:nvContentPartPr>
+            <p14:xfrm>
+              <a:off x="2759893" y="1726773"/>
+              <a:ext cx="360" cy="360"/>
+            </p14:xfrm>
+          </p:contentPart>
+        </mc:Choice>
+        <mc:Fallback>
+          <p:pic>
+            <p:nvPicPr>
+              <p:cNvPr id="4" name="Ink 3">
+                <a:extLst>
+                  <a:ext uri="{FF2B5EF4-FFF2-40B4-BE49-F238E27FC236}">
+                    <a16:creationId xmlns:a16="http://schemas.microsoft.com/office/drawing/2014/main" id="{6BEC0019-32F2-49E5-BA17-5C8EA7A8C17A}"/>
+                  </a:ext>
+                </a:extLst>
+              </p:cNvPr>
+              <p:cNvPicPr/>
+              <p:nvPr/>
+            </p:nvPicPr>
+            <p:blipFill>
+              <a:blip r:embed="rId5"/>
+              <a:stretch>
+                <a:fillRect/>
+              </a:stretch>
+            </p:blipFill>
+            <p:spPr>
+              <a:xfrm>
+                <a:off x="2750893" y="1717773"/>
+                <a:ext cx="18000" cy="18000"/>
+              </a:xfrm>
+              <a:prstGeom prst="rect">
+                <a:avLst/>
+              </a:prstGeom>
+            </p:spPr>
+          </p:pic>
+        </mc:Fallback>
+      </mc:AlternateContent>
     </p:spTree>
     <p:extLst>
       <p:ext uri="{BB962C8B-B14F-4D97-AF65-F5344CB8AC3E}">
-        <p14:creationId xmlns:p14="http://schemas.microsoft.com/office/powerpoint/2010/main" val="1213428407"/>
+        <p14:creationId xmlns:p14="http://schemas.microsoft.com/office/powerpoint/2010/main" val="2608172104"/>
       </p:ext>
     </p:extLst>
   </p:cSld>
@@ -22122,160 +24790,7 @@
 </p:sld>
 </file>
 
-<file path=ppt/slides/slide34.xml><?xml version="1.0" encoding="utf-8"?>
-<p:sld xmlns:a="http://schemas.openxmlformats.org/drawingml/2006/main" xmlns:r="http://schemas.openxmlformats.org/officeDocument/2006/relationships" xmlns:p="http://schemas.openxmlformats.org/presentationml/2006/main">
-  <p:cSld>
-    <p:spTree>
-      <p:nvGrpSpPr>
-        <p:cNvPr id="1" name=""/>
-        <p:cNvGrpSpPr/>
-        <p:nvPr/>
-      </p:nvGrpSpPr>
-      <p:grpSpPr>
-        <a:xfrm>
-          <a:off x="0" y="0"/>
-          <a:ext cx="0" cy="0"/>
-          <a:chOff x="0" y="0"/>
-          <a:chExt cx="0" cy="0"/>
-        </a:xfrm>
-      </p:grpSpPr>
-      <p:sp>
-        <p:nvSpPr>
-          <p:cNvPr id="2" name="Title 1">
-            <a:extLst>
-              <a:ext uri="{FF2B5EF4-FFF2-40B4-BE49-F238E27FC236}">
-                <a16:creationId xmlns:a16="http://schemas.microsoft.com/office/drawing/2014/main" id="{18E90732-7976-19CE-E900-7084003828D5}"/>
-              </a:ext>
-            </a:extLst>
-          </p:cNvPr>
-          <p:cNvSpPr>
-            <a:spLocks noGrp="1"/>
-          </p:cNvSpPr>
-          <p:nvPr>
-            <p:ph type="title"/>
-          </p:nvPr>
-        </p:nvSpPr>
-        <p:spPr/>
-        <p:txBody>
-          <a:bodyPr/>
-          <a:lstStyle/>
-          <a:p>
-            <a:r>
-              <a:rPr lang="en-GB" dirty="0"/>
-              <a:t>Question 37</a:t>
-            </a:r>
-            <a:endParaRPr lang="en-SE" dirty="0"/>
-          </a:p>
-        </p:txBody>
-      </p:sp>
-      <p:sp>
-        <p:nvSpPr>
-          <p:cNvPr id="3" name="Content Placeholder 2">
-            <a:extLst>
-              <a:ext uri="{FF2B5EF4-FFF2-40B4-BE49-F238E27FC236}">
-                <a16:creationId xmlns:a16="http://schemas.microsoft.com/office/drawing/2014/main" id="{821C68B6-1505-A786-2206-547C44325DA5}"/>
-              </a:ext>
-            </a:extLst>
-          </p:cNvPr>
-          <p:cNvSpPr>
-            <a:spLocks noGrp="1"/>
-          </p:cNvSpPr>
-          <p:nvPr>
-            <p:ph idx="1"/>
-          </p:nvPr>
-        </p:nvSpPr>
-        <p:spPr>
-          <a:xfrm>
-            <a:off x="457200" y="1600200"/>
-            <a:ext cx="6694714" cy="4525963"/>
-          </a:xfrm>
-        </p:spPr>
-        <p:txBody>
-          <a:bodyPr/>
-          <a:lstStyle/>
-          <a:p>
-            <a:r>
-              <a:rPr lang="en-GB" dirty="0"/>
-              <a:t>Hashing: A hash table of length 10 uses open addressing with hash function h(k)=k mod 10, and linear probing. After inserting 6 values into an empty hash table, the table is as shown below. </a:t>
-            </a:r>
-          </a:p>
-          <a:p>
-            <a:r>
-              <a:rPr lang="en-GB" dirty="0"/>
-              <a:t>Which one of the following choices gives a possible order in which the key values could have been inserted in the table?</a:t>
-            </a:r>
-          </a:p>
-          <a:p>
-            <a:r>
-              <a:rPr lang="en-GB" dirty="0"/>
-              <a:t>ANS: 46, 34, 42, 23, 52, 33</a:t>
-            </a:r>
-          </a:p>
-          <a:p>
-            <a:r>
-              <a:rPr lang="en-GB" dirty="0"/>
-              <a:t>46, 34, 42, 23: no collision</a:t>
-            </a:r>
-          </a:p>
-          <a:p>
-            <a:r>
-              <a:rPr lang="en-GB" dirty="0"/>
-              <a:t>52: collision, placed in 5</a:t>
-            </a:r>
-          </a:p>
-          <a:p>
-            <a:r>
-              <a:rPr lang="en-GB" dirty="0"/>
-              <a:t>33: collision, placed in 7</a:t>
-            </a:r>
-            <a:endParaRPr lang="en-SE" dirty="0"/>
-          </a:p>
-        </p:txBody>
-      </p:sp>
-      <p:pic>
-        <p:nvPicPr>
-          <p:cNvPr id="7" name="Picture 6">
-            <a:extLst>
-              <a:ext uri="{FF2B5EF4-FFF2-40B4-BE49-F238E27FC236}">
-                <a16:creationId xmlns:a16="http://schemas.microsoft.com/office/drawing/2014/main" id="{73502D89-DB75-E8D5-4997-57DA923B371F}"/>
-              </a:ext>
-            </a:extLst>
-          </p:cNvPr>
-          <p:cNvPicPr>
-            <a:picLocks noChangeAspect="1"/>
-          </p:cNvPicPr>
-          <p:nvPr/>
-        </p:nvPicPr>
-        <p:blipFill>
-          <a:blip r:embed="rId2"/>
-          <a:stretch>
-            <a:fillRect/>
-          </a:stretch>
-        </p:blipFill>
-        <p:spPr>
-          <a:xfrm>
-            <a:off x="6874329" y="1600199"/>
-            <a:ext cx="2269671" cy="3905945"/>
-          </a:xfrm>
-          <a:prstGeom prst="rect">
-            <a:avLst/>
-          </a:prstGeom>
-        </p:spPr>
-      </p:pic>
-    </p:spTree>
-    <p:extLst>
-      <p:ext uri="{BB962C8B-B14F-4D97-AF65-F5344CB8AC3E}">
-        <p14:creationId xmlns:p14="http://schemas.microsoft.com/office/powerpoint/2010/main" val="3050566866"/>
-      </p:ext>
-    </p:extLst>
-  </p:cSld>
-  <p:clrMapOvr>
-    <a:masterClrMapping/>
-  </p:clrMapOvr>
-</p:sld>
-</file>
-
-<file path=ppt/slides/slide35.xml><?xml version="1.0" encoding="utf-8"?>
+<file path=ppt/slides/slide37.xml><?xml version="1.0" encoding="utf-8"?>
 <p:sld xmlns:a="http://schemas.openxmlformats.org/drawingml/2006/main" xmlns:r="http://schemas.openxmlformats.org/officeDocument/2006/relationships" xmlns:p="http://schemas.openxmlformats.org/presentationml/2006/main">
   <p:cSld>
     <p:spTree>
@@ -22545,7 +25060,7 @@
         </p:nvSpPr>
         <p:spPr>
           <a:xfrm>
-            <a:off x="2615543" y="5273785"/>
+            <a:off x="2615543" y="5177533"/>
             <a:ext cx="892098" cy="461665"/>
           </a:xfrm>
           <a:prstGeom prst="rect">
@@ -22587,7 +25102,7 @@
         </p:nvSpPr>
         <p:spPr>
           <a:xfrm>
-            <a:off x="3413437" y="5273784"/>
+            <a:off x="3413437" y="5177532"/>
             <a:ext cx="892098" cy="461665"/>
           </a:xfrm>
           <a:prstGeom prst="rect">
@@ -22735,7 +25250,7 @@
         </p:nvSpPr>
         <p:spPr>
           <a:xfrm>
-            <a:off x="5682128" y="5273785"/>
+            <a:off x="5682128" y="5177533"/>
             <a:ext cx="892098" cy="461665"/>
           </a:xfrm>
           <a:prstGeom prst="rect">
@@ -22776,7 +25291,7 @@
 </p:sld>
 </file>
 
-<file path=ppt/slides/slide36.xml><?xml version="1.0" encoding="utf-8"?>
+<file path=ppt/slides/slide38.xml><?xml version="1.0" encoding="utf-8"?>
 <p:sld xmlns:a="http://schemas.openxmlformats.org/drawingml/2006/main" xmlns:r="http://schemas.openxmlformats.org/officeDocument/2006/relationships" xmlns:p="http://schemas.openxmlformats.org/presentationml/2006/main">
   <p:cSld>
     <p:spTree>
@@ -23008,7 +25523,7 @@
         </p:nvSpPr>
         <p:spPr>
           <a:xfrm>
-            <a:off x="3074283" y="2163123"/>
+            <a:off x="3074283" y="2082913"/>
             <a:ext cx="892098" cy="461665"/>
           </a:xfrm>
           <a:prstGeom prst="rect">
@@ -23050,7 +25565,7 @@
         </p:nvSpPr>
         <p:spPr>
           <a:xfrm>
-            <a:off x="3872177" y="2163122"/>
+            <a:off x="3872177" y="2082912"/>
             <a:ext cx="892098" cy="461665"/>
           </a:xfrm>
           <a:prstGeom prst="rect">
@@ -23198,7 +25713,7 @@
         </p:nvSpPr>
         <p:spPr>
           <a:xfrm>
-            <a:off x="6140868" y="2163123"/>
+            <a:off x="6140868" y="2082913"/>
             <a:ext cx="892098" cy="461665"/>
           </a:xfrm>
           <a:prstGeom prst="rect">
@@ -23239,7 +25754,7 @@
 </p:sld>
 </file>
 
-<file path=ppt/slides/slide37.xml><?xml version="1.0" encoding="utf-8"?>
+<file path=ppt/slides/slide39.xml><?xml version="1.0" encoding="utf-8"?>
 <p:sld xmlns:a="http://schemas.openxmlformats.org/drawingml/2006/main" xmlns:r="http://schemas.openxmlformats.org/officeDocument/2006/relationships" xmlns:p="http://schemas.openxmlformats.org/presentationml/2006/main">
   <p:cSld>
     <p:spTree>
@@ -25834,7 +28349,235 @@
 </p:sld>
 </file>
 
-<file path=ppt/slides/slide38.xml><?xml version="1.0" encoding="utf-8"?>
+<file path=ppt/slides/slide4.xml><?xml version="1.0" encoding="utf-8"?>
+<p:sld xmlns:a="http://schemas.openxmlformats.org/drawingml/2006/main" xmlns:r="http://schemas.openxmlformats.org/officeDocument/2006/relationships" xmlns:p="http://schemas.openxmlformats.org/presentationml/2006/main">
+  <p:cSld>
+    <p:spTree>
+      <p:nvGrpSpPr>
+        <p:cNvPr id="1" name=""/>
+        <p:cNvGrpSpPr/>
+        <p:nvPr/>
+      </p:nvGrpSpPr>
+      <p:grpSpPr>
+        <a:xfrm>
+          <a:off x="0" y="0"/>
+          <a:ext cx="0" cy="0"/>
+          <a:chOff x="0" y="0"/>
+          <a:chExt cx="0" cy="0"/>
+        </a:xfrm>
+      </p:grpSpPr>
+      <p:sp>
+        <p:nvSpPr>
+          <p:cNvPr id="2" name="Title 1">
+            <a:extLst>
+              <a:ext uri="{FF2B5EF4-FFF2-40B4-BE49-F238E27FC236}">
+                <a16:creationId xmlns:a16="http://schemas.microsoft.com/office/drawing/2014/main" id="{70DC8151-F1A7-F8C6-69D3-1F92D75131EE}"/>
+              </a:ext>
+            </a:extLst>
+          </p:cNvPr>
+          <p:cNvSpPr>
+            <a:spLocks noGrp="1"/>
+          </p:cNvSpPr>
+          <p:nvPr>
+            <p:ph type="title"/>
+          </p:nvPr>
+        </p:nvSpPr>
+        <p:spPr/>
+        <p:txBody>
+          <a:bodyPr/>
+          <a:lstStyle/>
+          <a:p>
+            <a:r>
+              <a:rPr lang="en-GB" dirty="0"/>
+              <a:t>Questions 7-9</a:t>
+            </a:r>
+            <a:endParaRPr lang="en-SE" dirty="0"/>
+          </a:p>
+        </p:txBody>
+      </p:sp>
+      <p:sp>
+        <p:nvSpPr>
+          <p:cNvPr id="3" name="Content Placeholder 2">
+            <a:extLst>
+              <a:ext uri="{FF2B5EF4-FFF2-40B4-BE49-F238E27FC236}">
+                <a16:creationId xmlns:a16="http://schemas.microsoft.com/office/drawing/2014/main" id="{822EBB1B-DB2E-2BC7-BF07-BB791A550311}"/>
+              </a:ext>
+            </a:extLst>
+          </p:cNvPr>
+          <p:cNvSpPr>
+            <a:spLocks noGrp="1"/>
+          </p:cNvSpPr>
+          <p:nvPr>
+            <p:ph idx="1"/>
+          </p:nvPr>
+        </p:nvSpPr>
+        <p:spPr/>
+        <p:txBody>
+          <a:bodyPr>
+            <a:normAutofit fontScale="70000" lnSpcReduction="20000"/>
+          </a:bodyPr>
+          <a:lstStyle/>
+          <a:p>
+            <a:r>
+              <a:rPr lang="en-GB" dirty="0"/>
+              <a:t>What is the primary motivation for using inheritance in object-oriented programming?</a:t>
+            </a:r>
+          </a:p>
+          <a:p>
+            <a:pPr lvl="1"/>
+            <a:r>
+              <a:rPr lang="en-GB" dirty="0"/>
+              <a:t>A) To create multiple instances of a class</a:t>
+            </a:r>
+          </a:p>
+          <a:p>
+            <a:pPr lvl="1"/>
+            <a:r>
+              <a:rPr lang="en-GB" dirty="0"/>
+              <a:t>B) To keep common </a:t>
+            </a:r>
+            <a:r>
+              <a:rPr lang="en-GB" dirty="0" err="1"/>
+              <a:t>behavior</a:t>
+            </a:r>
+            <a:r>
+              <a:rPr lang="en-GB" dirty="0"/>
+              <a:t> in one class and split different </a:t>
+            </a:r>
+            <a:r>
+              <a:rPr lang="en-GB" dirty="0" err="1"/>
+              <a:t>behavior</a:t>
+            </a:r>
+            <a:r>
+              <a:rPr lang="en-GB" dirty="0"/>
+              <a:t> into separate classes</a:t>
+            </a:r>
+          </a:p>
+          <a:p>
+            <a:pPr lvl="1"/>
+            <a:r>
+              <a:rPr lang="en-GB" dirty="0"/>
+              <a:t>C) To override all methods in a superclass</a:t>
+            </a:r>
+          </a:p>
+          <a:p>
+            <a:pPr lvl="1"/>
+            <a:r>
+              <a:rPr lang="en-GB" dirty="0"/>
+              <a:t>D) To create private variables</a:t>
+            </a:r>
+          </a:p>
+          <a:p>
+            <a:pPr lvl="1"/>
+            <a:r>
+              <a:rPr lang="en-GB" dirty="0"/>
+              <a:t>Answer: B</a:t>
+            </a:r>
+          </a:p>
+          <a:p>
+            <a:r>
+              <a:rPr lang="en-GB" dirty="0"/>
+              <a:t>What is the correct order of object construction in inheritance?</a:t>
+            </a:r>
+          </a:p>
+          <a:p>
+            <a:pPr lvl="1"/>
+            <a:r>
+              <a:rPr lang="en-GB" dirty="0"/>
+              <a:t>A) Subclass to superclass</a:t>
+            </a:r>
+          </a:p>
+          <a:p>
+            <a:pPr lvl="1"/>
+            <a:r>
+              <a:rPr lang="en-GB" dirty="0"/>
+              <a:t>B) Superclass to subclass</a:t>
+            </a:r>
+          </a:p>
+          <a:p>
+            <a:pPr lvl="1"/>
+            <a:r>
+              <a:rPr lang="en-GB" dirty="0"/>
+              <a:t>C) Random order</a:t>
+            </a:r>
+          </a:p>
+          <a:p>
+            <a:pPr lvl="1"/>
+            <a:r>
+              <a:rPr lang="en-GB" dirty="0"/>
+              <a:t>D) Depends on the programmer's choice</a:t>
+            </a:r>
+          </a:p>
+          <a:p>
+            <a:pPr lvl="1"/>
+            <a:r>
+              <a:rPr lang="en-GB" dirty="0"/>
+              <a:t>Answer: B</a:t>
+            </a:r>
+          </a:p>
+          <a:p>
+            <a:r>
+              <a:rPr lang="en-GB" dirty="0"/>
+              <a:t>Which of the following is true about the 'super()' call in a constructor?</a:t>
+            </a:r>
+          </a:p>
+          <a:p>
+            <a:pPr lvl="1"/>
+            <a:r>
+              <a:rPr lang="en-GB" dirty="0"/>
+              <a:t>A) It must be the last line in the constructor</a:t>
+            </a:r>
+          </a:p>
+          <a:p>
+            <a:pPr lvl="1"/>
+            <a:r>
+              <a:rPr lang="en-GB" dirty="0"/>
+              <a:t>B) It must be the first line in the constructor</a:t>
+            </a:r>
+          </a:p>
+          <a:p>
+            <a:pPr lvl="1"/>
+            <a:r>
+              <a:rPr lang="en-GB" dirty="0"/>
+              <a:t>C) It can be placed anywhere in the constructor</a:t>
+            </a:r>
+          </a:p>
+          <a:p>
+            <a:pPr lvl="1"/>
+            <a:r>
+              <a:rPr lang="en-GB" dirty="0"/>
+              <a:t>D) It is optional in all cases</a:t>
+            </a:r>
+          </a:p>
+          <a:p>
+            <a:pPr lvl="1"/>
+            <a:r>
+              <a:rPr lang="en-GB" dirty="0"/>
+              <a:t>Answer: B</a:t>
+            </a:r>
+          </a:p>
+          <a:p>
+            <a:endParaRPr lang="en-GB" dirty="0"/>
+          </a:p>
+          <a:p>
+            <a:endParaRPr lang="en-SE" dirty="0"/>
+          </a:p>
+        </p:txBody>
+      </p:sp>
+    </p:spTree>
+    <p:extLst>
+      <p:ext uri="{BB962C8B-B14F-4D97-AF65-F5344CB8AC3E}">
+        <p14:creationId xmlns:p14="http://schemas.microsoft.com/office/powerpoint/2010/main" val="3110039772"/>
+      </p:ext>
+    </p:extLst>
+  </p:cSld>
+  <p:clrMapOvr>
+    <a:masterClrMapping/>
+  </p:clrMapOvr>
+</p:sld>
+</file>
+
+<file path=ppt/slides/slide40.xml><?xml version="1.0" encoding="utf-8"?>
 <p:sld xmlns:a="http://schemas.openxmlformats.org/drawingml/2006/main" xmlns:r="http://schemas.openxmlformats.org/officeDocument/2006/relationships" xmlns:p="http://schemas.openxmlformats.org/presentationml/2006/main">
   <p:cSld>
     <p:spTree>
@@ -31896,7 +34639,7 @@
 </p:sld>
 </file>
 
-<file path=ppt/slides/slide39.xml><?xml version="1.0" encoding="utf-8"?>
+<file path=ppt/slides/slide41.xml><?xml version="1.0" encoding="utf-8"?>
 <p:sld xmlns:a="http://schemas.openxmlformats.org/drawingml/2006/main" xmlns:r="http://schemas.openxmlformats.org/officeDocument/2006/relationships" xmlns:p="http://schemas.openxmlformats.org/presentationml/2006/main">
   <p:cSld>
     <p:spTree>
@@ -32014,235 +34757,7 @@
 </p:sld>
 </file>
 
-<file path=ppt/slides/slide4.xml><?xml version="1.0" encoding="utf-8"?>
-<p:sld xmlns:a="http://schemas.openxmlformats.org/drawingml/2006/main" xmlns:r="http://schemas.openxmlformats.org/officeDocument/2006/relationships" xmlns:p="http://schemas.openxmlformats.org/presentationml/2006/main">
-  <p:cSld>
-    <p:spTree>
-      <p:nvGrpSpPr>
-        <p:cNvPr id="1" name=""/>
-        <p:cNvGrpSpPr/>
-        <p:nvPr/>
-      </p:nvGrpSpPr>
-      <p:grpSpPr>
-        <a:xfrm>
-          <a:off x="0" y="0"/>
-          <a:ext cx="0" cy="0"/>
-          <a:chOff x="0" y="0"/>
-          <a:chExt cx="0" cy="0"/>
-        </a:xfrm>
-      </p:grpSpPr>
-      <p:sp>
-        <p:nvSpPr>
-          <p:cNvPr id="2" name="Title 1">
-            <a:extLst>
-              <a:ext uri="{FF2B5EF4-FFF2-40B4-BE49-F238E27FC236}">
-                <a16:creationId xmlns:a16="http://schemas.microsoft.com/office/drawing/2014/main" id="{70DC8151-F1A7-F8C6-69D3-1F92D75131EE}"/>
-              </a:ext>
-            </a:extLst>
-          </p:cNvPr>
-          <p:cNvSpPr>
-            <a:spLocks noGrp="1"/>
-          </p:cNvSpPr>
-          <p:nvPr>
-            <p:ph type="title"/>
-          </p:nvPr>
-        </p:nvSpPr>
-        <p:spPr/>
-        <p:txBody>
-          <a:bodyPr/>
-          <a:lstStyle/>
-          <a:p>
-            <a:r>
-              <a:rPr lang="en-GB" dirty="0"/>
-              <a:t>Questions 7-9</a:t>
-            </a:r>
-            <a:endParaRPr lang="en-SE" dirty="0"/>
-          </a:p>
-        </p:txBody>
-      </p:sp>
-      <p:sp>
-        <p:nvSpPr>
-          <p:cNvPr id="3" name="Content Placeholder 2">
-            <a:extLst>
-              <a:ext uri="{FF2B5EF4-FFF2-40B4-BE49-F238E27FC236}">
-                <a16:creationId xmlns:a16="http://schemas.microsoft.com/office/drawing/2014/main" id="{822EBB1B-DB2E-2BC7-BF07-BB791A550311}"/>
-              </a:ext>
-            </a:extLst>
-          </p:cNvPr>
-          <p:cNvSpPr>
-            <a:spLocks noGrp="1"/>
-          </p:cNvSpPr>
-          <p:nvPr>
-            <p:ph idx="1"/>
-          </p:nvPr>
-        </p:nvSpPr>
-        <p:spPr/>
-        <p:txBody>
-          <a:bodyPr>
-            <a:normAutofit fontScale="70000" lnSpcReduction="20000"/>
-          </a:bodyPr>
-          <a:lstStyle/>
-          <a:p>
-            <a:r>
-              <a:rPr lang="en-GB" dirty="0"/>
-              <a:t>What is the primary motivation for using inheritance in object-oriented programming?</a:t>
-            </a:r>
-          </a:p>
-          <a:p>
-            <a:pPr lvl="1"/>
-            <a:r>
-              <a:rPr lang="en-GB" dirty="0"/>
-              <a:t>A) To create multiple instances of a class</a:t>
-            </a:r>
-          </a:p>
-          <a:p>
-            <a:pPr lvl="1"/>
-            <a:r>
-              <a:rPr lang="en-GB" dirty="0"/>
-              <a:t>B) To keep common </a:t>
-            </a:r>
-            <a:r>
-              <a:rPr lang="en-GB" dirty="0" err="1"/>
-              <a:t>behavior</a:t>
-            </a:r>
-            <a:r>
-              <a:rPr lang="en-GB" dirty="0"/>
-              <a:t> in one class and split different </a:t>
-            </a:r>
-            <a:r>
-              <a:rPr lang="en-GB" dirty="0" err="1"/>
-              <a:t>behavior</a:t>
-            </a:r>
-            <a:r>
-              <a:rPr lang="en-GB" dirty="0"/>
-              <a:t> into separate classes</a:t>
-            </a:r>
-          </a:p>
-          <a:p>
-            <a:pPr lvl="1"/>
-            <a:r>
-              <a:rPr lang="en-GB" dirty="0"/>
-              <a:t>C) To override all methods in a superclass</a:t>
-            </a:r>
-          </a:p>
-          <a:p>
-            <a:pPr lvl="1"/>
-            <a:r>
-              <a:rPr lang="en-GB" dirty="0"/>
-              <a:t>D) To create private variables</a:t>
-            </a:r>
-          </a:p>
-          <a:p>
-            <a:pPr lvl="1"/>
-            <a:r>
-              <a:rPr lang="en-GB" dirty="0"/>
-              <a:t>Answer: B</a:t>
-            </a:r>
-          </a:p>
-          <a:p>
-            <a:r>
-              <a:rPr lang="en-GB" dirty="0"/>
-              <a:t>What is the correct order of object construction in inheritance?</a:t>
-            </a:r>
-          </a:p>
-          <a:p>
-            <a:pPr lvl="1"/>
-            <a:r>
-              <a:rPr lang="en-GB" dirty="0"/>
-              <a:t>A) Subclass to superclass</a:t>
-            </a:r>
-          </a:p>
-          <a:p>
-            <a:pPr lvl="1"/>
-            <a:r>
-              <a:rPr lang="en-GB" dirty="0"/>
-              <a:t>B) Superclass to subclass</a:t>
-            </a:r>
-          </a:p>
-          <a:p>
-            <a:pPr lvl="1"/>
-            <a:r>
-              <a:rPr lang="en-GB" dirty="0"/>
-              <a:t>C) Random order</a:t>
-            </a:r>
-          </a:p>
-          <a:p>
-            <a:pPr lvl="1"/>
-            <a:r>
-              <a:rPr lang="en-GB" dirty="0"/>
-              <a:t>D) Depends on the programmer's choice</a:t>
-            </a:r>
-          </a:p>
-          <a:p>
-            <a:pPr lvl="1"/>
-            <a:r>
-              <a:rPr lang="en-GB" dirty="0"/>
-              <a:t>Answer: B</a:t>
-            </a:r>
-          </a:p>
-          <a:p>
-            <a:r>
-              <a:rPr lang="en-GB" dirty="0"/>
-              <a:t>Which of the following is true about the 'super()' call in a constructor?</a:t>
-            </a:r>
-          </a:p>
-          <a:p>
-            <a:pPr lvl="1"/>
-            <a:r>
-              <a:rPr lang="en-GB" dirty="0"/>
-              <a:t>A) It must be the last line in the constructor</a:t>
-            </a:r>
-          </a:p>
-          <a:p>
-            <a:pPr lvl="1"/>
-            <a:r>
-              <a:rPr lang="en-GB" dirty="0"/>
-              <a:t>B) It must be the first line in the constructor</a:t>
-            </a:r>
-          </a:p>
-          <a:p>
-            <a:pPr lvl="1"/>
-            <a:r>
-              <a:rPr lang="en-GB" dirty="0"/>
-              <a:t>C) It can be placed anywhere in the constructor</a:t>
-            </a:r>
-          </a:p>
-          <a:p>
-            <a:pPr lvl="1"/>
-            <a:r>
-              <a:rPr lang="en-GB" dirty="0"/>
-              <a:t>D) It is optional in all cases</a:t>
-            </a:r>
-          </a:p>
-          <a:p>
-            <a:pPr lvl="1"/>
-            <a:r>
-              <a:rPr lang="en-GB" dirty="0"/>
-              <a:t>Answer: B</a:t>
-            </a:r>
-          </a:p>
-          <a:p>
-            <a:endParaRPr lang="en-GB" dirty="0"/>
-          </a:p>
-          <a:p>
-            <a:endParaRPr lang="en-SE" dirty="0"/>
-          </a:p>
-        </p:txBody>
-      </p:sp>
-    </p:spTree>
-    <p:extLst>
-      <p:ext uri="{BB962C8B-B14F-4D97-AF65-F5344CB8AC3E}">
-        <p14:creationId xmlns:p14="http://schemas.microsoft.com/office/powerpoint/2010/main" val="3110039772"/>
-      </p:ext>
-    </p:extLst>
-  </p:cSld>
-  <p:clrMapOvr>
-    <a:masterClrMapping/>
-  </p:clrMapOvr>
-</p:sld>
-</file>
-
-<file path=ppt/slides/slide40.xml><?xml version="1.0" encoding="utf-8"?>
+<file path=ppt/slides/slide42.xml><?xml version="1.0" encoding="utf-8"?>
 <p:sld xmlns:a="http://schemas.openxmlformats.org/drawingml/2006/main" xmlns:r="http://schemas.openxmlformats.org/officeDocument/2006/relationships" xmlns:p="http://schemas.openxmlformats.org/presentationml/2006/main">
   <p:cSld>
     <p:spTree>
@@ -32377,7 +34892,7 @@
 </p:sld>
 </file>
 
-<file path=ppt/slides/slide41.xml><?xml version="1.0" encoding="utf-8"?>
+<file path=ppt/slides/slide43.xml><?xml version="1.0" encoding="utf-8"?>
 <p:sld xmlns:a="http://schemas.openxmlformats.org/drawingml/2006/main" xmlns:r="http://schemas.openxmlformats.org/officeDocument/2006/relationships" xmlns:p="http://schemas.openxmlformats.org/presentationml/2006/main">
   <p:cSld>
     <p:spTree>
@@ -32593,7 +35108,7 @@
 </p:sld>
 </file>
 
-<file path=ppt/slides/slide42.xml><?xml version="1.0" encoding="utf-8"?>
+<file path=ppt/slides/slide44.xml><?xml version="1.0" encoding="utf-8"?>
 <p:sld xmlns:a="http://schemas.openxmlformats.org/drawingml/2006/main" xmlns:r="http://schemas.openxmlformats.org/officeDocument/2006/relationships" xmlns:p="http://schemas.openxmlformats.org/presentationml/2006/main">
   <p:cSld>
     <p:spTree>
@@ -32719,7 +35234,7 @@
 </p:sld>
 </file>
 
-<file path=ppt/slides/slide43.xml><?xml version="1.0" encoding="utf-8"?>
+<file path=ppt/slides/slide45.xml><?xml version="1.0" encoding="utf-8"?>
 <p:sld xmlns:a="http://schemas.openxmlformats.org/drawingml/2006/main" xmlns:r="http://schemas.openxmlformats.org/officeDocument/2006/relationships" xmlns:p="http://schemas.openxmlformats.org/presentationml/2006/main">
   <p:cSld>
     <p:spTree>
@@ -32871,7 +35386,7 @@
 </p:sld>
 </file>
 
-<file path=ppt/slides/slide44.xml><?xml version="1.0" encoding="utf-8"?>
+<file path=ppt/slides/slide46.xml><?xml version="1.0" encoding="utf-8"?>
 <p:sld xmlns:a="http://schemas.openxmlformats.org/drawingml/2006/main" xmlns:r="http://schemas.openxmlformats.org/officeDocument/2006/relationships" xmlns:p="http://schemas.openxmlformats.org/presentationml/2006/main">
   <p:cSld>
     <p:spTree>
@@ -32994,7 +35509,7 @@
 </p:sld>
 </file>
 
-<file path=ppt/slides/slide45.xml><?xml version="1.0" encoding="utf-8"?>
+<file path=ppt/slides/slide47.xml><?xml version="1.0" encoding="utf-8"?>
 <p:sld xmlns:a="http://schemas.openxmlformats.org/drawingml/2006/main" xmlns:r="http://schemas.openxmlformats.org/officeDocument/2006/relationships" xmlns:p="http://schemas.openxmlformats.org/presentationml/2006/main">
   <p:cSld>
     <p:spTree>
@@ -33233,7 +35748,7 @@
 </p:sld>
 </file>
 
-<file path=ppt/slides/slide46.xml><?xml version="1.0" encoding="utf-8"?>
+<file path=ppt/slides/slide48.xml><?xml version="1.0" encoding="utf-8"?>
 <p:sld xmlns:a="http://schemas.openxmlformats.org/drawingml/2006/main" xmlns:r="http://schemas.openxmlformats.org/officeDocument/2006/relationships" xmlns:p="http://schemas.openxmlformats.org/presentationml/2006/main">
   <p:cSld>
     <p:spTree>
@@ -34286,6 +36801,30 @@
     <a:masterClrMapping/>
   </p:clrMapOvr>
 </p:sld>
+</file>
+
+<file path=ppt/tags/tag1.xml><?xml version="1.0" encoding="utf-8"?>
+<p:tagLst xmlns:a="http://schemas.openxmlformats.org/drawingml/2006/main" xmlns:r="http://schemas.openxmlformats.org/officeDocument/2006/relationships" xmlns:p="http://schemas.openxmlformats.org/presentationml/2006/main">
+  <p:tag name="HIGHLIGHTER" val="false"/>
+</p:tagLst>
+</file>
+
+<file path=ppt/tags/tag2.xml><?xml version="1.0" encoding="utf-8"?>
+<p:tagLst xmlns:a="http://schemas.openxmlformats.org/drawingml/2006/main" xmlns:r="http://schemas.openxmlformats.org/officeDocument/2006/relationships" xmlns:p="http://schemas.openxmlformats.org/presentationml/2006/main">
+  <p:tag name="HIGHLIGHTER" val="false"/>
+</p:tagLst>
+</file>
+
+<file path=ppt/tags/tag3.xml><?xml version="1.0" encoding="utf-8"?>
+<p:tagLst xmlns:a="http://schemas.openxmlformats.org/drawingml/2006/main" xmlns:r="http://schemas.openxmlformats.org/officeDocument/2006/relationships" xmlns:p="http://schemas.openxmlformats.org/presentationml/2006/main">
+  <p:tag name="HIGHLIGHTER" val="false"/>
+</p:tagLst>
+</file>
+
+<file path=ppt/tags/tag4.xml><?xml version="1.0" encoding="utf-8"?>
+<p:tagLst xmlns:a="http://schemas.openxmlformats.org/drawingml/2006/main" xmlns:r="http://schemas.openxmlformats.org/officeDocument/2006/relationships" xmlns:p="http://schemas.openxmlformats.org/presentationml/2006/main">
+  <p:tag name="HIGHLIGHTER" val="false"/>
+</p:tagLst>
 </file>
 
 <file path=ppt/theme/theme1.xml><?xml version="1.0" encoding="utf-8"?>

--- a/PPTs/Quiz/MidtermExam2024.pptx
+++ b/PPTs/Quiz/MidtermExam2024.pptx
@@ -5,7 +5,7 @@
     <p:sldMasterId id="2147483648" r:id="rId1"/>
   </p:sldMasterIdLst>
   <p:notesMasterIdLst>
-    <p:notesMasterId r:id="rId50"/>
+    <p:notesMasterId r:id="rId51"/>
   </p:notesMasterIdLst>
   <p:sldIdLst>
     <p:sldId id="256" r:id="rId2"/>
@@ -23,39 +23,40 @@
     <p:sldId id="260" r:id="rId14"/>
     <p:sldId id="261" r:id="rId15"/>
     <p:sldId id="262" r:id="rId16"/>
-    <p:sldId id="263" r:id="rId17"/>
-    <p:sldId id="264" r:id="rId18"/>
-    <p:sldId id="265" r:id="rId19"/>
-    <p:sldId id="266" r:id="rId20"/>
-    <p:sldId id="267" r:id="rId21"/>
-    <p:sldId id="268" r:id="rId22"/>
-    <p:sldId id="269" r:id="rId23"/>
-    <p:sldId id="270" r:id="rId24"/>
-    <p:sldId id="428" r:id="rId25"/>
-    <p:sldId id="271" r:id="rId26"/>
-    <p:sldId id="272" r:id="rId27"/>
-    <p:sldId id="273" r:id="rId28"/>
-    <p:sldId id="274" r:id="rId29"/>
-    <p:sldId id="427" r:id="rId30"/>
-    <p:sldId id="275" r:id="rId31"/>
-    <p:sldId id="276" r:id="rId32"/>
-    <p:sldId id="278" r:id="rId33"/>
-    <p:sldId id="279" r:id="rId34"/>
-    <p:sldId id="280" r:id="rId35"/>
-    <p:sldId id="326" r:id="rId36"/>
-    <p:sldId id="429" r:id="rId37"/>
-    <p:sldId id="281" r:id="rId38"/>
-    <p:sldId id="327" r:id="rId39"/>
-    <p:sldId id="410" r:id="rId40"/>
-    <p:sldId id="412" r:id="rId41"/>
-    <p:sldId id="413" r:id="rId42"/>
-    <p:sldId id="328" r:id="rId43"/>
-    <p:sldId id="411" r:id="rId44"/>
-    <p:sldId id="414" r:id="rId45"/>
-    <p:sldId id="415" r:id="rId46"/>
-    <p:sldId id="416" r:id="rId47"/>
-    <p:sldId id="417" r:id="rId48"/>
-    <p:sldId id="418" r:id="rId49"/>
+    <p:sldId id="294" r:id="rId17"/>
+    <p:sldId id="295" r:id="rId18"/>
+    <p:sldId id="296" r:id="rId19"/>
+    <p:sldId id="291" r:id="rId20"/>
+    <p:sldId id="292" r:id="rId21"/>
+    <p:sldId id="293" r:id="rId22"/>
+    <p:sldId id="268" r:id="rId23"/>
+    <p:sldId id="269" r:id="rId24"/>
+    <p:sldId id="270" r:id="rId25"/>
+    <p:sldId id="428" r:id="rId26"/>
+    <p:sldId id="271" r:id="rId27"/>
+    <p:sldId id="272" r:id="rId28"/>
+    <p:sldId id="273" r:id="rId29"/>
+    <p:sldId id="274" r:id="rId30"/>
+    <p:sldId id="427" r:id="rId31"/>
+    <p:sldId id="275" r:id="rId32"/>
+    <p:sldId id="276" r:id="rId33"/>
+    <p:sldId id="278" r:id="rId34"/>
+    <p:sldId id="279" r:id="rId35"/>
+    <p:sldId id="280" r:id="rId36"/>
+    <p:sldId id="326" r:id="rId37"/>
+    <p:sldId id="429" r:id="rId38"/>
+    <p:sldId id="281" r:id="rId39"/>
+    <p:sldId id="327" r:id="rId40"/>
+    <p:sldId id="410" r:id="rId41"/>
+    <p:sldId id="412" r:id="rId42"/>
+    <p:sldId id="413" r:id="rId43"/>
+    <p:sldId id="328" r:id="rId44"/>
+    <p:sldId id="411" r:id="rId45"/>
+    <p:sldId id="414" r:id="rId46"/>
+    <p:sldId id="415" r:id="rId47"/>
+    <p:sldId id="416" r:id="rId48"/>
+    <p:sldId id="417" r:id="rId49"/>
+    <p:sldId id="418" r:id="rId50"/>
   </p:sldIdLst>
   <p:sldSz cx="9144000" cy="6858000" type="screen4x3"/>
   <p:notesSz cx="6858000" cy="9144000"/>
@@ -307,7 +308,7 @@
           <a:p>
             <a:fld id="{1B0CF57B-C747-FC49-8C8F-81AE37C96CA4}" type="datetimeFigureOut">
               <a:rPr lang="en-US" smtClean="0"/>
-              <a:t>10/23/2024</a:t>
+              <a:t>2/2/2025</a:t>
             </a:fld>
             <a:endParaRPr lang="en-US"/>
           </a:p>
@@ -620,87 +621,28 @@
           <a:p>
             <a:r>
               <a:rPr lang="en-GB" dirty="0"/>
-              <a:t>This regex pattern consists of two main parts:</a:t>
-            </a:r>
-          </a:p>
-          <a:p>
-            <a:pPr>
-              <a:buFont typeface="+mj-lt"/>
-              <a:buAutoNum type="arabicPeriod"/>
-            </a:pPr>
+              <a:t>(\d|2[0-3]):[0-5]\d</a:t>
+            </a:r>
+          </a:p>
+          <a:p>
+            <a:pPr lvl="1"/>
             <a:r>
               <a:rPr lang="en-GB" dirty="0"/>
-              <a:t>(25[0-5]|2[0-4][0-9]|[1]?[0-9][0-9]?): This part matches a single octet (0-255) of an IPv4 address.</a:t>
-            </a:r>
-          </a:p>
-          <a:p>
-            <a:pPr>
-              <a:buFont typeface="+mj-lt"/>
-              <a:buAutoNum type="arabicPeriod"/>
-            </a:pPr>
+              <a:t>Does not match hours 10, 11,12,13…</a:t>
+            </a:r>
+          </a:p>
+          <a:p>
+            <a:pPr lvl="1"/>
             <a:r>
               <a:rPr lang="en-GB" dirty="0"/>
-              <a:t>(\.(25[0-5]|2[0-4][0-9]|[1]?[0-9][0-9]?)){3}: This part matches the remaining three octets, each preceded by a dot.</a:t>
-            </a:r>
-          </a:p>
-          <a:p>
-            <a:r>
-              <a:rPr lang="en-GB" b="1" dirty="0"/>
-              <a:t>How It Works</a:t>
-            </a:r>
-          </a:p>
-          <a:p>
-            <a:r>
-              <a:rPr lang="en-GB" b="1" dirty="0"/>
-              <a:t>Matching a Single Octet</a:t>
-            </a:r>
-          </a:p>
-          <a:p>
+              <a:t>\d: Matches any single digit from 0 to 9. This allows for single-digit hours like "0" to "9".</a:t>
+            </a:r>
+          </a:p>
+          <a:p>
+            <a:pPr lvl="1"/>
             <a:r>
               <a:rPr lang="en-GB" dirty="0"/>
-              <a:t>The first part (25[0-5]|2[0-4][0-9]|[1]?[0-9][0-9]?) matches numbers from 0 to 255:</a:t>
-            </a:r>
-          </a:p>
-          <a:p>
-            <a:pPr>
-              <a:buFont typeface="Arial" panose="020B0604020202020204" pitchFamily="34" charset="0"/>
-              <a:buChar char="•"/>
-            </a:pPr>
-            <a:r>
-              <a:rPr lang="en-GB" dirty="0"/>
-              <a:t>25[0-5]: Matches numbers from 250 to 255</a:t>
-            </a:r>
-          </a:p>
-          <a:p>
-            <a:pPr>
-              <a:buFont typeface="Arial" panose="020B0604020202020204" pitchFamily="34" charset="0"/>
-              <a:buChar char="•"/>
-            </a:pPr>
-            <a:r>
-              <a:rPr lang="en-GB" dirty="0"/>
-              <a:t>2[0-4][0-9]: Matches numbers from 200 to 249</a:t>
-            </a:r>
-          </a:p>
-          <a:p>
-            <a:pPr>
-              <a:buFont typeface="Arial" panose="020B0604020202020204" pitchFamily="34" charset="0"/>
-              <a:buChar char="•"/>
-            </a:pPr>
-            <a:r>
-              <a:rPr lang="en-GB" dirty="0"/>
-              <a:t>[1]?[0-9][0-9]?: Matches numbers from 0 to 199</a:t>
-            </a:r>
-          </a:p>
-          <a:p>
-            <a:r>
-              <a:rPr lang="en-GB" b="1" dirty="0"/>
-              <a:t>Matching the Full IP Address</a:t>
-            </a:r>
-          </a:p>
-          <a:p>
-            <a:r>
-              <a:rPr lang="en-GB" dirty="0"/>
-              <a:t>The second part (\.(25[0-5]|2[0-4][0-9]|[1]?[0-9][0-9]?)){3} repeats the octet pattern three more times, each preceded by a dot.</a:t>
+              <a:t>2[0-3]: Matches hours from "20" to "23". This ensures that valid two-digit hours in the range of 20 to 23 are captured.</a:t>
             </a:r>
           </a:p>
           <a:p>
@@ -723,7 +665,7 @@
           <a:bodyPr/>
           <a:lstStyle/>
           <a:p>
-            <a:fld id="{13F62E29-99FC-EB40-923F-D38E4FE7BE7E}" type="slidenum">
+            <a:fld id="{D1E15405-4035-CE49-BC40-DA4BE7098E7F}" type="slidenum">
               <a:rPr lang="en-US" smtClean="0"/>
               <a:t>18</a:t>
             </a:fld>
@@ -734,7 +676,7 @@
     </p:spTree>
     <p:extLst>
       <p:ext uri="{BB962C8B-B14F-4D97-AF65-F5344CB8AC3E}">
-        <p14:creationId xmlns:p14="http://schemas.microsoft.com/office/powerpoint/2010/main" val="476132309"/>
+        <p14:creationId xmlns:p14="http://schemas.microsoft.com/office/powerpoint/2010/main" val="2591661591"/>
       </p:ext>
     </p:extLst>
   </p:cSld>
@@ -868,7 +810,7 @@
           <a:p>
             <a:fld id="{13F62E29-99FC-EB40-923F-D38E4FE7BE7E}" type="slidenum">
               <a:rPr lang="en-US" smtClean="0"/>
-              <a:t>32</a:t>
+              <a:t>33</a:t>
             </a:fld>
             <a:endParaRPr lang="en-US"/>
           </a:p>
@@ -1109,7 +1051,7 @@
           <a:p>
             <a:fld id="{13F62E29-99FC-EB40-923F-D38E4FE7BE7E}" type="slidenum">
               <a:rPr lang="en-US" smtClean="0"/>
-              <a:t>33</a:t>
+              <a:t>34</a:t>
             </a:fld>
             <a:endParaRPr lang="en-US"/>
           </a:p>
@@ -1193,7 +1135,7 @@
           <a:p>
             <a:fld id="{13F62E29-99FC-EB40-923F-D38E4FE7BE7E}" type="slidenum">
               <a:rPr lang="en-US" smtClean="0"/>
-              <a:t>35</a:t>
+              <a:t>36</a:t>
             </a:fld>
             <a:endParaRPr lang="en-US"/>
           </a:p>
@@ -1502,7 +1444,7 @@
           <a:p>
             <a:fld id="{13F62E29-99FC-EB40-923F-D38E4FE7BE7E}" type="slidenum">
               <a:rPr lang="en-US" smtClean="0"/>
-              <a:t>40</a:t>
+              <a:t>41</a:t>
             </a:fld>
             <a:endParaRPr lang="en-US"/>
           </a:p>
@@ -1762,7 +1704,7 @@
           <a:p>
             <a:fld id="{13F62E29-99FC-EB40-923F-D38E4FE7BE7E}" type="slidenum">
               <a:rPr lang="en-US" smtClean="0"/>
-              <a:t>22</a:t>
+              <a:t>23</a:t>
             </a:fld>
             <a:endParaRPr lang="en-US"/>
           </a:p>
@@ -2032,7 +1974,7 @@
           <a:p>
             <a:fld id="{13F62E29-99FC-EB40-923F-D38E4FE7BE7E}" type="slidenum">
               <a:rPr lang="en-US" smtClean="0"/>
-              <a:t>23</a:t>
+              <a:t>24</a:t>
             </a:fld>
             <a:endParaRPr lang="en-US"/>
           </a:p>
@@ -2302,7 +2244,7 @@
           <a:p>
             <a:fld id="{13F62E29-99FC-EB40-923F-D38E4FE7BE7E}" type="slidenum">
               <a:rPr lang="en-US" smtClean="0"/>
-              <a:t>24</a:t>
+              <a:t>25</a:t>
             </a:fld>
             <a:endParaRPr lang="en-US"/>
           </a:p>
@@ -2613,7 +2555,7 @@
           <a:p>
             <a:fld id="{13F62E29-99FC-EB40-923F-D38E4FE7BE7E}" type="slidenum">
               <a:rPr lang="en-US" smtClean="0"/>
-              <a:t>25</a:t>
+              <a:t>26</a:t>
             </a:fld>
             <a:endParaRPr lang="en-US"/>
           </a:p>
@@ -2877,7 +2819,7 @@
           <a:p>
             <a:fld id="{13F62E29-99FC-EB40-923F-D38E4FE7BE7E}" type="slidenum">
               <a:rPr lang="en-US" smtClean="0"/>
-              <a:t>26</a:t>
+              <a:t>27</a:t>
             </a:fld>
             <a:endParaRPr lang="en-US"/>
           </a:p>
@@ -3374,7 +3316,7 @@
           <a:p>
             <a:fld id="{13F62E29-99FC-EB40-923F-D38E4FE7BE7E}" type="slidenum">
               <a:rPr lang="en-US" smtClean="0"/>
-              <a:t>27</a:t>
+              <a:t>28</a:t>
             </a:fld>
             <a:endParaRPr lang="en-US"/>
           </a:p>
@@ -3483,7 +3425,7 @@
           <a:p>
             <a:fld id="{13F62E29-99FC-EB40-923F-D38E4FE7BE7E}" type="slidenum">
               <a:rPr lang="en-US" smtClean="0"/>
-              <a:t>30</a:t>
+              <a:t>31</a:t>
             </a:fld>
             <a:endParaRPr lang="en-US"/>
           </a:p>
@@ -3679,7 +3621,7 @@
           <a:p>
             <a:fld id="{13F62E29-99FC-EB40-923F-D38E4FE7BE7E}" type="slidenum">
               <a:rPr lang="en-US" smtClean="0"/>
-              <a:t>31</a:t>
+              <a:t>32</a:t>
             </a:fld>
             <a:endParaRPr lang="en-US"/>
           </a:p>
@@ -3885,7 +3827,7 @@
           <a:p>
             <a:fld id="{FB221443-D73C-634A-A910-7320408C156D}" type="datetimeFigureOut">
               <a:rPr lang="en-US" smtClean="0"/>
-              <a:t>10/23/2024</a:t>
+              <a:t>2/2/2025</a:t>
             </a:fld>
             <a:endParaRPr lang="en-US"/>
           </a:p>
@@ -4055,7 +3997,7 @@
           <a:p>
             <a:fld id="{FB221443-D73C-634A-A910-7320408C156D}" type="datetimeFigureOut">
               <a:rPr lang="en-US" smtClean="0"/>
-              <a:t>10/23/2024</a:t>
+              <a:t>2/2/2025</a:t>
             </a:fld>
             <a:endParaRPr lang="en-US"/>
           </a:p>
@@ -4235,7 +4177,7 @@
           <a:p>
             <a:fld id="{FB221443-D73C-634A-A910-7320408C156D}" type="datetimeFigureOut">
               <a:rPr lang="en-US" smtClean="0"/>
-              <a:t>10/23/2024</a:t>
+              <a:t>2/2/2025</a:t>
             </a:fld>
             <a:endParaRPr lang="en-US"/>
           </a:p>
@@ -4405,7 +4347,7 @@
           <a:p>
             <a:fld id="{FB221443-D73C-634A-A910-7320408C156D}" type="datetimeFigureOut">
               <a:rPr lang="en-US" smtClean="0"/>
-              <a:t>10/23/2024</a:t>
+              <a:t>2/2/2025</a:t>
             </a:fld>
             <a:endParaRPr lang="en-US"/>
           </a:p>
@@ -4651,7 +4593,7 @@
           <a:p>
             <a:fld id="{FB221443-D73C-634A-A910-7320408C156D}" type="datetimeFigureOut">
               <a:rPr lang="en-US" smtClean="0"/>
-              <a:t>10/23/2024</a:t>
+              <a:t>2/2/2025</a:t>
             </a:fld>
             <a:endParaRPr lang="en-US"/>
           </a:p>
@@ -4939,7 +4881,7 @@
           <a:p>
             <a:fld id="{FB221443-D73C-634A-A910-7320408C156D}" type="datetimeFigureOut">
               <a:rPr lang="en-US" smtClean="0"/>
-              <a:t>10/23/2024</a:t>
+              <a:t>2/2/2025</a:t>
             </a:fld>
             <a:endParaRPr lang="en-US"/>
           </a:p>
@@ -5361,7 +5303,7 @@
           <a:p>
             <a:fld id="{FB221443-D73C-634A-A910-7320408C156D}" type="datetimeFigureOut">
               <a:rPr lang="en-US" smtClean="0"/>
-              <a:t>10/23/2024</a:t>
+              <a:t>2/2/2025</a:t>
             </a:fld>
             <a:endParaRPr lang="en-US"/>
           </a:p>
@@ -5479,7 +5421,7 @@
           <a:p>
             <a:fld id="{FB221443-D73C-634A-A910-7320408C156D}" type="datetimeFigureOut">
               <a:rPr lang="en-US" smtClean="0"/>
-              <a:t>10/23/2024</a:t>
+              <a:t>2/2/2025</a:t>
             </a:fld>
             <a:endParaRPr lang="en-US"/>
           </a:p>
@@ -5574,7 +5516,7 @@
           <a:p>
             <a:fld id="{FB221443-D73C-634A-A910-7320408C156D}" type="datetimeFigureOut">
               <a:rPr lang="en-US" smtClean="0"/>
-              <a:t>10/23/2024</a:t>
+              <a:t>2/2/2025</a:t>
             </a:fld>
             <a:endParaRPr lang="en-US"/>
           </a:p>
@@ -5851,7 +5793,7 @@
           <a:p>
             <a:fld id="{FB221443-D73C-634A-A910-7320408C156D}" type="datetimeFigureOut">
               <a:rPr lang="en-US" smtClean="0"/>
-              <a:t>10/23/2024</a:t>
+              <a:t>2/2/2025</a:t>
             </a:fld>
             <a:endParaRPr lang="en-US"/>
           </a:p>
@@ -6104,7 +6046,7 @@
           <a:p>
             <a:fld id="{FB221443-D73C-634A-A910-7320408C156D}" type="datetimeFigureOut">
               <a:rPr lang="en-US" smtClean="0"/>
-              <a:t>10/23/2024</a:t>
+              <a:t>2/2/2025</a:t>
             </a:fld>
             <a:endParaRPr lang="en-US"/>
           </a:p>
@@ -6317,7 +6259,7 @@
           <a:p>
             <a:fld id="{FB221443-D73C-634A-A910-7320408C156D}" type="datetimeFigureOut">
               <a:rPr lang="en-US" smtClean="0"/>
-              <a:t>10/23/2024</a:t>
+              <a:t>2/2/2025</a:t>
             </a:fld>
             <a:endParaRPr lang="en-US"/>
           </a:p>
@@ -6398,54 +6340,6 @@
               <a:t>‹#›</a:t>
             </a:fld>
             <a:endParaRPr lang="en-US"/>
-          </a:p>
-        </p:txBody>
-      </p:sp>
-      <p:sp>
-        <p:nvSpPr>
-          <p:cNvPr id="8" name="TextBox 7">
-            <a:extLst>
-              <a:ext uri="{FF2B5EF4-FFF2-40B4-BE49-F238E27FC236}">
-                <a16:creationId xmlns:a16="http://schemas.microsoft.com/office/drawing/2014/main" id="{5A8E7C59-9E38-0F29-BE07-CA23F7C11D5A}"/>
-              </a:ext>
-            </a:extLst>
-          </p:cNvPr>
-          <p:cNvSpPr txBox="1"/>
-          <p:nvPr userDrawn="1">
-            <p:extLst>
-              <p:ext uri="{1162E1C5-73C7-4A58-AE30-91384D911F3F}">
-                <p184:classification xmlns:p184="http://schemas.microsoft.com/office/powerpoint/2018/4/main" val="hdr"/>
-              </p:ext>
-            </p:extLst>
-          </p:nvPr>
-        </p:nvSpPr>
-        <p:spPr>
-          <a:xfrm>
-            <a:off x="8315325" y="63500"/>
-            <a:ext cx="787400" cy="121920"/>
-          </a:xfrm>
-          <a:prstGeom prst="rect">
-            <a:avLst/>
-          </a:prstGeom>
-        </p:spPr>
-        <p:txBody>
-          <a:bodyPr horzOverflow="overflow" lIns="0" tIns="0" rIns="0" bIns="0">
-            <a:spAutoFit/>
-          </a:bodyPr>
-          <a:lstStyle/>
-          <a:p>
-            <a:pPr algn="l"/>
-            <a:r>
-              <a:rPr lang="en-SE" sz="800">
-                <a:solidFill>
-                  <a:srgbClr val="000000"/>
-                </a:solidFill>
-                <a:latin typeface="Calibri" panose="020F0502020204030204" pitchFamily="34" charset="0"/>
-                <a:ea typeface="Calibri" panose="020F0502020204030204" pitchFamily="34" charset="0"/>
-                <a:cs typeface="Calibri" panose="020F0502020204030204" pitchFamily="34" charset="0"/>
-              </a:rPr>
-              <a:t>Begränsad delning</a:t>
-            </a:r>
           </a:p>
         </p:txBody>
       </p:sp>
@@ -7757,7 +7651,7 @@
           <p:cNvPr id="2" name="Title 1">
             <a:extLst>
               <a:ext uri="{FF2B5EF4-FFF2-40B4-BE49-F238E27FC236}">
-                <a16:creationId xmlns:a16="http://schemas.microsoft.com/office/drawing/2014/main" id="{7D6013DA-CC8C-C80B-2A15-F98270220730}"/>
+                <a16:creationId xmlns:a16="http://schemas.microsoft.com/office/drawing/2014/main" id="{FDDC0835-AE26-16C3-041F-7D1A61B91DD4}"/>
               </a:ext>
             </a:extLst>
           </p:cNvPr>
@@ -7786,7 +7680,7 @@
           <p:cNvPr id="3" name="Content Placeholder 2">
             <a:extLst>
               <a:ext uri="{FF2B5EF4-FFF2-40B4-BE49-F238E27FC236}">
-                <a16:creationId xmlns:a16="http://schemas.microsoft.com/office/drawing/2014/main" id="{02D017D2-75AD-A639-E141-D56042AD14C1}"/>
+                <a16:creationId xmlns:a16="http://schemas.microsoft.com/office/drawing/2014/main" id="{A57BAA86-F239-0214-1433-083C663B0044}"/>
               </a:ext>
             </a:extLst>
           </p:cNvPr>
@@ -7797,106 +7691,51 @@
             <p:ph idx="1"/>
           </p:nvPr>
         </p:nvSpPr>
-        <p:spPr>
-          <a:xfrm>
-            <a:off x="569495" y="1413627"/>
-            <a:ext cx="8229600" cy="5426242"/>
-          </a:xfrm>
-        </p:spPr>
+        <p:spPr/>
         <p:txBody>
-          <a:bodyPr>
-            <a:normAutofit fontScale="77500" lnSpcReduction="20000"/>
-          </a:bodyPr>
+          <a:bodyPr/>
           <a:lstStyle/>
           <a:p>
             <a:r>
               <a:rPr lang="en-GB" dirty="0"/>
-              <a:t>Which regex can be used to match a valid time in 24-hour format (HH:MM)?</a:t>
+              <a:t> Which regex can be used to match a valid time in 24-hour format (HH:MM)?</a:t>
             </a:r>
           </a:p>
           <a:p>
             <a:pPr lvl="1"/>
             <a:r>
               <a:rPr lang="en-GB" dirty="0"/>
-              <a:t>(\d|1[0-9]|2[0-3]):[0-5]\d</a:t>
-            </a:r>
-          </a:p>
-          <a:p>
+              <a:t>A. \d\d:\d\d</a:t>
+            </a:r>
+          </a:p>
+          <a:p>
+            <a:pPr lvl="1"/>
             <a:r>
               <a:rPr lang="en-GB" dirty="0"/>
-              <a:t>The regular expression (\d|1[0-9]|2[0-3]):[0-5]\d is designed to match time strings in a 24-hour format (HH:MM). Here's a detailed breakdown of its components:</a:t>
-            </a:r>
-          </a:p>
-          <a:p>
+              <a:t>B. [0-2]\d:[0-5]\d</a:t>
+            </a:r>
+          </a:p>
+          <a:p>
+            <a:pPr lvl="1"/>
             <a:r>
               <a:rPr lang="en-GB" dirty="0"/>
-              <a:t>(\d|1[0-9]|2[0-3]): Matches the hour part of the time.</a:t>
+              <a:t>C. (\d|1[0-9]|2[0-3]):[0-5]\d</a:t>
             </a:r>
           </a:p>
           <a:p>
             <a:pPr lvl="1"/>
             <a:r>
               <a:rPr lang="en-GB" dirty="0"/>
-              <a:t>\d: Matches any single digit from 0 to 9, which would cover hours "0" to "9".</a:t>
-            </a:r>
-          </a:p>
-          <a:p>
-            <a:pPr lvl="1"/>
+              <a:t>D. [0-9]{2}:[0-9]{2}</a:t>
+            </a:r>
+          </a:p>
+          <a:p>
             <a:r>
               <a:rPr lang="en-GB" dirty="0"/>
-              <a:t>1[0-9]: Matches hours from "10" to "19".</a:t>
-            </a:r>
-          </a:p>
-          <a:p>
-            <a:pPr lvl="1"/>
-            <a:r>
-              <a:rPr lang="en-GB" dirty="0"/>
-              <a:t>2[0-3]: Matches hours from "20" to "23".</a:t>
-            </a:r>
-          </a:p>
-          <a:p>
-            <a:r>
-              <a:rPr lang="en-GB" dirty="0"/>
-              <a:t>:: Matches the colon character that separates the hours and minutes.</a:t>
-            </a:r>
-          </a:p>
-          <a:p>
-            <a:r>
-              <a:rPr lang="en-GB" dirty="0"/>
-              <a:t>[0-5]\d: Matches the minutes part of the time.</a:t>
-            </a:r>
-          </a:p>
-          <a:p>
-            <a:pPr lvl="1"/>
-            <a:r>
-              <a:rPr lang="en-GB" dirty="0"/>
-              <a:t>[0-5]: Matches any digit from 0 to 5, representing the tens place of minutes.</a:t>
-            </a:r>
-          </a:p>
-          <a:p>
-            <a:pPr lvl="1"/>
-            <a:r>
-              <a:rPr lang="en-GB" dirty="0"/>
-              <a:t>\d: Matches any single digit from 0 to 9, representing the units place of minutes. Equivalent to [0-9].</a:t>
-            </a:r>
-          </a:p>
-          <a:p>
-            <a:r>
-              <a:rPr lang="en-GB" dirty="0"/>
-              <a:t>This regex pattern effectively captures valid hour and minute combinations in a 24-hour time format, such as "3:15", "12:45", and "23:59". However, it allows for single-digit hours without a leading zero (e.g., "3:15" instead of "03:15"). If you want to ensure that hours are always two digits, you might need a slightly different pattern.</a:t>
-            </a:r>
-          </a:p>
-          <a:p>
-            <a:r>
-              <a:rPr lang="en-GB" dirty="0"/>
-              <a:t>Note: [20-23] matches 203, 213, 223, different from 2[0-3]</a:t>
-            </a:r>
-          </a:p>
-          <a:p>
-            <a:r>
-              <a:rPr lang="en-GB" dirty="0"/>
-              <a:t>2[0-3] is equivalent to 20|21|22|23</a:t>
-            </a:r>
+              <a:t>ANS: C</a:t>
+            </a:r>
+          </a:p>
+          <a:p>
             <a:endParaRPr lang="en-SE" dirty="0"/>
           </a:p>
         </p:txBody>
@@ -7904,7 +7743,7 @@
     </p:spTree>
     <p:extLst>
       <p:ext uri="{BB962C8B-B14F-4D97-AF65-F5344CB8AC3E}">
-        <p14:creationId xmlns:p14="http://schemas.microsoft.com/office/powerpoint/2010/main" val="405875061"/>
+        <p14:creationId xmlns:p14="http://schemas.microsoft.com/office/powerpoint/2010/main" val="1857530616"/>
       </p:ext>
     </p:extLst>
   </p:cSld>
@@ -7936,7 +7775,7 @@
           <p:cNvPr id="2" name="Title 1">
             <a:extLst>
               <a:ext uri="{FF2B5EF4-FFF2-40B4-BE49-F238E27FC236}">
-                <a16:creationId xmlns:a16="http://schemas.microsoft.com/office/drawing/2014/main" id="{4C511150-939C-A384-E598-AF822D4C1E9B}"/>
+                <a16:creationId xmlns:a16="http://schemas.microsoft.com/office/drawing/2014/main" id="{F958D36C-738B-C0C1-6B77-3BC3712E4BE2}"/>
               </a:ext>
             </a:extLst>
           </p:cNvPr>
@@ -7965,7 +7804,7 @@
           <p:cNvPr id="3" name="Content Placeholder 2">
             <a:extLst>
               <a:ext uri="{FF2B5EF4-FFF2-40B4-BE49-F238E27FC236}">
-                <a16:creationId xmlns:a16="http://schemas.microsoft.com/office/drawing/2014/main" id="{643B7FB4-BCB9-8A44-C380-40689A1B47C8}"/>
+                <a16:creationId xmlns:a16="http://schemas.microsoft.com/office/drawing/2014/main" id="{A3598534-35F5-C096-A860-21924CECDC59}"/>
               </a:ext>
             </a:extLst>
           </p:cNvPr>
@@ -7976,12 +7815,7 @@
             <p:ph idx="1"/>
           </p:nvPr>
         </p:nvSpPr>
-        <p:spPr>
-          <a:xfrm>
-            <a:off x="457200" y="1121229"/>
-            <a:ext cx="8229600" cy="5736771"/>
-          </a:xfrm>
-        </p:spPr>
+        <p:spPr/>
         <p:txBody>
           <a:bodyPr>
             <a:normAutofit fontScale="77500" lnSpcReduction="20000"/>
@@ -7990,141 +7824,80 @@
           <a:p>
             <a:r>
               <a:rPr lang="en-GB" dirty="0"/>
-              <a:t>Which regex can be used to match a valid time in 24-hour format (HH:MM)?</a:t>
+              <a:t>Correct choice C: (\d|1[0-9]|2[0-3]):[0-5]\d</a:t>
+            </a:r>
+          </a:p>
+          <a:p>
+            <a:r>
+              <a:rPr lang="en-GB" dirty="0"/>
+              <a:t>(\d|1[0-9]|2[0-3]): Matches the hour part of the time.</a:t>
             </a:r>
           </a:p>
           <a:p>
             <a:pPr lvl="1"/>
             <a:r>
               <a:rPr lang="en-GB" dirty="0"/>
-              <a:t>(\d|1[0-9]|2[0-3]):[0-5]\d</a:t>
-            </a:r>
-          </a:p>
-          <a:p>
+              <a:t>\d: Matches any single digit from 0 to 9, which would cover hours "0" to "9".</a:t>
+            </a:r>
+          </a:p>
+          <a:p>
+            <a:pPr lvl="1"/>
             <a:r>
               <a:rPr lang="en-GB" dirty="0"/>
-              <a:t>The four original choices are all wrong, so everyone gets the full point for this question</a:t>
+              <a:t>1[0-9]: Matches hours from "10" to "19".</a:t>
             </a:r>
           </a:p>
           <a:p>
             <a:pPr lvl="1"/>
             <a:r>
               <a:rPr lang="en-GB" dirty="0"/>
-              <a:t>[0-2]\d:[0-5]\d</a:t>
-            </a:r>
-          </a:p>
-          <a:p>
-            <a:pPr lvl="2"/>
+              <a:t>2[0-3]: Matches hours from "20" to "23". ([20-23] is incorrect, since it matches 203, 213, 223)</a:t>
+            </a:r>
+          </a:p>
+          <a:p>
             <a:r>
               <a:rPr lang="en-GB" dirty="0"/>
-              <a:t>[0-2]\d: This part matches the hour component of the time.</a:t>
-            </a:r>
-          </a:p>
-          <a:p>
-            <a:pPr lvl="2"/>
+              <a:t>: Matches the colon character that separates the hours and minutes.</a:t>
+            </a:r>
+          </a:p>
+          <a:p>
             <a:r>
               <a:rPr lang="en-GB" dirty="0"/>
-              <a:t>[0-2]: Matches any single digit from 0 to 2, representing the tens place of the hour.</a:t>
-            </a:r>
-          </a:p>
-          <a:p>
-            <a:pPr lvl="2"/>
+              <a:t>[0-5]\d: Matches the minutes part of the time.</a:t>
+            </a:r>
+          </a:p>
+          <a:p>
+            <a:pPr lvl="1"/>
             <a:r>
               <a:rPr lang="en-GB" dirty="0"/>
-              <a:t>\d: Matches any single digit from 0 to 9, representing the units place of the hour. Combined with [0-2], this allows for hour values from "00" to "29". However, this pattern is slightly incorrect for a 24-hour clock since it allows hours like "25" to "29", which are not valid.</a:t>
-            </a:r>
-          </a:p>
-          <a:p>
-            <a:pPr lvl="2"/>
+              <a:t>[0-5]: Matches any digit from 0 to 5, representing the tens place of minutes.</a:t>
+            </a:r>
+          </a:p>
+          <a:p>
+            <a:pPr lvl="1"/>
             <a:r>
               <a:rPr lang="en-GB" dirty="0"/>
-              <a:t>:: Matches the colon character that separates hours from minutes.</a:t>
-            </a:r>
-          </a:p>
-          <a:p>
-            <a:pPr lvl="2"/>
+              <a:t>\d: Matches any single digit from 0 to 9, representing the units place of minutes. Equivalent to [0-9].</a:t>
+            </a:r>
+          </a:p>
+          <a:p>
             <a:r>
               <a:rPr lang="en-GB" dirty="0"/>
-              <a:t>[0-5]\d: This part matches the minute component of the time.</a:t>
-            </a:r>
-          </a:p>
-          <a:p>
-            <a:pPr lvl="2"/>
+              <a:t>This regex pattern effectively captures valid hour and minute combinations in a 24-hour time format, such as "3:15", "12:45", and "23:59". However, it allows for single-digit hours without a leading zero (e.g., "3:15" instead of "03:15"). </a:t>
+            </a:r>
+          </a:p>
+          <a:p>
             <a:r>
               <a:rPr lang="en-GB" dirty="0"/>
-              <a:t>[0-5]: Matches any digit from 0 to 5, representing the tens place of the minutes.</a:t>
-            </a:r>
-          </a:p>
-          <a:p>
-            <a:pPr lvl="2"/>
-            <a:r>
-              <a:rPr lang="en-GB" dirty="0"/>
-              <a:t>\d: Matches any single digit from 0 to 9, representing the units place of the minutes. This ensures that minute values range from "00" to "59".</a:t>
-            </a:r>
-          </a:p>
-          <a:p>
-            <a:pPr lvl="2"/>
-            <a:r>
-              <a:rPr lang="en-GB" dirty="0"/>
-              <a:t>While this regex pattern captures many valid times, it incorrectly allows some invalid hour values (like "25:00"). </a:t>
-            </a:r>
-          </a:p>
-          <a:p>
-            <a:pPr lvl="1"/>
-            <a:r>
-              <a:rPr lang="en-GB" dirty="0"/>
-              <a:t>(\d|2[0-3]):[0-5]\d</a:t>
-            </a:r>
-          </a:p>
-          <a:p>
-            <a:pPr lvl="2"/>
-            <a:r>
-              <a:rPr lang="en-GB" dirty="0"/>
-              <a:t>Does not match hours 10, 11,12,13…</a:t>
-            </a:r>
-          </a:p>
-          <a:p>
-            <a:pPr lvl="2"/>
-            <a:r>
-              <a:rPr lang="en-GB" dirty="0"/>
-              <a:t>\d: Matches any single digit from 0 to 9. This allows for single-digit hours like "0" to "9".</a:t>
-            </a:r>
-          </a:p>
-          <a:p>
-            <a:pPr lvl="2"/>
-            <a:r>
-              <a:rPr lang="en-GB" dirty="0"/>
-              <a:t>2[0-3]: Matches hours from "20" to "23". This ensures that valid two-digit hours in the range of 20 to 23 are captured.</a:t>
-            </a:r>
-          </a:p>
-          <a:p>
-            <a:pPr lvl="1"/>
-            <a:r>
-              <a:rPr lang="en-GB" dirty="0"/>
-              <a:t>\d\d:\d\d </a:t>
-            </a:r>
-          </a:p>
-          <a:p>
-            <a:pPr lvl="1"/>
-            <a:r>
-              <a:rPr lang="en-GB" dirty="0"/>
-              <a:t>[0-9]{2}:[0-9]{2}</a:t>
-            </a:r>
-          </a:p>
-          <a:p>
-            <a:pPr lvl="2"/>
-            <a:r>
-              <a:rPr lang="en-GB" dirty="0"/>
-              <a:t>Both are the same, matches strings like "12:34", "99:99", or "00:00"</a:t>
-            </a:r>
-            <a:endParaRPr lang="en-SE" dirty="0"/>
+              <a:t>If you want to ensure that hours are always two digits like "03:15", then use this: ([01][0-9]|2[0-3]):[0-5]\d</a:t>
+            </a:r>
           </a:p>
         </p:txBody>
       </p:sp>
     </p:spTree>
     <p:extLst>
       <p:ext uri="{BB962C8B-B14F-4D97-AF65-F5344CB8AC3E}">
-        <p14:creationId xmlns:p14="http://schemas.microsoft.com/office/powerpoint/2010/main" val="2935390486"/>
+        <p14:creationId xmlns:p14="http://schemas.microsoft.com/office/powerpoint/2010/main" val="710322434"/>
       </p:ext>
     </p:extLst>
   </p:cSld>
@@ -8156,7 +7929,7 @@
           <p:cNvPr id="2" name="Title 1">
             <a:extLst>
               <a:ext uri="{FF2B5EF4-FFF2-40B4-BE49-F238E27FC236}">
-                <a16:creationId xmlns:a16="http://schemas.microsoft.com/office/drawing/2014/main" id="{F8BA78D9-3F62-B905-E6F6-C0BF93A776E3}"/>
+                <a16:creationId xmlns:a16="http://schemas.microsoft.com/office/drawing/2014/main" id="{D015E73E-8676-07E3-581B-98C8D4F39EB3}"/>
               </a:ext>
             </a:extLst>
           </p:cNvPr>
@@ -8174,7 +7947,7 @@
           <a:p>
             <a:r>
               <a:rPr lang="en-GB" dirty="0"/>
-              <a:t>Question 23</a:t>
+              <a:t>Question 22</a:t>
             </a:r>
             <a:endParaRPr lang="en-SE" dirty="0"/>
           </a:p>
@@ -8185,7 +7958,7 @@
           <p:cNvPr id="3" name="Content Placeholder 2">
             <a:extLst>
               <a:ext uri="{FF2B5EF4-FFF2-40B4-BE49-F238E27FC236}">
-                <a16:creationId xmlns:a16="http://schemas.microsoft.com/office/drawing/2014/main" id="{917476B0-4B31-73BE-5151-261F850F80F1}"/>
+                <a16:creationId xmlns:a16="http://schemas.microsoft.com/office/drawing/2014/main" id="{5AB7C0E8-1668-271D-6E4D-836A0F84868F}"/>
               </a:ext>
             </a:extLst>
           </p:cNvPr>
@@ -8196,124 +7969,94 @@
             <p:ph idx="1"/>
           </p:nvPr>
         </p:nvSpPr>
-        <p:spPr>
-          <a:xfrm>
-            <a:off x="457200" y="1600200"/>
-            <a:ext cx="8229600" cy="5257800"/>
-          </a:xfrm>
-        </p:spPr>
+        <p:spPr/>
         <p:txBody>
           <a:bodyPr>
-            <a:normAutofit fontScale="92500" lnSpcReduction="20000"/>
+            <a:normAutofit fontScale="85000" lnSpcReduction="10000"/>
           </a:bodyPr>
           <a:lstStyle/>
           <a:p>
             <a:r>
               <a:rPr lang="en-GB" dirty="0"/>
-              <a:t>Which regex pattern matches a valid IPv4 address?</a:t>
+              <a:t>Wrong choices A, D: \d\d:\d\d, or [0-9]{2}:[0-9]{2}</a:t>
             </a:r>
           </a:p>
           <a:p>
             <a:pPr lvl="1"/>
             <a:r>
               <a:rPr lang="en-GB" dirty="0"/>
-              <a:t>(25[0-5]|2[0-4][0-9]|[1]?[0-9][0-9]?)(\.(25[0-5]|2[0-4][0-9]|[1]?[0-9][0-9]?)){3}</a:t>
-            </a:r>
+              <a:t>Both are the same, matches strings like "12:34", "99:99", or "00:00"</a:t>
+            </a:r>
+            <a:endParaRPr lang="en-SE" dirty="0"/>
           </a:p>
           <a:p>
             <a:r>
               <a:rPr lang="en-GB" dirty="0"/>
-              <a:t>This regex pattern consists of two main parts:</a:t>
-            </a:r>
-          </a:p>
-          <a:p>
-            <a:pPr lvl="1">
-              <a:buFont typeface="+mj-lt"/>
-              <a:buAutoNum type="arabicPeriod"/>
-            </a:pPr>
+              <a:t>Wrong choice B: [0-2]\d:[0-5]\d</a:t>
+            </a:r>
+          </a:p>
+          <a:p>
+            <a:pPr lvl="1"/>
             <a:r>
               <a:rPr lang="en-GB" dirty="0"/>
-              <a:t>(25[0-5]|2[0-4][0-9]|[1]?[0-9][0-9]?): This part matches a single octet (0-255) of an IPv4 address.</a:t>
-            </a:r>
-          </a:p>
-          <a:p>
-            <a:pPr lvl="1">
-              <a:buFont typeface="+mj-lt"/>
-              <a:buAutoNum type="arabicPeriod"/>
-            </a:pPr>
+              <a:t>[0-2]\d: This part matches the hour component of the time.</a:t>
+            </a:r>
+          </a:p>
+          <a:p>
+            <a:pPr lvl="1"/>
             <a:r>
               <a:rPr lang="en-GB" dirty="0"/>
-              <a:t>(\.(25[0-5]|2[0-4][0-9]|[1]?[0-9][0-9]?)){3}: This part matches the remaining three octets, each preceded by a dot.</a:t>
-            </a:r>
-          </a:p>
-          <a:p>
-            <a:r>
-              <a:rPr lang="en-GB" b="1" dirty="0"/>
-              <a:t>Matching a Single Octet</a:t>
+              <a:t>[0-2]: Matches any single digit from 0 to 2, representing the tens place of the hour.</a:t>
             </a:r>
           </a:p>
           <a:p>
             <a:pPr lvl="1"/>
             <a:r>
               <a:rPr lang="en-GB" dirty="0"/>
-              <a:t>The first part (25[0-5]|2[0-4][0-9]|[1]?[0-9][0-9]?) matches numbers from 0 to 255:</a:t>
-            </a:r>
-          </a:p>
-          <a:p>
-            <a:pPr lvl="2">
-              <a:buFont typeface="Arial" panose="020B0604020202020204" pitchFamily="34" charset="0"/>
-              <a:buChar char="•"/>
-            </a:pPr>
+              <a:t>\d: Matches any single digit from 0 to 9, representing the units place of the hour. Combined with [0-2], this allows for hour values from "00" to "29". However, this pattern is slightly incorrect for a 24-hour clock since it allows hours like "25" to "29", which are not valid.</a:t>
+            </a:r>
+          </a:p>
+          <a:p>
+            <a:pPr lvl="1"/>
             <a:r>
               <a:rPr lang="en-GB" dirty="0"/>
-              <a:t>25[0-5]: Matches numbers from 250 to 255</a:t>
-            </a:r>
-          </a:p>
-          <a:p>
-            <a:pPr lvl="2">
-              <a:buFont typeface="Arial" panose="020B0604020202020204" pitchFamily="34" charset="0"/>
-              <a:buChar char="•"/>
-            </a:pPr>
+              <a:t>: Matches the colon character that separates hours from minutes.</a:t>
+            </a:r>
+          </a:p>
+          <a:p>
+            <a:pPr lvl="1"/>
             <a:r>
               <a:rPr lang="en-GB" dirty="0"/>
-              <a:t>2[0-4][0-9]: Matches numbers from 200 to 249</a:t>
-            </a:r>
-          </a:p>
-          <a:p>
-            <a:pPr lvl="2">
-              <a:buFont typeface="Arial" panose="020B0604020202020204" pitchFamily="34" charset="0"/>
-              <a:buChar char="•"/>
-            </a:pPr>
+              <a:t>[0-5]\d: This part matches the minute component of the time.</a:t>
+            </a:r>
+          </a:p>
+          <a:p>
+            <a:pPr lvl="1"/>
             <a:r>
               <a:rPr lang="en-GB" dirty="0"/>
-              <a:t>[1]?[0-9][0-9]?: Matches numbers from 0 to 199. ? is a quantifier that specifies that the preceding element (in this case, "1") can appear zero or one time. Essentially, it makes the presence of "1" optional.</a:t>
-            </a:r>
-          </a:p>
-          <a:p>
-            <a:r>
-              <a:rPr lang="en-GB" b="1" dirty="0"/>
-              <a:t>Matching the Full IP Address</a:t>
+              <a:t>[0-5]: Matches any digit from 0 to 5, representing the tens place of the minutes.</a:t>
             </a:r>
           </a:p>
           <a:p>
             <a:pPr lvl="1"/>
             <a:r>
               <a:rPr lang="en-GB" dirty="0"/>
-              <a:t>The second part (\.(25[0-5]|2[0-4][0-9]|[1]?[0-9][0-9]?)){3} repeats the octet pattern 3 more times, each preceded by a dot.</a:t>
-            </a:r>
-          </a:p>
-          <a:p>
-            <a:endParaRPr lang="en-SE" dirty="0"/>
-          </a:p>
-          <a:p>
-            <a:endParaRPr lang="en-SE" dirty="0"/>
+              <a:t>\d: Matches any single digit from 0 to 9, representing the units place of the minutes. This ensures that minute values range from "00" to "59".</a:t>
+            </a:r>
+          </a:p>
+          <a:p>
+            <a:pPr lvl="1"/>
+            <a:r>
+              <a:rPr lang="en-GB" dirty="0"/>
+              <a:t>While this regex pattern captures many valid times, it incorrectly allows some invalid hour values (like "25:00"). </a:t>
+            </a:r>
           </a:p>
         </p:txBody>
       </p:sp>
     </p:spTree>
     <p:extLst>
       <p:ext uri="{BB962C8B-B14F-4D97-AF65-F5344CB8AC3E}">
-        <p14:creationId xmlns:p14="http://schemas.microsoft.com/office/powerpoint/2010/main" val="2637355215"/>
+        <p14:creationId xmlns:p14="http://schemas.microsoft.com/office/powerpoint/2010/main" val="2493728688"/>
       </p:ext>
     </p:extLst>
   </p:cSld>
@@ -8345,7 +8088,7 @@
           <p:cNvPr id="2" name="Title 1">
             <a:extLst>
               <a:ext uri="{FF2B5EF4-FFF2-40B4-BE49-F238E27FC236}">
-                <a16:creationId xmlns:a16="http://schemas.microsoft.com/office/drawing/2014/main" id="{07015D65-EADD-0F64-E412-A84A9B0DB5B2}"/>
+                <a16:creationId xmlns:a16="http://schemas.microsoft.com/office/drawing/2014/main" id="{94762012-3387-0174-EA7D-7DCB6D45FF47}"/>
               </a:ext>
             </a:extLst>
           </p:cNvPr>
@@ -8358,7 +8101,9 @@
         </p:nvSpPr>
         <p:spPr/>
         <p:txBody>
-          <a:bodyPr/>
+          <a:bodyPr>
+            <a:normAutofit/>
+          </a:bodyPr>
           <a:lstStyle/>
           <a:p>
             <a:r>
@@ -8374,7 +8119,7 @@
           <p:cNvPr id="3" name="Content Placeholder 2">
             <a:extLst>
               <a:ext uri="{FF2B5EF4-FFF2-40B4-BE49-F238E27FC236}">
-                <a16:creationId xmlns:a16="http://schemas.microsoft.com/office/drawing/2014/main" id="{01A1169A-5F90-97F0-6578-2904C30FB11C}"/>
+                <a16:creationId xmlns:a16="http://schemas.microsoft.com/office/drawing/2014/main" id="{6BDA82F1-331B-699A-567C-87CEDF3E0A0A}"/>
               </a:ext>
             </a:extLst>
           </p:cNvPr>
@@ -8385,79 +8130,59 @@
             <p:ph idx="1"/>
           </p:nvPr>
         </p:nvSpPr>
-        <p:spPr>
-          <a:xfrm>
-            <a:off x="457200" y="1600200"/>
-            <a:ext cx="8229600" cy="4983162"/>
-          </a:xfrm>
-        </p:spPr>
+        <p:spPr/>
         <p:txBody>
-          <a:bodyPr>
-            <a:normAutofit fontScale="77500" lnSpcReduction="20000"/>
-          </a:bodyPr>
+          <a:bodyPr/>
           <a:lstStyle/>
           <a:p>
             <a:r>
               <a:rPr lang="en-GB" dirty="0"/>
-              <a:t>Wrong choice: \d{1,3}\.\d{1,3}\.\d{1,3}\.\d{1,3}</a:t>
-            </a:r>
-          </a:p>
-          <a:p>
+              <a:t>Which regex matches a valid IPv4 address?</a:t>
+            </a:r>
+          </a:p>
+          <a:p>
+            <a:pPr lvl="1"/>
             <a:r>
               <a:rPr lang="en-GB" dirty="0"/>
-              <a:t>Or  (\d{1,3}\.){3}\d{1,3}</a:t>
-            </a:r>
-          </a:p>
-          <a:p>
+              <a:t>A. \d{1,3}\.\d{1,3}\.\d{1,3}\.\d{1,3}</a:t>
+            </a:r>
+          </a:p>
+          <a:p>
+            <a:pPr lvl="1"/>
             <a:r>
               <a:rPr lang="en-GB" dirty="0"/>
-              <a:t>The regular expression \d{1,3}\.\d{1,3}\.\d{1,3}\.\d{1,3} is designed to match patterns that resemble IPv4 addresses. Here's a breakdown of how it works:</a:t>
-            </a:r>
-          </a:p>
-          <a:p>
+              <a:t>B. (\d{1,3}\.){3}\d{1,3}</a:t>
+            </a:r>
+          </a:p>
+          <a:p>
+            <a:pPr lvl="1"/>
             <a:r>
               <a:rPr lang="en-GB" dirty="0"/>
-              <a:t>\d{1,3}: Matches between one and three digits. This pattern is repeated four times, once for each segment of an IPv4 address.</a:t>
+              <a:t>C. (25[0-5]|2[0-4][0-9]|[1]?[0-9][0-9]?)(\.(25[0-5]|2[0-4][0-9]|[1]?[0-9][0-9]?)){3}</a:t>
             </a:r>
           </a:p>
           <a:p>
             <a:pPr lvl="1"/>
             <a:r>
               <a:rPr lang="en-GB" dirty="0"/>
-              <a:t>\d: Matches any single digit from 0 to 9.</a:t>
-            </a:r>
-          </a:p>
-          <a:p>
-            <a:pPr lvl="1"/>
+              <a:t>D. [0-255]\.[0-255]\.[0-255]\.[0-255]</a:t>
+            </a:r>
+          </a:p>
+          <a:p>
             <a:r>
               <a:rPr lang="en-GB" dirty="0"/>
-              <a:t>{1,3}: Specifies that the preceding element (a digit) must occur at least once and at most three times.</a:t>
-            </a:r>
-          </a:p>
-          <a:p>
-            <a:r>
-              <a:rPr lang="en-GB" dirty="0"/>
-              <a:t>\.: Matches the literal dot character. The backslash (\) is used to escape the dot because, in regex, a dot normally matches any character except a newline.</a:t>
-            </a:r>
-          </a:p>
-          <a:p>
-            <a:r>
-              <a:rPr lang="en-GB" dirty="0"/>
-              <a:t>This pattern will match strings that look like IPv4 addresses, such as "192.168.0.1", "10.0.0.255", or "127.0.0.1". However, it does not validate whether each segment is within the valid range for an IPv4 address (0 to 255). For stricter validation that ensures each segment is within this range, a more complex regex would be required.</a:t>
-            </a:r>
-          </a:p>
-          <a:p>
-            <a:r>
-              <a:rPr lang="en-GB" dirty="0"/>
-              <a:t>(\d{1,3}\.){3}\d{1,3} is the same as \d{1,3}\.\d{1,3}\.\d{1,3}\.\d{1,3}</a:t>
-            </a:r>
+              <a:t>ANS: C</a:t>
+            </a:r>
+          </a:p>
+          <a:p>
+            <a:endParaRPr lang="en-SE" dirty="0"/>
           </a:p>
         </p:txBody>
       </p:sp>
     </p:spTree>
     <p:extLst>
       <p:ext uri="{BB962C8B-B14F-4D97-AF65-F5344CB8AC3E}">
-        <p14:creationId xmlns:p14="http://schemas.microsoft.com/office/powerpoint/2010/main" val="1878936563"/>
+        <p14:creationId xmlns:p14="http://schemas.microsoft.com/office/powerpoint/2010/main" val="3961851767"/>
       </p:ext>
     </p:extLst>
   </p:cSld>
@@ -8711,7 +8436,7 @@
           <p:cNvPr id="2" name="Title 1">
             <a:extLst>
               <a:ext uri="{FF2B5EF4-FFF2-40B4-BE49-F238E27FC236}">
-                <a16:creationId xmlns:a16="http://schemas.microsoft.com/office/drawing/2014/main" id="{72076487-B4BF-47F4-CD93-DBC856CF0EDF}"/>
+                <a16:creationId xmlns:a16="http://schemas.microsoft.com/office/drawing/2014/main" id="{EF27DDAC-0453-2D36-CC32-3487978C5770}"/>
               </a:ext>
             </a:extLst>
           </p:cNvPr>
@@ -8724,7 +8449,9 @@
         </p:nvSpPr>
         <p:spPr/>
         <p:txBody>
-          <a:bodyPr/>
+          <a:bodyPr>
+            <a:normAutofit/>
+          </a:bodyPr>
           <a:lstStyle/>
           <a:p>
             <a:r>
@@ -8740,7 +8467,7 @@
           <p:cNvPr id="3" name="Content Placeholder 2">
             <a:extLst>
               <a:ext uri="{FF2B5EF4-FFF2-40B4-BE49-F238E27FC236}">
-                <a16:creationId xmlns:a16="http://schemas.microsoft.com/office/drawing/2014/main" id="{260D9C6C-4D17-7309-1101-58FDB15552F8}"/>
+                <a16:creationId xmlns:a16="http://schemas.microsoft.com/office/drawing/2014/main" id="{3C053F6F-CDEE-7C9D-FCC3-57F6125A4EBA}"/>
               </a:ext>
             </a:extLst>
           </p:cNvPr>
@@ -8751,35 +8478,111 @@
             <p:ph idx="1"/>
           </p:nvPr>
         </p:nvSpPr>
-        <p:spPr/>
+        <p:spPr>
+          <a:xfrm>
+            <a:off x="457200" y="1600200"/>
+            <a:ext cx="8229600" cy="5135880"/>
+          </a:xfrm>
+        </p:spPr>
         <p:txBody>
-          <a:bodyPr/>
+          <a:bodyPr>
+            <a:normAutofit fontScale="85000" lnSpcReduction="10000"/>
+          </a:bodyPr>
           <a:lstStyle/>
           <a:p>
             <a:r>
               <a:rPr lang="en-GB" dirty="0"/>
-              <a:t>Wrong choice: </a:t>
-            </a:r>
-            <a:r>
-              <a:rPr lang="en-SE" dirty="0"/>
-              <a:t>[0-255]\.[0-255]\.[0-255]\.[0-255]</a:t>
-            </a:r>
-            <a:endParaRPr lang="en-GB" dirty="0"/>
+              <a:t>Correct choice C: (25[0-5]|2[0-4][0-9]|[1]?[0-9][0-9]?)(\.(25[0-5]|2[0-4][0-9]|[1]?[0-9][0-9]?)){3}</a:t>
+            </a:r>
+          </a:p>
+          <a:p>
+            <a:r>
+              <a:rPr lang="en-GB" dirty="0"/>
+              <a:t>This regex pattern consists of two main parts:</a:t>
+            </a:r>
+          </a:p>
+          <a:p>
+            <a:pPr lvl="1">
+              <a:buFont typeface="+mj-lt"/>
+              <a:buAutoNum type="arabicPeriod"/>
+            </a:pPr>
+            <a:r>
+              <a:rPr lang="en-GB" dirty="0"/>
+              <a:t>(25[0-5]|2[0-4][0-9]|[1]?[0-9][0-9]?): This part matches a single octet (0-255) of an IPv4 address.</a:t>
+            </a:r>
+          </a:p>
+          <a:p>
+            <a:pPr lvl="1">
+              <a:buFont typeface="+mj-lt"/>
+              <a:buAutoNum type="arabicPeriod"/>
+            </a:pPr>
+            <a:r>
+              <a:rPr lang="en-GB" dirty="0"/>
+              <a:t>(\.(25[0-5]|2[0-4][0-9]|[1]?[0-9][0-9]?)){3}: This part matches the remaining three octets, each preceded by a dot.</a:t>
+            </a:r>
+          </a:p>
+          <a:p>
+            <a:r>
+              <a:rPr lang="en-GB" b="1" dirty="0"/>
+              <a:t>Matching a Single Octet</a:t>
+            </a:r>
           </a:p>
           <a:p>
             <a:pPr lvl="1"/>
             <a:r>
               <a:rPr lang="en-GB" dirty="0"/>
-              <a:t>The pattern [0-255] matches any single character that is either '0', '2', '5', or ‘1’, it is equivalent to [01255]. This does not correctly represent the range of numbers from 0 to 255.</a:t>
-            </a:r>
-            <a:endParaRPr lang="en-SE" dirty="0"/>
+              <a:t>The first part (25[0-5]|2[0-4][0-9]|[1]?[0-9][0-9]?) matches numbers from 0 to 255:</a:t>
+            </a:r>
+          </a:p>
+          <a:p>
+            <a:pPr lvl="1">
+              <a:buFont typeface="Arial" panose="020B0604020202020204" pitchFamily="34" charset="0"/>
+              <a:buChar char="•"/>
+            </a:pPr>
+            <a:r>
+              <a:rPr lang="en-GB" dirty="0"/>
+              <a:t>25[0-5]: Matches numbers from 250 to 255</a:t>
+            </a:r>
+          </a:p>
+          <a:p>
+            <a:pPr lvl="1">
+              <a:buFont typeface="Arial" panose="020B0604020202020204" pitchFamily="34" charset="0"/>
+              <a:buChar char="•"/>
+            </a:pPr>
+            <a:r>
+              <a:rPr lang="en-GB" dirty="0"/>
+              <a:t>2[0-4][0-9]: Matches numbers from 200 to 249</a:t>
+            </a:r>
+          </a:p>
+          <a:p>
+            <a:pPr lvl="1">
+              <a:buFont typeface="Arial" panose="020B0604020202020204" pitchFamily="34" charset="0"/>
+              <a:buChar char="•"/>
+            </a:pPr>
+            <a:r>
+              <a:rPr lang="en-GB" dirty="0"/>
+              <a:t>[1]?[0-9][0-9]?: Matches numbers from 0 to 199. ? is a quantifier that specifies that the preceding element (in this case, "1") can appear zero or one time. Essentially, it makes the presence of "1" optional.</a:t>
+            </a:r>
+          </a:p>
+          <a:p>
+            <a:r>
+              <a:rPr lang="en-GB" b="1" dirty="0"/>
+              <a:t>Matching the Full IP Address</a:t>
+            </a:r>
+          </a:p>
+          <a:p>
+            <a:pPr lvl="1"/>
+            <a:r>
+              <a:rPr lang="en-GB" dirty="0"/>
+              <a:t>The second part (\.(25[0-5]|2[0-4][0-9]|[1]?[0-9][0-9]?)){3} repeats the octet pattern 3 more times, each preceded by a dot. The backslash (\) is used to escape the dot because, in regex, a dot normally matches any character except a newline.</a:t>
+            </a:r>
           </a:p>
         </p:txBody>
       </p:sp>
     </p:spTree>
     <p:extLst>
       <p:ext uri="{BB962C8B-B14F-4D97-AF65-F5344CB8AC3E}">
-        <p14:creationId xmlns:p14="http://schemas.microsoft.com/office/powerpoint/2010/main" val="2158278081"/>
+        <p14:creationId xmlns:p14="http://schemas.microsoft.com/office/powerpoint/2010/main" val="3769474171"/>
       </p:ext>
     </p:extLst>
   </p:cSld>
@@ -8790,6 +8593,168 @@
 </file>
 
 <file path=ppt/slides/slide21.xml><?xml version="1.0" encoding="utf-8"?>
+<p:sld xmlns:a="http://schemas.openxmlformats.org/drawingml/2006/main" xmlns:r="http://schemas.openxmlformats.org/officeDocument/2006/relationships" xmlns:p="http://schemas.openxmlformats.org/presentationml/2006/main">
+  <p:cSld>
+    <p:spTree>
+      <p:nvGrpSpPr>
+        <p:cNvPr id="1" name=""/>
+        <p:cNvGrpSpPr/>
+        <p:nvPr/>
+      </p:nvGrpSpPr>
+      <p:grpSpPr>
+        <a:xfrm>
+          <a:off x="0" y="0"/>
+          <a:ext cx="0" cy="0"/>
+          <a:chOff x="0" y="0"/>
+          <a:chExt cx="0" cy="0"/>
+        </a:xfrm>
+      </p:grpSpPr>
+      <p:sp>
+        <p:nvSpPr>
+          <p:cNvPr id="2" name="Title 1">
+            <a:extLst>
+              <a:ext uri="{FF2B5EF4-FFF2-40B4-BE49-F238E27FC236}">
+                <a16:creationId xmlns:a16="http://schemas.microsoft.com/office/drawing/2014/main" id="{D1704590-7A92-1FC7-FCC0-062B9AC6A756}"/>
+              </a:ext>
+            </a:extLst>
+          </p:cNvPr>
+          <p:cNvSpPr>
+            <a:spLocks noGrp="1"/>
+          </p:cNvSpPr>
+          <p:nvPr>
+            <p:ph type="title"/>
+          </p:nvPr>
+        </p:nvSpPr>
+        <p:spPr/>
+        <p:txBody>
+          <a:bodyPr>
+            <a:normAutofit/>
+          </a:bodyPr>
+          <a:lstStyle/>
+          <a:p>
+            <a:r>
+              <a:rPr lang="en-GB" dirty="0"/>
+              <a:t>Question 23</a:t>
+            </a:r>
+            <a:endParaRPr lang="en-SE" dirty="0"/>
+          </a:p>
+        </p:txBody>
+      </p:sp>
+      <p:sp>
+        <p:nvSpPr>
+          <p:cNvPr id="3" name="Content Placeholder 2">
+            <a:extLst>
+              <a:ext uri="{FF2B5EF4-FFF2-40B4-BE49-F238E27FC236}">
+                <a16:creationId xmlns:a16="http://schemas.microsoft.com/office/drawing/2014/main" id="{C0DE4D23-0D23-9774-837E-2AB6A89DA83C}"/>
+              </a:ext>
+            </a:extLst>
+          </p:cNvPr>
+          <p:cNvSpPr>
+            <a:spLocks noGrp="1"/>
+          </p:cNvSpPr>
+          <p:nvPr>
+            <p:ph idx="1"/>
+          </p:nvPr>
+        </p:nvSpPr>
+        <p:spPr>
+          <a:xfrm>
+            <a:off x="457200" y="1600200"/>
+            <a:ext cx="8229600" cy="4699000"/>
+          </a:xfrm>
+        </p:spPr>
+        <p:txBody>
+          <a:bodyPr>
+            <a:normAutofit fontScale="85000" lnSpcReduction="20000"/>
+          </a:bodyPr>
+          <a:lstStyle/>
+          <a:p>
+            <a:r>
+              <a:rPr lang="en-GB" dirty="0"/>
+              <a:t>Wrong choice A or B: \d{1,3}\.\d{1,3}\.\d{1,3}\.\d{1,3}, or  (\d{1,3}\.){3}\d{1,3}</a:t>
+            </a:r>
+          </a:p>
+          <a:p>
+            <a:r>
+              <a:rPr lang="en-GB" dirty="0"/>
+              <a:t>For \d{1,3}\.\d{1,3}\.\d{1,3}\.\d{1,3}:</a:t>
+            </a:r>
+          </a:p>
+          <a:p>
+            <a:pPr lvl="1"/>
+            <a:r>
+              <a:rPr lang="en-GB" dirty="0"/>
+              <a:t>\d{1,3}: Matches between one and three digits. This pattern is repeated four times, once for each segment of an IPv4 address.</a:t>
+            </a:r>
+          </a:p>
+          <a:p>
+            <a:pPr lvl="2"/>
+            <a:r>
+              <a:rPr lang="en-GB" dirty="0"/>
+              <a:t>\d: Matches any single digit from 0 to 9.</a:t>
+            </a:r>
+          </a:p>
+          <a:p>
+            <a:pPr lvl="2"/>
+            <a:r>
+              <a:rPr lang="en-GB" dirty="0"/>
+              <a:t>{1,3}: Specifies that the preceding element (a digit) must occur at least once and at most three times.</a:t>
+            </a:r>
+          </a:p>
+          <a:p>
+            <a:pPr lvl="1"/>
+            <a:r>
+              <a:rPr lang="en-GB" dirty="0"/>
+              <a:t>\.: Matches the literal dot character. </a:t>
+            </a:r>
+          </a:p>
+          <a:p>
+            <a:pPr lvl="1"/>
+            <a:r>
+              <a:rPr lang="en-GB" dirty="0"/>
+              <a:t>This regex will match strings that look like IPv4 addresses, such as "192.168.0.1", "10.0.0.255", or "127.0.0.1". However, it does not validate whether each segment is within the valid range for an IPv4 address (0 to 255). For stricter validation that ensures each segment is within this range, a more complex regex would be required.</a:t>
+            </a:r>
+          </a:p>
+          <a:p>
+            <a:r>
+              <a:rPr lang="en-GB" dirty="0"/>
+              <a:t>Choices A and B are the same, since (\d{1,3}\.){3} is the same as \d{1,3}\.\d{1,3}\.\d{1,3}\.</a:t>
+            </a:r>
+          </a:p>
+          <a:p>
+            <a:r>
+              <a:rPr lang="en-GB" dirty="0"/>
+              <a:t>Wrong choice D: </a:t>
+            </a:r>
+            <a:r>
+              <a:rPr lang="en-SE" dirty="0"/>
+              <a:t>[0-255]\.[0-255]\.[0-255]\.[0-255]</a:t>
+            </a:r>
+            <a:endParaRPr lang="en-GB" dirty="0"/>
+          </a:p>
+          <a:p>
+            <a:pPr lvl="1"/>
+            <a:r>
+              <a:rPr lang="en-GB" dirty="0"/>
+              <a:t>The pattern [0-255] matches any single character that is either “0”, or “1”, or “2”, or “5”. It is equivalent to [0125]. This does not correctly represent the range of numbers from 0 to 255.</a:t>
+            </a:r>
+            <a:endParaRPr lang="en-SE" dirty="0"/>
+          </a:p>
+        </p:txBody>
+      </p:sp>
+    </p:spTree>
+    <p:extLst>
+      <p:ext uri="{BB962C8B-B14F-4D97-AF65-F5344CB8AC3E}">
+        <p14:creationId xmlns:p14="http://schemas.microsoft.com/office/powerpoint/2010/main" val="1563799232"/>
+      </p:ext>
+    </p:extLst>
+  </p:cSld>
+  <p:clrMapOvr>
+    <a:masterClrMapping/>
+  </p:clrMapOvr>
+</p:sld>
+</file>
+
+<file path=ppt/slides/slide22.xml><?xml version="1.0" encoding="utf-8"?>
 <p:sld xmlns:a="http://schemas.openxmlformats.org/drawingml/2006/main" xmlns:r="http://schemas.openxmlformats.org/officeDocument/2006/relationships" xmlns:p="http://schemas.openxmlformats.org/presentationml/2006/main">
   <p:cSld>
     <p:spTree>
@@ -9086,8 +9051,8 @@
           </a:p>
         </p:txBody>
       </p:sp>
-      <mc:AlternateContent xmlns:mc="http://schemas.openxmlformats.org/markup-compatibility/2006">
-        <mc:Choice xmlns:p14="http://schemas.microsoft.com/office/powerpoint/2010/main" Requires="p14">
+      <mc:AlternateContent xmlns:mc="http://schemas.openxmlformats.org/markup-compatibility/2006" xmlns:p14="http://schemas.microsoft.com/office/powerpoint/2010/main">
+        <mc:Choice Requires="p14">
           <p:contentPart p14:bwMode="auto" r:id="rId2">
             <p14:nvContentPartPr>
               <p14:cNvPr id="4" name="Ink 3">
@@ -9106,7 +9071,7 @@
             </p14:xfrm>
           </p:contentPart>
         </mc:Choice>
-        <mc:Fallback>
+        <mc:Fallback xmlns="">
           <p:pic>
             <p:nvPicPr>
               <p:cNvPr id="4" name="Ink 3">
@@ -9150,7 +9115,7 @@
 </p:sld>
 </file>
 
-<file path=ppt/slides/slide22.xml><?xml version="1.0" encoding="utf-8"?>
+<file path=ppt/slides/slide23.xml><?xml version="1.0" encoding="utf-8"?>
 <p:sld xmlns:a="http://schemas.openxmlformats.org/drawingml/2006/main" xmlns:r="http://schemas.openxmlformats.org/officeDocument/2006/relationships" xmlns:p="http://schemas.openxmlformats.org/presentationml/2006/main">
   <p:cSld>
     <p:spTree>
@@ -9752,549 +9717,6 @@
     <p:extLst>
       <p:ext uri="{BB962C8B-B14F-4D97-AF65-F5344CB8AC3E}">
         <p14:creationId xmlns:p14="http://schemas.microsoft.com/office/powerpoint/2010/main" val="169866716"/>
-      </p:ext>
-    </p:extLst>
-  </p:cSld>
-  <p:clrMapOvr>
-    <a:masterClrMapping/>
-  </p:clrMapOvr>
-</p:sld>
-</file>
-
-<file path=ppt/slides/slide23.xml><?xml version="1.0" encoding="utf-8"?>
-<p:sld xmlns:a="http://schemas.openxmlformats.org/drawingml/2006/main" xmlns:r="http://schemas.openxmlformats.org/officeDocument/2006/relationships" xmlns:p="http://schemas.openxmlformats.org/presentationml/2006/main">
-  <p:cSld>
-    <p:spTree>
-      <p:nvGrpSpPr>
-        <p:cNvPr id="1" name=""/>
-        <p:cNvGrpSpPr/>
-        <p:nvPr/>
-      </p:nvGrpSpPr>
-      <p:grpSpPr>
-        <a:xfrm>
-          <a:off x="0" y="0"/>
-          <a:ext cx="0" cy="0"/>
-          <a:chOff x="0" y="0"/>
-          <a:chExt cx="0" cy="0"/>
-        </a:xfrm>
-      </p:grpSpPr>
-      <p:sp>
-        <p:nvSpPr>
-          <p:cNvPr id="2" name="Title 1">
-            <a:extLst>
-              <a:ext uri="{FF2B5EF4-FFF2-40B4-BE49-F238E27FC236}">
-                <a16:creationId xmlns:a16="http://schemas.microsoft.com/office/drawing/2014/main" id="{03C810E4-B0CA-BDD6-65A6-7548AA6B746F}"/>
-              </a:ext>
-            </a:extLst>
-          </p:cNvPr>
-          <p:cNvSpPr>
-            <a:spLocks noGrp="1"/>
-          </p:cNvSpPr>
-          <p:nvPr>
-            <p:ph type="title"/>
-          </p:nvPr>
-        </p:nvSpPr>
-        <p:spPr>
-          <a:xfrm>
-            <a:off x="457200" y="141939"/>
-            <a:ext cx="8229600" cy="1143000"/>
-          </a:xfrm>
-        </p:spPr>
-        <p:txBody>
-          <a:bodyPr/>
-          <a:lstStyle/>
-          <a:p>
-            <a:r>
-              <a:rPr lang="en-GB" dirty="0"/>
-              <a:t>Question 26</a:t>
-            </a:r>
-            <a:endParaRPr lang="en-SE" dirty="0"/>
-          </a:p>
-        </p:txBody>
-      </p:sp>
-      <p:sp>
-        <p:nvSpPr>
-          <p:cNvPr id="3" name="Content Placeholder 2">
-            <a:extLst>
-              <a:ext uri="{FF2B5EF4-FFF2-40B4-BE49-F238E27FC236}">
-                <a16:creationId xmlns:a16="http://schemas.microsoft.com/office/drawing/2014/main" id="{61C251DD-B7FA-74E0-5272-D0236B9EA78C}"/>
-              </a:ext>
-            </a:extLst>
-          </p:cNvPr>
-          <p:cNvSpPr>
-            <a:spLocks noGrp="1"/>
-          </p:cNvSpPr>
-          <p:nvPr>
-            <p:ph idx="1"/>
-          </p:nvPr>
-        </p:nvSpPr>
-        <p:spPr>
-          <a:xfrm>
-            <a:off x="196646" y="1262815"/>
-            <a:ext cx="4018829" cy="5595185"/>
-          </a:xfrm>
-        </p:spPr>
-        <p:txBody>
-          <a:bodyPr>
-            <a:normAutofit fontScale="85000" lnSpcReduction="20000"/>
-          </a:bodyPr>
-          <a:lstStyle/>
-          <a:p>
-            <a:pPr algn="l"/>
-            <a:r>
-              <a:rPr lang="en-GB" b="0" i="0" dirty="0">
-                <a:solidFill>
-                  <a:srgbClr val="2D3B45"/>
-                </a:solidFill>
-                <a:effectLst/>
-                <a:latin typeface="Lato Extended"/>
-              </a:rPr>
-              <a:t>Describe the worst case running time of the following code in “big-Oh” notation in terms of the variable n.</a:t>
-            </a:r>
-          </a:p>
-          <a:p>
-            <a:pPr algn="l"/>
-            <a:r>
-              <a:rPr lang="en-GB" b="0" i="0" dirty="0">
-                <a:solidFill>
-                  <a:srgbClr val="2D3B45"/>
-                </a:solidFill>
-                <a:effectLst/>
-                <a:latin typeface="Lato Extended"/>
-              </a:rPr>
-              <a:t>int f3(int n) {</a:t>
-            </a:r>
-            <a:br>
-              <a:rPr lang="en-GB" b="0" i="0" dirty="0">
-                <a:solidFill>
-                  <a:srgbClr val="2D3B45"/>
-                </a:solidFill>
-                <a:effectLst/>
-                <a:latin typeface="Lato Extended"/>
-              </a:rPr>
-            </a:br>
-            <a:r>
-              <a:rPr lang="en-GB" b="0" i="0" dirty="0">
-                <a:solidFill>
-                  <a:srgbClr val="2D3B45"/>
-                </a:solidFill>
-                <a:effectLst/>
-                <a:latin typeface="Lato Extended"/>
-              </a:rPr>
-              <a:t>int sum = 73;</a:t>
-            </a:r>
-            <a:br>
-              <a:rPr lang="en-GB" b="0" i="0" dirty="0">
-                <a:solidFill>
-                  <a:srgbClr val="2D3B45"/>
-                </a:solidFill>
-                <a:effectLst/>
-                <a:latin typeface="Lato Extended"/>
-              </a:rPr>
-            </a:br>
-            <a:r>
-              <a:rPr lang="en-GB" b="0" i="0" dirty="0">
-                <a:solidFill>
-                  <a:srgbClr val="2D3B45"/>
-                </a:solidFill>
-                <a:effectLst/>
-                <a:latin typeface="Lato Extended"/>
-              </a:rPr>
-              <a:t>for(int </a:t>
-            </a:r>
-            <a:r>
-              <a:rPr lang="en-GB" b="0" i="0" dirty="0" err="1">
-                <a:solidFill>
-                  <a:srgbClr val="2D3B45"/>
-                </a:solidFill>
-                <a:effectLst/>
-                <a:latin typeface="Lato Extended"/>
-              </a:rPr>
-              <a:t>i</a:t>
-            </a:r>
-            <a:r>
-              <a:rPr lang="en-GB" b="0" i="0" dirty="0">
-                <a:solidFill>
-                  <a:srgbClr val="2D3B45"/>
-                </a:solidFill>
-                <a:effectLst/>
-                <a:latin typeface="Lato Extended"/>
-              </a:rPr>
-              <a:t>=0; </a:t>
-            </a:r>
-            <a:r>
-              <a:rPr lang="en-GB" b="0" i="0" dirty="0" err="1">
-                <a:solidFill>
-                  <a:srgbClr val="2D3B45"/>
-                </a:solidFill>
-                <a:effectLst/>
-                <a:latin typeface="Lato Extended"/>
-              </a:rPr>
-              <a:t>i</a:t>
-            </a:r>
-            <a:r>
-              <a:rPr lang="en-GB" b="0" i="0" dirty="0">
-                <a:solidFill>
-                  <a:srgbClr val="2D3B45"/>
-                </a:solidFill>
-                <a:effectLst/>
-                <a:latin typeface="Lato Extended"/>
-              </a:rPr>
-              <a:t> &lt; n; </a:t>
-            </a:r>
-            <a:r>
-              <a:rPr lang="en-GB" b="0" i="0" dirty="0" err="1">
-                <a:solidFill>
-                  <a:srgbClr val="2D3B45"/>
-                </a:solidFill>
-                <a:effectLst/>
-                <a:latin typeface="Lato Extended"/>
-              </a:rPr>
-              <a:t>i</a:t>
-            </a:r>
-            <a:r>
-              <a:rPr lang="en-GB" b="0" i="0" dirty="0">
-                <a:solidFill>
-                  <a:srgbClr val="2D3B45"/>
-                </a:solidFill>
-                <a:effectLst/>
-                <a:latin typeface="Lato Extended"/>
-              </a:rPr>
-              <a:t>++) {</a:t>
-            </a:r>
-            <a:br>
-              <a:rPr lang="en-GB" b="0" i="0" dirty="0">
-                <a:solidFill>
-                  <a:srgbClr val="2D3B45"/>
-                </a:solidFill>
-                <a:effectLst/>
-                <a:latin typeface="Lato Extended"/>
-              </a:rPr>
-            </a:br>
-            <a:r>
-              <a:rPr lang="en-GB" b="0" i="0" dirty="0">
-                <a:solidFill>
-                  <a:srgbClr val="2D3B45"/>
-                </a:solidFill>
-                <a:effectLst/>
-                <a:latin typeface="Lato Extended"/>
-              </a:rPr>
-              <a:t>for(int j=</a:t>
-            </a:r>
-            <a:r>
-              <a:rPr lang="en-GB" b="0" i="0" dirty="0" err="1">
-                <a:solidFill>
-                  <a:srgbClr val="2D3B45"/>
-                </a:solidFill>
-                <a:effectLst/>
-                <a:latin typeface="Lato Extended"/>
-              </a:rPr>
-              <a:t>i</a:t>
-            </a:r>
-            <a:r>
-              <a:rPr lang="en-GB" b="0" i="0" dirty="0">
-                <a:solidFill>
-                  <a:srgbClr val="2D3B45"/>
-                </a:solidFill>
-                <a:effectLst/>
-                <a:latin typeface="Lato Extended"/>
-              </a:rPr>
-              <a:t>; j &gt;= 5; j--) {</a:t>
-            </a:r>
-            <a:br>
-              <a:rPr lang="en-GB" b="0" i="0" dirty="0">
-                <a:solidFill>
-                  <a:srgbClr val="2D3B45"/>
-                </a:solidFill>
-                <a:effectLst/>
-                <a:latin typeface="Lato Extended"/>
-              </a:rPr>
-            </a:br>
-            <a:r>
-              <a:rPr lang="en-GB" b="0" i="0" dirty="0">
-                <a:solidFill>
-                  <a:srgbClr val="2D3B45"/>
-                </a:solidFill>
-                <a:effectLst/>
-                <a:latin typeface="Lato Extended"/>
-              </a:rPr>
-              <a:t>sum--;</a:t>
-            </a:r>
-            <a:br>
-              <a:rPr lang="en-GB" b="0" i="0" dirty="0">
-                <a:solidFill>
-                  <a:srgbClr val="2D3B45"/>
-                </a:solidFill>
-                <a:effectLst/>
-                <a:latin typeface="Lato Extended"/>
-              </a:rPr>
-            </a:br>
-            <a:r>
-              <a:rPr lang="en-GB" b="0" i="0" dirty="0">
-                <a:solidFill>
-                  <a:srgbClr val="2D3B45"/>
-                </a:solidFill>
-                <a:effectLst/>
-                <a:latin typeface="Lato Extended"/>
-              </a:rPr>
-              <a:t>}}</a:t>
-            </a:r>
-            <a:br>
-              <a:rPr lang="en-GB" b="0" i="0" dirty="0">
-                <a:solidFill>
-                  <a:srgbClr val="2D3B45"/>
-                </a:solidFill>
-                <a:effectLst/>
-                <a:latin typeface="Lato Extended"/>
-              </a:rPr>
-            </a:br>
-            <a:r>
-              <a:rPr lang="en-GB" b="0" i="0" dirty="0">
-                <a:solidFill>
-                  <a:srgbClr val="2D3B45"/>
-                </a:solidFill>
-                <a:effectLst/>
-                <a:latin typeface="Lato Extended"/>
-              </a:rPr>
-              <a:t>return sum;</a:t>
-            </a:r>
-            <a:br>
-              <a:rPr lang="en-GB" b="0" i="0" dirty="0">
-                <a:solidFill>
-                  <a:srgbClr val="2D3B45"/>
-                </a:solidFill>
-                <a:effectLst/>
-                <a:latin typeface="Lato Extended"/>
-              </a:rPr>
-            </a:br>
-            <a:r>
-              <a:rPr lang="en-GB" b="0" i="0" dirty="0">
-                <a:solidFill>
-                  <a:srgbClr val="2D3B45"/>
-                </a:solidFill>
-                <a:effectLst/>
-                <a:latin typeface="Lato Extended"/>
-              </a:rPr>
-              <a:t>}</a:t>
-            </a:r>
-          </a:p>
-          <a:p>
-            <a:r>
-              <a:rPr lang="en-GB" b="0" i="0" dirty="0">
-                <a:solidFill>
-                  <a:srgbClr val="2D3B45"/>
-                </a:solidFill>
-                <a:effectLst/>
-                <a:latin typeface="Lato Extended"/>
-              </a:rPr>
-              <a:t>ANS: </a:t>
-            </a:r>
-            <a:r>
-              <a:rPr lang="en-GB" b="0" i="0" dirty="0">
-                <a:effectLst/>
-                <a:latin typeface="KaTeX_Main"/>
-              </a:rPr>
-              <a:t>O(</a:t>
-            </a:r>
-            <a:r>
-              <a:rPr lang="en-GB" b="0" i="1" dirty="0">
-                <a:effectLst/>
-                <a:latin typeface="KaTeX_Math"/>
-              </a:rPr>
-              <a:t>n</a:t>
-            </a:r>
-            <a:r>
-              <a:rPr lang="en-GB" b="0" i="0" baseline="30000" dirty="0">
-                <a:effectLst/>
-                <a:latin typeface="KaTeX_Main"/>
-              </a:rPr>
-              <a:t>2</a:t>
-            </a:r>
-            <a:r>
-              <a:rPr lang="en-GB" b="0" i="0" dirty="0">
-                <a:effectLst/>
-                <a:latin typeface="KaTeX_Main"/>
-              </a:rPr>
-              <a:t>)</a:t>
-            </a:r>
-            <a:endParaRPr lang="en-GB" b="0" i="0" dirty="0">
-              <a:solidFill>
-                <a:srgbClr val="2D3B45"/>
-              </a:solidFill>
-              <a:effectLst/>
-              <a:latin typeface="Lato Extended"/>
-            </a:endParaRPr>
-          </a:p>
-          <a:p>
-            <a:pPr algn="l">
-              <a:buFont typeface="+mj-lt"/>
-              <a:buAutoNum type="arabicPeriod"/>
-            </a:pPr>
-            <a:r>
-              <a:rPr lang="en-GB" b="0" i="0" dirty="0">
-                <a:effectLst/>
-                <a:latin typeface="__fkGroteskNeue_598ab8"/>
-              </a:rPr>
-              <a:t>Detailed explanation on the right</a:t>
-            </a:r>
-          </a:p>
-          <a:p>
-            <a:pPr algn="l">
-              <a:buFont typeface="+mj-lt"/>
-              <a:buAutoNum type="arabicPeriod"/>
-            </a:pPr>
-            <a:r>
-              <a:rPr lang="en-GB" dirty="0">
-                <a:latin typeface="__fkGroteskNeue_598ab8"/>
-              </a:rPr>
-              <a:t>Simplified reasoning: </a:t>
-            </a:r>
-          </a:p>
-          <a:p>
-            <a:pPr lvl="1">
-              <a:buFont typeface="+mj-lt"/>
-              <a:buAutoNum type="arabicPeriod"/>
-            </a:pPr>
-            <a:r>
-              <a:rPr lang="en-GB" b="0" i="0" dirty="0">
-                <a:effectLst/>
-                <a:latin typeface="__fkGroteskNeue_598ab8"/>
-              </a:rPr>
-              <a:t>Outer loop executes n times</a:t>
-            </a:r>
-          </a:p>
-          <a:p>
-            <a:pPr lvl="1">
-              <a:buFont typeface="+mj-lt"/>
-              <a:buAutoNum type="arabicPeriod"/>
-            </a:pPr>
-            <a:r>
-              <a:rPr lang="en-GB" dirty="0">
-                <a:latin typeface="__fkGroteskNeue_598ab8"/>
-              </a:rPr>
-              <a:t>Inner loop executes O(</a:t>
-            </a:r>
-            <a:r>
-              <a:rPr lang="en-GB" dirty="0" err="1">
-                <a:latin typeface="__fkGroteskNeue_598ab8"/>
-              </a:rPr>
-              <a:t>i</a:t>
-            </a:r>
-            <a:r>
-              <a:rPr lang="en-GB" dirty="0">
-                <a:latin typeface="__fkGroteskNeue_598ab8"/>
-              </a:rPr>
-              <a:t>) times. Since </a:t>
-            </a:r>
-            <a:r>
-              <a:rPr lang="en-GB" dirty="0" err="1">
-                <a:latin typeface="__fkGroteskNeue_598ab8"/>
-              </a:rPr>
-              <a:t>i</a:t>
-            </a:r>
-            <a:r>
-              <a:rPr lang="en-GB" dirty="0">
-                <a:latin typeface="__fkGroteskNeue_598ab8"/>
-              </a:rPr>
-              <a:t> goes from 0 to n-1, it is equivalent to O(n) times.</a:t>
-            </a:r>
-          </a:p>
-          <a:p>
-            <a:pPr lvl="1">
-              <a:buFont typeface="+mj-lt"/>
-              <a:buAutoNum type="arabicPeriod"/>
-            </a:pPr>
-            <a:r>
-              <a:rPr lang="en-GB" dirty="0">
-                <a:latin typeface="__fkGroteskNeue_598ab8"/>
-              </a:rPr>
-              <a:t>So the overall complexity is </a:t>
-            </a:r>
-            <a:r>
-              <a:rPr lang="en-GB" b="0" i="0" dirty="0">
-                <a:effectLst/>
-                <a:latin typeface="KaTeX_Main"/>
-              </a:rPr>
-              <a:t>O(</a:t>
-            </a:r>
-            <a:r>
-              <a:rPr lang="en-GB" b="0" i="1" dirty="0">
-                <a:effectLst/>
-                <a:latin typeface="KaTeX_Math"/>
-              </a:rPr>
-              <a:t>n</a:t>
-            </a:r>
-            <a:r>
-              <a:rPr lang="en-GB" b="0" i="0" baseline="30000" dirty="0">
-                <a:effectLst/>
-                <a:latin typeface="KaTeX_Main"/>
-              </a:rPr>
-              <a:t>2</a:t>
-            </a:r>
-            <a:r>
-              <a:rPr lang="en-GB" b="0" i="0" dirty="0">
-                <a:effectLst/>
-                <a:latin typeface="KaTeX_Main"/>
-              </a:rPr>
-              <a:t>)</a:t>
-            </a:r>
-            <a:endParaRPr lang="en-GB" b="0" i="0" dirty="0">
-              <a:effectLst/>
-              <a:latin typeface="__fkGroteskNeue_598ab8"/>
-            </a:endParaRPr>
-          </a:p>
-          <a:p>
-            <a:endParaRPr lang="en-SE" dirty="0"/>
-          </a:p>
-          <a:p>
-            <a:pPr algn="l"/>
-            <a:endParaRPr lang="en-GB" b="0" i="0" dirty="0">
-              <a:solidFill>
-                <a:srgbClr val="2D3B45"/>
-              </a:solidFill>
-              <a:effectLst/>
-              <a:latin typeface="Lato Extended"/>
-            </a:endParaRPr>
-          </a:p>
-          <a:p>
-            <a:endParaRPr lang="en-SE" dirty="0"/>
-          </a:p>
-        </p:txBody>
-      </p:sp>
-      <p:pic>
-        <p:nvPicPr>
-          <p:cNvPr id="6" name="Picture 5">
-            <a:extLst>
-              <a:ext uri="{FF2B5EF4-FFF2-40B4-BE49-F238E27FC236}">
-                <a16:creationId xmlns:a16="http://schemas.microsoft.com/office/drawing/2014/main" id="{6E2791CC-7E36-5498-60E2-AC04C6F359C5}"/>
-              </a:ext>
-            </a:extLst>
-          </p:cNvPr>
-          <p:cNvPicPr>
-            <a:picLocks noChangeAspect="1"/>
-          </p:cNvPicPr>
-          <p:nvPr/>
-        </p:nvPicPr>
-        <p:blipFill>
-          <a:blip r:embed="rId3"/>
-          <a:stretch>
-            <a:fillRect/>
-          </a:stretch>
-        </p:blipFill>
-        <p:spPr>
-          <a:xfrm>
-            <a:off x="4215475" y="1120876"/>
-            <a:ext cx="4928525" cy="5595185"/>
-          </a:xfrm>
-          <a:prstGeom prst="rect">
-            <a:avLst/>
-          </a:prstGeom>
-        </p:spPr>
-      </p:pic>
-    </p:spTree>
-    <p:extLst>
-      <p:ext uri="{BB962C8B-B14F-4D97-AF65-F5344CB8AC3E}">
-        <p14:creationId xmlns:p14="http://schemas.microsoft.com/office/powerpoint/2010/main" val="2712359741"/>
       </p:ext>
     </p:extLst>
   </p:cSld>
@@ -10349,6 +9771,549 @@
           <a:p>
             <a:r>
               <a:rPr lang="en-GB" dirty="0"/>
+              <a:t>Question 26</a:t>
+            </a:r>
+            <a:endParaRPr lang="en-SE" dirty="0"/>
+          </a:p>
+        </p:txBody>
+      </p:sp>
+      <p:sp>
+        <p:nvSpPr>
+          <p:cNvPr id="3" name="Content Placeholder 2">
+            <a:extLst>
+              <a:ext uri="{FF2B5EF4-FFF2-40B4-BE49-F238E27FC236}">
+                <a16:creationId xmlns:a16="http://schemas.microsoft.com/office/drawing/2014/main" id="{61C251DD-B7FA-74E0-5272-D0236B9EA78C}"/>
+              </a:ext>
+            </a:extLst>
+          </p:cNvPr>
+          <p:cNvSpPr>
+            <a:spLocks noGrp="1"/>
+          </p:cNvSpPr>
+          <p:nvPr>
+            <p:ph idx="1"/>
+          </p:nvPr>
+        </p:nvSpPr>
+        <p:spPr>
+          <a:xfrm>
+            <a:off x="196646" y="1262815"/>
+            <a:ext cx="4018829" cy="5595185"/>
+          </a:xfrm>
+        </p:spPr>
+        <p:txBody>
+          <a:bodyPr>
+            <a:normAutofit fontScale="85000" lnSpcReduction="20000"/>
+          </a:bodyPr>
+          <a:lstStyle/>
+          <a:p>
+            <a:pPr algn="l"/>
+            <a:r>
+              <a:rPr lang="en-GB" b="0" i="0" dirty="0">
+                <a:solidFill>
+                  <a:srgbClr val="2D3B45"/>
+                </a:solidFill>
+                <a:effectLst/>
+                <a:latin typeface="Lato Extended"/>
+              </a:rPr>
+              <a:t>Describe the worst case running time of the following code in “big-Oh” notation in terms of the variable n.</a:t>
+            </a:r>
+          </a:p>
+          <a:p>
+            <a:pPr algn="l"/>
+            <a:r>
+              <a:rPr lang="en-GB" b="0" i="0" dirty="0">
+                <a:solidFill>
+                  <a:srgbClr val="2D3B45"/>
+                </a:solidFill>
+                <a:effectLst/>
+                <a:latin typeface="Lato Extended"/>
+              </a:rPr>
+              <a:t>int f3(int n) {</a:t>
+            </a:r>
+            <a:br>
+              <a:rPr lang="en-GB" b="0" i="0" dirty="0">
+                <a:solidFill>
+                  <a:srgbClr val="2D3B45"/>
+                </a:solidFill>
+                <a:effectLst/>
+                <a:latin typeface="Lato Extended"/>
+              </a:rPr>
+            </a:br>
+            <a:r>
+              <a:rPr lang="en-GB" b="0" i="0" dirty="0">
+                <a:solidFill>
+                  <a:srgbClr val="2D3B45"/>
+                </a:solidFill>
+                <a:effectLst/>
+                <a:latin typeface="Lato Extended"/>
+              </a:rPr>
+              <a:t>int sum = 73;</a:t>
+            </a:r>
+            <a:br>
+              <a:rPr lang="en-GB" b="0" i="0" dirty="0">
+                <a:solidFill>
+                  <a:srgbClr val="2D3B45"/>
+                </a:solidFill>
+                <a:effectLst/>
+                <a:latin typeface="Lato Extended"/>
+              </a:rPr>
+            </a:br>
+            <a:r>
+              <a:rPr lang="en-GB" b="0" i="0" dirty="0">
+                <a:solidFill>
+                  <a:srgbClr val="2D3B45"/>
+                </a:solidFill>
+                <a:effectLst/>
+                <a:latin typeface="Lato Extended"/>
+              </a:rPr>
+              <a:t>for(int </a:t>
+            </a:r>
+            <a:r>
+              <a:rPr lang="en-GB" b="0" i="0" dirty="0" err="1">
+                <a:solidFill>
+                  <a:srgbClr val="2D3B45"/>
+                </a:solidFill>
+                <a:effectLst/>
+                <a:latin typeface="Lato Extended"/>
+              </a:rPr>
+              <a:t>i</a:t>
+            </a:r>
+            <a:r>
+              <a:rPr lang="en-GB" b="0" i="0" dirty="0">
+                <a:solidFill>
+                  <a:srgbClr val="2D3B45"/>
+                </a:solidFill>
+                <a:effectLst/>
+                <a:latin typeface="Lato Extended"/>
+              </a:rPr>
+              <a:t>=0; </a:t>
+            </a:r>
+            <a:r>
+              <a:rPr lang="en-GB" b="0" i="0" dirty="0" err="1">
+                <a:solidFill>
+                  <a:srgbClr val="2D3B45"/>
+                </a:solidFill>
+                <a:effectLst/>
+                <a:latin typeface="Lato Extended"/>
+              </a:rPr>
+              <a:t>i</a:t>
+            </a:r>
+            <a:r>
+              <a:rPr lang="en-GB" b="0" i="0" dirty="0">
+                <a:solidFill>
+                  <a:srgbClr val="2D3B45"/>
+                </a:solidFill>
+                <a:effectLst/>
+                <a:latin typeface="Lato Extended"/>
+              </a:rPr>
+              <a:t> &lt; n; </a:t>
+            </a:r>
+            <a:r>
+              <a:rPr lang="en-GB" b="0" i="0" dirty="0" err="1">
+                <a:solidFill>
+                  <a:srgbClr val="2D3B45"/>
+                </a:solidFill>
+                <a:effectLst/>
+                <a:latin typeface="Lato Extended"/>
+              </a:rPr>
+              <a:t>i</a:t>
+            </a:r>
+            <a:r>
+              <a:rPr lang="en-GB" b="0" i="0" dirty="0">
+                <a:solidFill>
+                  <a:srgbClr val="2D3B45"/>
+                </a:solidFill>
+                <a:effectLst/>
+                <a:latin typeface="Lato Extended"/>
+              </a:rPr>
+              <a:t>++) {</a:t>
+            </a:r>
+            <a:br>
+              <a:rPr lang="en-GB" b="0" i="0" dirty="0">
+                <a:solidFill>
+                  <a:srgbClr val="2D3B45"/>
+                </a:solidFill>
+                <a:effectLst/>
+                <a:latin typeface="Lato Extended"/>
+              </a:rPr>
+            </a:br>
+            <a:r>
+              <a:rPr lang="en-GB" b="0" i="0" dirty="0">
+                <a:solidFill>
+                  <a:srgbClr val="2D3B45"/>
+                </a:solidFill>
+                <a:effectLst/>
+                <a:latin typeface="Lato Extended"/>
+              </a:rPr>
+              <a:t>for(int j=</a:t>
+            </a:r>
+            <a:r>
+              <a:rPr lang="en-GB" b="0" i="0" dirty="0" err="1">
+                <a:solidFill>
+                  <a:srgbClr val="2D3B45"/>
+                </a:solidFill>
+                <a:effectLst/>
+                <a:latin typeface="Lato Extended"/>
+              </a:rPr>
+              <a:t>i</a:t>
+            </a:r>
+            <a:r>
+              <a:rPr lang="en-GB" b="0" i="0" dirty="0">
+                <a:solidFill>
+                  <a:srgbClr val="2D3B45"/>
+                </a:solidFill>
+                <a:effectLst/>
+                <a:latin typeface="Lato Extended"/>
+              </a:rPr>
+              <a:t>; j &gt;= 5; j--) {</a:t>
+            </a:r>
+            <a:br>
+              <a:rPr lang="en-GB" b="0" i="0" dirty="0">
+                <a:solidFill>
+                  <a:srgbClr val="2D3B45"/>
+                </a:solidFill>
+                <a:effectLst/>
+                <a:latin typeface="Lato Extended"/>
+              </a:rPr>
+            </a:br>
+            <a:r>
+              <a:rPr lang="en-GB" b="0" i="0" dirty="0">
+                <a:solidFill>
+                  <a:srgbClr val="2D3B45"/>
+                </a:solidFill>
+                <a:effectLst/>
+                <a:latin typeface="Lato Extended"/>
+              </a:rPr>
+              <a:t>sum--;</a:t>
+            </a:r>
+            <a:br>
+              <a:rPr lang="en-GB" b="0" i="0" dirty="0">
+                <a:solidFill>
+                  <a:srgbClr val="2D3B45"/>
+                </a:solidFill>
+                <a:effectLst/>
+                <a:latin typeface="Lato Extended"/>
+              </a:rPr>
+            </a:br>
+            <a:r>
+              <a:rPr lang="en-GB" b="0" i="0" dirty="0">
+                <a:solidFill>
+                  <a:srgbClr val="2D3B45"/>
+                </a:solidFill>
+                <a:effectLst/>
+                <a:latin typeface="Lato Extended"/>
+              </a:rPr>
+              <a:t>}}</a:t>
+            </a:r>
+            <a:br>
+              <a:rPr lang="en-GB" b="0" i="0" dirty="0">
+                <a:solidFill>
+                  <a:srgbClr val="2D3B45"/>
+                </a:solidFill>
+                <a:effectLst/>
+                <a:latin typeface="Lato Extended"/>
+              </a:rPr>
+            </a:br>
+            <a:r>
+              <a:rPr lang="en-GB" b="0" i="0" dirty="0">
+                <a:solidFill>
+                  <a:srgbClr val="2D3B45"/>
+                </a:solidFill>
+                <a:effectLst/>
+                <a:latin typeface="Lato Extended"/>
+              </a:rPr>
+              <a:t>return sum;</a:t>
+            </a:r>
+            <a:br>
+              <a:rPr lang="en-GB" b="0" i="0" dirty="0">
+                <a:solidFill>
+                  <a:srgbClr val="2D3B45"/>
+                </a:solidFill>
+                <a:effectLst/>
+                <a:latin typeface="Lato Extended"/>
+              </a:rPr>
+            </a:br>
+            <a:r>
+              <a:rPr lang="en-GB" b="0" i="0" dirty="0">
+                <a:solidFill>
+                  <a:srgbClr val="2D3B45"/>
+                </a:solidFill>
+                <a:effectLst/>
+                <a:latin typeface="Lato Extended"/>
+              </a:rPr>
+              <a:t>}</a:t>
+            </a:r>
+          </a:p>
+          <a:p>
+            <a:r>
+              <a:rPr lang="en-GB" b="0" i="0" dirty="0">
+                <a:solidFill>
+                  <a:srgbClr val="2D3B45"/>
+                </a:solidFill>
+                <a:effectLst/>
+                <a:latin typeface="Lato Extended"/>
+              </a:rPr>
+              <a:t>ANS: </a:t>
+            </a:r>
+            <a:r>
+              <a:rPr lang="en-GB" b="0" i="0" dirty="0">
+                <a:effectLst/>
+                <a:latin typeface="KaTeX_Main"/>
+              </a:rPr>
+              <a:t>O(</a:t>
+            </a:r>
+            <a:r>
+              <a:rPr lang="en-GB" b="0" i="1" dirty="0">
+                <a:effectLst/>
+                <a:latin typeface="KaTeX_Math"/>
+              </a:rPr>
+              <a:t>n</a:t>
+            </a:r>
+            <a:r>
+              <a:rPr lang="en-GB" b="0" i="0" baseline="30000" dirty="0">
+                <a:effectLst/>
+                <a:latin typeface="KaTeX_Main"/>
+              </a:rPr>
+              <a:t>2</a:t>
+            </a:r>
+            <a:r>
+              <a:rPr lang="en-GB" b="0" i="0" dirty="0">
+                <a:effectLst/>
+                <a:latin typeface="KaTeX_Main"/>
+              </a:rPr>
+              <a:t>)</a:t>
+            </a:r>
+            <a:endParaRPr lang="en-GB" b="0" i="0" dirty="0">
+              <a:solidFill>
+                <a:srgbClr val="2D3B45"/>
+              </a:solidFill>
+              <a:effectLst/>
+              <a:latin typeface="Lato Extended"/>
+            </a:endParaRPr>
+          </a:p>
+          <a:p>
+            <a:pPr algn="l">
+              <a:buFont typeface="+mj-lt"/>
+              <a:buAutoNum type="arabicPeriod"/>
+            </a:pPr>
+            <a:r>
+              <a:rPr lang="en-GB" b="0" i="0" dirty="0">
+                <a:effectLst/>
+                <a:latin typeface="__fkGroteskNeue_598ab8"/>
+              </a:rPr>
+              <a:t>Detailed explanation on the right</a:t>
+            </a:r>
+          </a:p>
+          <a:p>
+            <a:pPr algn="l">
+              <a:buFont typeface="+mj-lt"/>
+              <a:buAutoNum type="arabicPeriod"/>
+            </a:pPr>
+            <a:r>
+              <a:rPr lang="en-GB" dirty="0">
+                <a:latin typeface="__fkGroteskNeue_598ab8"/>
+              </a:rPr>
+              <a:t>Simplified reasoning: </a:t>
+            </a:r>
+          </a:p>
+          <a:p>
+            <a:pPr lvl="1">
+              <a:buFont typeface="+mj-lt"/>
+              <a:buAutoNum type="arabicPeriod"/>
+            </a:pPr>
+            <a:r>
+              <a:rPr lang="en-GB" b="0" i="0" dirty="0">
+                <a:effectLst/>
+                <a:latin typeface="__fkGroteskNeue_598ab8"/>
+              </a:rPr>
+              <a:t>Outer loop executes n times</a:t>
+            </a:r>
+          </a:p>
+          <a:p>
+            <a:pPr lvl="1">
+              <a:buFont typeface="+mj-lt"/>
+              <a:buAutoNum type="arabicPeriod"/>
+            </a:pPr>
+            <a:r>
+              <a:rPr lang="en-GB" dirty="0">
+                <a:latin typeface="__fkGroteskNeue_598ab8"/>
+              </a:rPr>
+              <a:t>Inner loop executes O(</a:t>
+            </a:r>
+            <a:r>
+              <a:rPr lang="en-GB" dirty="0" err="1">
+                <a:latin typeface="__fkGroteskNeue_598ab8"/>
+              </a:rPr>
+              <a:t>i</a:t>
+            </a:r>
+            <a:r>
+              <a:rPr lang="en-GB" dirty="0">
+                <a:latin typeface="__fkGroteskNeue_598ab8"/>
+              </a:rPr>
+              <a:t>) times. Since </a:t>
+            </a:r>
+            <a:r>
+              <a:rPr lang="en-GB" dirty="0" err="1">
+                <a:latin typeface="__fkGroteskNeue_598ab8"/>
+              </a:rPr>
+              <a:t>i</a:t>
+            </a:r>
+            <a:r>
+              <a:rPr lang="en-GB" dirty="0">
+                <a:latin typeface="__fkGroteskNeue_598ab8"/>
+              </a:rPr>
+              <a:t> goes from 0 to n-1, it is equivalent to O(n) times.</a:t>
+            </a:r>
+          </a:p>
+          <a:p>
+            <a:pPr lvl="1">
+              <a:buFont typeface="+mj-lt"/>
+              <a:buAutoNum type="arabicPeriod"/>
+            </a:pPr>
+            <a:r>
+              <a:rPr lang="en-GB" dirty="0">
+                <a:latin typeface="__fkGroteskNeue_598ab8"/>
+              </a:rPr>
+              <a:t>So the overall complexity is </a:t>
+            </a:r>
+            <a:r>
+              <a:rPr lang="en-GB" b="0" i="0" dirty="0">
+                <a:effectLst/>
+                <a:latin typeface="KaTeX_Main"/>
+              </a:rPr>
+              <a:t>O(</a:t>
+            </a:r>
+            <a:r>
+              <a:rPr lang="en-GB" b="0" i="1" dirty="0">
+                <a:effectLst/>
+                <a:latin typeface="KaTeX_Math"/>
+              </a:rPr>
+              <a:t>n</a:t>
+            </a:r>
+            <a:r>
+              <a:rPr lang="en-GB" b="0" i="0" baseline="30000" dirty="0">
+                <a:effectLst/>
+                <a:latin typeface="KaTeX_Main"/>
+              </a:rPr>
+              <a:t>2</a:t>
+            </a:r>
+            <a:r>
+              <a:rPr lang="en-GB" b="0" i="0" dirty="0">
+                <a:effectLst/>
+                <a:latin typeface="KaTeX_Main"/>
+              </a:rPr>
+              <a:t>)</a:t>
+            </a:r>
+            <a:endParaRPr lang="en-GB" b="0" i="0" dirty="0">
+              <a:effectLst/>
+              <a:latin typeface="__fkGroteskNeue_598ab8"/>
+            </a:endParaRPr>
+          </a:p>
+          <a:p>
+            <a:endParaRPr lang="en-SE" dirty="0"/>
+          </a:p>
+          <a:p>
+            <a:pPr algn="l"/>
+            <a:endParaRPr lang="en-GB" b="0" i="0" dirty="0">
+              <a:solidFill>
+                <a:srgbClr val="2D3B45"/>
+              </a:solidFill>
+              <a:effectLst/>
+              <a:latin typeface="Lato Extended"/>
+            </a:endParaRPr>
+          </a:p>
+          <a:p>
+            <a:endParaRPr lang="en-SE" dirty="0"/>
+          </a:p>
+        </p:txBody>
+      </p:sp>
+      <p:pic>
+        <p:nvPicPr>
+          <p:cNvPr id="6" name="Picture 5">
+            <a:extLst>
+              <a:ext uri="{FF2B5EF4-FFF2-40B4-BE49-F238E27FC236}">
+                <a16:creationId xmlns:a16="http://schemas.microsoft.com/office/drawing/2014/main" id="{6E2791CC-7E36-5498-60E2-AC04C6F359C5}"/>
+              </a:ext>
+            </a:extLst>
+          </p:cNvPr>
+          <p:cNvPicPr>
+            <a:picLocks noChangeAspect="1"/>
+          </p:cNvPicPr>
+          <p:nvPr/>
+        </p:nvPicPr>
+        <p:blipFill>
+          <a:blip r:embed="rId3"/>
+          <a:stretch>
+            <a:fillRect/>
+          </a:stretch>
+        </p:blipFill>
+        <p:spPr>
+          <a:xfrm>
+            <a:off x="4215475" y="1120876"/>
+            <a:ext cx="4928525" cy="5595185"/>
+          </a:xfrm>
+          <a:prstGeom prst="rect">
+            <a:avLst/>
+          </a:prstGeom>
+        </p:spPr>
+      </p:pic>
+    </p:spTree>
+    <p:extLst>
+      <p:ext uri="{BB962C8B-B14F-4D97-AF65-F5344CB8AC3E}">
+        <p14:creationId xmlns:p14="http://schemas.microsoft.com/office/powerpoint/2010/main" val="2712359741"/>
+      </p:ext>
+    </p:extLst>
+  </p:cSld>
+  <p:clrMapOvr>
+    <a:masterClrMapping/>
+  </p:clrMapOvr>
+</p:sld>
+</file>
+
+<file path=ppt/slides/slide25.xml><?xml version="1.0" encoding="utf-8"?>
+<p:sld xmlns:a="http://schemas.openxmlformats.org/drawingml/2006/main" xmlns:r="http://schemas.openxmlformats.org/officeDocument/2006/relationships" xmlns:p="http://schemas.openxmlformats.org/presentationml/2006/main">
+  <p:cSld>
+    <p:spTree>
+      <p:nvGrpSpPr>
+        <p:cNvPr id="1" name=""/>
+        <p:cNvGrpSpPr/>
+        <p:nvPr/>
+      </p:nvGrpSpPr>
+      <p:grpSpPr>
+        <a:xfrm>
+          <a:off x="0" y="0"/>
+          <a:ext cx="0" cy="0"/>
+          <a:chOff x="0" y="0"/>
+          <a:chExt cx="0" cy="0"/>
+        </a:xfrm>
+      </p:grpSpPr>
+      <p:sp>
+        <p:nvSpPr>
+          <p:cNvPr id="2" name="Title 1">
+            <a:extLst>
+              <a:ext uri="{FF2B5EF4-FFF2-40B4-BE49-F238E27FC236}">
+                <a16:creationId xmlns:a16="http://schemas.microsoft.com/office/drawing/2014/main" id="{03C810E4-B0CA-BDD6-65A6-7548AA6B746F}"/>
+              </a:ext>
+            </a:extLst>
+          </p:cNvPr>
+          <p:cNvSpPr>
+            <a:spLocks noGrp="1"/>
+          </p:cNvSpPr>
+          <p:nvPr>
+            <p:ph type="title"/>
+          </p:nvPr>
+        </p:nvSpPr>
+        <p:spPr>
+          <a:xfrm>
+            <a:off x="457200" y="141939"/>
+            <a:ext cx="8229600" cy="1143000"/>
+          </a:xfrm>
+        </p:spPr>
+        <p:txBody>
+          <a:bodyPr/>
+          <a:lstStyle/>
+          <a:p>
+            <a:r>
+              <a:rPr lang="en-GB" dirty="0"/>
               <a:t>Question 26 Variations</a:t>
             </a:r>
             <a:endParaRPr lang="en-SE" dirty="0"/>
@@ -11005,7 +10970,7 @@
 </p:sld>
 </file>
 
-<file path=ppt/slides/slide25.xml><?xml version="1.0" encoding="utf-8"?>
+<file path=ppt/slides/slide26.xml><?xml version="1.0" encoding="utf-8"?>
 <p:sld xmlns:a="http://schemas.openxmlformats.org/drawingml/2006/main" xmlns:r="http://schemas.openxmlformats.org/officeDocument/2006/relationships" xmlns:p="http://schemas.openxmlformats.org/presentationml/2006/main">
   <p:cSld>
     <p:spTree>
@@ -11419,7 +11384,7 @@
 </p:sld>
 </file>
 
-<file path=ppt/slides/slide26.xml><?xml version="1.0" encoding="utf-8"?>
+<file path=ppt/slides/slide27.xml><?xml version="1.0" encoding="utf-8"?>
 <p:sld xmlns:a="http://schemas.openxmlformats.org/drawingml/2006/main" xmlns:r="http://schemas.openxmlformats.org/officeDocument/2006/relationships" xmlns:p="http://schemas.openxmlformats.org/presentationml/2006/main">
   <p:cSld>
     <p:spTree>
@@ -11824,7 +11789,7 @@
 </p:sld>
 </file>
 
-<file path=ppt/slides/slide27.xml><?xml version="1.0" encoding="utf-8"?>
+<file path=ppt/slides/slide28.xml><?xml version="1.0" encoding="utf-8"?>
 <p:sld xmlns:a="http://schemas.openxmlformats.org/drawingml/2006/main" xmlns:r="http://schemas.openxmlformats.org/officeDocument/2006/relationships" xmlns:p="http://schemas.openxmlformats.org/presentationml/2006/main">
   <p:cSld>
     <p:spTree>
@@ -13763,7 +13728,7 @@
 </p:sld>
 </file>
 
-<file path=ppt/slides/slide28.xml><?xml version="1.0" encoding="utf-8"?>
+<file path=ppt/slides/slide29.xml><?xml version="1.0" encoding="utf-8"?>
 <p:sld xmlns:a="http://schemas.openxmlformats.org/drawingml/2006/main" xmlns:r="http://schemas.openxmlformats.org/officeDocument/2006/relationships" xmlns:p="http://schemas.openxmlformats.org/presentationml/2006/main">
   <p:cSld>
     <p:spTree>
@@ -13871,168 +13836,6 @@
     <p:extLst>
       <p:ext uri="{BB962C8B-B14F-4D97-AF65-F5344CB8AC3E}">
         <p14:creationId xmlns:p14="http://schemas.microsoft.com/office/powerpoint/2010/main" val="832349074"/>
-      </p:ext>
-    </p:extLst>
-  </p:cSld>
-  <p:clrMapOvr>
-    <a:masterClrMapping/>
-  </p:clrMapOvr>
-</p:sld>
-</file>
-
-<file path=ppt/slides/slide29.xml><?xml version="1.0" encoding="utf-8"?>
-<p:sld xmlns:a="http://schemas.openxmlformats.org/drawingml/2006/main" xmlns:r="http://schemas.openxmlformats.org/officeDocument/2006/relationships" xmlns:p="http://schemas.openxmlformats.org/presentationml/2006/main">
-  <p:cSld>
-    <p:spTree>
-      <p:nvGrpSpPr>
-        <p:cNvPr id="1" name=""/>
-        <p:cNvGrpSpPr/>
-        <p:nvPr/>
-      </p:nvGrpSpPr>
-      <p:grpSpPr>
-        <a:xfrm>
-          <a:off x="0" y="0"/>
-          <a:ext cx="0" cy="0"/>
-          <a:chOff x="0" y="0"/>
-          <a:chExt cx="0" cy="0"/>
-        </a:xfrm>
-      </p:grpSpPr>
-      <p:sp>
-        <p:nvSpPr>
-          <p:cNvPr id="2" name="Title 1">
-            <a:extLst>
-              <a:ext uri="{FF2B5EF4-FFF2-40B4-BE49-F238E27FC236}">
-                <a16:creationId xmlns:a16="http://schemas.microsoft.com/office/drawing/2014/main" id="{EE0A281D-EA2D-0B55-5A99-73276F538275}"/>
-              </a:ext>
-            </a:extLst>
-          </p:cNvPr>
-          <p:cNvSpPr>
-            <a:spLocks noGrp="1"/>
-          </p:cNvSpPr>
-          <p:nvPr>
-            <p:ph type="title"/>
-          </p:nvPr>
-        </p:nvSpPr>
-        <p:spPr/>
-        <p:txBody>
-          <a:bodyPr/>
-          <a:lstStyle/>
-          <a:p>
-            <a:r>
-              <a:rPr lang="en-GB" dirty="0"/>
-              <a:t>Questions 31-32</a:t>
-            </a:r>
-            <a:endParaRPr lang="en-SE" dirty="0"/>
-          </a:p>
-        </p:txBody>
-      </p:sp>
-      <p:sp>
-        <p:nvSpPr>
-          <p:cNvPr id="3" name="Content Placeholder 2">
-            <a:extLst>
-              <a:ext uri="{FF2B5EF4-FFF2-40B4-BE49-F238E27FC236}">
-                <a16:creationId xmlns:a16="http://schemas.microsoft.com/office/drawing/2014/main" id="{9A707B80-5C23-8DFE-34B9-D1EA6F78D8C4}"/>
-              </a:ext>
-            </a:extLst>
-          </p:cNvPr>
-          <p:cNvSpPr>
-            <a:spLocks noGrp="1"/>
-          </p:cNvSpPr>
-          <p:nvPr>
-            <p:ph idx="1"/>
-          </p:nvPr>
-        </p:nvSpPr>
-        <p:spPr/>
-        <p:txBody>
-          <a:bodyPr>
-            <a:normAutofit fontScale="92500"/>
-          </a:bodyPr>
-          <a:lstStyle/>
-          <a:p>
-            <a:r>
-              <a:rPr lang="en-GB" b="0" i="0" dirty="0">
-                <a:solidFill>
-                  <a:srgbClr val="2D3B45"/>
-                </a:solidFill>
-                <a:effectLst/>
-                <a:latin typeface="Lato Extended"/>
-              </a:rPr>
-              <a:t>What is a collision in a hash table implementation of a symbol table? Check the best definition. </a:t>
-            </a:r>
-          </a:p>
-          <a:p>
-            <a:pPr lvl="1"/>
-            <a:r>
-              <a:rPr lang="en-GB" dirty="0">
-                <a:solidFill>
-                  <a:srgbClr val="2D3B45"/>
-                </a:solidFill>
-                <a:latin typeface="Lato Extended"/>
-              </a:rPr>
-              <a:t>ANS:  Two key-value pairs that have different keys but hash to the same index. </a:t>
-            </a:r>
-          </a:p>
-          <a:p>
-            <a:r>
-              <a:rPr lang="en-GB" b="0" i="0" dirty="0">
-                <a:solidFill>
-                  <a:srgbClr val="2D3B45"/>
-                </a:solidFill>
-                <a:effectLst/>
-                <a:latin typeface="Lato Extended"/>
-              </a:rPr>
-              <a:t>Suppose that your hash function does not satisfy the uniform hashing assumption. Which of the following can result? </a:t>
-            </a:r>
-          </a:p>
-          <a:p>
-            <a:pPr lvl="1"/>
-            <a:r>
-              <a:rPr lang="en-GB" dirty="0"/>
-              <a:t>A Poor performance for insert in linear-probing hash table. </a:t>
-            </a:r>
-          </a:p>
-          <a:p>
-            <a:pPr lvl="1"/>
-            <a:r>
-              <a:rPr lang="en-GB" dirty="0"/>
-              <a:t>B Uneven distribution of lengths of chains in separate-chaining hash table. </a:t>
-            </a:r>
-          </a:p>
-          <a:p>
-            <a:pPr lvl="1"/>
-            <a:r>
-              <a:rPr lang="en-GB" dirty="0"/>
-              <a:t>C Large clusters in linear-probing hash table. </a:t>
-            </a:r>
-          </a:p>
-          <a:p>
-            <a:pPr lvl="1"/>
-            <a:r>
-              <a:rPr lang="en-GB" dirty="0"/>
-              <a:t>D Poor performance for search hit or miss. </a:t>
-            </a:r>
-          </a:p>
-          <a:p>
-            <a:pPr lvl="1"/>
-            <a:r>
-              <a:rPr lang="en-GB" dirty="0"/>
-              <a:t>E All of the above. </a:t>
-            </a:r>
-          </a:p>
-          <a:p>
-            <a:pPr lvl="1"/>
-            <a:r>
-              <a:rPr lang="en-GB" dirty="0"/>
-              <a:t>ANS: E</a:t>
-            </a:r>
-            <a:endParaRPr lang="en-SE" dirty="0"/>
-          </a:p>
-        </p:txBody>
-      </p:sp>
-    </p:spTree>
-    <p:extLst>
-      <p:ext uri="{BB962C8B-B14F-4D97-AF65-F5344CB8AC3E}">
-        <p14:creationId xmlns:p14="http://schemas.microsoft.com/office/powerpoint/2010/main" val="2226131061"/>
       </p:ext>
     </p:extLst>
   </p:cSld>
@@ -14313,6 +14116,168 @@
           <p:cNvPr id="2" name="Title 1">
             <a:extLst>
               <a:ext uri="{FF2B5EF4-FFF2-40B4-BE49-F238E27FC236}">
+                <a16:creationId xmlns:a16="http://schemas.microsoft.com/office/drawing/2014/main" id="{EE0A281D-EA2D-0B55-5A99-73276F538275}"/>
+              </a:ext>
+            </a:extLst>
+          </p:cNvPr>
+          <p:cNvSpPr>
+            <a:spLocks noGrp="1"/>
+          </p:cNvSpPr>
+          <p:nvPr>
+            <p:ph type="title"/>
+          </p:nvPr>
+        </p:nvSpPr>
+        <p:spPr/>
+        <p:txBody>
+          <a:bodyPr/>
+          <a:lstStyle/>
+          <a:p>
+            <a:r>
+              <a:rPr lang="en-GB" dirty="0"/>
+              <a:t>Questions 31-32</a:t>
+            </a:r>
+            <a:endParaRPr lang="en-SE" dirty="0"/>
+          </a:p>
+        </p:txBody>
+      </p:sp>
+      <p:sp>
+        <p:nvSpPr>
+          <p:cNvPr id="3" name="Content Placeholder 2">
+            <a:extLst>
+              <a:ext uri="{FF2B5EF4-FFF2-40B4-BE49-F238E27FC236}">
+                <a16:creationId xmlns:a16="http://schemas.microsoft.com/office/drawing/2014/main" id="{9A707B80-5C23-8DFE-34B9-D1EA6F78D8C4}"/>
+              </a:ext>
+            </a:extLst>
+          </p:cNvPr>
+          <p:cNvSpPr>
+            <a:spLocks noGrp="1"/>
+          </p:cNvSpPr>
+          <p:nvPr>
+            <p:ph idx="1"/>
+          </p:nvPr>
+        </p:nvSpPr>
+        <p:spPr/>
+        <p:txBody>
+          <a:bodyPr>
+            <a:normAutofit fontScale="92500"/>
+          </a:bodyPr>
+          <a:lstStyle/>
+          <a:p>
+            <a:r>
+              <a:rPr lang="en-GB" b="0" i="0" dirty="0">
+                <a:solidFill>
+                  <a:srgbClr val="2D3B45"/>
+                </a:solidFill>
+                <a:effectLst/>
+                <a:latin typeface="Lato Extended"/>
+              </a:rPr>
+              <a:t>What is a collision in a hash table implementation of a symbol table? Check the best definition. </a:t>
+            </a:r>
+          </a:p>
+          <a:p>
+            <a:pPr lvl="1"/>
+            <a:r>
+              <a:rPr lang="en-GB" dirty="0">
+                <a:solidFill>
+                  <a:srgbClr val="2D3B45"/>
+                </a:solidFill>
+                <a:latin typeface="Lato Extended"/>
+              </a:rPr>
+              <a:t>ANS:  Two key-value pairs that have different keys but hash to the same index. </a:t>
+            </a:r>
+          </a:p>
+          <a:p>
+            <a:r>
+              <a:rPr lang="en-GB" b="0" i="0" dirty="0">
+                <a:solidFill>
+                  <a:srgbClr val="2D3B45"/>
+                </a:solidFill>
+                <a:effectLst/>
+                <a:latin typeface="Lato Extended"/>
+              </a:rPr>
+              <a:t>Suppose that your hash function does not satisfy the uniform hashing assumption. Which of the following can result? </a:t>
+            </a:r>
+          </a:p>
+          <a:p>
+            <a:pPr lvl="1"/>
+            <a:r>
+              <a:rPr lang="en-GB" dirty="0"/>
+              <a:t>A Poor performance for insert in linear-probing hash table. </a:t>
+            </a:r>
+          </a:p>
+          <a:p>
+            <a:pPr lvl="1"/>
+            <a:r>
+              <a:rPr lang="en-GB" dirty="0"/>
+              <a:t>B Uneven distribution of lengths of chains in separate-chaining hash table. </a:t>
+            </a:r>
+          </a:p>
+          <a:p>
+            <a:pPr lvl="1"/>
+            <a:r>
+              <a:rPr lang="en-GB" dirty="0"/>
+              <a:t>C Large clusters in linear-probing hash table. </a:t>
+            </a:r>
+          </a:p>
+          <a:p>
+            <a:pPr lvl="1"/>
+            <a:r>
+              <a:rPr lang="en-GB" dirty="0"/>
+              <a:t>D Poor performance for search hit or miss. </a:t>
+            </a:r>
+          </a:p>
+          <a:p>
+            <a:pPr lvl="1"/>
+            <a:r>
+              <a:rPr lang="en-GB" dirty="0"/>
+              <a:t>E All of the above. </a:t>
+            </a:r>
+          </a:p>
+          <a:p>
+            <a:pPr lvl="1"/>
+            <a:r>
+              <a:rPr lang="en-GB" dirty="0"/>
+              <a:t>ANS: E</a:t>
+            </a:r>
+            <a:endParaRPr lang="en-SE" dirty="0"/>
+          </a:p>
+        </p:txBody>
+      </p:sp>
+    </p:spTree>
+    <p:extLst>
+      <p:ext uri="{BB962C8B-B14F-4D97-AF65-F5344CB8AC3E}">
+        <p14:creationId xmlns:p14="http://schemas.microsoft.com/office/powerpoint/2010/main" val="2226131061"/>
+      </p:ext>
+    </p:extLst>
+  </p:cSld>
+  <p:clrMapOvr>
+    <a:masterClrMapping/>
+  </p:clrMapOvr>
+</p:sld>
+</file>
+
+<file path=ppt/slides/slide31.xml><?xml version="1.0" encoding="utf-8"?>
+<p:sld xmlns:a="http://schemas.openxmlformats.org/drawingml/2006/main" xmlns:r="http://schemas.openxmlformats.org/officeDocument/2006/relationships" xmlns:p="http://schemas.openxmlformats.org/presentationml/2006/main">
+  <p:cSld>
+    <p:spTree>
+      <p:nvGrpSpPr>
+        <p:cNvPr id="1" name=""/>
+        <p:cNvGrpSpPr/>
+        <p:nvPr/>
+      </p:nvGrpSpPr>
+      <p:grpSpPr>
+        <a:xfrm>
+          <a:off x="0" y="0"/>
+          <a:ext cx="0" cy="0"/>
+          <a:chOff x="0" y="0"/>
+          <a:chExt cx="0" cy="0"/>
+        </a:xfrm>
+      </p:grpSpPr>
+      <p:sp>
+        <p:nvSpPr>
+          <p:cNvPr id="2" name="Title 1">
+            <a:extLst>
+              <a:ext uri="{FF2B5EF4-FFF2-40B4-BE49-F238E27FC236}">
                 <a16:creationId xmlns:a16="http://schemas.microsoft.com/office/drawing/2014/main" id="{0CB4C476-3D0C-F072-79D9-59A3F2624291}"/>
               </a:ext>
             </a:extLst>
@@ -14443,7 +14408,7 @@
 </p:sld>
 </file>
 
-<file path=ppt/slides/slide31.xml><?xml version="1.0" encoding="utf-8"?>
+<file path=ppt/slides/slide32.xml><?xml version="1.0" encoding="utf-8"?>
 <p:sld xmlns:a="http://schemas.openxmlformats.org/drawingml/2006/main" xmlns:r="http://schemas.openxmlformats.org/officeDocument/2006/relationships" xmlns:p="http://schemas.openxmlformats.org/presentationml/2006/main">
   <p:cSld>
     <p:spTree>
@@ -14951,7 +14916,7 @@
 </p:sld>
 </file>
 
-<file path=ppt/slides/slide32.xml><?xml version="1.0" encoding="utf-8"?>
+<file path=ppt/slides/slide33.xml><?xml version="1.0" encoding="utf-8"?>
 <p:sld xmlns:a="http://schemas.openxmlformats.org/drawingml/2006/main" xmlns:r="http://schemas.openxmlformats.org/officeDocument/2006/relationships" xmlns:p="http://schemas.openxmlformats.org/presentationml/2006/main">
   <p:cSld>
     <p:spTree>
@@ -15317,7 +15282,7 @@
 </p:sld>
 </file>
 
-<file path=ppt/slides/slide33.xml><?xml version="1.0" encoding="utf-8"?>
+<file path=ppt/slides/slide34.xml><?xml version="1.0" encoding="utf-8"?>
 <p:sld xmlns:a="http://schemas.openxmlformats.org/drawingml/2006/main" xmlns:r="http://schemas.openxmlformats.org/officeDocument/2006/relationships" xmlns:p="http://schemas.openxmlformats.org/presentationml/2006/main">
   <p:cSld>
     <p:spTree>
@@ -15457,7 +15422,7 @@
 </p:sld>
 </file>
 
-<file path=ppt/slides/slide34.xml><?xml version="1.0" encoding="utf-8"?>
+<file path=ppt/slides/slide35.xml><?xml version="1.0" encoding="utf-8"?>
 <p:sld xmlns:a="http://schemas.openxmlformats.org/drawingml/2006/main" xmlns:r="http://schemas.openxmlformats.org/officeDocument/2006/relationships" xmlns:p="http://schemas.openxmlformats.org/presentationml/2006/main">
   <p:cSld>
     <p:spTree>
@@ -15610,7 +15575,7 @@
 </p:sld>
 </file>
 
-<file path=ppt/slides/slide35.xml><?xml version="1.0" encoding="utf-8"?>
+<file path=ppt/slides/slide36.xml><?xml version="1.0" encoding="utf-8"?>
 <p:sld xmlns:a="http://schemas.openxmlformats.org/drawingml/2006/main" xmlns:r="http://schemas.openxmlformats.org/officeDocument/2006/relationships" xmlns:p="http://schemas.openxmlformats.org/presentationml/2006/main">
   <p:cSld>
     <p:spTree>
@@ -24474,7 +24439,7 @@
 </p:sld>
 </file>
 
-<file path=ppt/slides/slide36.xml><?xml version="1.0" encoding="utf-8"?>
+<file path=ppt/slides/slide37.xml><?xml version="1.0" encoding="utf-8"?>
 <p:sld xmlns:a="http://schemas.openxmlformats.org/drawingml/2006/main" xmlns:r="http://schemas.openxmlformats.org/officeDocument/2006/relationships" xmlns:p="http://schemas.openxmlformats.org/presentationml/2006/main">
   <p:cSld>
     <p:spTree>
@@ -24726,8 +24691,8 @@
           </a:p>
         </p:txBody>
       </p:sp>
-      <mc:AlternateContent xmlns:mc="http://schemas.openxmlformats.org/markup-compatibility/2006">
-        <mc:Choice xmlns:p14="http://schemas.microsoft.com/office/powerpoint/2010/main" Requires="p14">
+      <mc:AlternateContent xmlns:mc="http://schemas.openxmlformats.org/markup-compatibility/2006" xmlns:p14="http://schemas.microsoft.com/office/powerpoint/2010/main">
+        <mc:Choice Requires="p14">
           <p:contentPart p14:bwMode="auto" r:id="rId4">
             <p14:nvContentPartPr>
               <p14:cNvPr id="4" name="Ink 3">
@@ -24746,7 +24711,7 @@
             </p14:xfrm>
           </p:contentPart>
         </mc:Choice>
-        <mc:Fallback>
+        <mc:Fallback xmlns="">
           <p:pic>
             <p:nvPicPr>
               <p:cNvPr id="4" name="Ink 3">
@@ -24790,7 +24755,7 @@
 </p:sld>
 </file>
 
-<file path=ppt/slides/slide37.xml><?xml version="1.0" encoding="utf-8"?>
+<file path=ppt/slides/slide38.xml><?xml version="1.0" encoding="utf-8"?>
 <p:sld xmlns:a="http://schemas.openxmlformats.org/drawingml/2006/main" xmlns:r="http://schemas.openxmlformats.org/officeDocument/2006/relationships" xmlns:p="http://schemas.openxmlformats.org/presentationml/2006/main">
   <p:cSld>
     <p:spTree>
@@ -25291,7 +25256,7 @@
 </p:sld>
 </file>
 
-<file path=ppt/slides/slide38.xml><?xml version="1.0" encoding="utf-8"?>
+<file path=ppt/slides/slide39.xml><?xml version="1.0" encoding="utf-8"?>
 <p:sld xmlns:a="http://schemas.openxmlformats.org/drawingml/2006/main" xmlns:r="http://schemas.openxmlformats.org/officeDocument/2006/relationships" xmlns:p="http://schemas.openxmlformats.org/presentationml/2006/main">
   <p:cSld>
     <p:spTree>
@@ -25754,7 +25719,235 @@
 </p:sld>
 </file>
 
-<file path=ppt/slides/slide39.xml><?xml version="1.0" encoding="utf-8"?>
+<file path=ppt/slides/slide4.xml><?xml version="1.0" encoding="utf-8"?>
+<p:sld xmlns:a="http://schemas.openxmlformats.org/drawingml/2006/main" xmlns:r="http://schemas.openxmlformats.org/officeDocument/2006/relationships" xmlns:p="http://schemas.openxmlformats.org/presentationml/2006/main">
+  <p:cSld>
+    <p:spTree>
+      <p:nvGrpSpPr>
+        <p:cNvPr id="1" name=""/>
+        <p:cNvGrpSpPr/>
+        <p:nvPr/>
+      </p:nvGrpSpPr>
+      <p:grpSpPr>
+        <a:xfrm>
+          <a:off x="0" y="0"/>
+          <a:ext cx="0" cy="0"/>
+          <a:chOff x="0" y="0"/>
+          <a:chExt cx="0" cy="0"/>
+        </a:xfrm>
+      </p:grpSpPr>
+      <p:sp>
+        <p:nvSpPr>
+          <p:cNvPr id="2" name="Title 1">
+            <a:extLst>
+              <a:ext uri="{FF2B5EF4-FFF2-40B4-BE49-F238E27FC236}">
+                <a16:creationId xmlns:a16="http://schemas.microsoft.com/office/drawing/2014/main" id="{70DC8151-F1A7-F8C6-69D3-1F92D75131EE}"/>
+              </a:ext>
+            </a:extLst>
+          </p:cNvPr>
+          <p:cNvSpPr>
+            <a:spLocks noGrp="1"/>
+          </p:cNvSpPr>
+          <p:nvPr>
+            <p:ph type="title"/>
+          </p:nvPr>
+        </p:nvSpPr>
+        <p:spPr/>
+        <p:txBody>
+          <a:bodyPr/>
+          <a:lstStyle/>
+          <a:p>
+            <a:r>
+              <a:rPr lang="en-GB" dirty="0"/>
+              <a:t>Questions 7-9</a:t>
+            </a:r>
+            <a:endParaRPr lang="en-SE" dirty="0"/>
+          </a:p>
+        </p:txBody>
+      </p:sp>
+      <p:sp>
+        <p:nvSpPr>
+          <p:cNvPr id="3" name="Content Placeholder 2">
+            <a:extLst>
+              <a:ext uri="{FF2B5EF4-FFF2-40B4-BE49-F238E27FC236}">
+                <a16:creationId xmlns:a16="http://schemas.microsoft.com/office/drawing/2014/main" id="{822EBB1B-DB2E-2BC7-BF07-BB791A550311}"/>
+              </a:ext>
+            </a:extLst>
+          </p:cNvPr>
+          <p:cNvSpPr>
+            <a:spLocks noGrp="1"/>
+          </p:cNvSpPr>
+          <p:nvPr>
+            <p:ph idx="1"/>
+          </p:nvPr>
+        </p:nvSpPr>
+        <p:spPr/>
+        <p:txBody>
+          <a:bodyPr>
+            <a:normAutofit fontScale="70000" lnSpcReduction="20000"/>
+          </a:bodyPr>
+          <a:lstStyle/>
+          <a:p>
+            <a:r>
+              <a:rPr lang="en-GB" dirty="0"/>
+              <a:t>What is the primary motivation for using inheritance in object-oriented programming?</a:t>
+            </a:r>
+          </a:p>
+          <a:p>
+            <a:pPr lvl="1"/>
+            <a:r>
+              <a:rPr lang="en-GB" dirty="0"/>
+              <a:t>A) To create multiple instances of a class</a:t>
+            </a:r>
+          </a:p>
+          <a:p>
+            <a:pPr lvl="1"/>
+            <a:r>
+              <a:rPr lang="en-GB" dirty="0"/>
+              <a:t>B) To keep common </a:t>
+            </a:r>
+            <a:r>
+              <a:rPr lang="en-GB" dirty="0" err="1"/>
+              <a:t>behavior</a:t>
+            </a:r>
+            <a:r>
+              <a:rPr lang="en-GB" dirty="0"/>
+              <a:t> in one class and split different </a:t>
+            </a:r>
+            <a:r>
+              <a:rPr lang="en-GB" dirty="0" err="1"/>
+              <a:t>behavior</a:t>
+            </a:r>
+            <a:r>
+              <a:rPr lang="en-GB" dirty="0"/>
+              <a:t> into separate classes</a:t>
+            </a:r>
+          </a:p>
+          <a:p>
+            <a:pPr lvl="1"/>
+            <a:r>
+              <a:rPr lang="en-GB" dirty="0"/>
+              <a:t>C) To override all methods in a superclass</a:t>
+            </a:r>
+          </a:p>
+          <a:p>
+            <a:pPr lvl="1"/>
+            <a:r>
+              <a:rPr lang="en-GB" dirty="0"/>
+              <a:t>D) To create private variables</a:t>
+            </a:r>
+          </a:p>
+          <a:p>
+            <a:pPr lvl="1"/>
+            <a:r>
+              <a:rPr lang="en-GB" dirty="0"/>
+              <a:t>Answer: B</a:t>
+            </a:r>
+          </a:p>
+          <a:p>
+            <a:r>
+              <a:rPr lang="en-GB" dirty="0"/>
+              <a:t>What is the correct order of object construction in inheritance?</a:t>
+            </a:r>
+          </a:p>
+          <a:p>
+            <a:pPr lvl="1"/>
+            <a:r>
+              <a:rPr lang="en-GB" dirty="0"/>
+              <a:t>A) Subclass to superclass</a:t>
+            </a:r>
+          </a:p>
+          <a:p>
+            <a:pPr lvl="1"/>
+            <a:r>
+              <a:rPr lang="en-GB" dirty="0"/>
+              <a:t>B) Superclass to subclass</a:t>
+            </a:r>
+          </a:p>
+          <a:p>
+            <a:pPr lvl="1"/>
+            <a:r>
+              <a:rPr lang="en-GB" dirty="0"/>
+              <a:t>C) Random order</a:t>
+            </a:r>
+          </a:p>
+          <a:p>
+            <a:pPr lvl="1"/>
+            <a:r>
+              <a:rPr lang="en-GB" dirty="0"/>
+              <a:t>D) Depends on the programmer's choice</a:t>
+            </a:r>
+          </a:p>
+          <a:p>
+            <a:pPr lvl="1"/>
+            <a:r>
+              <a:rPr lang="en-GB" dirty="0"/>
+              <a:t>Answer: B</a:t>
+            </a:r>
+          </a:p>
+          <a:p>
+            <a:r>
+              <a:rPr lang="en-GB" dirty="0"/>
+              <a:t>Which of the following is true about the 'super()' call in a constructor?</a:t>
+            </a:r>
+          </a:p>
+          <a:p>
+            <a:pPr lvl="1"/>
+            <a:r>
+              <a:rPr lang="en-GB" dirty="0"/>
+              <a:t>A) It must be the last line in the constructor</a:t>
+            </a:r>
+          </a:p>
+          <a:p>
+            <a:pPr lvl="1"/>
+            <a:r>
+              <a:rPr lang="en-GB" dirty="0"/>
+              <a:t>B) It must be the first line in the constructor</a:t>
+            </a:r>
+          </a:p>
+          <a:p>
+            <a:pPr lvl="1"/>
+            <a:r>
+              <a:rPr lang="en-GB" dirty="0"/>
+              <a:t>C) It can be placed anywhere in the constructor</a:t>
+            </a:r>
+          </a:p>
+          <a:p>
+            <a:pPr lvl="1"/>
+            <a:r>
+              <a:rPr lang="en-GB" dirty="0"/>
+              <a:t>D) It is optional in all cases</a:t>
+            </a:r>
+          </a:p>
+          <a:p>
+            <a:pPr lvl="1"/>
+            <a:r>
+              <a:rPr lang="en-GB" dirty="0"/>
+              <a:t>Answer: B</a:t>
+            </a:r>
+          </a:p>
+          <a:p>
+            <a:endParaRPr lang="en-GB" dirty="0"/>
+          </a:p>
+          <a:p>
+            <a:endParaRPr lang="en-SE" dirty="0"/>
+          </a:p>
+        </p:txBody>
+      </p:sp>
+    </p:spTree>
+    <p:extLst>
+      <p:ext uri="{BB962C8B-B14F-4D97-AF65-F5344CB8AC3E}">
+        <p14:creationId xmlns:p14="http://schemas.microsoft.com/office/powerpoint/2010/main" val="3110039772"/>
+      </p:ext>
+    </p:extLst>
+  </p:cSld>
+  <p:clrMapOvr>
+    <a:masterClrMapping/>
+  </p:clrMapOvr>
+</p:sld>
+</file>
+
+<file path=ppt/slides/slide40.xml><?xml version="1.0" encoding="utf-8"?>
 <p:sld xmlns:a="http://schemas.openxmlformats.org/drawingml/2006/main" xmlns:r="http://schemas.openxmlformats.org/officeDocument/2006/relationships" xmlns:p="http://schemas.openxmlformats.org/presentationml/2006/main">
   <p:cSld>
     <p:spTree>
@@ -28349,235 +28542,7 @@
 </p:sld>
 </file>
 
-<file path=ppt/slides/slide4.xml><?xml version="1.0" encoding="utf-8"?>
-<p:sld xmlns:a="http://schemas.openxmlformats.org/drawingml/2006/main" xmlns:r="http://schemas.openxmlformats.org/officeDocument/2006/relationships" xmlns:p="http://schemas.openxmlformats.org/presentationml/2006/main">
-  <p:cSld>
-    <p:spTree>
-      <p:nvGrpSpPr>
-        <p:cNvPr id="1" name=""/>
-        <p:cNvGrpSpPr/>
-        <p:nvPr/>
-      </p:nvGrpSpPr>
-      <p:grpSpPr>
-        <a:xfrm>
-          <a:off x="0" y="0"/>
-          <a:ext cx="0" cy="0"/>
-          <a:chOff x="0" y="0"/>
-          <a:chExt cx="0" cy="0"/>
-        </a:xfrm>
-      </p:grpSpPr>
-      <p:sp>
-        <p:nvSpPr>
-          <p:cNvPr id="2" name="Title 1">
-            <a:extLst>
-              <a:ext uri="{FF2B5EF4-FFF2-40B4-BE49-F238E27FC236}">
-                <a16:creationId xmlns:a16="http://schemas.microsoft.com/office/drawing/2014/main" id="{70DC8151-F1A7-F8C6-69D3-1F92D75131EE}"/>
-              </a:ext>
-            </a:extLst>
-          </p:cNvPr>
-          <p:cNvSpPr>
-            <a:spLocks noGrp="1"/>
-          </p:cNvSpPr>
-          <p:nvPr>
-            <p:ph type="title"/>
-          </p:nvPr>
-        </p:nvSpPr>
-        <p:spPr/>
-        <p:txBody>
-          <a:bodyPr/>
-          <a:lstStyle/>
-          <a:p>
-            <a:r>
-              <a:rPr lang="en-GB" dirty="0"/>
-              <a:t>Questions 7-9</a:t>
-            </a:r>
-            <a:endParaRPr lang="en-SE" dirty="0"/>
-          </a:p>
-        </p:txBody>
-      </p:sp>
-      <p:sp>
-        <p:nvSpPr>
-          <p:cNvPr id="3" name="Content Placeholder 2">
-            <a:extLst>
-              <a:ext uri="{FF2B5EF4-FFF2-40B4-BE49-F238E27FC236}">
-                <a16:creationId xmlns:a16="http://schemas.microsoft.com/office/drawing/2014/main" id="{822EBB1B-DB2E-2BC7-BF07-BB791A550311}"/>
-              </a:ext>
-            </a:extLst>
-          </p:cNvPr>
-          <p:cNvSpPr>
-            <a:spLocks noGrp="1"/>
-          </p:cNvSpPr>
-          <p:nvPr>
-            <p:ph idx="1"/>
-          </p:nvPr>
-        </p:nvSpPr>
-        <p:spPr/>
-        <p:txBody>
-          <a:bodyPr>
-            <a:normAutofit fontScale="70000" lnSpcReduction="20000"/>
-          </a:bodyPr>
-          <a:lstStyle/>
-          <a:p>
-            <a:r>
-              <a:rPr lang="en-GB" dirty="0"/>
-              <a:t>What is the primary motivation for using inheritance in object-oriented programming?</a:t>
-            </a:r>
-          </a:p>
-          <a:p>
-            <a:pPr lvl="1"/>
-            <a:r>
-              <a:rPr lang="en-GB" dirty="0"/>
-              <a:t>A) To create multiple instances of a class</a:t>
-            </a:r>
-          </a:p>
-          <a:p>
-            <a:pPr lvl="1"/>
-            <a:r>
-              <a:rPr lang="en-GB" dirty="0"/>
-              <a:t>B) To keep common </a:t>
-            </a:r>
-            <a:r>
-              <a:rPr lang="en-GB" dirty="0" err="1"/>
-              <a:t>behavior</a:t>
-            </a:r>
-            <a:r>
-              <a:rPr lang="en-GB" dirty="0"/>
-              <a:t> in one class and split different </a:t>
-            </a:r>
-            <a:r>
-              <a:rPr lang="en-GB" dirty="0" err="1"/>
-              <a:t>behavior</a:t>
-            </a:r>
-            <a:r>
-              <a:rPr lang="en-GB" dirty="0"/>
-              <a:t> into separate classes</a:t>
-            </a:r>
-          </a:p>
-          <a:p>
-            <a:pPr lvl="1"/>
-            <a:r>
-              <a:rPr lang="en-GB" dirty="0"/>
-              <a:t>C) To override all methods in a superclass</a:t>
-            </a:r>
-          </a:p>
-          <a:p>
-            <a:pPr lvl="1"/>
-            <a:r>
-              <a:rPr lang="en-GB" dirty="0"/>
-              <a:t>D) To create private variables</a:t>
-            </a:r>
-          </a:p>
-          <a:p>
-            <a:pPr lvl="1"/>
-            <a:r>
-              <a:rPr lang="en-GB" dirty="0"/>
-              <a:t>Answer: B</a:t>
-            </a:r>
-          </a:p>
-          <a:p>
-            <a:r>
-              <a:rPr lang="en-GB" dirty="0"/>
-              <a:t>What is the correct order of object construction in inheritance?</a:t>
-            </a:r>
-          </a:p>
-          <a:p>
-            <a:pPr lvl="1"/>
-            <a:r>
-              <a:rPr lang="en-GB" dirty="0"/>
-              <a:t>A) Subclass to superclass</a:t>
-            </a:r>
-          </a:p>
-          <a:p>
-            <a:pPr lvl="1"/>
-            <a:r>
-              <a:rPr lang="en-GB" dirty="0"/>
-              <a:t>B) Superclass to subclass</a:t>
-            </a:r>
-          </a:p>
-          <a:p>
-            <a:pPr lvl="1"/>
-            <a:r>
-              <a:rPr lang="en-GB" dirty="0"/>
-              <a:t>C) Random order</a:t>
-            </a:r>
-          </a:p>
-          <a:p>
-            <a:pPr lvl="1"/>
-            <a:r>
-              <a:rPr lang="en-GB" dirty="0"/>
-              <a:t>D) Depends on the programmer's choice</a:t>
-            </a:r>
-          </a:p>
-          <a:p>
-            <a:pPr lvl="1"/>
-            <a:r>
-              <a:rPr lang="en-GB" dirty="0"/>
-              <a:t>Answer: B</a:t>
-            </a:r>
-          </a:p>
-          <a:p>
-            <a:r>
-              <a:rPr lang="en-GB" dirty="0"/>
-              <a:t>Which of the following is true about the 'super()' call in a constructor?</a:t>
-            </a:r>
-          </a:p>
-          <a:p>
-            <a:pPr lvl="1"/>
-            <a:r>
-              <a:rPr lang="en-GB" dirty="0"/>
-              <a:t>A) It must be the last line in the constructor</a:t>
-            </a:r>
-          </a:p>
-          <a:p>
-            <a:pPr lvl="1"/>
-            <a:r>
-              <a:rPr lang="en-GB" dirty="0"/>
-              <a:t>B) It must be the first line in the constructor</a:t>
-            </a:r>
-          </a:p>
-          <a:p>
-            <a:pPr lvl="1"/>
-            <a:r>
-              <a:rPr lang="en-GB" dirty="0"/>
-              <a:t>C) It can be placed anywhere in the constructor</a:t>
-            </a:r>
-          </a:p>
-          <a:p>
-            <a:pPr lvl="1"/>
-            <a:r>
-              <a:rPr lang="en-GB" dirty="0"/>
-              <a:t>D) It is optional in all cases</a:t>
-            </a:r>
-          </a:p>
-          <a:p>
-            <a:pPr lvl="1"/>
-            <a:r>
-              <a:rPr lang="en-GB" dirty="0"/>
-              <a:t>Answer: B</a:t>
-            </a:r>
-          </a:p>
-          <a:p>
-            <a:endParaRPr lang="en-GB" dirty="0"/>
-          </a:p>
-          <a:p>
-            <a:endParaRPr lang="en-SE" dirty="0"/>
-          </a:p>
-        </p:txBody>
-      </p:sp>
-    </p:spTree>
-    <p:extLst>
-      <p:ext uri="{BB962C8B-B14F-4D97-AF65-F5344CB8AC3E}">
-        <p14:creationId xmlns:p14="http://schemas.microsoft.com/office/powerpoint/2010/main" val="3110039772"/>
-      </p:ext>
-    </p:extLst>
-  </p:cSld>
-  <p:clrMapOvr>
-    <a:masterClrMapping/>
-  </p:clrMapOvr>
-</p:sld>
-</file>
-
-<file path=ppt/slides/slide40.xml><?xml version="1.0" encoding="utf-8"?>
+<file path=ppt/slides/slide41.xml><?xml version="1.0" encoding="utf-8"?>
 <p:sld xmlns:a="http://schemas.openxmlformats.org/drawingml/2006/main" xmlns:r="http://schemas.openxmlformats.org/officeDocument/2006/relationships" xmlns:p="http://schemas.openxmlformats.org/presentationml/2006/main">
   <p:cSld>
     <p:spTree>
@@ -34639,7 +34604,7 @@
 </p:sld>
 </file>
 
-<file path=ppt/slides/slide41.xml><?xml version="1.0" encoding="utf-8"?>
+<file path=ppt/slides/slide42.xml><?xml version="1.0" encoding="utf-8"?>
 <p:sld xmlns:a="http://schemas.openxmlformats.org/drawingml/2006/main" xmlns:r="http://schemas.openxmlformats.org/officeDocument/2006/relationships" xmlns:p="http://schemas.openxmlformats.org/presentationml/2006/main">
   <p:cSld>
     <p:spTree>
@@ -34757,7 +34722,7 @@
 </p:sld>
 </file>
 
-<file path=ppt/slides/slide42.xml><?xml version="1.0" encoding="utf-8"?>
+<file path=ppt/slides/slide43.xml><?xml version="1.0" encoding="utf-8"?>
 <p:sld xmlns:a="http://schemas.openxmlformats.org/drawingml/2006/main" xmlns:r="http://schemas.openxmlformats.org/officeDocument/2006/relationships" xmlns:p="http://schemas.openxmlformats.org/presentationml/2006/main">
   <p:cSld>
     <p:spTree>
@@ -34892,7 +34857,7 @@
 </p:sld>
 </file>
 
-<file path=ppt/slides/slide43.xml><?xml version="1.0" encoding="utf-8"?>
+<file path=ppt/slides/slide44.xml><?xml version="1.0" encoding="utf-8"?>
 <p:sld xmlns:a="http://schemas.openxmlformats.org/drawingml/2006/main" xmlns:r="http://schemas.openxmlformats.org/officeDocument/2006/relationships" xmlns:p="http://schemas.openxmlformats.org/presentationml/2006/main">
   <p:cSld>
     <p:spTree>
@@ -35108,7 +35073,7 @@
 </p:sld>
 </file>
 
-<file path=ppt/slides/slide44.xml><?xml version="1.0" encoding="utf-8"?>
+<file path=ppt/slides/slide45.xml><?xml version="1.0" encoding="utf-8"?>
 <p:sld xmlns:a="http://schemas.openxmlformats.org/drawingml/2006/main" xmlns:r="http://schemas.openxmlformats.org/officeDocument/2006/relationships" xmlns:p="http://schemas.openxmlformats.org/presentationml/2006/main">
   <p:cSld>
     <p:spTree>
@@ -35234,7 +35199,7 @@
 </p:sld>
 </file>
 
-<file path=ppt/slides/slide45.xml><?xml version="1.0" encoding="utf-8"?>
+<file path=ppt/slides/slide46.xml><?xml version="1.0" encoding="utf-8"?>
 <p:sld xmlns:a="http://schemas.openxmlformats.org/drawingml/2006/main" xmlns:r="http://schemas.openxmlformats.org/officeDocument/2006/relationships" xmlns:p="http://schemas.openxmlformats.org/presentationml/2006/main">
   <p:cSld>
     <p:spTree>
@@ -35386,7 +35351,7 @@
 </p:sld>
 </file>
 
-<file path=ppt/slides/slide46.xml><?xml version="1.0" encoding="utf-8"?>
+<file path=ppt/slides/slide47.xml><?xml version="1.0" encoding="utf-8"?>
 <p:sld xmlns:a="http://schemas.openxmlformats.org/drawingml/2006/main" xmlns:r="http://schemas.openxmlformats.org/officeDocument/2006/relationships" xmlns:p="http://schemas.openxmlformats.org/presentationml/2006/main">
   <p:cSld>
     <p:spTree>
@@ -35509,7 +35474,7 @@
 </p:sld>
 </file>
 
-<file path=ppt/slides/slide47.xml><?xml version="1.0" encoding="utf-8"?>
+<file path=ppt/slides/slide48.xml><?xml version="1.0" encoding="utf-8"?>
 <p:sld xmlns:a="http://schemas.openxmlformats.org/drawingml/2006/main" xmlns:r="http://schemas.openxmlformats.org/officeDocument/2006/relationships" xmlns:p="http://schemas.openxmlformats.org/presentationml/2006/main">
   <p:cSld>
     <p:spTree>
@@ -35748,7 +35713,7 @@
 </p:sld>
 </file>
 
-<file path=ppt/slides/slide48.xml><?xml version="1.0" encoding="utf-8"?>
+<file path=ppt/slides/slide49.xml><?xml version="1.0" encoding="utf-8"?>
 <p:sld xmlns:a="http://schemas.openxmlformats.org/drawingml/2006/main" xmlns:r="http://schemas.openxmlformats.org/officeDocument/2006/relationships" xmlns:p="http://schemas.openxmlformats.org/presentationml/2006/main">
   <p:cSld>
     <p:spTree>
@@ -37444,6 +37409,6 @@
 
 <file path=docMetadata/LabelInfo.xml><?xml version="1.0" encoding="utf-8"?>
 <clbl:labelList xmlns:clbl="http://schemas.microsoft.com/office/2020/mipLabelMetadata">
-  <clbl:label id="{f13b610e-d3b5-490f-b165-988100e8232a}" enabled="1" method="Standard" siteId="{5a4ba6f9-f531-4f32-9467-398f19e69de4}" contentBits="1" removed="0"/>
+  <clbl:label id="{da48a9ac-7937-4134-8b13-3620bf967764}" enabled="1" method="Privileged" siteId="{5a4ba6f9-f531-4f32-9467-398f19e69de4}" contentBits="0" removed="0"/>
 </clbl:labelList>
 </file>
--- a/PPTs/Quiz/MidtermExam2024.pptx
+++ b/PPTs/Quiz/MidtermExam2024.pptx
@@ -308,7 +308,7 @@
           <a:p>
             <a:fld id="{1B0CF57B-C747-FC49-8C8F-81AE37C96CA4}" type="datetimeFigureOut">
               <a:rPr lang="en-US" smtClean="0"/>
-              <a:t>2/2/2025</a:t>
+              <a:t>2/18/2025</a:t>
             </a:fld>
             <a:endParaRPr lang="en-US"/>
           </a:p>
@@ -3827,7 +3827,7 @@
           <a:p>
             <a:fld id="{FB221443-D73C-634A-A910-7320408C156D}" type="datetimeFigureOut">
               <a:rPr lang="en-US" smtClean="0"/>
-              <a:t>2/2/2025</a:t>
+              <a:t>2/18/2025</a:t>
             </a:fld>
             <a:endParaRPr lang="en-US"/>
           </a:p>
@@ -3997,7 +3997,7 @@
           <a:p>
             <a:fld id="{FB221443-D73C-634A-A910-7320408C156D}" type="datetimeFigureOut">
               <a:rPr lang="en-US" smtClean="0"/>
-              <a:t>2/2/2025</a:t>
+              <a:t>2/18/2025</a:t>
             </a:fld>
             <a:endParaRPr lang="en-US"/>
           </a:p>
@@ -4177,7 +4177,7 @@
           <a:p>
             <a:fld id="{FB221443-D73C-634A-A910-7320408C156D}" type="datetimeFigureOut">
               <a:rPr lang="en-US" smtClean="0"/>
-              <a:t>2/2/2025</a:t>
+              <a:t>2/18/2025</a:t>
             </a:fld>
             <a:endParaRPr lang="en-US"/>
           </a:p>
@@ -4347,7 +4347,7 @@
           <a:p>
             <a:fld id="{FB221443-D73C-634A-A910-7320408C156D}" type="datetimeFigureOut">
               <a:rPr lang="en-US" smtClean="0"/>
-              <a:t>2/2/2025</a:t>
+              <a:t>2/18/2025</a:t>
             </a:fld>
             <a:endParaRPr lang="en-US"/>
           </a:p>
@@ -4593,7 +4593,7 @@
           <a:p>
             <a:fld id="{FB221443-D73C-634A-A910-7320408C156D}" type="datetimeFigureOut">
               <a:rPr lang="en-US" smtClean="0"/>
-              <a:t>2/2/2025</a:t>
+              <a:t>2/18/2025</a:t>
             </a:fld>
             <a:endParaRPr lang="en-US"/>
           </a:p>
@@ -4881,7 +4881,7 @@
           <a:p>
             <a:fld id="{FB221443-D73C-634A-A910-7320408C156D}" type="datetimeFigureOut">
               <a:rPr lang="en-US" smtClean="0"/>
-              <a:t>2/2/2025</a:t>
+              <a:t>2/18/2025</a:t>
             </a:fld>
             <a:endParaRPr lang="en-US"/>
           </a:p>
@@ -5303,7 +5303,7 @@
           <a:p>
             <a:fld id="{FB221443-D73C-634A-A910-7320408C156D}" type="datetimeFigureOut">
               <a:rPr lang="en-US" smtClean="0"/>
-              <a:t>2/2/2025</a:t>
+              <a:t>2/18/2025</a:t>
             </a:fld>
             <a:endParaRPr lang="en-US"/>
           </a:p>
@@ -5421,7 +5421,7 @@
           <a:p>
             <a:fld id="{FB221443-D73C-634A-A910-7320408C156D}" type="datetimeFigureOut">
               <a:rPr lang="en-US" smtClean="0"/>
-              <a:t>2/2/2025</a:t>
+              <a:t>2/18/2025</a:t>
             </a:fld>
             <a:endParaRPr lang="en-US"/>
           </a:p>
@@ -5516,7 +5516,7 @@
           <a:p>
             <a:fld id="{FB221443-D73C-634A-A910-7320408C156D}" type="datetimeFigureOut">
               <a:rPr lang="en-US" smtClean="0"/>
-              <a:t>2/2/2025</a:t>
+              <a:t>2/18/2025</a:t>
             </a:fld>
             <a:endParaRPr lang="en-US"/>
           </a:p>
@@ -5793,7 +5793,7 @@
           <a:p>
             <a:fld id="{FB221443-D73C-634A-A910-7320408C156D}" type="datetimeFigureOut">
               <a:rPr lang="en-US" smtClean="0"/>
-              <a:t>2/2/2025</a:t>
+              <a:t>2/18/2025</a:t>
             </a:fld>
             <a:endParaRPr lang="en-US"/>
           </a:p>
@@ -6046,7 +6046,7 @@
           <a:p>
             <a:fld id="{FB221443-D73C-634A-A910-7320408C156D}" type="datetimeFigureOut">
               <a:rPr lang="en-US" smtClean="0"/>
-              <a:t>2/2/2025</a:t>
+              <a:t>2/18/2025</a:t>
             </a:fld>
             <a:endParaRPr lang="en-US"/>
           </a:p>
@@ -6259,7 +6259,7 @@
           <a:p>
             <a:fld id="{FB221443-D73C-634A-A910-7320408C156D}" type="datetimeFigureOut">
               <a:rPr lang="en-US" smtClean="0"/>
-              <a:t>2/2/2025</a:t>
+              <a:t>2/18/2025</a:t>
             </a:fld>
             <a:endParaRPr lang="en-US"/>
           </a:p>
@@ -11005,14 +11005,20 @@
         </p:nvSpPr>
         <p:spPr/>
         <p:txBody>
-          <a:bodyPr/>
+          <a:bodyPr>
+            <a:noAutofit/>
+          </a:bodyPr>
           <a:lstStyle/>
           <a:p>
             <a:r>
-              <a:rPr lang="en-GB" dirty="0"/>
-              <a:t>Question 27</a:t>
-            </a:r>
-            <a:endParaRPr lang="en-SE" dirty="0"/>
+              <a:rPr lang="en-GB" sz="2800" dirty="0"/>
+              <a:t>Question 27 (This question is out of scope. </a:t>
+            </a:r>
+            <a:r>
+              <a:rPr lang="en-GB" sz="2800"/>
+              <a:t>Such complex recursion will not be covered in exam.)</a:t>
+            </a:r>
+            <a:endParaRPr lang="en-SE" sz="2800" dirty="0"/>
           </a:p>
         </p:txBody>
       </p:sp>
@@ -11822,16 +11828,23 @@
             <p:ph type="title"/>
           </p:nvPr>
         </p:nvSpPr>
-        <p:spPr/>
+        <p:spPr>
+          <a:xfrm>
+            <a:off x="457200" y="14083"/>
+            <a:ext cx="8229600" cy="1143000"/>
+          </a:xfrm>
+        </p:spPr>
         <p:txBody>
-          <a:bodyPr/>
+          <a:bodyPr>
+            <a:noAutofit/>
+          </a:bodyPr>
           <a:lstStyle/>
           <a:p>
             <a:r>
-              <a:rPr lang="en-GB" dirty="0"/>
-              <a:t>Question 29</a:t>
-            </a:r>
-            <a:endParaRPr lang="en-SE" dirty="0"/>
+              <a:rPr lang="en-GB" sz="2800" dirty="0"/>
+              <a:t>Question 29 (This question is out of scope. Such complex recursion will not be covered in exam.)</a:t>
+            </a:r>
+            <a:endParaRPr lang="en-SE" sz="2800" dirty="0"/>
           </a:p>
         </p:txBody>
       </p:sp>
@@ -12428,1290 +12441,6 @@
           </a:p>
           <a:p>
             <a:endParaRPr lang="en-SE" dirty="0"/>
-          </a:p>
-        </p:txBody>
-      </p:sp>
-      <p:sp>
-        <p:nvSpPr>
-          <p:cNvPr id="12" name="SMARTInkShape-10">
-            <a:extLst>
-              <a:ext uri="{FF2B5EF4-FFF2-40B4-BE49-F238E27FC236}">
-                <a16:creationId xmlns:a16="http://schemas.microsoft.com/office/drawing/2014/main" id="{D2D11766-00F0-4C1A-82AA-D5785EF89894}"/>
-              </a:ext>
-            </a:extLst>
-          </p:cNvPr>
-          <p:cNvSpPr/>
-          <p:nvPr>
-            <p:custDataLst>
-              <p:tags r:id="rId1"/>
-            </p:custDataLst>
-          </p:nvPr>
-        </p:nvSpPr>
-        <p:spPr>
-          <a:xfrm>
-            <a:off x="4589859" y="5089922"/>
-            <a:ext cx="3830660" cy="80368"/>
-          </a:xfrm>
-          <a:custGeom>
-            <a:avLst/>
-            <a:gdLst/>
-            <a:ahLst/>
-            <a:cxnLst/>
-            <a:rect l="0" t="0" r="0" b="0"/>
-            <a:pathLst>
-              <a:path w="3830660" h="80368">
-                <a:moveTo>
-                  <a:pt x="35719" y="26789"/>
-                </a:moveTo>
-                <a:lnTo>
-                  <a:pt x="35719" y="26789"/>
-                </a:lnTo>
-                <a:lnTo>
-                  <a:pt x="19210" y="26789"/>
-                </a:lnTo>
-                <a:lnTo>
-                  <a:pt x="18759" y="25797"/>
-                </a:lnTo>
-                <a:lnTo>
-                  <a:pt x="17979" y="19101"/>
-                </a:lnTo>
-                <a:lnTo>
-                  <a:pt x="15266" y="18410"/>
-                </a:lnTo>
-                <a:lnTo>
-                  <a:pt x="369" y="17859"/>
-                </a:lnTo>
-                <a:lnTo>
-                  <a:pt x="0" y="8930"/>
-                </a:lnTo>
-                <a:lnTo>
-                  <a:pt x="22489" y="8930"/>
-                </a:lnTo>
-                <a:lnTo>
-                  <a:pt x="23923" y="7936"/>
-                </a:lnTo>
-                <a:lnTo>
-                  <a:pt x="24878" y="6284"/>
-                </a:lnTo>
-                <a:lnTo>
-                  <a:pt x="26412" y="1241"/>
-                </a:lnTo>
-                <a:lnTo>
-                  <a:pt x="29267" y="551"/>
-                </a:lnTo>
-                <a:lnTo>
-                  <a:pt x="56959" y="0"/>
-                </a:lnTo>
-                <a:lnTo>
-                  <a:pt x="58808" y="992"/>
-                </a:lnTo>
-                <a:lnTo>
-                  <a:pt x="60041" y="2645"/>
-                </a:lnTo>
-                <a:lnTo>
-                  <a:pt x="60863" y="4740"/>
-                </a:lnTo>
-                <a:lnTo>
-                  <a:pt x="62404" y="6136"/>
-                </a:lnTo>
-                <a:lnTo>
-                  <a:pt x="66761" y="7688"/>
-                </a:lnTo>
-                <a:lnTo>
-                  <a:pt x="110135" y="8926"/>
-                </a:lnTo>
-                <a:lnTo>
-                  <a:pt x="154780" y="8930"/>
-                </a:lnTo>
-                <a:lnTo>
-                  <a:pt x="191742" y="8930"/>
-                </a:lnTo>
-                <a:lnTo>
-                  <a:pt x="197005" y="11576"/>
-                </a:lnTo>
-                <a:lnTo>
-                  <a:pt x="202652" y="15067"/>
-                </a:lnTo>
-                <a:lnTo>
-                  <a:pt x="212401" y="17031"/>
-                </a:lnTo>
-                <a:lnTo>
-                  <a:pt x="250570" y="18779"/>
-                </a:lnTo>
-                <a:lnTo>
-                  <a:pt x="289505" y="25955"/>
-                </a:lnTo>
-                <a:lnTo>
-                  <a:pt x="330893" y="26679"/>
-                </a:lnTo>
-                <a:lnTo>
-                  <a:pt x="371591" y="26778"/>
-                </a:lnTo>
-                <a:lnTo>
-                  <a:pt x="411487" y="26788"/>
-                </a:lnTo>
-                <a:lnTo>
-                  <a:pt x="454968" y="26789"/>
-                </a:lnTo>
-                <a:lnTo>
-                  <a:pt x="467232" y="26789"/>
-                </a:lnTo>
-                <a:lnTo>
-                  <a:pt x="473235" y="24143"/>
-                </a:lnTo>
-                <a:lnTo>
-                  <a:pt x="479209" y="20652"/>
-                </a:lnTo>
-                <a:lnTo>
-                  <a:pt x="491130" y="18410"/>
-                </a:lnTo>
-                <a:lnTo>
-                  <a:pt x="529139" y="13151"/>
-                </a:lnTo>
-                <a:lnTo>
-                  <a:pt x="569158" y="9762"/>
-                </a:lnTo>
-                <a:lnTo>
-                  <a:pt x="606757" y="9094"/>
-                </a:lnTo>
-                <a:lnTo>
-                  <a:pt x="642846" y="8962"/>
-                </a:lnTo>
-                <a:lnTo>
-                  <a:pt x="684776" y="8937"/>
-                </a:lnTo>
-                <a:lnTo>
-                  <a:pt x="722749" y="8930"/>
-                </a:lnTo>
-                <a:lnTo>
-                  <a:pt x="749930" y="11576"/>
-                </a:lnTo>
-                <a:lnTo>
-                  <a:pt x="790521" y="16617"/>
-                </a:lnTo>
-                <a:lnTo>
-                  <a:pt x="830619" y="17614"/>
-                </a:lnTo>
-                <a:lnTo>
-                  <a:pt x="873082" y="17811"/>
-                </a:lnTo>
-                <a:lnTo>
-                  <a:pt x="915168" y="17850"/>
-                </a:lnTo>
-                <a:lnTo>
-                  <a:pt x="959380" y="17858"/>
-                </a:lnTo>
-                <a:lnTo>
-                  <a:pt x="1003873" y="17859"/>
-                </a:lnTo>
-                <a:lnTo>
-                  <a:pt x="1044742" y="17859"/>
-                </a:lnTo>
-                <a:lnTo>
-                  <a:pt x="1087357" y="17859"/>
-                </a:lnTo>
-                <a:lnTo>
-                  <a:pt x="1124733" y="17859"/>
-                </a:lnTo>
-                <a:lnTo>
-                  <a:pt x="1160778" y="17859"/>
-                </a:lnTo>
-                <a:lnTo>
-                  <a:pt x="1196562" y="17859"/>
-                </a:lnTo>
-                <a:lnTo>
-                  <a:pt x="1240232" y="17859"/>
-                </a:lnTo>
-                <a:lnTo>
-                  <a:pt x="1278186" y="17859"/>
-                </a:lnTo>
-                <a:lnTo>
-                  <a:pt x="1314689" y="20504"/>
-                </a:lnTo>
-                <a:lnTo>
-                  <a:pt x="1351442" y="32098"/>
-                </a:lnTo>
-                <a:lnTo>
-                  <a:pt x="1393435" y="39982"/>
-                </a:lnTo>
-                <a:lnTo>
-                  <a:pt x="1437548" y="44594"/>
-                </a:lnTo>
-                <a:lnTo>
-                  <a:pt x="1476924" y="44648"/>
-                </a:lnTo>
-                <a:lnTo>
-                  <a:pt x="1518511" y="47293"/>
-                </a:lnTo>
-                <a:lnTo>
-                  <a:pt x="1562756" y="52750"/>
-                </a:lnTo>
-                <a:lnTo>
-                  <a:pt x="1607352" y="53468"/>
-                </a:lnTo>
-                <a:lnTo>
-                  <a:pt x="1649349" y="53563"/>
-                </a:lnTo>
-                <a:lnTo>
-                  <a:pt x="1686268" y="54570"/>
-                </a:lnTo>
-                <a:lnTo>
-                  <a:pt x="1724416" y="61266"/>
-                </a:lnTo>
-                <a:lnTo>
-                  <a:pt x="1764666" y="62398"/>
-                </a:lnTo>
-                <a:lnTo>
-                  <a:pt x="1800101" y="62493"/>
-                </a:lnTo>
-                <a:lnTo>
-                  <a:pt x="1843526" y="62506"/>
-                </a:lnTo>
-                <a:lnTo>
-                  <a:pt x="1884185" y="56370"/>
-                </a:lnTo>
-                <a:lnTo>
-                  <a:pt x="1926759" y="54129"/>
-                </a:lnTo>
-                <a:lnTo>
-                  <a:pt x="1964126" y="53688"/>
-                </a:lnTo>
-                <a:lnTo>
-                  <a:pt x="2005314" y="47462"/>
-                </a:lnTo>
-                <a:lnTo>
-                  <a:pt x="2045761" y="45019"/>
-                </a:lnTo>
-                <a:lnTo>
-                  <a:pt x="2082593" y="42051"/>
-                </a:lnTo>
-                <a:lnTo>
-                  <a:pt x="2125526" y="36552"/>
-                </a:lnTo>
-                <a:lnTo>
-                  <a:pt x="2169948" y="35828"/>
-                </a:lnTo>
-                <a:lnTo>
-                  <a:pt x="2214568" y="28666"/>
-                </a:lnTo>
-                <a:lnTo>
-                  <a:pt x="2257226" y="27036"/>
-                </a:lnTo>
-                <a:lnTo>
-                  <a:pt x="2301861" y="26793"/>
-                </a:lnTo>
-                <a:lnTo>
-                  <a:pt x="2338564" y="25797"/>
-                </a:lnTo>
-                <a:lnTo>
-                  <a:pt x="2381079" y="19101"/>
-                </a:lnTo>
-                <a:lnTo>
-                  <a:pt x="2421393" y="18022"/>
-                </a:lnTo>
-                <a:lnTo>
-                  <a:pt x="2447163" y="20552"/>
-                </a:lnTo>
-                <a:lnTo>
-                  <a:pt x="2490637" y="26241"/>
-                </a:lnTo>
-                <a:lnTo>
-                  <a:pt x="2511667" y="29272"/>
-                </a:lnTo>
-                <a:lnTo>
-                  <a:pt x="2548898" y="35152"/>
-                </a:lnTo>
-                <a:lnTo>
-                  <a:pt x="2590128" y="35644"/>
-                </a:lnTo>
-                <a:lnTo>
-                  <a:pt x="2634326" y="35709"/>
-                </a:lnTo>
-                <a:lnTo>
-                  <a:pt x="2677118" y="35717"/>
-                </a:lnTo>
-                <a:lnTo>
-                  <a:pt x="2712001" y="35717"/>
-                </a:lnTo>
-                <a:lnTo>
-                  <a:pt x="2749456" y="35719"/>
-                </a:lnTo>
-                <a:lnTo>
-                  <a:pt x="2780707" y="35719"/>
-                </a:lnTo>
-                <a:lnTo>
-                  <a:pt x="2811794" y="35719"/>
-                </a:lnTo>
-                <a:lnTo>
-                  <a:pt x="2854542" y="35719"/>
-                </a:lnTo>
-                <a:lnTo>
-                  <a:pt x="2895060" y="35719"/>
-                </a:lnTo>
-                <a:lnTo>
-                  <a:pt x="2933688" y="35719"/>
-                </a:lnTo>
-                <a:lnTo>
-                  <a:pt x="2977501" y="40458"/>
-                </a:lnTo>
-                <a:lnTo>
-                  <a:pt x="3017244" y="44814"/>
-                </a:lnTo>
-                <a:lnTo>
-                  <a:pt x="3059452" y="52678"/>
-                </a:lnTo>
-                <a:lnTo>
-                  <a:pt x="3104066" y="53459"/>
-                </a:lnTo>
-                <a:lnTo>
-                  <a:pt x="3146432" y="60630"/>
-                </a:lnTo>
-                <a:lnTo>
-                  <a:pt x="3181912" y="62137"/>
-                </a:lnTo>
-                <a:lnTo>
-                  <a:pt x="3222435" y="63427"/>
-                </a:lnTo>
-                <a:lnTo>
-                  <a:pt x="3264817" y="70602"/>
-                </a:lnTo>
-                <a:lnTo>
-                  <a:pt x="3309446" y="71327"/>
-                </a:lnTo>
-                <a:lnTo>
-                  <a:pt x="3333689" y="72408"/>
-                </a:lnTo>
-                <a:lnTo>
-                  <a:pt x="3350679" y="78501"/>
-                </a:lnTo>
-                <a:lnTo>
-                  <a:pt x="3391949" y="80335"/>
-                </a:lnTo>
-                <a:lnTo>
-                  <a:pt x="3431778" y="80362"/>
-                </a:lnTo>
-                <a:lnTo>
-                  <a:pt x="3470254" y="80367"/>
-                </a:lnTo>
-                <a:lnTo>
-                  <a:pt x="3508697" y="80367"/>
-                </a:lnTo>
-                <a:lnTo>
-                  <a:pt x="3545946" y="80367"/>
-                </a:lnTo>
-                <a:lnTo>
-                  <a:pt x="3585201" y="77721"/>
-                </a:lnTo>
-                <a:lnTo>
-                  <a:pt x="3617391" y="72679"/>
-                </a:lnTo>
-                <a:lnTo>
-                  <a:pt x="3653405" y="71681"/>
-                </a:lnTo>
-                <a:lnTo>
-                  <a:pt x="3695062" y="71485"/>
-                </a:lnTo>
-                <a:lnTo>
-                  <a:pt x="3736988" y="71447"/>
-                </a:lnTo>
-                <a:lnTo>
-                  <a:pt x="3781504" y="71439"/>
-                </a:lnTo>
-                <a:lnTo>
-                  <a:pt x="3824061" y="71437"/>
-                </a:lnTo>
-                <a:lnTo>
-                  <a:pt x="3830659" y="71437"/>
-                </a:lnTo>
-                <a:lnTo>
-                  <a:pt x="3812976" y="71437"/>
-                </a:lnTo>
-              </a:path>
-            </a:pathLst>
-          </a:custGeom>
-          <a:ln w="19050">
-            <a:solidFill>
-              <a:srgbClr val="FF0000"/>
-            </a:solidFill>
-          </a:ln>
-          <a:effectLst/>
-          <a:extLst>
-            <a:ext uri="{AF507438-7753-43E0-B8FC-AC1667EBCBE1}">
-              <a14:hiddenEffects xmlns:a14="http://schemas.microsoft.com/office/drawing/2010/main">
-                <a:effectLst>
-                  <a:outerShdw blurRad="40000" dist="20000" dir="5400000" rotWithShape="0">
-                    <a:srgbClr val="000000">
-                      <a:alpha val="38000"/>
-                    </a:srgbClr>
-                  </a:outerShdw>
-                </a:effectLst>
-              </a14:hiddenEffects>
-            </a:ext>
-          </a:extLst>
-        </p:spPr>
-        <p:style>
-          <a:lnRef idx="2">
-            <a:schemeClr val="accent1"/>
-          </a:lnRef>
-          <a:fillRef idx="0">
-            <a:schemeClr val="accent1"/>
-          </a:fillRef>
-          <a:effectRef idx="1">
-            <a:schemeClr val="accent1"/>
-          </a:effectRef>
-          <a:fontRef idx="minor">
-            <a:schemeClr val="tx1"/>
-          </a:fontRef>
-        </p:style>
-        <p:txBody>
-          <a:bodyPr rtlCol="0" anchor="ctr"/>
-          <a:lstStyle/>
-          <a:p>
-            <a:pPr algn="ctr"/>
-            <a:endParaRPr lang="en-US"/>
-          </a:p>
-        </p:txBody>
-      </p:sp>
-      <p:sp>
-        <p:nvSpPr>
-          <p:cNvPr id="13" name="SMARTInkShape-11">
-            <a:extLst>
-              <a:ext uri="{FF2B5EF4-FFF2-40B4-BE49-F238E27FC236}">
-                <a16:creationId xmlns:a16="http://schemas.microsoft.com/office/drawing/2014/main" id="{DD4190C1-8AEA-401E-8837-1743100C00C0}"/>
-              </a:ext>
-            </a:extLst>
-          </p:cNvPr>
-          <p:cNvSpPr/>
-          <p:nvPr>
-            <p:custDataLst>
-              <p:tags r:id="rId2"/>
-            </p:custDataLst>
-          </p:nvPr>
-        </p:nvSpPr>
-        <p:spPr>
-          <a:xfrm>
-            <a:off x="3839765" y="5232797"/>
-            <a:ext cx="8931" cy="8931"/>
-          </a:xfrm>
-          <a:custGeom>
-            <a:avLst/>
-            <a:gdLst/>
-            <a:ahLst/>
-            <a:cxnLst/>
-            <a:rect l="0" t="0" r="0" b="0"/>
-            <a:pathLst>
-              <a:path w="8931" h="8931">
-                <a:moveTo>
-                  <a:pt x="8930" y="8930"/>
-                </a:moveTo>
-                <a:lnTo>
-                  <a:pt x="8930" y="8930"/>
-                </a:lnTo>
-                <a:lnTo>
-                  <a:pt x="3" y="8930"/>
-                </a:lnTo>
-                <a:lnTo>
-                  <a:pt x="0" y="0"/>
-                </a:lnTo>
-              </a:path>
-            </a:pathLst>
-          </a:custGeom>
-          <a:ln w="19050">
-            <a:solidFill>
-              <a:srgbClr val="FF0000"/>
-            </a:solidFill>
-          </a:ln>
-          <a:effectLst/>
-          <a:extLst>
-            <a:ext uri="{AF507438-7753-43E0-B8FC-AC1667EBCBE1}">
-              <a14:hiddenEffects xmlns:a14="http://schemas.microsoft.com/office/drawing/2010/main">
-                <a:effectLst>
-                  <a:outerShdw blurRad="40000" dist="20000" dir="5400000" rotWithShape="0">
-                    <a:srgbClr val="000000">
-                      <a:alpha val="38000"/>
-                    </a:srgbClr>
-                  </a:outerShdw>
-                </a:effectLst>
-              </a14:hiddenEffects>
-            </a:ext>
-          </a:extLst>
-        </p:spPr>
-        <p:style>
-          <a:lnRef idx="2">
-            <a:schemeClr val="accent1"/>
-          </a:lnRef>
-          <a:fillRef idx="0">
-            <a:schemeClr val="accent1"/>
-          </a:fillRef>
-          <a:effectRef idx="1">
-            <a:schemeClr val="accent1"/>
-          </a:effectRef>
-          <a:fontRef idx="minor">
-            <a:schemeClr val="tx1"/>
-          </a:fontRef>
-        </p:style>
-        <p:txBody>
-          <a:bodyPr rtlCol="0" anchor="ctr"/>
-          <a:lstStyle/>
-          <a:p>
-            <a:pPr algn="ctr"/>
-            <a:endParaRPr lang="en-US"/>
-          </a:p>
-        </p:txBody>
-      </p:sp>
-      <p:sp>
-        <p:nvSpPr>
-          <p:cNvPr id="14" name="SMARTInkShape-12">
-            <a:extLst>
-              <a:ext uri="{FF2B5EF4-FFF2-40B4-BE49-F238E27FC236}">
-                <a16:creationId xmlns:a16="http://schemas.microsoft.com/office/drawing/2014/main" id="{B3E73BB1-4BF3-4A40-8C38-03CB18DFBF8E}"/>
-              </a:ext>
-            </a:extLst>
-          </p:cNvPr>
-          <p:cNvSpPr/>
-          <p:nvPr>
-            <p:custDataLst>
-              <p:tags r:id="rId3"/>
-            </p:custDataLst>
-          </p:nvPr>
-        </p:nvSpPr>
-        <p:spPr>
-          <a:xfrm>
-            <a:off x="3841039" y="5241759"/>
-            <a:ext cx="3856352" cy="116055"/>
-          </a:xfrm>
-          <a:custGeom>
-            <a:avLst/>
-            <a:gdLst/>
-            <a:ahLst/>
-            <a:cxnLst/>
-            <a:rect l="0" t="0" r="0" b="0"/>
-            <a:pathLst>
-              <a:path w="3856352" h="116055">
-                <a:moveTo>
-                  <a:pt x="16586" y="17827"/>
-                </a:moveTo>
-                <a:lnTo>
-                  <a:pt x="16586" y="17827"/>
-                </a:lnTo>
-                <a:lnTo>
-                  <a:pt x="16586" y="13087"/>
-                </a:lnTo>
-                <a:lnTo>
-                  <a:pt x="15594" y="11690"/>
-                </a:lnTo>
-                <a:lnTo>
-                  <a:pt x="13940" y="10759"/>
-                </a:lnTo>
-                <a:lnTo>
-                  <a:pt x="8024" y="9007"/>
-                </a:lnTo>
-                <a:lnTo>
-                  <a:pt x="0" y="8907"/>
-                </a:lnTo>
-                <a:lnTo>
-                  <a:pt x="3845" y="8899"/>
-                </a:lnTo>
-                <a:lnTo>
-                  <a:pt x="5115" y="7907"/>
-                </a:lnTo>
-                <a:lnTo>
-                  <a:pt x="7321" y="1209"/>
-                </a:lnTo>
-                <a:lnTo>
-                  <a:pt x="10153" y="518"/>
-                </a:lnTo>
-                <a:lnTo>
-                  <a:pt x="28638" y="0"/>
-                </a:lnTo>
-                <a:lnTo>
-                  <a:pt x="34510" y="2627"/>
-                </a:lnTo>
-                <a:lnTo>
-                  <a:pt x="40427" y="6111"/>
-                </a:lnTo>
-                <a:lnTo>
-                  <a:pt x="51783" y="8788"/>
-                </a:lnTo>
-                <a:lnTo>
-                  <a:pt x="84155" y="9889"/>
-                </a:lnTo>
-                <a:lnTo>
-                  <a:pt x="126510" y="19920"/>
-                </a:lnTo>
-                <a:lnTo>
-                  <a:pt x="160781" y="26156"/>
-                </a:lnTo>
-                <a:lnTo>
-                  <a:pt x="197942" y="29350"/>
-                </a:lnTo>
-                <a:lnTo>
-                  <a:pt x="234865" y="35130"/>
-                </a:lnTo>
-                <a:lnTo>
-                  <a:pt x="274085" y="35613"/>
-                </a:lnTo>
-                <a:lnTo>
-                  <a:pt x="290217" y="36657"/>
-                </a:lnTo>
-                <a:lnTo>
-                  <a:pt x="327277" y="43787"/>
-                </a:lnTo>
-                <a:lnTo>
-                  <a:pt x="364184" y="44452"/>
-                </a:lnTo>
-                <a:lnTo>
-                  <a:pt x="400432" y="44583"/>
-                </a:lnTo>
-                <a:lnTo>
-                  <a:pt x="436255" y="44609"/>
-                </a:lnTo>
-                <a:lnTo>
-                  <a:pt x="471994" y="44615"/>
-                </a:lnTo>
-                <a:lnTo>
-                  <a:pt x="507717" y="44616"/>
-                </a:lnTo>
-                <a:lnTo>
-                  <a:pt x="543437" y="43624"/>
-                </a:lnTo>
-                <a:lnTo>
-                  <a:pt x="583346" y="36928"/>
-                </a:lnTo>
-                <a:lnTo>
-                  <a:pt x="627003" y="35849"/>
-                </a:lnTo>
-                <a:lnTo>
-                  <a:pt x="667320" y="35718"/>
-                </a:lnTo>
-                <a:lnTo>
-                  <a:pt x="703948" y="36685"/>
-                </a:lnTo>
-                <a:lnTo>
-                  <a:pt x="745456" y="43789"/>
-                </a:lnTo>
-                <a:lnTo>
-                  <a:pt x="790013" y="44506"/>
-                </a:lnTo>
-                <a:lnTo>
-                  <a:pt x="832658" y="44594"/>
-                </a:lnTo>
-                <a:lnTo>
-                  <a:pt x="875126" y="44616"/>
-                </a:lnTo>
-                <a:lnTo>
-                  <a:pt x="903558" y="44616"/>
-                </a:lnTo>
-                <a:lnTo>
-                  <a:pt x="947788" y="36514"/>
-                </a:lnTo>
-                <a:lnTo>
-                  <a:pt x="985714" y="35849"/>
-                </a:lnTo>
-                <a:lnTo>
-                  <a:pt x="1009180" y="33088"/>
-                </a:lnTo>
-                <a:lnTo>
-                  <a:pt x="1053256" y="28007"/>
-                </a:lnTo>
-                <a:lnTo>
-                  <a:pt x="1090488" y="27127"/>
-                </a:lnTo>
-                <a:lnTo>
-                  <a:pt x="1133791" y="26805"/>
-                </a:lnTo>
-                <a:lnTo>
-                  <a:pt x="1173451" y="26766"/>
-                </a:lnTo>
-                <a:lnTo>
-                  <a:pt x="1213367" y="26758"/>
-                </a:lnTo>
-                <a:lnTo>
-                  <a:pt x="1253149" y="26757"/>
-                </a:lnTo>
-                <a:lnTo>
-                  <a:pt x="1276937" y="29402"/>
-                </a:lnTo>
-                <a:lnTo>
-                  <a:pt x="1319494" y="34858"/>
-                </a:lnTo>
-                <a:lnTo>
-                  <a:pt x="1357303" y="35577"/>
-                </a:lnTo>
-                <a:lnTo>
-                  <a:pt x="1400854" y="42739"/>
-                </a:lnTo>
-                <a:lnTo>
-                  <a:pt x="1445358" y="44368"/>
-                </a:lnTo>
-                <a:lnTo>
-                  <a:pt x="1489986" y="49324"/>
-                </a:lnTo>
-                <a:lnTo>
-                  <a:pt x="1531987" y="52989"/>
-                </a:lnTo>
-                <a:lnTo>
-                  <a:pt x="1554354" y="56026"/>
-                </a:lnTo>
-                <a:lnTo>
-                  <a:pt x="1594744" y="61908"/>
-                </a:lnTo>
-                <a:lnTo>
-                  <a:pt x="1632385" y="62363"/>
-                </a:lnTo>
-                <a:lnTo>
-                  <a:pt x="1671020" y="62466"/>
-                </a:lnTo>
-                <a:lnTo>
-                  <a:pt x="1713548" y="62474"/>
-                </a:lnTo>
-                <a:lnTo>
-                  <a:pt x="1753749" y="67215"/>
-                </a:lnTo>
-                <a:lnTo>
-                  <a:pt x="1793771" y="70577"/>
-                </a:lnTo>
-                <a:lnTo>
-                  <a:pt x="1836343" y="71295"/>
-                </a:lnTo>
-                <a:lnTo>
-                  <a:pt x="1848705" y="71373"/>
-                </a:lnTo>
-                <a:lnTo>
-                  <a:pt x="1855459" y="68745"/>
-                </a:lnTo>
-                <a:lnTo>
-                  <a:pt x="1861768" y="65261"/>
-                </a:lnTo>
-                <a:lnTo>
-                  <a:pt x="1871892" y="63301"/>
-                </a:lnTo>
-                <a:lnTo>
-                  <a:pt x="1912546" y="62485"/>
-                </a:lnTo>
-                <a:lnTo>
-                  <a:pt x="1952416" y="62475"/>
-                </a:lnTo>
-                <a:lnTo>
-                  <a:pt x="1996798" y="62475"/>
-                </a:lnTo>
-                <a:lnTo>
-                  <a:pt x="2031956" y="62475"/>
-                </a:lnTo>
-                <a:lnTo>
-                  <a:pt x="2074099" y="59829"/>
-                </a:lnTo>
-                <a:lnTo>
-                  <a:pt x="2116342" y="54787"/>
-                </a:lnTo>
-                <a:lnTo>
-                  <a:pt x="2153255" y="53913"/>
-                </a:lnTo>
-                <a:lnTo>
-                  <a:pt x="2189328" y="48915"/>
-                </a:lnTo>
-                <a:lnTo>
-                  <a:pt x="2225151" y="45889"/>
-                </a:lnTo>
-                <a:lnTo>
-                  <a:pt x="2260537" y="43875"/>
-                </a:lnTo>
-                <a:lnTo>
-                  <a:pt x="2301042" y="37597"/>
-                </a:lnTo>
-                <a:lnTo>
-                  <a:pt x="2328917" y="38897"/>
-                </a:lnTo>
-                <a:lnTo>
-                  <a:pt x="2367827" y="43863"/>
-                </a:lnTo>
-                <a:lnTo>
-                  <a:pt x="2405361" y="44517"/>
-                </a:lnTo>
-                <a:lnTo>
-                  <a:pt x="2443413" y="44602"/>
-                </a:lnTo>
-                <a:lnTo>
-                  <a:pt x="2456457" y="45602"/>
-                </a:lnTo>
-                <a:lnTo>
-                  <a:pt x="2498985" y="52993"/>
-                </a:lnTo>
-                <a:lnTo>
-                  <a:pt x="2510921" y="54292"/>
-                </a:lnTo>
-                <a:lnTo>
-                  <a:pt x="2546662" y="61626"/>
-                </a:lnTo>
-                <a:lnTo>
-                  <a:pt x="2576246" y="63393"/>
-                </a:lnTo>
-                <a:lnTo>
-                  <a:pt x="2602287" y="70571"/>
-                </a:lnTo>
-                <a:lnTo>
-                  <a:pt x="2644889" y="71402"/>
-                </a:lnTo>
-                <a:lnTo>
-                  <a:pt x="2667307" y="71405"/>
-                </a:lnTo>
-                <a:lnTo>
-                  <a:pt x="2667772" y="72397"/>
-                </a:lnTo>
-                <a:lnTo>
-                  <a:pt x="2668289" y="76145"/>
-                </a:lnTo>
-                <a:lnTo>
-                  <a:pt x="2669419" y="77541"/>
-                </a:lnTo>
-                <a:lnTo>
-                  <a:pt x="2673321" y="79093"/>
-                </a:lnTo>
-                <a:lnTo>
-                  <a:pt x="2715853" y="80320"/>
-                </a:lnTo>
-                <a:lnTo>
-                  <a:pt x="2752122" y="80335"/>
-                </a:lnTo>
-                <a:lnTo>
-                  <a:pt x="2754082" y="81327"/>
-                </a:lnTo>
-                <a:lnTo>
-                  <a:pt x="2755388" y="82980"/>
-                </a:lnTo>
-                <a:lnTo>
-                  <a:pt x="2756258" y="85074"/>
-                </a:lnTo>
-                <a:lnTo>
-                  <a:pt x="2758823" y="86471"/>
-                </a:lnTo>
-                <a:lnTo>
-                  <a:pt x="2784402" y="89100"/>
-                </a:lnTo>
-                <a:lnTo>
-                  <a:pt x="2817681" y="90250"/>
-                </a:lnTo>
-                <a:lnTo>
-                  <a:pt x="2844732" y="96952"/>
-                </a:lnTo>
-                <a:lnTo>
-                  <a:pt x="2881208" y="100677"/>
-                </a:lnTo>
-                <a:lnTo>
-                  <a:pt x="2901730" y="105850"/>
-                </a:lnTo>
-                <a:lnTo>
-                  <a:pt x="2933658" y="108040"/>
-                </a:lnTo>
-                <a:lnTo>
-                  <a:pt x="2960803" y="114802"/>
-                </a:lnTo>
-                <a:lnTo>
-                  <a:pt x="2973643" y="115683"/>
-                </a:lnTo>
-                <a:lnTo>
-                  <a:pt x="3014702" y="107362"/>
-                </a:lnTo>
-                <a:lnTo>
-                  <a:pt x="3058558" y="107125"/>
-                </a:lnTo>
-                <a:lnTo>
-                  <a:pt x="3074754" y="107124"/>
-                </a:lnTo>
-                <a:lnTo>
-                  <a:pt x="3076325" y="108116"/>
-                </a:lnTo>
-                <a:lnTo>
-                  <a:pt x="3077373" y="109769"/>
-                </a:lnTo>
-                <a:lnTo>
-                  <a:pt x="3079054" y="114812"/>
-                </a:lnTo>
-                <a:lnTo>
-                  <a:pt x="3081930" y="115503"/>
-                </a:lnTo>
-                <a:lnTo>
-                  <a:pt x="3126144" y="116054"/>
-                </a:lnTo>
-                <a:lnTo>
-                  <a:pt x="3168850" y="116054"/>
-                </a:lnTo>
-                <a:lnTo>
-                  <a:pt x="3176333" y="116054"/>
-                </a:lnTo>
-                <a:lnTo>
-                  <a:pt x="3184555" y="109916"/>
-                </a:lnTo>
-                <a:lnTo>
-                  <a:pt x="3192847" y="107952"/>
-                </a:lnTo>
-                <a:lnTo>
-                  <a:pt x="3198651" y="107491"/>
-                </a:lnTo>
-                <a:lnTo>
-                  <a:pt x="3204537" y="104641"/>
-                </a:lnTo>
-                <a:lnTo>
-                  <a:pt x="3211660" y="99467"/>
-                </a:lnTo>
-                <a:lnTo>
-                  <a:pt x="3256085" y="98208"/>
-                </a:lnTo>
-                <a:lnTo>
-                  <a:pt x="3300061" y="98194"/>
-                </a:lnTo>
-                <a:lnTo>
-                  <a:pt x="3344709" y="98194"/>
-                </a:lnTo>
-                <a:lnTo>
-                  <a:pt x="3386056" y="98194"/>
-                </a:lnTo>
-                <a:lnTo>
-                  <a:pt x="3392009" y="95548"/>
-                </a:lnTo>
-                <a:lnTo>
-                  <a:pt x="3397961" y="92057"/>
-                </a:lnTo>
-                <a:lnTo>
-                  <a:pt x="3409866" y="89815"/>
-                </a:lnTo>
-                <a:lnTo>
-                  <a:pt x="3430702" y="89297"/>
-                </a:lnTo>
-                <a:lnTo>
-                  <a:pt x="3436656" y="86632"/>
-                </a:lnTo>
-                <a:lnTo>
-                  <a:pt x="3442609" y="83134"/>
-                </a:lnTo>
-                <a:lnTo>
-                  <a:pt x="3454515" y="80887"/>
-                </a:lnTo>
-                <a:lnTo>
-                  <a:pt x="3475351" y="80367"/>
-                </a:lnTo>
-                <a:lnTo>
-                  <a:pt x="3481304" y="82995"/>
-                </a:lnTo>
-                <a:lnTo>
-                  <a:pt x="3484281" y="85084"/>
-                </a:lnTo>
-                <a:lnTo>
-                  <a:pt x="3497951" y="88026"/>
-                </a:lnTo>
-                <a:lnTo>
-                  <a:pt x="3541901" y="89249"/>
-                </a:lnTo>
-                <a:lnTo>
-                  <a:pt x="3565572" y="90255"/>
-                </a:lnTo>
-                <a:lnTo>
-                  <a:pt x="3599276" y="96952"/>
-                </a:lnTo>
-                <a:lnTo>
-                  <a:pt x="3639640" y="90962"/>
-                </a:lnTo>
-                <a:lnTo>
-                  <a:pt x="3677625" y="90480"/>
-                </a:lnTo>
-                <a:lnTo>
-                  <a:pt x="3722224" y="97655"/>
-                </a:lnTo>
-                <a:lnTo>
-                  <a:pt x="3765645" y="98194"/>
-                </a:lnTo>
-                <a:lnTo>
-                  <a:pt x="3806177" y="98194"/>
-                </a:lnTo>
-                <a:lnTo>
-                  <a:pt x="3856351" y="98194"/>
-                </a:lnTo>
-              </a:path>
-            </a:pathLst>
-          </a:custGeom>
-          <a:ln w="19050">
-            <a:solidFill>
-              <a:srgbClr val="FF0000"/>
-            </a:solidFill>
-          </a:ln>
-          <a:effectLst/>
-          <a:extLst>
-            <a:ext uri="{AF507438-7753-43E0-B8FC-AC1667EBCBE1}">
-              <a14:hiddenEffects xmlns:a14="http://schemas.microsoft.com/office/drawing/2010/main">
-                <a:effectLst>
-                  <a:outerShdw blurRad="40000" dist="20000" dir="5400000" rotWithShape="0">
-                    <a:srgbClr val="000000">
-                      <a:alpha val="38000"/>
-                    </a:srgbClr>
-                  </a:outerShdw>
-                </a:effectLst>
-              </a14:hiddenEffects>
-            </a:ext>
-          </a:extLst>
-        </p:spPr>
-        <p:style>
-          <a:lnRef idx="2">
-            <a:schemeClr val="accent1"/>
-          </a:lnRef>
-          <a:fillRef idx="0">
-            <a:schemeClr val="accent1"/>
-          </a:fillRef>
-          <a:effectRef idx="1">
-            <a:schemeClr val="accent1"/>
-          </a:effectRef>
-          <a:fontRef idx="minor">
-            <a:schemeClr val="tx1"/>
-          </a:fontRef>
-        </p:style>
-        <p:txBody>
-          <a:bodyPr rtlCol="0" anchor="ctr"/>
-          <a:lstStyle/>
-          <a:p>
-            <a:pPr algn="ctr"/>
-            <a:endParaRPr lang="en-US"/>
-          </a:p>
-        </p:txBody>
-      </p:sp>
-      <p:sp>
-        <p:nvSpPr>
-          <p:cNvPr id="15" name="SMARTInkShape-13">
-            <a:extLst>
-              <a:ext uri="{FF2B5EF4-FFF2-40B4-BE49-F238E27FC236}">
-                <a16:creationId xmlns:a16="http://schemas.microsoft.com/office/drawing/2014/main" id="{46AC2B4B-33BE-4624-AD80-EA4EFC3AD452}"/>
-              </a:ext>
-            </a:extLst>
-          </p:cNvPr>
-          <p:cNvSpPr/>
-          <p:nvPr>
-            <p:custDataLst>
-              <p:tags r:id="rId4"/>
-            </p:custDataLst>
-          </p:nvPr>
-        </p:nvSpPr>
-        <p:spPr>
-          <a:xfrm>
-            <a:off x="1241227" y="6161484"/>
-            <a:ext cx="1187649" cy="115686"/>
-          </a:xfrm>
-          <a:custGeom>
-            <a:avLst/>
-            <a:gdLst/>
-            <a:ahLst/>
-            <a:cxnLst/>
-            <a:rect l="0" t="0" r="0" b="0"/>
-            <a:pathLst>
-              <a:path w="1187649" h="115686">
-                <a:moveTo>
-                  <a:pt x="0" y="0"/>
-                </a:moveTo>
-                <a:lnTo>
-                  <a:pt x="0" y="0"/>
-                </a:lnTo>
-                <a:lnTo>
-                  <a:pt x="4740" y="0"/>
-                </a:lnTo>
-                <a:lnTo>
-                  <a:pt x="9713" y="2646"/>
-                </a:lnTo>
-                <a:lnTo>
-                  <a:pt x="16250" y="7688"/>
-                </a:lnTo>
-                <a:lnTo>
-                  <a:pt x="25406" y="8820"/>
-                </a:lnTo>
-                <a:lnTo>
-                  <a:pt x="33644" y="15046"/>
-                </a:lnTo>
-                <a:lnTo>
-                  <a:pt x="43003" y="17489"/>
-                </a:lnTo>
-                <a:lnTo>
-                  <a:pt x="51452" y="23923"/>
-                </a:lnTo>
-                <a:lnTo>
-                  <a:pt x="60856" y="26412"/>
-                </a:lnTo>
-                <a:lnTo>
-                  <a:pt x="74791" y="26756"/>
-                </a:lnTo>
-                <a:lnTo>
-                  <a:pt x="76650" y="27759"/>
-                </a:lnTo>
-                <a:lnTo>
-                  <a:pt x="77888" y="29421"/>
-                </a:lnTo>
-                <a:lnTo>
-                  <a:pt x="78714" y="31520"/>
-                </a:lnTo>
-                <a:lnTo>
-                  <a:pt x="80257" y="32919"/>
-                </a:lnTo>
-                <a:lnTo>
-                  <a:pt x="87910" y="35351"/>
-                </a:lnTo>
-                <a:lnTo>
-                  <a:pt x="96863" y="35687"/>
-                </a:lnTo>
-                <a:lnTo>
-                  <a:pt x="97317" y="36690"/>
-                </a:lnTo>
-                <a:lnTo>
-                  <a:pt x="98106" y="43404"/>
-                </a:lnTo>
-                <a:lnTo>
-                  <a:pt x="100819" y="44096"/>
-                </a:lnTo>
-                <a:lnTo>
-                  <a:pt x="119552" y="44647"/>
-                </a:lnTo>
-                <a:lnTo>
-                  <a:pt x="125233" y="47292"/>
-                </a:lnTo>
-                <a:lnTo>
-                  <a:pt x="128137" y="49388"/>
-                </a:lnTo>
-                <a:lnTo>
-                  <a:pt x="168087" y="61158"/>
-                </a:lnTo>
-                <a:lnTo>
-                  <a:pt x="208441" y="70531"/>
-                </a:lnTo>
-                <a:lnTo>
-                  <a:pt x="243093" y="72350"/>
-                </a:lnTo>
-                <a:lnTo>
-                  <a:pt x="260824" y="78490"/>
-                </a:lnTo>
-                <a:lnTo>
-                  <a:pt x="277372" y="82457"/>
-                </a:lnTo>
-                <a:lnTo>
-                  <a:pt x="294843" y="87270"/>
-                </a:lnTo>
-                <a:lnTo>
-                  <a:pt x="312587" y="91342"/>
-                </a:lnTo>
-                <a:lnTo>
-                  <a:pt x="330412" y="96188"/>
-                </a:lnTo>
-                <a:lnTo>
-                  <a:pt x="359050" y="100693"/>
-                </a:lnTo>
-                <a:lnTo>
-                  <a:pt x="375598" y="105241"/>
-                </a:lnTo>
-                <a:lnTo>
-                  <a:pt x="393070" y="109234"/>
-                </a:lnTo>
-                <a:lnTo>
-                  <a:pt x="412010" y="114733"/>
-                </a:lnTo>
-                <a:lnTo>
-                  <a:pt x="426899" y="115685"/>
-                </a:lnTo>
-                <a:lnTo>
-                  <a:pt x="467393" y="107961"/>
-                </a:lnTo>
-                <a:lnTo>
-                  <a:pt x="508996" y="107203"/>
-                </a:lnTo>
-                <a:lnTo>
-                  <a:pt x="550663" y="107159"/>
-                </a:lnTo>
-                <a:lnTo>
-                  <a:pt x="589911" y="107155"/>
-                </a:lnTo>
-                <a:lnTo>
-                  <a:pt x="631922" y="107155"/>
-                </a:lnTo>
-                <a:lnTo>
-                  <a:pt x="675919" y="107155"/>
-                </a:lnTo>
-                <a:lnTo>
-                  <a:pt x="702567" y="106163"/>
-                </a:lnTo>
-                <a:lnTo>
-                  <a:pt x="729662" y="99468"/>
-                </a:lnTo>
-                <a:lnTo>
-                  <a:pt x="752158" y="97481"/>
-                </a:lnTo>
-                <a:lnTo>
-                  <a:pt x="769830" y="91206"/>
-                </a:lnTo>
-                <a:lnTo>
-                  <a:pt x="809734" y="89409"/>
-                </a:lnTo>
-                <a:lnTo>
-                  <a:pt x="854336" y="89298"/>
-                </a:lnTo>
-                <a:lnTo>
-                  <a:pt x="893419" y="89297"/>
-                </a:lnTo>
-                <a:lnTo>
-                  <a:pt x="921904" y="86651"/>
-                </a:lnTo>
-                <a:lnTo>
-                  <a:pt x="965680" y="81195"/>
-                </a:lnTo>
-                <a:lnTo>
-                  <a:pt x="1007248" y="77884"/>
-                </a:lnTo>
-                <a:lnTo>
-                  <a:pt x="1044416" y="67970"/>
-                </a:lnTo>
-                <a:lnTo>
-                  <a:pt x="1080421" y="62595"/>
-                </a:lnTo>
-                <a:lnTo>
-                  <a:pt x="1120391" y="54963"/>
-                </a:lnTo>
-                <a:lnTo>
-                  <a:pt x="1187648" y="44648"/>
-                </a:lnTo>
-              </a:path>
-            </a:pathLst>
-          </a:custGeom>
-          <a:ln w="19050">
-            <a:solidFill>
-              <a:srgbClr val="FF0000"/>
-            </a:solidFill>
-          </a:ln>
-          <a:effectLst/>
-          <a:extLst>
-            <a:ext uri="{AF507438-7753-43E0-B8FC-AC1667EBCBE1}">
-              <a14:hiddenEffects xmlns:a14="http://schemas.microsoft.com/office/drawing/2010/main">
-                <a:effectLst>
-                  <a:outerShdw blurRad="40000" dist="20000" dir="5400000" rotWithShape="0">
-                    <a:srgbClr val="000000">
-                      <a:alpha val="38000"/>
-                    </a:srgbClr>
-                  </a:outerShdw>
-                </a:effectLst>
-              </a14:hiddenEffects>
-            </a:ext>
-          </a:extLst>
-        </p:spPr>
-        <p:style>
-          <a:lnRef idx="2">
-            <a:schemeClr val="accent1"/>
-          </a:lnRef>
-          <a:fillRef idx="0">
-            <a:schemeClr val="accent1"/>
-          </a:fillRef>
-          <a:effectRef idx="1">
-            <a:schemeClr val="accent1"/>
-          </a:effectRef>
-          <a:fontRef idx="minor">
-            <a:schemeClr val="tx1"/>
-          </a:fontRef>
-        </p:style>
-        <p:txBody>
-          <a:bodyPr rtlCol="0" anchor="ctr"/>
-          <a:lstStyle/>
-          <a:p>
-            <a:pPr algn="ctr"/>
-            <a:endParaRPr lang="en-US"/>
           </a:p>
         </p:txBody>
       </p:sp>
@@ -36768,30 +35497,6 @@
 </p:sld>
 </file>
 
-<file path=ppt/tags/tag1.xml><?xml version="1.0" encoding="utf-8"?>
-<p:tagLst xmlns:a="http://schemas.openxmlformats.org/drawingml/2006/main" xmlns:r="http://schemas.openxmlformats.org/officeDocument/2006/relationships" xmlns:p="http://schemas.openxmlformats.org/presentationml/2006/main">
-  <p:tag name="HIGHLIGHTER" val="false"/>
-</p:tagLst>
-</file>
-
-<file path=ppt/tags/tag2.xml><?xml version="1.0" encoding="utf-8"?>
-<p:tagLst xmlns:a="http://schemas.openxmlformats.org/drawingml/2006/main" xmlns:r="http://schemas.openxmlformats.org/officeDocument/2006/relationships" xmlns:p="http://schemas.openxmlformats.org/presentationml/2006/main">
-  <p:tag name="HIGHLIGHTER" val="false"/>
-</p:tagLst>
-</file>
-
-<file path=ppt/tags/tag3.xml><?xml version="1.0" encoding="utf-8"?>
-<p:tagLst xmlns:a="http://schemas.openxmlformats.org/drawingml/2006/main" xmlns:r="http://schemas.openxmlformats.org/officeDocument/2006/relationships" xmlns:p="http://schemas.openxmlformats.org/presentationml/2006/main">
-  <p:tag name="HIGHLIGHTER" val="false"/>
-</p:tagLst>
-</file>
-
-<file path=ppt/tags/tag4.xml><?xml version="1.0" encoding="utf-8"?>
-<p:tagLst xmlns:a="http://schemas.openxmlformats.org/drawingml/2006/main" xmlns:r="http://schemas.openxmlformats.org/officeDocument/2006/relationships" xmlns:p="http://schemas.openxmlformats.org/presentationml/2006/main">
-  <p:tag name="HIGHLIGHTER" val="false"/>
-</p:tagLst>
-</file>
-
 <file path=ppt/theme/theme1.xml><?xml version="1.0" encoding="utf-8"?>
 <a:theme xmlns:a="http://schemas.openxmlformats.org/drawingml/2006/main" name="Office Theme">
   <a:themeElements>

--- a/PPTs/Quiz/MidtermExam2024.pptx
+++ b/PPTs/Quiz/MidtermExam2024.pptx
@@ -308,7 +308,7 @@
           <a:p>
             <a:fld id="{1B0CF57B-C747-FC49-8C8F-81AE37C96CA4}" type="datetimeFigureOut">
               <a:rPr lang="en-US" smtClean="0"/>
-              <a:t>2/18/2025</a:t>
+              <a:t>3/6/2025</a:t>
             </a:fld>
             <a:endParaRPr lang="en-US"/>
           </a:p>
@@ -3827,7 +3827,7 @@
           <a:p>
             <a:fld id="{FB221443-D73C-634A-A910-7320408C156D}" type="datetimeFigureOut">
               <a:rPr lang="en-US" smtClean="0"/>
-              <a:t>2/18/2025</a:t>
+              <a:t>3/6/2025</a:t>
             </a:fld>
             <a:endParaRPr lang="en-US"/>
           </a:p>
@@ -3997,7 +3997,7 @@
           <a:p>
             <a:fld id="{FB221443-D73C-634A-A910-7320408C156D}" type="datetimeFigureOut">
               <a:rPr lang="en-US" smtClean="0"/>
-              <a:t>2/18/2025</a:t>
+              <a:t>3/6/2025</a:t>
             </a:fld>
             <a:endParaRPr lang="en-US"/>
           </a:p>
@@ -4177,7 +4177,7 @@
           <a:p>
             <a:fld id="{FB221443-D73C-634A-A910-7320408C156D}" type="datetimeFigureOut">
               <a:rPr lang="en-US" smtClean="0"/>
-              <a:t>2/18/2025</a:t>
+              <a:t>3/6/2025</a:t>
             </a:fld>
             <a:endParaRPr lang="en-US"/>
           </a:p>
@@ -4347,7 +4347,7 @@
           <a:p>
             <a:fld id="{FB221443-D73C-634A-A910-7320408C156D}" type="datetimeFigureOut">
               <a:rPr lang="en-US" smtClean="0"/>
-              <a:t>2/18/2025</a:t>
+              <a:t>3/6/2025</a:t>
             </a:fld>
             <a:endParaRPr lang="en-US"/>
           </a:p>
@@ -4593,7 +4593,7 @@
           <a:p>
             <a:fld id="{FB221443-D73C-634A-A910-7320408C156D}" type="datetimeFigureOut">
               <a:rPr lang="en-US" smtClean="0"/>
-              <a:t>2/18/2025</a:t>
+              <a:t>3/6/2025</a:t>
             </a:fld>
             <a:endParaRPr lang="en-US"/>
           </a:p>
@@ -4881,7 +4881,7 @@
           <a:p>
             <a:fld id="{FB221443-D73C-634A-A910-7320408C156D}" type="datetimeFigureOut">
               <a:rPr lang="en-US" smtClean="0"/>
-              <a:t>2/18/2025</a:t>
+              <a:t>3/6/2025</a:t>
             </a:fld>
             <a:endParaRPr lang="en-US"/>
           </a:p>
@@ -5303,7 +5303,7 @@
           <a:p>
             <a:fld id="{FB221443-D73C-634A-A910-7320408C156D}" type="datetimeFigureOut">
               <a:rPr lang="en-US" smtClean="0"/>
-              <a:t>2/18/2025</a:t>
+              <a:t>3/6/2025</a:t>
             </a:fld>
             <a:endParaRPr lang="en-US"/>
           </a:p>
@@ -5421,7 +5421,7 @@
           <a:p>
             <a:fld id="{FB221443-D73C-634A-A910-7320408C156D}" type="datetimeFigureOut">
               <a:rPr lang="en-US" smtClean="0"/>
-              <a:t>2/18/2025</a:t>
+              <a:t>3/6/2025</a:t>
             </a:fld>
             <a:endParaRPr lang="en-US"/>
           </a:p>
@@ -5516,7 +5516,7 @@
           <a:p>
             <a:fld id="{FB221443-D73C-634A-A910-7320408C156D}" type="datetimeFigureOut">
               <a:rPr lang="en-US" smtClean="0"/>
-              <a:t>2/18/2025</a:t>
+              <a:t>3/6/2025</a:t>
             </a:fld>
             <a:endParaRPr lang="en-US"/>
           </a:p>
@@ -5793,7 +5793,7 @@
           <a:p>
             <a:fld id="{FB221443-D73C-634A-A910-7320408C156D}" type="datetimeFigureOut">
               <a:rPr lang="en-US" smtClean="0"/>
-              <a:t>2/18/2025</a:t>
+              <a:t>3/6/2025</a:t>
             </a:fld>
             <a:endParaRPr lang="en-US"/>
           </a:p>
@@ -6046,7 +6046,7 @@
           <a:p>
             <a:fld id="{FB221443-D73C-634A-A910-7320408C156D}" type="datetimeFigureOut">
               <a:rPr lang="en-US" smtClean="0"/>
-              <a:t>2/18/2025</a:t>
+              <a:t>3/6/2025</a:t>
             </a:fld>
             <a:endParaRPr lang="en-US"/>
           </a:p>
@@ -6259,7 +6259,7 @@
           <a:p>
             <a:fld id="{FB221443-D73C-634A-A910-7320408C156D}" type="datetimeFigureOut">
               <a:rPr lang="en-US" smtClean="0"/>
-              <a:t>2/18/2025</a:t>
+              <a:t>3/6/2025</a:t>
             </a:fld>
             <a:endParaRPr lang="en-US"/>
           </a:p>
@@ -6677,20 +6677,12 @@
               </a:lnSpc>
             </a:pPr>
             <a:r>
-              <a:rPr lang="en-US" altLang="zh-CN">
+              <a:rPr lang="en-US" altLang="zh-CN" dirty="0">
                 <a:solidFill>
                   <a:schemeClr val="accent1"/>
                 </a:solidFill>
               </a:rPr>
-              <a:t>CSC017 Midterm </a:t>
-            </a:r>
-            <a:r>
-              <a:rPr lang="en-US" altLang="zh-CN" dirty="0">
-                <a:solidFill>
-                  <a:schemeClr val="accent1"/>
-                </a:solidFill>
-              </a:rPr>
-              <a:t>Fall 2024 Problems</a:t>
+              <a:t>CSC017 Midterm Fall 2024 Problems</a:t>
             </a:r>
             <a:endParaRPr lang="en-US" dirty="0">
               <a:solidFill>
@@ -33992,7 +33984,7 @@
         </p:nvSpPr>
         <p:spPr>
           <a:xfrm>
-            <a:off x="457200" y="1600200"/>
+            <a:off x="4159405" y="1711713"/>
             <a:ext cx="4806176" cy="4525963"/>
           </a:xfrm>
         </p:spPr>
@@ -34020,13 +34012,6 @@
             <a:r>
               <a:rPr lang="en-GB" dirty="0"/>
               <a:t>Post-order: [4, 3, 6, 8, 7, 20, 12, 9, 5]</a:t>
-            </a:r>
-          </a:p>
-          <a:p>
-            <a:pPr lvl="1"/>
-            <a:r>
-              <a:rPr lang="en-GB" dirty="0"/>
-              <a:t>The standard answers are wrong, so I manually re-graded Questions 42 43 44</a:t>
             </a:r>
           </a:p>
           <a:p>
@@ -34059,7 +34044,7 @@
         </p:blipFill>
         <p:spPr>
           <a:xfrm>
-            <a:off x="5163016" y="2243699"/>
+            <a:off x="178419" y="2026734"/>
             <a:ext cx="3880624" cy="3153007"/>
           </a:xfrm>
           <a:prstGeom prst="rect">

--- a/PPTs/Quiz/MidtermExam2024.pptx
+++ b/PPTs/Quiz/MidtermExam2024.pptx
@@ -6682,7 +6682,30 @@
                   <a:schemeClr val="accent1"/>
                 </a:solidFill>
               </a:rPr>
-              <a:t>CSC017 Midterm Fall 2024 Problems</a:t>
+              <a:t>CSC017 </a:t>
+            </a:r>
+            <a:r>
+              <a:rPr lang="en-US" altLang="zh-CN">
+                <a:solidFill>
+                  <a:schemeClr val="accent1"/>
+                </a:solidFill>
+              </a:rPr>
+              <a:t>Fall 2024</a:t>
+            </a:r>
+            <a:br>
+              <a:rPr lang="en-US" altLang="zh-CN">
+                <a:solidFill>
+                  <a:schemeClr val="accent1"/>
+                </a:solidFill>
+              </a:rPr>
+            </a:br>
+            <a:r>
+              <a:rPr lang="en-US" altLang="zh-CN">
+                <a:solidFill>
+                  <a:schemeClr val="accent1"/>
+                </a:solidFill>
+              </a:rPr>
+              <a:t>Midterm Exam Solutions</a:t>
             </a:r>
             <a:endParaRPr lang="en-US" dirty="0">
               <a:solidFill>

--- a/PPTs/Quiz/MidtermExam2024.pptx
+++ b/PPTs/Quiz/MidtermExam2024.pptx
@@ -5,7 +5,7 @@
     <p:sldMasterId id="2147483648" r:id="rId1"/>
   </p:sldMasterIdLst>
   <p:notesMasterIdLst>
-    <p:notesMasterId r:id="rId51"/>
+    <p:notesMasterId r:id="rId52"/>
   </p:notesMasterIdLst>
   <p:sldIdLst>
     <p:sldId id="256" r:id="rId2"/>
@@ -54,9 +54,10 @@
     <p:sldId id="411" r:id="rId45"/>
     <p:sldId id="414" r:id="rId46"/>
     <p:sldId id="415" r:id="rId47"/>
-    <p:sldId id="416" r:id="rId48"/>
-    <p:sldId id="417" r:id="rId49"/>
-    <p:sldId id="418" r:id="rId50"/>
+    <p:sldId id="430" r:id="rId48"/>
+    <p:sldId id="416" r:id="rId49"/>
+    <p:sldId id="417" r:id="rId50"/>
+    <p:sldId id="418" r:id="rId51"/>
   </p:sldIdLst>
   <p:sldSz cx="9144000" cy="6858000" type="screen4x3"/>
   <p:notesSz cx="6858000" cy="9144000"/>
@@ -308,7 +309,7 @@
           <a:p>
             <a:fld id="{1B0CF57B-C747-FC49-8C8F-81AE37C96CA4}" type="datetimeFigureOut">
               <a:rPr lang="en-US" smtClean="0"/>
-              <a:t>3/6/2025</a:t>
+              <a:t>3/24/2025</a:t>
             </a:fld>
             <a:endParaRPr lang="en-US"/>
           </a:p>
@@ -1463,6 +1464,130 @@
 </p:notes>
 </file>
 
+<file path=ppt/notesSlides/notesSlide14.xml><?xml version="1.0" encoding="utf-8"?>
+<p:notes xmlns:a="http://schemas.openxmlformats.org/drawingml/2006/main" xmlns:r="http://schemas.openxmlformats.org/officeDocument/2006/relationships" xmlns:p="http://schemas.openxmlformats.org/presentationml/2006/main">
+  <p:cSld>
+    <p:spTree>
+      <p:nvGrpSpPr>
+        <p:cNvPr id="1" name=""/>
+        <p:cNvGrpSpPr/>
+        <p:nvPr/>
+      </p:nvGrpSpPr>
+      <p:grpSpPr>
+        <a:xfrm>
+          <a:off x="0" y="0"/>
+          <a:ext cx="0" cy="0"/>
+          <a:chOff x="0" y="0"/>
+          <a:chExt cx="0" cy="0"/>
+        </a:xfrm>
+      </p:grpSpPr>
+      <p:sp>
+        <p:nvSpPr>
+          <p:cNvPr id="2" name="Slide Image Placeholder 1"/>
+          <p:cNvSpPr>
+            <a:spLocks noGrp="1" noRot="1" noChangeAspect="1"/>
+          </p:cNvSpPr>
+          <p:nvPr>
+            <p:ph type="sldImg"/>
+          </p:nvPr>
+        </p:nvSpPr>
+        <p:spPr/>
+      </p:sp>
+      <p:sp>
+        <p:nvSpPr>
+          <p:cNvPr id="3" name="Notes Placeholder 2"/>
+          <p:cNvSpPr>
+            <a:spLocks noGrp="1"/>
+          </p:cNvSpPr>
+          <p:nvPr>
+            <p:ph type="body" idx="1"/>
+          </p:nvPr>
+        </p:nvSpPr>
+        <p:spPr/>
+        <p:txBody>
+          <a:bodyPr/>
+          <a:lstStyle/>
+          <a:p>
+            <a:pPr marL="0" marR="0" lvl="0" indent="0" algn="l" defTabSz="914400" rtl="0" eaLnBrk="1" fontAlgn="auto" latinLnBrk="0" hangingPunct="1">
+              <a:lnSpc>
+                <a:spcPct val="100000"/>
+              </a:lnSpc>
+              <a:spcBef>
+                <a:spcPts val="0"/>
+              </a:spcBef>
+              <a:spcAft>
+                <a:spcPts val="0"/>
+              </a:spcAft>
+              <a:buClrTx/>
+              <a:buSzTx/>
+              <a:buFontTx/>
+              <a:buNone/>
+              <a:tabLst/>
+              <a:defRPr/>
+            </a:pPr>
+            <a:r>
+              <a:rPr lang="en-GB" dirty="0"/>
+              <a:t>Since Pre-order and in-order end at the same node, A) and B) must be preorder and </a:t>
+            </a:r>
+            <a:r>
+              <a:rPr lang="en-GB" dirty="0" err="1"/>
+              <a:t>inorder</a:t>
+            </a:r>
+            <a:r>
+              <a:rPr lang="en-GB" dirty="0"/>
+              <a:t>. and C) must be </a:t>
+            </a:r>
+            <a:r>
+              <a:rPr lang="en-GB" dirty="0" err="1"/>
+              <a:t>postorder</a:t>
+            </a:r>
+            <a:r>
+              <a:rPr lang="en-GB" dirty="0"/>
+              <a:t>, hence 1 is tree root. Since pre-order begins at the root, A) must be preorder.</a:t>
+            </a:r>
+            <a:endParaRPr lang="en-SE" dirty="0"/>
+          </a:p>
+          <a:p>
+            <a:endParaRPr lang="en-SE" dirty="0"/>
+          </a:p>
+        </p:txBody>
+      </p:sp>
+      <p:sp>
+        <p:nvSpPr>
+          <p:cNvPr id="4" name="Slide Number Placeholder 3"/>
+          <p:cNvSpPr>
+            <a:spLocks noGrp="1"/>
+          </p:cNvSpPr>
+          <p:nvPr>
+            <p:ph type="sldNum" sz="quarter" idx="5"/>
+          </p:nvPr>
+        </p:nvSpPr>
+        <p:spPr/>
+        <p:txBody>
+          <a:bodyPr/>
+          <a:lstStyle/>
+          <a:p>
+            <a:fld id="{13F62E29-99FC-EB40-923F-D38E4FE7BE7E}" type="slidenum">
+              <a:rPr lang="en-US" smtClean="0"/>
+              <a:t>47</a:t>
+            </a:fld>
+            <a:endParaRPr lang="en-US"/>
+          </a:p>
+        </p:txBody>
+      </p:sp>
+    </p:spTree>
+    <p:extLst>
+      <p:ext uri="{BB962C8B-B14F-4D97-AF65-F5344CB8AC3E}">
+        <p14:creationId xmlns:p14="http://schemas.microsoft.com/office/powerpoint/2010/main" val="894265123"/>
+      </p:ext>
+    </p:extLst>
+  </p:cSld>
+  <p:clrMapOvr>
+    <a:masterClrMapping/>
+  </p:clrMapOvr>
+</p:notes>
+</file>
+
 <file path=ppt/notesSlides/notesSlide2.xml><?xml version="1.0" encoding="utf-8"?>
 <p:notes xmlns:a="http://schemas.openxmlformats.org/drawingml/2006/main" xmlns:r="http://schemas.openxmlformats.org/officeDocument/2006/relationships" xmlns:p="http://schemas.openxmlformats.org/presentationml/2006/main">
   <p:cSld>
@@ -3827,7 +3952,7 @@
           <a:p>
             <a:fld id="{FB221443-D73C-634A-A910-7320408C156D}" type="datetimeFigureOut">
               <a:rPr lang="en-US" smtClean="0"/>
-              <a:t>3/6/2025</a:t>
+              <a:t>3/24/2025</a:t>
             </a:fld>
             <a:endParaRPr lang="en-US"/>
           </a:p>
@@ -3997,7 +4122,7 @@
           <a:p>
             <a:fld id="{FB221443-D73C-634A-A910-7320408C156D}" type="datetimeFigureOut">
               <a:rPr lang="en-US" smtClean="0"/>
-              <a:t>3/6/2025</a:t>
+              <a:t>3/24/2025</a:t>
             </a:fld>
             <a:endParaRPr lang="en-US"/>
           </a:p>
@@ -4177,7 +4302,7 @@
           <a:p>
             <a:fld id="{FB221443-D73C-634A-A910-7320408C156D}" type="datetimeFigureOut">
               <a:rPr lang="en-US" smtClean="0"/>
-              <a:t>3/6/2025</a:t>
+              <a:t>3/24/2025</a:t>
             </a:fld>
             <a:endParaRPr lang="en-US"/>
           </a:p>
@@ -4347,7 +4472,7 @@
           <a:p>
             <a:fld id="{FB221443-D73C-634A-A910-7320408C156D}" type="datetimeFigureOut">
               <a:rPr lang="en-US" smtClean="0"/>
-              <a:t>3/6/2025</a:t>
+              <a:t>3/24/2025</a:t>
             </a:fld>
             <a:endParaRPr lang="en-US"/>
           </a:p>
@@ -4593,7 +4718,7 @@
           <a:p>
             <a:fld id="{FB221443-D73C-634A-A910-7320408C156D}" type="datetimeFigureOut">
               <a:rPr lang="en-US" smtClean="0"/>
-              <a:t>3/6/2025</a:t>
+              <a:t>3/24/2025</a:t>
             </a:fld>
             <a:endParaRPr lang="en-US"/>
           </a:p>
@@ -4881,7 +5006,7 @@
           <a:p>
             <a:fld id="{FB221443-D73C-634A-A910-7320408C156D}" type="datetimeFigureOut">
               <a:rPr lang="en-US" smtClean="0"/>
-              <a:t>3/6/2025</a:t>
+              <a:t>3/24/2025</a:t>
             </a:fld>
             <a:endParaRPr lang="en-US"/>
           </a:p>
@@ -5303,7 +5428,7 @@
           <a:p>
             <a:fld id="{FB221443-D73C-634A-A910-7320408C156D}" type="datetimeFigureOut">
               <a:rPr lang="en-US" smtClean="0"/>
-              <a:t>3/6/2025</a:t>
+              <a:t>3/24/2025</a:t>
             </a:fld>
             <a:endParaRPr lang="en-US"/>
           </a:p>
@@ -5421,7 +5546,7 @@
           <a:p>
             <a:fld id="{FB221443-D73C-634A-A910-7320408C156D}" type="datetimeFigureOut">
               <a:rPr lang="en-US" smtClean="0"/>
-              <a:t>3/6/2025</a:t>
+              <a:t>3/24/2025</a:t>
             </a:fld>
             <a:endParaRPr lang="en-US"/>
           </a:p>
@@ -5516,7 +5641,7 @@
           <a:p>
             <a:fld id="{FB221443-D73C-634A-A910-7320408C156D}" type="datetimeFigureOut">
               <a:rPr lang="en-US" smtClean="0"/>
-              <a:t>3/6/2025</a:t>
+              <a:t>3/24/2025</a:t>
             </a:fld>
             <a:endParaRPr lang="en-US"/>
           </a:p>
@@ -5793,7 +5918,7 @@
           <a:p>
             <a:fld id="{FB221443-D73C-634A-A910-7320408C156D}" type="datetimeFigureOut">
               <a:rPr lang="en-US" smtClean="0"/>
-              <a:t>3/6/2025</a:t>
+              <a:t>3/24/2025</a:t>
             </a:fld>
             <a:endParaRPr lang="en-US"/>
           </a:p>
@@ -6046,7 +6171,7 @@
           <a:p>
             <a:fld id="{FB221443-D73C-634A-A910-7320408C156D}" type="datetimeFigureOut">
               <a:rPr lang="en-US" smtClean="0"/>
-              <a:t>3/6/2025</a:t>
+              <a:t>3/24/2025</a:t>
             </a:fld>
             <a:endParaRPr lang="en-US"/>
           </a:p>
@@ -6259,7 +6384,7 @@
           <a:p>
             <a:fld id="{FB221443-D73C-634A-A910-7320408C156D}" type="datetimeFigureOut">
               <a:rPr lang="en-US" smtClean="0"/>
-              <a:t>3/6/2025</a:t>
+              <a:t>3/24/2025</a:t>
             </a:fld>
             <a:endParaRPr lang="en-US"/>
           </a:p>
@@ -13949,35 +14074,7 @@
                 <a:effectLst/>
                 <a:latin typeface="__fkGroteskNeue_598ab8"/>
               </a:rPr>
-              <a:t>Since there are no collisions with these initial indices, each element is placed directly into its calculated </a:t>
-            </a:r>
-            <a:r>
-              <a:rPr lang="en-GB" b="0" i="0" dirty="0" err="1">
-                <a:effectLst/>
-                <a:latin typeface="__fkGroteskNeue_598ab8"/>
-              </a:rPr>
-              <a:t>position.Thus</a:t>
-            </a:r>
-            <a:r>
-              <a:rPr lang="en-GB" b="0" i="0" dirty="0">
-                <a:effectLst/>
-                <a:latin typeface="__fkGroteskNeue_598ab8"/>
-              </a:rPr>
-              <a:t>, the final contents of the hash table </a:t>
-            </a:r>
-            <a:r>
-              <a:rPr lang="en-GB" b="0" i="0" dirty="0" err="1">
-                <a:effectLst/>
-                <a:latin typeface="__fkGroteskNeue_598ab8"/>
-              </a:rPr>
-              <a:t>are:</a:t>
-            </a:r>
-            <a:r>
-              <a:rPr lang="en-GB" b="0" i="0" dirty="0" err="1">
-                <a:effectLst/>
-                <a:latin typeface="var(--font-berkeley-mono)"/>
-              </a:rPr>
-              <a:t>text</a:t>
+              <a:t>Since there are no collisions with these initial indices, each element is placed directly into its calculated position. Thus, the final contents of the hash table are:</a:t>
             </a:r>
             <a:endParaRPr lang="en-GB" b="0" i="0" dirty="0">
               <a:effectLst/>
@@ -34110,6 +34207,160 @@
           <p:cNvPr id="2" name="Title 1">
             <a:extLst>
               <a:ext uri="{FF2B5EF4-FFF2-40B4-BE49-F238E27FC236}">
+                <a16:creationId xmlns:a16="http://schemas.microsoft.com/office/drawing/2014/main" id="{C0389BD4-E09C-87FA-D417-96021794C484}"/>
+              </a:ext>
+            </a:extLst>
+          </p:cNvPr>
+          <p:cNvSpPr>
+            <a:spLocks noGrp="1"/>
+          </p:cNvSpPr>
+          <p:nvPr>
+            <p:ph type="title"/>
+          </p:nvPr>
+        </p:nvSpPr>
+        <p:spPr/>
+        <p:txBody>
+          <a:bodyPr/>
+          <a:lstStyle/>
+          <a:p>
+            <a:r>
+              <a:rPr lang="en-US" altLang="zh-CN" dirty="0"/>
+              <a:t>Quiz</a:t>
+            </a:r>
+            <a:endParaRPr lang="en-SE" dirty="0"/>
+          </a:p>
+        </p:txBody>
+      </p:sp>
+      <p:sp>
+        <p:nvSpPr>
+          <p:cNvPr id="3" name="Content Placeholder 2">
+            <a:extLst>
+              <a:ext uri="{FF2B5EF4-FFF2-40B4-BE49-F238E27FC236}">
+                <a16:creationId xmlns:a16="http://schemas.microsoft.com/office/drawing/2014/main" id="{4B90F7C6-3CDF-510F-31B0-651D8DE4D69D}"/>
+              </a:ext>
+            </a:extLst>
+          </p:cNvPr>
+          <p:cNvSpPr>
+            <a:spLocks noGrp="1"/>
+          </p:cNvSpPr>
+          <p:nvPr>
+            <p:ph idx="1"/>
+          </p:nvPr>
+        </p:nvSpPr>
+        <p:spPr/>
+        <p:txBody>
+          <a:bodyPr>
+            <a:normAutofit/>
+          </a:bodyPr>
+          <a:lstStyle/>
+          <a:p>
+            <a:r>
+              <a:rPr lang="en-GB" dirty="0"/>
+              <a:t>Consider Preorder, In-order, and Post-order traversals</a:t>
+            </a:r>
+          </a:p>
+          <a:p>
+            <a:pPr lvl="1"/>
+            <a:r>
+              <a:rPr lang="en-GB" dirty="0"/>
+              <a:t>A) [5, 3, 4, 9, 7, 6, 8, 12, 20]</a:t>
+            </a:r>
+          </a:p>
+          <a:p>
+            <a:pPr lvl="1"/>
+            <a:r>
+              <a:rPr lang="en-GB" dirty="0"/>
+              <a:t>B) [3, 4, 5, 6, 7, 8, 9, 12, 20]</a:t>
+            </a:r>
+          </a:p>
+          <a:p>
+            <a:pPr lvl="1"/>
+            <a:r>
+              <a:rPr lang="en-GB"/>
+              <a:t>C) </a:t>
+            </a:r>
+            <a:r>
+              <a:rPr lang="en-GB" dirty="0"/>
+              <a:t>[4, 3, 6, 8, 7, 20, 12, 9, 5]</a:t>
+            </a:r>
+          </a:p>
+          <a:p>
+            <a:r>
+              <a:rPr lang="en-GB" dirty="0"/>
+              <a:t>Which one is Preorder, which one is In-order, and which one is Post-order?</a:t>
+            </a:r>
+          </a:p>
+          <a:p>
+            <a:r>
+              <a:rPr lang="en-GB" dirty="0"/>
+              <a:t>Hint: </a:t>
+            </a:r>
+          </a:p>
+          <a:p>
+            <a:pPr lvl="1"/>
+            <a:r>
+              <a:rPr lang="en-GB" dirty="0"/>
+              <a:t>Pre-order traversal: Begins at the root, ends at the right-most node.</a:t>
+            </a:r>
+          </a:p>
+          <a:p>
+            <a:pPr lvl="1"/>
+            <a:r>
+              <a:rPr lang="en-GB" dirty="0"/>
+              <a:t>In-order traversal: Begins at the left-most node, ends at the rightmost node.</a:t>
+            </a:r>
+          </a:p>
+          <a:p>
+            <a:pPr lvl="1"/>
+            <a:r>
+              <a:rPr lang="en-GB" dirty="0"/>
+              <a:t>Post-order traversal: Begins with the left-most node, ends with the root.</a:t>
+            </a:r>
+          </a:p>
+          <a:p>
+            <a:pPr lvl="1"/>
+            <a:endParaRPr lang="en-GB" dirty="0"/>
+          </a:p>
+          <a:p>
+            <a:endParaRPr lang="en-SE" dirty="0"/>
+          </a:p>
+        </p:txBody>
+      </p:sp>
+    </p:spTree>
+    <p:extLst>
+      <p:ext uri="{BB962C8B-B14F-4D97-AF65-F5344CB8AC3E}">
+        <p14:creationId xmlns:p14="http://schemas.microsoft.com/office/powerpoint/2010/main" val="1297016957"/>
+      </p:ext>
+    </p:extLst>
+  </p:cSld>
+  <p:clrMapOvr>
+    <a:masterClrMapping/>
+  </p:clrMapOvr>
+</p:sld>
+</file>
+
+<file path=ppt/slides/slide48.xml><?xml version="1.0" encoding="utf-8"?>
+<p:sld xmlns:a="http://schemas.openxmlformats.org/drawingml/2006/main" xmlns:r="http://schemas.openxmlformats.org/officeDocument/2006/relationships" xmlns:p="http://schemas.openxmlformats.org/presentationml/2006/main">
+  <p:cSld>
+    <p:spTree>
+      <p:nvGrpSpPr>
+        <p:cNvPr id="1" name=""/>
+        <p:cNvGrpSpPr/>
+        <p:nvPr/>
+      </p:nvGrpSpPr>
+      <p:grpSpPr>
+        <a:xfrm>
+          <a:off x="0" y="0"/>
+          <a:ext cx="0" cy="0"/>
+          <a:chOff x="0" y="0"/>
+          <a:chExt cx="0" cy="0"/>
+        </a:xfrm>
+      </p:grpSpPr>
+      <p:sp>
+        <p:nvSpPr>
+          <p:cNvPr id="2" name="Title 1">
+            <a:extLst>
+              <a:ext uri="{FF2B5EF4-FFF2-40B4-BE49-F238E27FC236}">
                 <a16:creationId xmlns:a16="http://schemas.microsoft.com/office/drawing/2014/main" id="{1AE584BD-A6B9-26C3-F00F-99B3E96D0261}"/>
               </a:ext>
             </a:extLst>
@@ -34211,7 +34462,7 @@
 </p:sld>
 </file>
 
-<file path=ppt/slides/slide48.xml><?xml version="1.0" encoding="utf-8"?>
+<file path=ppt/slides/slide49.xml><?xml version="1.0" encoding="utf-8"?>
 <p:sld xmlns:a="http://schemas.openxmlformats.org/drawingml/2006/main" xmlns:r="http://schemas.openxmlformats.org/officeDocument/2006/relationships" xmlns:p="http://schemas.openxmlformats.org/presentationml/2006/main">
   <p:cSld>
     <p:spTree>
@@ -34429,8 +34680,8 @@
         </p:blipFill>
         <p:spPr>
           <a:xfrm>
-            <a:off x="5738812" y="85725"/>
-            <a:ext cx="3286125" cy="6686550"/>
+            <a:off x="5653668" y="-1800"/>
+            <a:ext cx="3371269" cy="6859800"/>
           </a:xfrm>
           <a:prstGeom prst="rect">
             <a:avLst/>
@@ -34441,127 +34692,6 @@
     <p:extLst>
       <p:ext uri="{BB962C8B-B14F-4D97-AF65-F5344CB8AC3E}">
         <p14:creationId xmlns:p14="http://schemas.microsoft.com/office/powerpoint/2010/main" val="1910680744"/>
-      </p:ext>
-    </p:extLst>
-  </p:cSld>
-  <p:clrMapOvr>
-    <a:masterClrMapping/>
-  </p:clrMapOvr>
-</p:sld>
-</file>
-
-<file path=ppt/slides/slide49.xml><?xml version="1.0" encoding="utf-8"?>
-<p:sld xmlns:a="http://schemas.openxmlformats.org/drawingml/2006/main" xmlns:r="http://schemas.openxmlformats.org/officeDocument/2006/relationships" xmlns:p="http://schemas.openxmlformats.org/presentationml/2006/main">
-  <p:cSld>
-    <p:spTree>
-      <p:nvGrpSpPr>
-        <p:cNvPr id="1" name=""/>
-        <p:cNvGrpSpPr/>
-        <p:nvPr/>
-      </p:nvGrpSpPr>
-      <p:grpSpPr>
-        <a:xfrm>
-          <a:off x="0" y="0"/>
-          <a:ext cx="0" cy="0"/>
-          <a:chOff x="0" y="0"/>
-          <a:chExt cx="0" cy="0"/>
-        </a:xfrm>
-      </p:grpSpPr>
-      <p:sp>
-        <p:nvSpPr>
-          <p:cNvPr id="2" name="Title 1">
-            <a:extLst>
-              <a:ext uri="{FF2B5EF4-FFF2-40B4-BE49-F238E27FC236}">
-                <a16:creationId xmlns:a16="http://schemas.microsoft.com/office/drawing/2014/main" id="{884FA04B-5AA3-3193-7E7B-E6BE2F99231B}"/>
-              </a:ext>
-            </a:extLst>
-          </p:cNvPr>
-          <p:cNvSpPr>
-            <a:spLocks noGrp="1"/>
-          </p:cNvSpPr>
-          <p:nvPr>
-            <p:ph type="title"/>
-          </p:nvPr>
-        </p:nvSpPr>
-        <p:spPr/>
-        <p:txBody>
-          <a:bodyPr/>
-          <a:lstStyle/>
-          <a:p>
-            <a:r>
-              <a:rPr lang="en-GB" dirty="0"/>
-              <a:t>Question 48</a:t>
-            </a:r>
-            <a:endParaRPr lang="en-SE" dirty="0"/>
-          </a:p>
-        </p:txBody>
-      </p:sp>
-      <p:sp>
-        <p:nvSpPr>
-          <p:cNvPr id="3" name="Content Placeholder 2">
-            <a:extLst>
-              <a:ext uri="{FF2B5EF4-FFF2-40B4-BE49-F238E27FC236}">
-                <a16:creationId xmlns:a16="http://schemas.microsoft.com/office/drawing/2014/main" id="{C312A328-4AC6-C352-5029-EA682525D581}"/>
-              </a:ext>
-            </a:extLst>
-          </p:cNvPr>
-          <p:cNvSpPr>
-            <a:spLocks noGrp="1"/>
-          </p:cNvSpPr>
-          <p:nvPr>
-            <p:ph idx="1"/>
-          </p:nvPr>
-        </p:nvSpPr>
-        <p:spPr/>
-        <p:txBody>
-          <a:bodyPr/>
-          <a:lstStyle/>
-          <a:p>
-            <a:r>
-              <a:rPr lang="en-GB" b="0" i="0" dirty="0">
-                <a:solidFill>
-                  <a:srgbClr val="2D3B45"/>
-                </a:solidFill>
-                <a:effectLst/>
-                <a:latin typeface="Lato Extended"/>
-              </a:rPr>
-              <a:t>Suppose the numbers 7, 5, 1, 8, 3, 6, 0, 9, 4, 2 are inserted in that order into an initially empty binary search tree. What is the in-order traversal sequence of the resultant tree?</a:t>
-            </a:r>
-          </a:p>
-          <a:p>
-            <a:r>
-              <a:rPr lang="en-GB" dirty="0">
-                <a:solidFill>
-                  <a:srgbClr val="2D3B45"/>
-                </a:solidFill>
-                <a:latin typeface="Lato Extended"/>
-              </a:rPr>
-              <a:t>ANS: 0 1 2 3 4 5 6 7 8 9</a:t>
-            </a:r>
-            <a:endParaRPr lang="en-GB" b="0" i="0" dirty="0">
-              <a:solidFill>
-                <a:srgbClr val="2D3B45"/>
-              </a:solidFill>
-              <a:effectLst/>
-              <a:latin typeface="Lato Extended"/>
-            </a:endParaRPr>
-          </a:p>
-          <a:p>
-            <a:r>
-              <a:rPr lang="en-GB" b="0" i="0" dirty="0">
-                <a:effectLst/>
-                <a:latin typeface="__fkGroteskNeue_598ab8"/>
-              </a:rPr>
-              <a:t>In-order traversal of a binary search tree visits the nodes in ascending order of their values. You do not need to construct the tree.</a:t>
-            </a:r>
-            <a:endParaRPr lang="en-SE" dirty="0"/>
-          </a:p>
-        </p:txBody>
-      </p:sp>
-    </p:spTree>
-    <p:extLst>
-      <p:ext uri="{BB962C8B-B14F-4D97-AF65-F5344CB8AC3E}">
-        <p14:creationId xmlns:p14="http://schemas.microsoft.com/office/powerpoint/2010/main" val="4228319121"/>
       </p:ext>
     </p:extLst>
   </p:cSld>
@@ -34741,6 +34871,127 @@
     <p:extLst>
       <p:ext uri="{BB962C8B-B14F-4D97-AF65-F5344CB8AC3E}">
         <p14:creationId xmlns:p14="http://schemas.microsoft.com/office/powerpoint/2010/main" val="277069328"/>
+      </p:ext>
+    </p:extLst>
+  </p:cSld>
+  <p:clrMapOvr>
+    <a:masterClrMapping/>
+  </p:clrMapOvr>
+</p:sld>
+</file>
+
+<file path=ppt/slides/slide50.xml><?xml version="1.0" encoding="utf-8"?>
+<p:sld xmlns:a="http://schemas.openxmlformats.org/drawingml/2006/main" xmlns:r="http://schemas.openxmlformats.org/officeDocument/2006/relationships" xmlns:p="http://schemas.openxmlformats.org/presentationml/2006/main">
+  <p:cSld>
+    <p:spTree>
+      <p:nvGrpSpPr>
+        <p:cNvPr id="1" name=""/>
+        <p:cNvGrpSpPr/>
+        <p:nvPr/>
+      </p:nvGrpSpPr>
+      <p:grpSpPr>
+        <a:xfrm>
+          <a:off x="0" y="0"/>
+          <a:ext cx="0" cy="0"/>
+          <a:chOff x="0" y="0"/>
+          <a:chExt cx="0" cy="0"/>
+        </a:xfrm>
+      </p:grpSpPr>
+      <p:sp>
+        <p:nvSpPr>
+          <p:cNvPr id="2" name="Title 1">
+            <a:extLst>
+              <a:ext uri="{FF2B5EF4-FFF2-40B4-BE49-F238E27FC236}">
+                <a16:creationId xmlns:a16="http://schemas.microsoft.com/office/drawing/2014/main" id="{884FA04B-5AA3-3193-7E7B-E6BE2F99231B}"/>
+              </a:ext>
+            </a:extLst>
+          </p:cNvPr>
+          <p:cNvSpPr>
+            <a:spLocks noGrp="1"/>
+          </p:cNvSpPr>
+          <p:nvPr>
+            <p:ph type="title"/>
+          </p:nvPr>
+        </p:nvSpPr>
+        <p:spPr/>
+        <p:txBody>
+          <a:bodyPr/>
+          <a:lstStyle/>
+          <a:p>
+            <a:r>
+              <a:rPr lang="en-GB" dirty="0"/>
+              <a:t>Question 48</a:t>
+            </a:r>
+            <a:endParaRPr lang="en-SE" dirty="0"/>
+          </a:p>
+        </p:txBody>
+      </p:sp>
+      <p:sp>
+        <p:nvSpPr>
+          <p:cNvPr id="3" name="Content Placeholder 2">
+            <a:extLst>
+              <a:ext uri="{FF2B5EF4-FFF2-40B4-BE49-F238E27FC236}">
+                <a16:creationId xmlns:a16="http://schemas.microsoft.com/office/drawing/2014/main" id="{C312A328-4AC6-C352-5029-EA682525D581}"/>
+              </a:ext>
+            </a:extLst>
+          </p:cNvPr>
+          <p:cNvSpPr>
+            <a:spLocks noGrp="1"/>
+          </p:cNvSpPr>
+          <p:nvPr>
+            <p:ph idx="1"/>
+          </p:nvPr>
+        </p:nvSpPr>
+        <p:spPr/>
+        <p:txBody>
+          <a:bodyPr/>
+          <a:lstStyle/>
+          <a:p>
+            <a:r>
+              <a:rPr lang="en-GB" b="0" i="0" dirty="0">
+                <a:solidFill>
+                  <a:srgbClr val="2D3B45"/>
+                </a:solidFill>
+                <a:effectLst/>
+                <a:latin typeface="Lato Extended"/>
+              </a:rPr>
+              <a:t>Suppose the numbers 7, 5, 1, 8, 3, 6, 0, 9, 4, 2 are inserted in that order into an initially empty binary search tree. What is the in-order traversal sequence of the resultant tree?</a:t>
+            </a:r>
+          </a:p>
+          <a:p>
+            <a:r>
+              <a:rPr lang="en-GB" dirty="0">
+                <a:solidFill>
+                  <a:srgbClr val="2D3B45"/>
+                </a:solidFill>
+                <a:latin typeface="Lato Extended"/>
+              </a:rPr>
+              <a:t>ANS: 0 1 2 3 4 5 6 7 8 9</a:t>
+            </a:r>
+            <a:endParaRPr lang="en-GB" b="0" i="0" dirty="0">
+              <a:solidFill>
+                <a:srgbClr val="2D3B45"/>
+              </a:solidFill>
+              <a:effectLst/>
+              <a:latin typeface="Lato Extended"/>
+            </a:endParaRPr>
+          </a:p>
+          <a:p>
+            <a:r>
+              <a:rPr lang="en-GB" b="0" i="0" dirty="0">
+                <a:effectLst/>
+                <a:latin typeface="__fkGroteskNeue_598ab8"/>
+              </a:rPr>
+              <a:t>In-order traversal of a binary search tree visits the nodes in ascending order of their values. You do not need to construct the tree.</a:t>
+            </a:r>
+            <a:endParaRPr lang="en-SE" dirty="0"/>
+          </a:p>
+        </p:txBody>
+      </p:sp>
+    </p:spTree>
+    <p:extLst>
+      <p:ext uri="{BB962C8B-B14F-4D97-AF65-F5344CB8AC3E}">
+        <p14:creationId xmlns:p14="http://schemas.microsoft.com/office/powerpoint/2010/main" val="4228319121"/>
       </p:ext>
     </p:extLst>
   </p:cSld>
